--- a/bitcoin.pptx
+++ b/bitcoin.pptx
@@ -243,7 +243,7 @@
           <a:p>
             <a:fld id="{CAFD4390-0EFB-AA47-841E-295E33D2312E}" type="datetimeFigureOut">
               <a:rPr lang="en-US" smtClean="0"/>
-              <a:t>11/11/18</a:t>
+              <a:t>11/12/18</a:t>
             </a:fld>
             <a:endParaRPr lang="en-US"/>
           </a:p>
@@ -413,7 +413,7 @@
           <a:p>
             <a:fld id="{CAFD4390-0EFB-AA47-841E-295E33D2312E}" type="datetimeFigureOut">
               <a:rPr lang="en-US" smtClean="0"/>
-              <a:t>11/11/18</a:t>
+              <a:t>11/12/18</a:t>
             </a:fld>
             <a:endParaRPr lang="en-US"/>
           </a:p>
@@ -593,7 +593,7 @@
           <a:p>
             <a:fld id="{CAFD4390-0EFB-AA47-841E-295E33D2312E}" type="datetimeFigureOut">
               <a:rPr lang="en-US" smtClean="0"/>
-              <a:t>11/11/18</a:t>
+              <a:t>11/12/18</a:t>
             </a:fld>
             <a:endParaRPr lang="en-US"/>
           </a:p>
@@ -763,7 +763,7 @@
           <a:p>
             <a:fld id="{CAFD4390-0EFB-AA47-841E-295E33D2312E}" type="datetimeFigureOut">
               <a:rPr lang="en-US" smtClean="0"/>
-              <a:t>11/11/18</a:t>
+              <a:t>11/12/18</a:t>
             </a:fld>
             <a:endParaRPr lang="en-US"/>
           </a:p>
@@ -1007,7 +1007,7 @@
           <a:p>
             <a:fld id="{CAFD4390-0EFB-AA47-841E-295E33D2312E}" type="datetimeFigureOut">
               <a:rPr lang="en-US" smtClean="0"/>
-              <a:t>11/11/18</a:t>
+              <a:t>11/12/18</a:t>
             </a:fld>
             <a:endParaRPr lang="en-US"/>
           </a:p>
@@ -1239,7 +1239,7 @@
           <a:p>
             <a:fld id="{CAFD4390-0EFB-AA47-841E-295E33D2312E}" type="datetimeFigureOut">
               <a:rPr lang="en-US" smtClean="0"/>
-              <a:t>11/11/18</a:t>
+              <a:t>11/12/18</a:t>
             </a:fld>
             <a:endParaRPr lang="en-US"/>
           </a:p>
@@ -1606,7 +1606,7 @@
           <a:p>
             <a:fld id="{CAFD4390-0EFB-AA47-841E-295E33D2312E}" type="datetimeFigureOut">
               <a:rPr lang="en-US" smtClean="0"/>
-              <a:t>11/11/18</a:t>
+              <a:t>11/12/18</a:t>
             </a:fld>
             <a:endParaRPr lang="en-US"/>
           </a:p>
@@ -1724,7 +1724,7 @@
           <a:p>
             <a:fld id="{CAFD4390-0EFB-AA47-841E-295E33D2312E}" type="datetimeFigureOut">
               <a:rPr lang="en-US" smtClean="0"/>
-              <a:t>11/11/18</a:t>
+              <a:t>11/12/18</a:t>
             </a:fld>
             <a:endParaRPr lang="en-US"/>
           </a:p>
@@ -1819,7 +1819,7 @@
           <a:p>
             <a:fld id="{CAFD4390-0EFB-AA47-841E-295E33D2312E}" type="datetimeFigureOut">
               <a:rPr lang="en-US" smtClean="0"/>
-              <a:t>11/11/18</a:t>
+              <a:t>11/12/18</a:t>
             </a:fld>
             <a:endParaRPr lang="en-US"/>
           </a:p>
@@ -2096,7 +2096,7 @@
           <a:p>
             <a:fld id="{CAFD4390-0EFB-AA47-841E-295E33D2312E}" type="datetimeFigureOut">
               <a:rPr lang="en-US" smtClean="0"/>
-              <a:t>11/11/18</a:t>
+              <a:t>11/12/18</a:t>
             </a:fld>
             <a:endParaRPr lang="en-US"/>
           </a:p>
@@ -2353,7 +2353,7 @@
           <a:p>
             <a:fld id="{CAFD4390-0EFB-AA47-841E-295E33D2312E}" type="datetimeFigureOut">
               <a:rPr lang="en-US" smtClean="0"/>
-              <a:t>11/11/18</a:t>
+              <a:t>11/12/18</a:t>
             </a:fld>
             <a:endParaRPr lang="en-US"/>
           </a:p>
@@ -2566,7 +2566,7 @@
           <a:p>
             <a:fld id="{CAFD4390-0EFB-AA47-841E-295E33D2312E}" type="datetimeFigureOut">
               <a:rPr lang="en-US" smtClean="0"/>
-              <a:t>11/11/18</a:t>
+              <a:t>11/12/18</a:t>
             </a:fld>
             <a:endParaRPr lang="en-US"/>
           </a:p>
@@ -6007,7 +6007,7 @@
         </p:nvSpPr>
         <p:spPr>
           <a:xfrm>
-            <a:off x="3090845" y="6562832"/>
+            <a:off x="3090845" y="6515764"/>
             <a:ext cx="559769" cy="230832"/>
           </a:xfrm>
           <a:prstGeom prst="rect">
@@ -6223,9 +6223,9 @@
           <p:nvPr/>
         </p:nvCxnSpPr>
         <p:spPr>
-          <a:xfrm>
-            <a:off x="4398084" y="6161437"/>
-            <a:ext cx="0" cy="1615440"/>
+          <a:xfrm flipH="1">
+            <a:off x="4398084" y="6793664"/>
+            <a:ext cx="8255" cy="983213"/>
           </a:xfrm>
           <a:prstGeom prst="straightConnector1">
             <a:avLst/>
@@ -6267,9 +6267,9 @@
           <p:nvPr/>
         </p:nvCxnSpPr>
         <p:spPr>
-          <a:xfrm>
-            <a:off x="5633981" y="6159299"/>
-            <a:ext cx="0" cy="790465"/>
+          <a:xfrm flipH="1">
+            <a:off x="5633981" y="6790367"/>
+            <a:ext cx="1234" cy="179569"/>
           </a:xfrm>
           <a:prstGeom prst="straightConnector1">
             <a:avLst/>
@@ -6980,6 +6980,101 @@
           </a:fontRef>
         </p:style>
       </p:cxnSp>
+      <p:pic>
+        <p:nvPicPr>
+          <p:cNvPr id="12" name="Picture 11">
+            <a:extLst>
+              <a:ext uri="{FF2B5EF4-FFF2-40B4-BE49-F238E27FC236}">
+                <a16:creationId xmlns:a16="http://schemas.microsoft.com/office/drawing/2014/main" id="{F3310A67-8126-BC43-86CD-456089D55F53}"/>
+              </a:ext>
+            </a:extLst>
+          </p:cNvPr>
+          <p:cNvPicPr>
+            <a:picLocks noChangeAspect="1"/>
+          </p:cNvPicPr>
+          <p:nvPr/>
+        </p:nvPicPr>
+        <p:blipFill>
+          <a:blip r:embed="rId2"/>
+          <a:stretch>
+            <a:fillRect/>
+          </a:stretch>
+        </p:blipFill>
+        <p:spPr>
+          <a:xfrm>
+            <a:off x="4300206" y="6583543"/>
+            <a:ext cx="212267" cy="212267"/>
+          </a:xfrm>
+          <a:prstGeom prst="rect">
+            <a:avLst/>
+          </a:prstGeom>
+        </p:spPr>
+      </p:pic>
+      <p:pic>
+        <p:nvPicPr>
+          <p:cNvPr id="95" name="Picture 94">
+            <a:extLst>
+              <a:ext uri="{FF2B5EF4-FFF2-40B4-BE49-F238E27FC236}">
+                <a16:creationId xmlns:a16="http://schemas.microsoft.com/office/drawing/2014/main" id="{E12D68A0-B159-5A49-BD70-2B3254D8E035}"/>
+              </a:ext>
+            </a:extLst>
+          </p:cNvPr>
+          <p:cNvPicPr>
+            <a:picLocks noChangeAspect="1"/>
+          </p:cNvPicPr>
+          <p:nvPr/>
+        </p:nvPicPr>
+        <p:blipFill>
+          <a:blip r:embed="rId2"/>
+          <a:stretch>
+            <a:fillRect/>
+          </a:stretch>
+        </p:blipFill>
+        <p:spPr>
+          <a:xfrm>
+            <a:off x="5529081" y="6578100"/>
+            <a:ext cx="212267" cy="212267"/>
+          </a:xfrm>
+          <a:prstGeom prst="rect">
+            <a:avLst/>
+          </a:prstGeom>
+        </p:spPr>
+      </p:pic>
+      <p:sp>
+        <p:nvSpPr>
+          <p:cNvPr id="97" name="TextBox 96">
+            <a:extLst>
+              <a:ext uri="{FF2B5EF4-FFF2-40B4-BE49-F238E27FC236}">
+                <a16:creationId xmlns:a16="http://schemas.microsoft.com/office/drawing/2014/main" id="{6B57F89F-706A-6149-9245-1CA15DE3A778}"/>
+              </a:ext>
+            </a:extLst>
+          </p:cNvPr>
+          <p:cNvSpPr txBox="1"/>
+          <p:nvPr/>
+        </p:nvSpPr>
+        <p:spPr>
+          <a:xfrm>
+            <a:off x="4415788" y="6538620"/>
+            <a:ext cx="648847" cy="369332"/>
+          </a:xfrm>
+          <a:prstGeom prst="rect">
+            <a:avLst/>
+          </a:prstGeom>
+          <a:noFill/>
+        </p:spPr>
+        <p:txBody>
+          <a:bodyPr wrap="square" rtlCol="0">
+            <a:spAutoFit/>
+          </a:bodyPr>
+          <a:lstStyle/>
+          <a:p>
+            <a:r>
+              <a:rPr lang="en-US" sz="900" dirty="0"/>
+              <a:t>Codebase copy</a:t>
+            </a:r>
+          </a:p>
+        </p:txBody>
+      </p:sp>
     </p:spTree>
     <p:extLst>
       <p:ext uri="{BB962C8B-B14F-4D97-AF65-F5344CB8AC3E}">

--- a/bitcoin.pptx
+++ b/bitcoin.pptx
@@ -6042,7 +6042,7 @@
         </p:nvSpPr>
         <p:spPr>
           <a:xfrm>
-            <a:off x="13487673" y="10074270"/>
+            <a:off x="13555645" y="10177547"/>
             <a:ext cx="401450" cy="646331"/>
           </a:xfrm>
           <a:prstGeom prst="rect">
@@ -6087,7 +6087,7 @@
         </p:nvSpPr>
         <p:spPr>
           <a:xfrm>
-            <a:off x="13498482" y="10937772"/>
+            <a:off x="13566454" y="11041049"/>
             <a:ext cx="401450" cy="646331"/>
           </a:xfrm>
           <a:prstGeom prst="rect">
@@ -6132,7 +6132,7 @@
         </p:nvSpPr>
         <p:spPr>
           <a:xfrm>
-            <a:off x="13527057" y="11704452"/>
+            <a:off x="13595029" y="11807729"/>
             <a:ext cx="401450" cy="646331"/>
           </a:xfrm>
           <a:prstGeom prst="rect">
@@ -6177,7 +6177,7 @@
         </p:nvSpPr>
         <p:spPr>
           <a:xfrm>
-            <a:off x="13483854" y="9158077"/>
+            <a:off x="13551826" y="9261354"/>
             <a:ext cx="401450" cy="646331"/>
           </a:xfrm>
           <a:prstGeom prst="rect">
@@ -6486,7 +6486,7 @@
         </p:nvSpPr>
         <p:spPr>
           <a:xfrm>
-            <a:off x="13360534" y="12205143"/>
+            <a:off x="13428506" y="12308420"/>
             <a:ext cx="734496" cy="184666"/>
           </a:xfrm>
           <a:prstGeom prst="rect">
@@ -7054,8 +7054,8 @@
         </p:nvSpPr>
         <p:spPr>
           <a:xfrm>
-            <a:off x="4415788" y="6538620"/>
-            <a:ext cx="648847" cy="369332"/>
+            <a:off x="4429408" y="6536451"/>
+            <a:ext cx="793521" cy="492443"/>
           </a:xfrm>
           <a:prstGeom prst="rect">
             <a:avLst/>
@@ -7070,11 +7070,422 @@
           <a:p>
             <a:r>
               <a:rPr lang="en-US" sz="900" dirty="0"/>
-              <a:t>Codebase copy</a:t>
-            </a:r>
-          </a:p>
-        </p:txBody>
-      </p:sp>
+              <a:t>Codebase copy &amp; </a:t>
+            </a:r>
+            <a:r>
+              <a:rPr lang="en-US" sz="800" dirty="0"/>
+              <a:t>modification</a:t>
+            </a:r>
+            <a:endParaRPr lang="en-US" sz="900" dirty="0"/>
+          </a:p>
+        </p:txBody>
+      </p:sp>
+      <p:sp>
+        <p:nvSpPr>
+          <p:cNvPr id="96" name="Oval 95">
+            <a:extLst>
+              <a:ext uri="{FF2B5EF4-FFF2-40B4-BE49-F238E27FC236}">
+                <a16:creationId xmlns:a16="http://schemas.microsoft.com/office/drawing/2014/main" id="{20847A88-5000-FD4D-8286-94AFD280645A}"/>
+              </a:ext>
+            </a:extLst>
+          </p:cNvPr>
+          <p:cNvSpPr/>
+          <p:nvPr/>
+        </p:nvSpPr>
+        <p:spPr>
+          <a:xfrm>
+            <a:off x="13327759" y="5802764"/>
+            <a:ext cx="731520" cy="742278"/>
+          </a:xfrm>
+          <a:prstGeom prst="ellipse">
+            <a:avLst/>
+          </a:prstGeom>
+          <a:solidFill>
+            <a:srgbClr val="FFC000"/>
+          </a:solidFill>
+        </p:spPr>
+        <p:style>
+          <a:lnRef idx="2">
+            <a:schemeClr val="accent1">
+              <a:shade val="50000"/>
+            </a:schemeClr>
+          </a:lnRef>
+          <a:fillRef idx="1">
+            <a:schemeClr val="accent1"/>
+          </a:fillRef>
+          <a:effectRef idx="0">
+            <a:schemeClr val="accent1"/>
+          </a:effectRef>
+          <a:fontRef idx="minor">
+            <a:schemeClr val="lt1"/>
+          </a:fontRef>
+        </p:style>
+        <p:txBody>
+          <a:bodyPr rtlCol="0" anchor="ctr"/>
+          <a:lstStyle/>
+          <a:p>
+            <a:pPr algn="ctr"/>
+            <a:r>
+              <a:rPr lang="en-US" sz="900" b="1" i="1" dirty="0">
+                <a:solidFill>
+                  <a:schemeClr val="bg1"/>
+                </a:solidFill>
+              </a:rPr>
+              <a:t>Bitcoin</a:t>
+            </a:r>
+          </a:p>
+        </p:txBody>
+      </p:sp>
+      <p:cxnSp>
+        <p:nvCxnSpPr>
+          <p:cNvPr id="98" name="Straight Arrow Connector 97">
+            <a:extLst>
+              <a:ext uri="{FF2B5EF4-FFF2-40B4-BE49-F238E27FC236}">
+                <a16:creationId xmlns:a16="http://schemas.microsoft.com/office/drawing/2014/main" id="{C3B8C99D-AEB4-EE4B-8C70-3FBD9A35FC73}"/>
+              </a:ext>
+            </a:extLst>
+          </p:cNvPr>
+          <p:cNvCxnSpPr>
+            <a:cxnSpLocks/>
+          </p:cNvCxnSpPr>
+          <p:nvPr/>
+        </p:nvCxnSpPr>
+        <p:spPr>
+          <a:xfrm>
+            <a:off x="14188371" y="6179282"/>
+            <a:ext cx="247426" cy="0"/>
+          </a:xfrm>
+          <a:prstGeom prst="straightConnector1">
+            <a:avLst/>
+          </a:prstGeom>
+          <a:ln>
+            <a:solidFill>
+              <a:schemeClr val="tx1"/>
+            </a:solidFill>
+            <a:tailEnd type="triangle"/>
+          </a:ln>
+        </p:spPr>
+        <p:style>
+          <a:lnRef idx="1">
+            <a:schemeClr val="accent1"/>
+          </a:lnRef>
+          <a:fillRef idx="0">
+            <a:schemeClr val="accent1"/>
+          </a:fillRef>
+          <a:effectRef idx="0">
+            <a:schemeClr val="accent1"/>
+          </a:effectRef>
+          <a:fontRef idx="minor">
+            <a:schemeClr val="tx1"/>
+          </a:fontRef>
+        </p:style>
+      </p:cxnSp>
+      <p:sp>
+        <p:nvSpPr>
+          <p:cNvPr id="99" name="Oval 98">
+            <a:extLst>
+              <a:ext uri="{FF2B5EF4-FFF2-40B4-BE49-F238E27FC236}">
+                <a16:creationId xmlns:a16="http://schemas.microsoft.com/office/drawing/2014/main" id="{83248CB6-CCC7-7249-8865-19FC042B2B86}"/>
+              </a:ext>
+            </a:extLst>
+          </p:cNvPr>
+          <p:cNvSpPr/>
+          <p:nvPr/>
+        </p:nvSpPr>
+        <p:spPr>
+          <a:xfrm>
+            <a:off x="13327759" y="6606223"/>
+            <a:ext cx="731520" cy="742278"/>
+          </a:xfrm>
+          <a:prstGeom prst="ellipse">
+            <a:avLst/>
+          </a:prstGeom>
+          <a:solidFill>
+            <a:srgbClr val="FF0000"/>
+          </a:solidFill>
+        </p:spPr>
+        <p:style>
+          <a:lnRef idx="2">
+            <a:schemeClr val="accent1">
+              <a:shade val="50000"/>
+            </a:schemeClr>
+          </a:lnRef>
+          <a:fillRef idx="1">
+            <a:schemeClr val="accent1"/>
+          </a:fillRef>
+          <a:effectRef idx="0">
+            <a:schemeClr val="accent1"/>
+          </a:effectRef>
+          <a:fontRef idx="minor">
+            <a:schemeClr val="lt1"/>
+          </a:fontRef>
+        </p:style>
+        <p:txBody>
+          <a:bodyPr rtlCol="0" anchor="ctr"/>
+          <a:lstStyle/>
+          <a:p>
+            <a:pPr algn="ctr"/>
+            <a:r>
+              <a:rPr lang="en-US" sz="1400" b="1" i="1" dirty="0">
+                <a:solidFill>
+                  <a:schemeClr val="bg1"/>
+                </a:solidFill>
+              </a:rPr>
+              <a:t>BTG</a:t>
+            </a:r>
+          </a:p>
+        </p:txBody>
+      </p:sp>
+      <p:cxnSp>
+        <p:nvCxnSpPr>
+          <p:cNvPr id="100" name="Straight Arrow Connector 99">
+            <a:extLst>
+              <a:ext uri="{FF2B5EF4-FFF2-40B4-BE49-F238E27FC236}">
+                <a16:creationId xmlns:a16="http://schemas.microsoft.com/office/drawing/2014/main" id="{61324920-15CD-3745-A43B-EA8360CF2743}"/>
+              </a:ext>
+            </a:extLst>
+          </p:cNvPr>
+          <p:cNvCxnSpPr>
+            <a:cxnSpLocks/>
+          </p:cNvCxnSpPr>
+          <p:nvPr/>
+        </p:nvCxnSpPr>
+        <p:spPr>
+          <a:xfrm>
+            <a:off x="14188371" y="6925817"/>
+            <a:ext cx="247426" cy="0"/>
+          </a:xfrm>
+          <a:prstGeom prst="straightConnector1">
+            <a:avLst/>
+          </a:prstGeom>
+          <a:ln>
+            <a:solidFill>
+              <a:schemeClr val="tx1"/>
+            </a:solidFill>
+            <a:tailEnd type="triangle"/>
+          </a:ln>
+        </p:spPr>
+        <p:style>
+          <a:lnRef idx="1">
+            <a:schemeClr val="accent1"/>
+          </a:lnRef>
+          <a:fillRef idx="0">
+            <a:schemeClr val="accent1"/>
+          </a:fillRef>
+          <a:effectRef idx="0">
+            <a:schemeClr val="accent1"/>
+          </a:effectRef>
+          <a:fontRef idx="minor">
+            <a:schemeClr val="tx1"/>
+          </a:fontRef>
+        </p:style>
+      </p:cxnSp>
+      <p:sp>
+        <p:nvSpPr>
+          <p:cNvPr id="101" name="Oval 100">
+            <a:extLst>
+              <a:ext uri="{FF2B5EF4-FFF2-40B4-BE49-F238E27FC236}">
+                <a16:creationId xmlns:a16="http://schemas.microsoft.com/office/drawing/2014/main" id="{ED0A6BC8-942A-2544-93F6-D0907ACBB083}"/>
+              </a:ext>
+            </a:extLst>
+          </p:cNvPr>
+          <p:cNvSpPr/>
+          <p:nvPr/>
+        </p:nvSpPr>
+        <p:spPr>
+          <a:xfrm>
+            <a:off x="13327759" y="8284369"/>
+            <a:ext cx="731520" cy="742278"/>
+          </a:xfrm>
+          <a:prstGeom prst="ellipse">
+            <a:avLst/>
+          </a:prstGeom>
+          <a:solidFill>
+            <a:schemeClr val="accent1">
+              <a:lumMod val="60000"/>
+              <a:lumOff val="40000"/>
+            </a:schemeClr>
+          </a:solidFill>
+        </p:spPr>
+        <p:style>
+          <a:lnRef idx="2">
+            <a:schemeClr val="accent1">
+              <a:shade val="50000"/>
+            </a:schemeClr>
+          </a:lnRef>
+          <a:fillRef idx="1">
+            <a:schemeClr val="accent1"/>
+          </a:fillRef>
+          <a:effectRef idx="0">
+            <a:schemeClr val="accent1"/>
+          </a:effectRef>
+          <a:fontRef idx="minor">
+            <a:schemeClr val="lt1"/>
+          </a:fontRef>
+        </p:style>
+        <p:txBody>
+          <a:bodyPr rtlCol="0" anchor="ctr"/>
+          <a:lstStyle/>
+          <a:p>
+            <a:pPr algn="ctr"/>
+            <a:r>
+              <a:rPr lang="en-US" sz="1100" b="1" i="1" dirty="0">
+                <a:solidFill>
+                  <a:schemeClr val="bg1"/>
+                </a:solidFill>
+              </a:rPr>
+              <a:t>BTCC</a:t>
+            </a:r>
+          </a:p>
+        </p:txBody>
+      </p:sp>
+      <p:cxnSp>
+        <p:nvCxnSpPr>
+          <p:cNvPr id="102" name="Straight Arrow Connector 101">
+            <a:extLst>
+              <a:ext uri="{FF2B5EF4-FFF2-40B4-BE49-F238E27FC236}">
+                <a16:creationId xmlns:a16="http://schemas.microsoft.com/office/drawing/2014/main" id="{374B7E98-95C2-3F43-8F57-59F556F8F9BD}"/>
+              </a:ext>
+            </a:extLst>
+          </p:cNvPr>
+          <p:cNvCxnSpPr>
+            <a:cxnSpLocks/>
+          </p:cNvCxnSpPr>
+          <p:nvPr/>
+        </p:nvCxnSpPr>
+        <p:spPr>
+          <a:xfrm>
+            <a:off x="14188371" y="8660887"/>
+            <a:ext cx="247426" cy="0"/>
+          </a:xfrm>
+          <a:prstGeom prst="straightConnector1">
+            <a:avLst/>
+          </a:prstGeom>
+          <a:ln>
+            <a:solidFill>
+              <a:schemeClr val="tx1"/>
+            </a:solidFill>
+            <a:tailEnd type="triangle"/>
+          </a:ln>
+        </p:spPr>
+        <p:style>
+          <a:lnRef idx="1">
+            <a:schemeClr val="accent1"/>
+          </a:lnRef>
+          <a:fillRef idx="0">
+            <a:schemeClr val="accent1"/>
+          </a:fillRef>
+          <a:effectRef idx="0">
+            <a:schemeClr val="accent1"/>
+          </a:effectRef>
+          <a:fontRef idx="minor">
+            <a:schemeClr val="tx1"/>
+          </a:fontRef>
+        </p:style>
+      </p:cxnSp>
+      <p:sp>
+        <p:nvSpPr>
+          <p:cNvPr id="103" name="Oval 102">
+            <a:extLst>
+              <a:ext uri="{FF2B5EF4-FFF2-40B4-BE49-F238E27FC236}">
+                <a16:creationId xmlns:a16="http://schemas.microsoft.com/office/drawing/2014/main" id="{B1C8D5D5-6F05-C146-A874-219323B5F3CB}"/>
+              </a:ext>
+            </a:extLst>
+          </p:cNvPr>
+          <p:cNvSpPr/>
+          <p:nvPr/>
+        </p:nvSpPr>
+        <p:spPr>
+          <a:xfrm>
+            <a:off x="13327132" y="7442159"/>
+            <a:ext cx="731520" cy="742278"/>
+          </a:xfrm>
+          <a:prstGeom prst="ellipse">
+            <a:avLst/>
+          </a:prstGeom>
+          <a:solidFill>
+            <a:schemeClr val="accent6">
+              <a:lumMod val="40000"/>
+              <a:lumOff val="60000"/>
+            </a:schemeClr>
+          </a:solidFill>
+        </p:spPr>
+        <p:style>
+          <a:lnRef idx="2">
+            <a:schemeClr val="accent1">
+              <a:shade val="50000"/>
+            </a:schemeClr>
+          </a:lnRef>
+          <a:fillRef idx="1">
+            <a:schemeClr val="accent1"/>
+          </a:fillRef>
+          <a:effectRef idx="0">
+            <a:schemeClr val="accent1"/>
+          </a:effectRef>
+          <a:fontRef idx="minor">
+            <a:schemeClr val="lt1"/>
+          </a:fontRef>
+        </p:style>
+        <p:txBody>
+          <a:bodyPr rtlCol="0" anchor="ctr"/>
+          <a:lstStyle/>
+          <a:p>
+            <a:pPr algn="ctr"/>
+            <a:r>
+              <a:rPr lang="en-US" sz="1100" b="1" i="1" dirty="0">
+                <a:solidFill>
+                  <a:schemeClr val="bg1"/>
+                </a:solidFill>
+              </a:rPr>
+              <a:t>BCHC</a:t>
+            </a:r>
+          </a:p>
+        </p:txBody>
+      </p:sp>
+      <p:cxnSp>
+        <p:nvCxnSpPr>
+          <p:cNvPr id="104" name="Straight Arrow Connector 103">
+            <a:extLst>
+              <a:ext uri="{FF2B5EF4-FFF2-40B4-BE49-F238E27FC236}">
+                <a16:creationId xmlns:a16="http://schemas.microsoft.com/office/drawing/2014/main" id="{CEB121B9-6D6B-C84A-86EE-28ED87D32510}"/>
+              </a:ext>
+            </a:extLst>
+          </p:cNvPr>
+          <p:cNvCxnSpPr>
+            <a:cxnSpLocks/>
+          </p:cNvCxnSpPr>
+          <p:nvPr/>
+        </p:nvCxnSpPr>
+        <p:spPr>
+          <a:xfrm>
+            <a:off x="14187744" y="7818677"/>
+            <a:ext cx="247426" cy="0"/>
+          </a:xfrm>
+          <a:prstGeom prst="straightConnector1">
+            <a:avLst/>
+          </a:prstGeom>
+          <a:ln>
+            <a:solidFill>
+              <a:schemeClr val="tx1"/>
+            </a:solidFill>
+            <a:tailEnd type="triangle"/>
+          </a:ln>
+        </p:spPr>
+        <p:style>
+          <a:lnRef idx="1">
+            <a:schemeClr val="accent1"/>
+          </a:lnRef>
+          <a:fillRef idx="0">
+            <a:schemeClr val="accent1"/>
+          </a:fillRef>
+          <a:effectRef idx="0">
+            <a:schemeClr val="accent1"/>
+          </a:effectRef>
+          <a:fontRef idx="minor">
+            <a:schemeClr val="tx1"/>
+          </a:fontRef>
+        </p:style>
+      </p:cxnSp>
     </p:spTree>
     <p:extLst>
       <p:ext uri="{BB962C8B-B14F-4D97-AF65-F5344CB8AC3E}">

--- a/bitcoin.pptx
+++ b/bitcoin.pptx
@@ -6224,7 +6224,7 @@
         </p:nvCxnSpPr>
         <p:spPr>
           <a:xfrm flipH="1">
-            <a:off x="4398084" y="6793664"/>
+            <a:off x="4398084" y="6815436"/>
             <a:ext cx="8255" cy="983213"/>
           </a:xfrm>
           <a:prstGeom prst="straightConnector1">
@@ -6268,7 +6268,7 @@
         </p:nvCxnSpPr>
         <p:spPr>
           <a:xfrm flipH="1">
-            <a:off x="5633981" y="6790367"/>
+            <a:off x="5633981" y="6812139"/>
             <a:ext cx="1234" cy="179569"/>
           </a:xfrm>
           <a:prstGeom prst="straightConnector1">
@@ -6307,13 +6307,14 @@
           </p:cNvPr>
           <p:cNvCxnSpPr>
             <a:cxnSpLocks/>
+            <a:stCxn id="105" idx="2"/>
           </p:cNvCxnSpPr>
           <p:nvPr/>
         </p:nvCxnSpPr>
         <p:spPr>
           <a:xfrm flipH="1">
-            <a:off x="6869036" y="7812727"/>
-            <a:ext cx="8068" cy="1675908"/>
+            <a:off x="6869037" y="8118894"/>
+            <a:ext cx="8262" cy="1369741"/>
           </a:xfrm>
           <a:prstGeom prst="straightConnector1">
             <a:avLst/>
@@ -6342,10 +6343,10 @@
       </p:cxnSp>
       <p:cxnSp>
         <p:nvCxnSpPr>
-          <p:cNvPr id="88" name="Straight Arrow Connector 87">
-            <a:extLst>
-              <a:ext uri="{FF2B5EF4-FFF2-40B4-BE49-F238E27FC236}">
-                <a16:creationId xmlns:a16="http://schemas.microsoft.com/office/drawing/2014/main" id="{C3C43287-8B6C-E44A-8E63-A26466F99537}"/>
+          <p:cNvPr id="89" name="Straight Arrow Connector 88">
+            <a:extLst>
+              <a:ext uri="{FF2B5EF4-FFF2-40B4-BE49-F238E27FC236}">
+                <a16:creationId xmlns:a16="http://schemas.microsoft.com/office/drawing/2014/main" id="{8E038E91-1F0A-1641-9D97-7C767AC5E2D7}"/>
               </a:ext>
             </a:extLst>
           </p:cNvPr>
@@ -6355,9 +6356,9 @@
           <p:nvPr/>
         </p:nvCxnSpPr>
         <p:spPr>
-          <a:xfrm>
-            <a:off x="11849205" y="9488636"/>
-            <a:ext cx="1233" cy="949589"/>
+          <a:xfrm flipH="1">
+            <a:off x="11849204" y="10516766"/>
+            <a:ext cx="3194" cy="850652"/>
           </a:xfrm>
           <a:prstGeom prst="straightConnector1">
             <a:avLst/>
@@ -6386,10 +6387,10 @@
       </p:cxnSp>
       <p:cxnSp>
         <p:nvCxnSpPr>
-          <p:cNvPr id="89" name="Straight Arrow Connector 88">
-            <a:extLst>
-              <a:ext uri="{FF2B5EF4-FFF2-40B4-BE49-F238E27FC236}">
-                <a16:creationId xmlns:a16="http://schemas.microsoft.com/office/drawing/2014/main" id="{8E038E91-1F0A-1641-9D97-7C767AC5E2D7}"/>
+          <p:cNvPr id="90" name="Straight Arrow Connector 89">
+            <a:extLst>
+              <a:ext uri="{FF2B5EF4-FFF2-40B4-BE49-F238E27FC236}">
+                <a16:creationId xmlns:a16="http://schemas.microsoft.com/office/drawing/2014/main" id="{5FF3997E-3776-DD4F-86EE-CECE14011DCE}"/>
               </a:ext>
             </a:extLst>
           </p:cNvPr>
@@ -6399,9 +6400,9 @@
           <p:nvPr/>
         </p:nvCxnSpPr>
         <p:spPr>
-          <a:xfrm flipH="1">
-            <a:off x="11849204" y="10516766"/>
-            <a:ext cx="3194" cy="850652"/>
+          <a:xfrm>
+            <a:off x="11856937" y="11444709"/>
+            <a:ext cx="0" cy="760434"/>
           </a:xfrm>
           <a:prstGeom prst="straightConnector1">
             <a:avLst/>
@@ -6428,50 +6429,6 @@
           </a:fontRef>
         </p:style>
       </p:cxnSp>
-      <p:cxnSp>
-        <p:nvCxnSpPr>
-          <p:cNvPr id="90" name="Straight Arrow Connector 89">
-            <a:extLst>
-              <a:ext uri="{FF2B5EF4-FFF2-40B4-BE49-F238E27FC236}">
-                <a16:creationId xmlns:a16="http://schemas.microsoft.com/office/drawing/2014/main" id="{5FF3997E-3776-DD4F-86EE-CECE14011DCE}"/>
-              </a:ext>
-            </a:extLst>
-          </p:cNvPr>
-          <p:cNvCxnSpPr>
-            <a:cxnSpLocks/>
-          </p:cNvCxnSpPr>
-          <p:nvPr/>
-        </p:nvCxnSpPr>
-        <p:spPr>
-          <a:xfrm>
-            <a:off x="11856937" y="11444709"/>
-            <a:ext cx="0" cy="760434"/>
-          </a:xfrm>
-          <a:prstGeom prst="straightConnector1">
-            <a:avLst/>
-          </a:prstGeom>
-          <a:ln>
-            <a:solidFill>
-              <a:schemeClr val="tx1"/>
-            </a:solidFill>
-            <a:tailEnd type="triangle"/>
-          </a:ln>
-        </p:spPr>
-        <p:style>
-          <a:lnRef idx="1">
-            <a:schemeClr val="accent1"/>
-          </a:lnRef>
-          <a:fillRef idx="0">
-            <a:schemeClr val="accent1"/>
-          </a:fillRef>
-          <a:effectRef idx="0">
-            <a:schemeClr val="accent1"/>
-          </a:effectRef>
-          <a:fontRef idx="minor">
-            <a:schemeClr val="tx1"/>
-          </a:fontRef>
-        </p:style>
-      </p:cxnSp>
       <p:sp>
         <p:nvSpPr>
           <p:cNvPr id="91" name="TextBox 90">
@@ -6524,50 +6481,6 @@
           </a:p>
         </p:txBody>
       </p:sp>
-      <p:cxnSp>
-        <p:nvCxnSpPr>
-          <p:cNvPr id="114" name="Straight Arrow Connector 113">
-            <a:extLst>
-              <a:ext uri="{FF2B5EF4-FFF2-40B4-BE49-F238E27FC236}">
-                <a16:creationId xmlns:a16="http://schemas.microsoft.com/office/drawing/2014/main" id="{C65A31E3-A4D9-6F41-927B-6FA97F893FE6}"/>
-              </a:ext>
-            </a:extLst>
-          </p:cNvPr>
-          <p:cNvCxnSpPr>
-            <a:cxnSpLocks/>
-          </p:cNvCxnSpPr>
-          <p:nvPr/>
-        </p:nvCxnSpPr>
-        <p:spPr>
-          <a:xfrm>
-            <a:off x="8094174" y="7820581"/>
-            <a:ext cx="0" cy="840667"/>
-          </a:xfrm>
-          <a:prstGeom prst="straightConnector1">
-            <a:avLst/>
-          </a:prstGeom>
-          <a:ln>
-            <a:solidFill>
-              <a:schemeClr val="tx1"/>
-            </a:solidFill>
-            <a:tailEnd type="triangle"/>
-          </a:ln>
-        </p:spPr>
-        <p:style>
-          <a:lnRef idx="1">
-            <a:schemeClr val="accent1"/>
-          </a:lnRef>
-          <a:fillRef idx="0">
-            <a:schemeClr val="accent1"/>
-          </a:fillRef>
-          <a:effectRef idx="0">
-            <a:schemeClr val="accent1"/>
-          </a:effectRef>
-          <a:fontRef idx="minor">
-            <a:schemeClr val="tx1"/>
-          </a:fontRef>
-        </p:style>
-      </p:cxnSp>
       <p:sp>
         <p:nvSpPr>
           <p:cNvPr id="76" name="Oval 75">
@@ -7002,7 +6915,7 @@
         </p:blipFill>
         <p:spPr>
           <a:xfrm>
-            <a:off x="4300206" y="6583543"/>
+            <a:off x="4300206" y="6605315"/>
             <a:ext cx="212267" cy="212267"/>
           </a:xfrm>
           <a:prstGeom prst="rect">
@@ -7032,7 +6945,7 @@
         </p:blipFill>
         <p:spPr>
           <a:xfrm>
-            <a:off x="5529081" y="6578100"/>
+            <a:off x="5529081" y="6599872"/>
             <a:ext cx="212267" cy="212267"/>
           </a:xfrm>
           <a:prstGeom prst="rect">
@@ -7054,7 +6967,7 @@
         </p:nvSpPr>
         <p:spPr>
           <a:xfrm>
-            <a:off x="4429408" y="6536451"/>
+            <a:off x="4429408" y="6558223"/>
             <a:ext cx="793521" cy="492443"/>
           </a:xfrm>
           <a:prstGeom prst="rect">
@@ -7460,6 +7373,184 @@
           <a:xfrm>
             <a:off x="14187744" y="7818677"/>
             <a:ext cx="247426" cy="0"/>
+          </a:xfrm>
+          <a:prstGeom prst="straightConnector1">
+            <a:avLst/>
+          </a:prstGeom>
+          <a:ln>
+            <a:solidFill>
+              <a:schemeClr val="tx1"/>
+            </a:solidFill>
+            <a:tailEnd type="triangle"/>
+          </a:ln>
+        </p:spPr>
+        <p:style>
+          <a:lnRef idx="1">
+            <a:schemeClr val="accent1"/>
+          </a:lnRef>
+          <a:fillRef idx="0">
+            <a:schemeClr val="accent1"/>
+          </a:fillRef>
+          <a:effectRef idx="0">
+            <a:schemeClr val="accent1"/>
+          </a:effectRef>
+          <a:fontRef idx="minor">
+            <a:schemeClr val="tx1"/>
+          </a:fontRef>
+        </p:style>
+      </p:cxnSp>
+      <p:pic>
+        <p:nvPicPr>
+          <p:cNvPr id="105" name="Picture 104">
+            <a:extLst>
+              <a:ext uri="{FF2B5EF4-FFF2-40B4-BE49-F238E27FC236}">
+                <a16:creationId xmlns:a16="http://schemas.microsoft.com/office/drawing/2014/main" id="{47674849-1CC3-C044-A7A7-EB19EE8C4D38}"/>
+              </a:ext>
+            </a:extLst>
+          </p:cNvPr>
+          <p:cNvPicPr>
+            <a:picLocks noChangeAspect="1"/>
+          </p:cNvPicPr>
+          <p:nvPr/>
+        </p:nvPicPr>
+        <p:blipFill>
+          <a:blip r:embed="rId2"/>
+          <a:stretch>
+            <a:fillRect/>
+          </a:stretch>
+        </p:blipFill>
+        <p:spPr>
+          <a:xfrm>
+            <a:off x="6771165" y="7906627"/>
+            <a:ext cx="212267" cy="212267"/>
+          </a:xfrm>
+          <a:prstGeom prst="rect">
+            <a:avLst/>
+          </a:prstGeom>
+        </p:spPr>
+      </p:pic>
+      <p:pic>
+        <p:nvPicPr>
+          <p:cNvPr id="106" name="Picture 105">
+            <a:extLst>
+              <a:ext uri="{FF2B5EF4-FFF2-40B4-BE49-F238E27FC236}">
+                <a16:creationId xmlns:a16="http://schemas.microsoft.com/office/drawing/2014/main" id="{9F43E1B3-01AE-4A43-A815-EBD44EA996D7}"/>
+              </a:ext>
+            </a:extLst>
+          </p:cNvPr>
+          <p:cNvPicPr>
+            <a:picLocks noChangeAspect="1"/>
+          </p:cNvPicPr>
+          <p:nvPr/>
+        </p:nvPicPr>
+        <p:blipFill>
+          <a:blip r:embed="rId2"/>
+          <a:stretch>
+            <a:fillRect/>
+          </a:stretch>
+        </p:blipFill>
+        <p:spPr>
+          <a:xfrm>
+            <a:off x="8055485" y="7916497"/>
+            <a:ext cx="212267" cy="212267"/>
+          </a:xfrm>
+          <a:prstGeom prst="rect">
+            <a:avLst/>
+          </a:prstGeom>
+        </p:spPr>
+      </p:pic>
+      <p:cxnSp>
+        <p:nvCxnSpPr>
+          <p:cNvPr id="107" name="Straight Arrow Connector 106">
+            <a:extLst>
+              <a:ext uri="{FF2B5EF4-FFF2-40B4-BE49-F238E27FC236}">
+                <a16:creationId xmlns:a16="http://schemas.microsoft.com/office/drawing/2014/main" id="{03518BE2-AB3E-384D-8FF2-3301F6263BAE}"/>
+              </a:ext>
+            </a:extLst>
+          </p:cNvPr>
+          <p:cNvCxnSpPr>
+            <a:cxnSpLocks/>
+          </p:cNvCxnSpPr>
+          <p:nvPr/>
+        </p:nvCxnSpPr>
+        <p:spPr>
+          <a:xfrm flipH="1">
+            <a:off x="8154592" y="8140002"/>
+            <a:ext cx="6410" cy="546229"/>
+          </a:xfrm>
+          <a:prstGeom prst="straightConnector1">
+            <a:avLst/>
+          </a:prstGeom>
+          <a:ln>
+            <a:solidFill>
+              <a:schemeClr val="tx1"/>
+            </a:solidFill>
+            <a:tailEnd type="triangle"/>
+          </a:ln>
+        </p:spPr>
+        <p:style>
+          <a:lnRef idx="1">
+            <a:schemeClr val="accent1"/>
+          </a:lnRef>
+          <a:fillRef idx="0">
+            <a:schemeClr val="accent1"/>
+          </a:fillRef>
+          <a:effectRef idx="0">
+            <a:schemeClr val="accent1"/>
+          </a:effectRef>
+          <a:fontRef idx="minor">
+            <a:schemeClr val="tx1"/>
+          </a:fontRef>
+        </p:style>
+      </p:cxnSp>
+      <p:pic>
+        <p:nvPicPr>
+          <p:cNvPr id="108" name="Picture 107">
+            <a:extLst>
+              <a:ext uri="{FF2B5EF4-FFF2-40B4-BE49-F238E27FC236}">
+                <a16:creationId xmlns:a16="http://schemas.microsoft.com/office/drawing/2014/main" id="{695E550C-12F0-0A4A-81F2-6955842406BF}"/>
+              </a:ext>
+            </a:extLst>
+          </p:cNvPr>
+          <p:cNvPicPr>
+            <a:picLocks noChangeAspect="1"/>
+          </p:cNvPicPr>
+          <p:nvPr/>
+        </p:nvPicPr>
+        <p:blipFill>
+          <a:blip r:embed="rId2"/>
+          <a:stretch>
+            <a:fillRect/>
+          </a:stretch>
+        </p:blipFill>
+        <p:spPr>
+          <a:xfrm>
+            <a:off x="11757830" y="9560392"/>
+            <a:ext cx="212267" cy="212267"/>
+          </a:xfrm>
+          <a:prstGeom prst="rect">
+            <a:avLst/>
+          </a:prstGeom>
+        </p:spPr>
+      </p:pic>
+      <p:cxnSp>
+        <p:nvCxnSpPr>
+          <p:cNvPr id="109" name="Straight Arrow Connector 108">
+            <a:extLst>
+              <a:ext uri="{FF2B5EF4-FFF2-40B4-BE49-F238E27FC236}">
+                <a16:creationId xmlns:a16="http://schemas.microsoft.com/office/drawing/2014/main" id="{6B6A9D31-B157-4249-89FD-092E797E5E65}"/>
+              </a:ext>
+            </a:extLst>
+          </p:cNvPr>
+          <p:cNvCxnSpPr>
+            <a:cxnSpLocks/>
+          </p:cNvCxnSpPr>
+          <p:nvPr/>
+        </p:nvCxnSpPr>
+        <p:spPr>
+          <a:xfrm flipH="1">
+            <a:off x="11856937" y="9783897"/>
+            <a:ext cx="6410" cy="546229"/>
           </a:xfrm>
           <a:prstGeom prst="straightConnector1">
             <a:avLst/>

--- a/bitcoin.pptx
+++ b/bitcoin.pptx
@@ -6968,7 +6968,7 @@
         <p:spPr>
           <a:xfrm>
             <a:off x="4429408" y="6558223"/>
-            <a:ext cx="793521" cy="492443"/>
+            <a:ext cx="793521" cy="369332"/>
           </a:xfrm>
           <a:prstGeom prst="rect">
             <a:avLst/>
@@ -6983,13 +6983,14 @@
           <a:p>
             <a:r>
               <a:rPr lang="en-US" sz="900" dirty="0"/>
-              <a:t>Codebase copy &amp; </a:t>
-            </a:r>
-            <a:r>
-              <a:rPr lang="en-US" sz="800" dirty="0"/>
-              <a:t>modification</a:t>
-            </a:r>
-            <a:endParaRPr lang="en-US" sz="900" dirty="0"/>
+              <a:t>Copied &amp;</a:t>
+            </a:r>
+          </a:p>
+          <a:p>
+            <a:r>
+              <a:rPr lang="en-US" sz="900" dirty="0"/>
+              <a:t>modified</a:t>
+            </a:r>
           </a:p>
         </p:txBody>
       </p:sp>

--- a/bitcoin.pptx
+++ b/bitcoin.pptx
@@ -4,6 +4,9 @@
   <p:sldMasterIdLst>
     <p:sldMasterId id="2147483660" r:id="rId1"/>
   </p:sldMasterIdLst>
+  <p:notesMasterIdLst>
+    <p:notesMasterId r:id="rId3"/>
+  </p:notesMasterIdLst>
   <p:sldIdLst>
     <p:sldId id="256" r:id="rId2"/>
   </p:sldIdLst>
@@ -112,6 +115,439 @@
 </p:presentation>
 </file>
 
+<file path=ppt/notesMasters/notesMaster1.xml><?xml version="1.0" encoding="utf-8"?>
+<p:notesMaster xmlns:a="http://schemas.openxmlformats.org/drawingml/2006/main" xmlns:r="http://schemas.openxmlformats.org/officeDocument/2006/relationships" xmlns:p="http://schemas.openxmlformats.org/presentationml/2006/main">
+  <p:cSld>
+    <p:bg>
+      <p:bgRef idx="1001">
+        <a:schemeClr val="bg1"/>
+      </p:bgRef>
+    </p:bg>
+    <p:spTree>
+      <p:nvGrpSpPr>
+        <p:cNvPr id="1" name=""/>
+        <p:cNvGrpSpPr/>
+        <p:nvPr/>
+      </p:nvGrpSpPr>
+      <p:grpSpPr>
+        <a:xfrm>
+          <a:off x="0" y="0"/>
+          <a:ext cx="0" cy="0"/>
+          <a:chOff x="0" y="0"/>
+          <a:chExt cx="0" cy="0"/>
+        </a:xfrm>
+      </p:grpSpPr>
+      <p:sp>
+        <p:nvSpPr>
+          <p:cNvPr id="2" name="Header Placeholder 1"/>
+          <p:cNvSpPr>
+            <a:spLocks noGrp="1"/>
+          </p:cNvSpPr>
+          <p:nvPr>
+            <p:ph type="hdr" sz="quarter"/>
+          </p:nvPr>
+        </p:nvSpPr>
+        <p:spPr>
+          <a:xfrm>
+            <a:off x="0" y="0"/>
+            <a:ext cx="2971800" cy="458788"/>
+          </a:xfrm>
+          <a:prstGeom prst="rect">
+            <a:avLst/>
+          </a:prstGeom>
+        </p:spPr>
+        <p:txBody>
+          <a:bodyPr vert="horz" lIns="91440" tIns="45720" rIns="91440" bIns="45720" rtlCol="0"/>
+          <a:lstStyle>
+            <a:lvl1pPr algn="l">
+              <a:defRPr sz="1200"/>
+            </a:lvl1pPr>
+          </a:lstStyle>
+          <a:p>
+            <a:endParaRPr lang="en-US"/>
+          </a:p>
+        </p:txBody>
+      </p:sp>
+      <p:sp>
+        <p:nvSpPr>
+          <p:cNvPr id="3" name="Date Placeholder 2"/>
+          <p:cNvSpPr>
+            <a:spLocks noGrp="1"/>
+          </p:cNvSpPr>
+          <p:nvPr>
+            <p:ph type="dt" idx="1"/>
+          </p:nvPr>
+        </p:nvSpPr>
+        <p:spPr>
+          <a:xfrm>
+            <a:off x="3884613" y="0"/>
+            <a:ext cx="2971800" cy="458788"/>
+          </a:xfrm>
+          <a:prstGeom prst="rect">
+            <a:avLst/>
+          </a:prstGeom>
+        </p:spPr>
+        <p:txBody>
+          <a:bodyPr vert="horz" lIns="91440" tIns="45720" rIns="91440" bIns="45720" rtlCol="0"/>
+          <a:lstStyle>
+            <a:lvl1pPr algn="r">
+              <a:defRPr sz="1200"/>
+            </a:lvl1pPr>
+          </a:lstStyle>
+          <a:p>
+            <a:fld id="{A80C38ED-2BFA-0445-94E7-70BDEB43ADE2}" type="datetimeFigureOut">
+              <a:rPr lang="en-US" smtClean="0"/>
+              <a:t>11/13/18</a:t>
+            </a:fld>
+            <a:endParaRPr lang="en-US"/>
+          </a:p>
+        </p:txBody>
+      </p:sp>
+      <p:sp>
+        <p:nvSpPr>
+          <p:cNvPr id="4" name="Slide Image Placeholder 3"/>
+          <p:cNvSpPr>
+            <a:spLocks noGrp="1" noRot="1" noChangeAspect="1"/>
+          </p:cNvSpPr>
+          <p:nvPr>
+            <p:ph type="sldImg" idx="2"/>
+          </p:nvPr>
+        </p:nvSpPr>
+        <p:spPr>
+          <a:xfrm>
+            <a:off x="1885950" y="1143000"/>
+            <a:ext cx="3086100" cy="3086100"/>
+          </a:xfrm>
+          <a:prstGeom prst="rect">
+            <a:avLst/>
+          </a:prstGeom>
+          <a:noFill/>
+          <a:ln w="12700">
+            <a:solidFill>
+              <a:prstClr val="black"/>
+            </a:solidFill>
+          </a:ln>
+        </p:spPr>
+        <p:txBody>
+          <a:bodyPr vert="horz" lIns="91440" tIns="45720" rIns="91440" bIns="45720" rtlCol="0" anchor="ctr"/>
+          <a:lstStyle/>
+          <a:p>
+            <a:endParaRPr lang="en-US"/>
+          </a:p>
+        </p:txBody>
+      </p:sp>
+      <p:sp>
+        <p:nvSpPr>
+          <p:cNvPr id="5" name="Notes Placeholder 4"/>
+          <p:cNvSpPr>
+            <a:spLocks noGrp="1"/>
+          </p:cNvSpPr>
+          <p:nvPr>
+            <p:ph type="body" sz="quarter" idx="3"/>
+          </p:nvPr>
+        </p:nvSpPr>
+        <p:spPr>
+          <a:xfrm>
+            <a:off x="685800" y="4400550"/>
+            <a:ext cx="5486400" cy="3600450"/>
+          </a:xfrm>
+          <a:prstGeom prst="rect">
+            <a:avLst/>
+          </a:prstGeom>
+        </p:spPr>
+        <p:txBody>
+          <a:bodyPr vert="horz" lIns="91440" tIns="45720" rIns="91440" bIns="45720" rtlCol="0"/>
+          <a:lstStyle/>
+          <a:p>
+            <a:pPr lvl="0"/>
+            <a:r>
+              <a:rPr lang="en-US"/>
+              <a:t>Edit Master text styles</a:t>
+            </a:r>
+          </a:p>
+          <a:p>
+            <a:pPr lvl="1"/>
+            <a:r>
+              <a:rPr lang="en-US"/>
+              <a:t>Second level</a:t>
+            </a:r>
+          </a:p>
+          <a:p>
+            <a:pPr lvl="2"/>
+            <a:r>
+              <a:rPr lang="en-US"/>
+              <a:t>Third level</a:t>
+            </a:r>
+          </a:p>
+          <a:p>
+            <a:pPr lvl="3"/>
+            <a:r>
+              <a:rPr lang="en-US"/>
+              <a:t>Fourth level</a:t>
+            </a:r>
+          </a:p>
+          <a:p>
+            <a:pPr lvl="4"/>
+            <a:r>
+              <a:rPr lang="en-US"/>
+              <a:t>Fifth level</a:t>
+            </a:r>
+          </a:p>
+        </p:txBody>
+      </p:sp>
+      <p:sp>
+        <p:nvSpPr>
+          <p:cNvPr id="6" name="Footer Placeholder 5"/>
+          <p:cNvSpPr>
+            <a:spLocks noGrp="1"/>
+          </p:cNvSpPr>
+          <p:nvPr>
+            <p:ph type="ftr" sz="quarter" idx="4"/>
+          </p:nvPr>
+        </p:nvSpPr>
+        <p:spPr>
+          <a:xfrm>
+            <a:off x="0" y="8685213"/>
+            <a:ext cx="2971800" cy="458787"/>
+          </a:xfrm>
+          <a:prstGeom prst="rect">
+            <a:avLst/>
+          </a:prstGeom>
+        </p:spPr>
+        <p:txBody>
+          <a:bodyPr vert="horz" lIns="91440" tIns="45720" rIns="91440" bIns="45720" rtlCol="0" anchor="b"/>
+          <a:lstStyle>
+            <a:lvl1pPr algn="l">
+              <a:defRPr sz="1200"/>
+            </a:lvl1pPr>
+          </a:lstStyle>
+          <a:p>
+            <a:endParaRPr lang="en-US"/>
+          </a:p>
+        </p:txBody>
+      </p:sp>
+      <p:sp>
+        <p:nvSpPr>
+          <p:cNvPr id="7" name="Slide Number Placeholder 6"/>
+          <p:cNvSpPr>
+            <a:spLocks noGrp="1"/>
+          </p:cNvSpPr>
+          <p:nvPr>
+            <p:ph type="sldNum" sz="quarter" idx="5"/>
+          </p:nvPr>
+        </p:nvSpPr>
+        <p:spPr>
+          <a:xfrm>
+            <a:off x="3884613" y="8685213"/>
+            <a:ext cx="2971800" cy="458787"/>
+          </a:xfrm>
+          <a:prstGeom prst="rect">
+            <a:avLst/>
+          </a:prstGeom>
+        </p:spPr>
+        <p:txBody>
+          <a:bodyPr vert="horz" lIns="91440" tIns="45720" rIns="91440" bIns="45720" rtlCol="0" anchor="b"/>
+          <a:lstStyle>
+            <a:lvl1pPr algn="r">
+              <a:defRPr sz="1200"/>
+            </a:lvl1pPr>
+          </a:lstStyle>
+          <a:p>
+            <a:fld id="{1E520948-BE75-1F4C-8794-DC405C6D6A71}" type="slidenum">
+              <a:rPr lang="en-US" smtClean="0"/>
+              <a:t>‹#›</a:t>
+            </a:fld>
+            <a:endParaRPr lang="en-US"/>
+          </a:p>
+        </p:txBody>
+      </p:sp>
+    </p:spTree>
+    <p:extLst>
+      <p:ext uri="{BB962C8B-B14F-4D97-AF65-F5344CB8AC3E}">
+        <p14:creationId xmlns:p14="http://schemas.microsoft.com/office/powerpoint/2010/main" val="2026455862"/>
+      </p:ext>
+    </p:extLst>
+  </p:cSld>
+  <p:clrMap bg1="lt1" tx1="dk1" bg2="lt2" tx2="dk2" accent1="accent1" accent2="accent2" accent3="accent3" accent4="accent4" accent5="accent5" accent6="accent6" hlink="hlink" folHlink="folHlink"/>
+  <p:notesStyle>
+    <a:lvl1pPr marL="0" algn="l" defTabSz="914400" rtl="0" eaLnBrk="1" latinLnBrk="0" hangingPunct="1">
+      <a:defRPr sz="1200" kern="1200">
+        <a:solidFill>
+          <a:schemeClr val="tx1"/>
+        </a:solidFill>
+        <a:latin typeface="+mn-lt"/>
+        <a:ea typeface="+mn-ea"/>
+        <a:cs typeface="+mn-cs"/>
+      </a:defRPr>
+    </a:lvl1pPr>
+    <a:lvl2pPr marL="457200" algn="l" defTabSz="914400" rtl="0" eaLnBrk="1" latinLnBrk="0" hangingPunct="1">
+      <a:defRPr sz="1200" kern="1200">
+        <a:solidFill>
+          <a:schemeClr val="tx1"/>
+        </a:solidFill>
+        <a:latin typeface="+mn-lt"/>
+        <a:ea typeface="+mn-ea"/>
+        <a:cs typeface="+mn-cs"/>
+      </a:defRPr>
+    </a:lvl2pPr>
+    <a:lvl3pPr marL="914400" algn="l" defTabSz="914400" rtl="0" eaLnBrk="1" latinLnBrk="0" hangingPunct="1">
+      <a:defRPr sz="1200" kern="1200">
+        <a:solidFill>
+          <a:schemeClr val="tx1"/>
+        </a:solidFill>
+        <a:latin typeface="+mn-lt"/>
+        <a:ea typeface="+mn-ea"/>
+        <a:cs typeface="+mn-cs"/>
+      </a:defRPr>
+    </a:lvl3pPr>
+    <a:lvl4pPr marL="1371600" algn="l" defTabSz="914400" rtl="0" eaLnBrk="1" latinLnBrk="0" hangingPunct="1">
+      <a:defRPr sz="1200" kern="1200">
+        <a:solidFill>
+          <a:schemeClr val="tx1"/>
+        </a:solidFill>
+        <a:latin typeface="+mn-lt"/>
+        <a:ea typeface="+mn-ea"/>
+        <a:cs typeface="+mn-cs"/>
+      </a:defRPr>
+    </a:lvl4pPr>
+    <a:lvl5pPr marL="1828800" algn="l" defTabSz="914400" rtl="0" eaLnBrk="1" latinLnBrk="0" hangingPunct="1">
+      <a:defRPr sz="1200" kern="1200">
+        <a:solidFill>
+          <a:schemeClr val="tx1"/>
+        </a:solidFill>
+        <a:latin typeface="+mn-lt"/>
+        <a:ea typeface="+mn-ea"/>
+        <a:cs typeface="+mn-cs"/>
+      </a:defRPr>
+    </a:lvl5pPr>
+    <a:lvl6pPr marL="2286000" algn="l" defTabSz="914400" rtl="0" eaLnBrk="1" latinLnBrk="0" hangingPunct="1">
+      <a:defRPr sz="1200" kern="1200">
+        <a:solidFill>
+          <a:schemeClr val="tx1"/>
+        </a:solidFill>
+        <a:latin typeface="+mn-lt"/>
+        <a:ea typeface="+mn-ea"/>
+        <a:cs typeface="+mn-cs"/>
+      </a:defRPr>
+    </a:lvl6pPr>
+    <a:lvl7pPr marL="2743200" algn="l" defTabSz="914400" rtl="0" eaLnBrk="1" latinLnBrk="0" hangingPunct="1">
+      <a:defRPr sz="1200" kern="1200">
+        <a:solidFill>
+          <a:schemeClr val="tx1"/>
+        </a:solidFill>
+        <a:latin typeface="+mn-lt"/>
+        <a:ea typeface="+mn-ea"/>
+        <a:cs typeface="+mn-cs"/>
+      </a:defRPr>
+    </a:lvl7pPr>
+    <a:lvl8pPr marL="3200400" algn="l" defTabSz="914400" rtl="0" eaLnBrk="1" latinLnBrk="0" hangingPunct="1">
+      <a:defRPr sz="1200" kern="1200">
+        <a:solidFill>
+          <a:schemeClr val="tx1"/>
+        </a:solidFill>
+        <a:latin typeface="+mn-lt"/>
+        <a:ea typeface="+mn-ea"/>
+        <a:cs typeface="+mn-cs"/>
+      </a:defRPr>
+    </a:lvl8pPr>
+    <a:lvl9pPr marL="3657600" algn="l" defTabSz="914400" rtl="0" eaLnBrk="1" latinLnBrk="0" hangingPunct="1">
+      <a:defRPr sz="1200" kern="1200">
+        <a:solidFill>
+          <a:schemeClr val="tx1"/>
+        </a:solidFill>
+        <a:latin typeface="+mn-lt"/>
+        <a:ea typeface="+mn-ea"/>
+        <a:cs typeface="+mn-cs"/>
+      </a:defRPr>
+    </a:lvl9pPr>
+  </p:notesStyle>
+</p:notesMaster>
+</file>
+
+<file path=ppt/notesSlides/notesSlide1.xml><?xml version="1.0" encoding="utf-8"?>
+<p:notes xmlns:a="http://schemas.openxmlformats.org/drawingml/2006/main" xmlns:r="http://schemas.openxmlformats.org/officeDocument/2006/relationships" xmlns:p="http://schemas.openxmlformats.org/presentationml/2006/main">
+  <p:cSld>
+    <p:spTree>
+      <p:nvGrpSpPr>
+        <p:cNvPr id="1" name=""/>
+        <p:cNvGrpSpPr/>
+        <p:nvPr/>
+      </p:nvGrpSpPr>
+      <p:grpSpPr>
+        <a:xfrm>
+          <a:off x="0" y="0"/>
+          <a:ext cx="0" cy="0"/>
+          <a:chOff x="0" y="0"/>
+          <a:chExt cx="0" cy="0"/>
+        </a:xfrm>
+      </p:grpSpPr>
+      <p:sp>
+        <p:nvSpPr>
+          <p:cNvPr id="2" name="Slide Image Placeholder 1"/>
+          <p:cNvSpPr>
+            <a:spLocks noGrp="1" noRot="1" noChangeAspect="1"/>
+          </p:cNvSpPr>
+          <p:nvPr>
+            <p:ph type="sldImg"/>
+          </p:nvPr>
+        </p:nvSpPr>
+        <p:spPr/>
+      </p:sp>
+      <p:sp>
+        <p:nvSpPr>
+          <p:cNvPr id="3" name="Notes Placeholder 2"/>
+          <p:cNvSpPr>
+            <a:spLocks noGrp="1"/>
+          </p:cNvSpPr>
+          <p:nvPr>
+            <p:ph type="body" idx="1"/>
+          </p:nvPr>
+        </p:nvSpPr>
+        <p:spPr/>
+        <p:txBody>
+          <a:bodyPr/>
+          <a:lstStyle/>
+          <a:p>
+            <a:endParaRPr lang="en-US" dirty="0"/>
+          </a:p>
+        </p:txBody>
+      </p:sp>
+      <p:sp>
+        <p:nvSpPr>
+          <p:cNvPr id="4" name="Slide Number Placeholder 3"/>
+          <p:cNvSpPr>
+            <a:spLocks noGrp="1"/>
+          </p:cNvSpPr>
+          <p:nvPr>
+            <p:ph type="sldNum" sz="quarter" idx="5"/>
+          </p:nvPr>
+        </p:nvSpPr>
+        <p:spPr/>
+        <p:txBody>
+          <a:bodyPr/>
+          <a:lstStyle/>
+          <a:p>
+            <a:fld id="{1E520948-BE75-1F4C-8794-DC405C6D6A71}" type="slidenum">
+              <a:rPr lang="en-US" smtClean="0"/>
+              <a:t>1</a:t>
+            </a:fld>
+            <a:endParaRPr lang="en-US"/>
+          </a:p>
+        </p:txBody>
+      </p:sp>
+    </p:spTree>
+    <p:extLst>
+      <p:ext uri="{BB962C8B-B14F-4D97-AF65-F5344CB8AC3E}">
+        <p14:creationId xmlns:p14="http://schemas.microsoft.com/office/powerpoint/2010/main" val="1859365038"/>
+      </p:ext>
+    </p:extLst>
+  </p:cSld>
+  <p:clrMapOvr>
+    <a:masterClrMapping/>
+  </p:clrMapOvr>
+</p:notes>
+</file>
+
 <file path=ppt/slideLayouts/slideLayout1.xml><?xml version="1.0" encoding="utf-8"?>
 <p:sldLayout xmlns:a="http://schemas.openxmlformats.org/drawingml/2006/main" xmlns:r="http://schemas.openxmlformats.org/officeDocument/2006/relationships" xmlns:p="http://schemas.openxmlformats.org/presentationml/2006/main" type="title" preserve="1">
   <p:cSld name="Title Slide">
@@ -243,7 +679,7 @@
           <a:p>
             <a:fld id="{CAFD4390-0EFB-AA47-841E-295E33D2312E}" type="datetimeFigureOut">
               <a:rPr lang="en-US" smtClean="0"/>
-              <a:t>11/12/18</a:t>
+              <a:t>11/13/18</a:t>
             </a:fld>
             <a:endParaRPr lang="en-US"/>
           </a:p>
@@ -413,7 +849,7 @@
           <a:p>
             <a:fld id="{CAFD4390-0EFB-AA47-841E-295E33D2312E}" type="datetimeFigureOut">
               <a:rPr lang="en-US" smtClean="0"/>
-              <a:t>11/12/18</a:t>
+              <a:t>11/13/18</a:t>
             </a:fld>
             <a:endParaRPr lang="en-US"/>
           </a:p>
@@ -593,7 +1029,7 @@
           <a:p>
             <a:fld id="{CAFD4390-0EFB-AA47-841E-295E33D2312E}" type="datetimeFigureOut">
               <a:rPr lang="en-US" smtClean="0"/>
-              <a:t>11/12/18</a:t>
+              <a:t>11/13/18</a:t>
             </a:fld>
             <a:endParaRPr lang="en-US"/>
           </a:p>
@@ -763,7 +1199,7 @@
           <a:p>
             <a:fld id="{CAFD4390-0EFB-AA47-841E-295E33D2312E}" type="datetimeFigureOut">
               <a:rPr lang="en-US" smtClean="0"/>
-              <a:t>11/12/18</a:t>
+              <a:t>11/13/18</a:t>
             </a:fld>
             <a:endParaRPr lang="en-US"/>
           </a:p>
@@ -1007,7 +1443,7 @@
           <a:p>
             <a:fld id="{CAFD4390-0EFB-AA47-841E-295E33D2312E}" type="datetimeFigureOut">
               <a:rPr lang="en-US" smtClean="0"/>
-              <a:t>11/12/18</a:t>
+              <a:t>11/13/18</a:t>
             </a:fld>
             <a:endParaRPr lang="en-US"/>
           </a:p>
@@ -1239,7 +1675,7 @@
           <a:p>
             <a:fld id="{CAFD4390-0EFB-AA47-841E-295E33D2312E}" type="datetimeFigureOut">
               <a:rPr lang="en-US" smtClean="0"/>
-              <a:t>11/12/18</a:t>
+              <a:t>11/13/18</a:t>
             </a:fld>
             <a:endParaRPr lang="en-US"/>
           </a:p>
@@ -1606,7 +2042,7 @@
           <a:p>
             <a:fld id="{CAFD4390-0EFB-AA47-841E-295E33D2312E}" type="datetimeFigureOut">
               <a:rPr lang="en-US" smtClean="0"/>
-              <a:t>11/12/18</a:t>
+              <a:t>11/13/18</a:t>
             </a:fld>
             <a:endParaRPr lang="en-US"/>
           </a:p>
@@ -1724,7 +2160,7 @@
           <a:p>
             <a:fld id="{CAFD4390-0EFB-AA47-841E-295E33D2312E}" type="datetimeFigureOut">
               <a:rPr lang="en-US" smtClean="0"/>
-              <a:t>11/12/18</a:t>
+              <a:t>11/13/18</a:t>
             </a:fld>
             <a:endParaRPr lang="en-US"/>
           </a:p>
@@ -1819,7 +2255,7 @@
           <a:p>
             <a:fld id="{CAFD4390-0EFB-AA47-841E-295E33D2312E}" type="datetimeFigureOut">
               <a:rPr lang="en-US" smtClean="0"/>
-              <a:t>11/12/18</a:t>
+              <a:t>11/13/18</a:t>
             </a:fld>
             <a:endParaRPr lang="en-US"/>
           </a:p>
@@ -2096,7 +2532,7 @@
           <a:p>
             <a:fld id="{CAFD4390-0EFB-AA47-841E-295E33D2312E}" type="datetimeFigureOut">
               <a:rPr lang="en-US" smtClean="0"/>
-              <a:t>11/12/18</a:t>
+              <a:t>11/13/18</a:t>
             </a:fld>
             <a:endParaRPr lang="en-US"/>
           </a:p>
@@ -2353,7 +2789,7 @@
           <a:p>
             <a:fld id="{CAFD4390-0EFB-AA47-841E-295E33D2312E}" type="datetimeFigureOut">
               <a:rPr lang="en-US" smtClean="0"/>
-              <a:t>11/12/18</a:t>
+              <a:t>11/13/18</a:t>
             </a:fld>
             <a:endParaRPr lang="en-US"/>
           </a:p>
@@ -2566,7 +3002,7 @@
           <a:p>
             <a:fld id="{CAFD4390-0EFB-AA47-841E-295E33D2312E}" type="datetimeFigureOut">
               <a:rPr lang="en-US" smtClean="0"/>
-              <a:t>11/12/18</a:t>
+              <a:t>11/13/18</a:t>
             </a:fld>
             <a:endParaRPr lang="en-US"/>
           </a:p>
@@ -2985,7 +3421,7 @@
         </p:nvSpPr>
         <p:spPr>
           <a:xfrm>
-            <a:off x="3413759" y="5779540"/>
+            <a:off x="907899" y="5715372"/>
             <a:ext cx="731520" cy="742278"/>
           </a:xfrm>
           <a:prstGeom prst="ellipse">
@@ -3043,7 +3479,7 @@
         </p:nvCxnSpPr>
         <p:spPr>
           <a:xfrm>
-            <a:off x="4274371" y="6156058"/>
+            <a:off x="1768511" y="6091890"/>
             <a:ext cx="247426" cy="0"/>
           </a:xfrm>
           <a:prstGeom prst="straightConnector1">
@@ -3085,7 +3521,7 @@
         </p:nvSpPr>
         <p:spPr>
           <a:xfrm>
-            <a:off x="4650889" y="5779540"/>
+            <a:off x="2145029" y="5715372"/>
             <a:ext cx="731520" cy="742278"/>
           </a:xfrm>
           <a:prstGeom prst="ellipse">
@@ -3143,7 +3579,7 @@
         </p:nvCxnSpPr>
         <p:spPr>
           <a:xfrm>
-            <a:off x="5511501" y="6161437"/>
+            <a:off x="3005641" y="6097269"/>
             <a:ext cx="247426" cy="0"/>
           </a:xfrm>
           <a:prstGeom prst="straightConnector1">
@@ -3185,7 +3621,7 @@
         </p:nvSpPr>
         <p:spPr>
           <a:xfrm>
-            <a:off x="5888019" y="5784919"/>
+            <a:off x="3382159" y="5720751"/>
             <a:ext cx="731520" cy="742278"/>
           </a:xfrm>
           <a:prstGeom prst="ellipse">
@@ -3243,7 +3679,7 @@
         </p:nvCxnSpPr>
         <p:spPr>
           <a:xfrm>
-            <a:off x="6748631" y="6161437"/>
+            <a:off x="4242771" y="6097269"/>
             <a:ext cx="247426" cy="0"/>
           </a:xfrm>
           <a:prstGeom prst="straightConnector1">
@@ -3285,7 +3721,7 @@
         </p:nvSpPr>
         <p:spPr>
           <a:xfrm>
-            <a:off x="7125149" y="5790298"/>
+            <a:off x="4619289" y="5726130"/>
             <a:ext cx="731520" cy="742278"/>
           </a:xfrm>
           <a:prstGeom prst="ellipse">
@@ -3343,7 +3779,7 @@
         </p:nvCxnSpPr>
         <p:spPr>
           <a:xfrm>
-            <a:off x="7985761" y="6166816"/>
+            <a:off x="5479901" y="6102648"/>
             <a:ext cx="247426" cy="0"/>
           </a:xfrm>
           <a:prstGeom prst="straightConnector1">
@@ -3385,7 +3821,7 @@
         </p:nvSpPr>
         <p:spPr>
           <a:xfrm>
-            <a:off x="8362279" y="5779540"/>
+            <a:off x="8362279" y="5699330"/>
             <a:ext cx="731520" cy="742278"/>
           </a:xfrm>
           <a:prstGeom prst="ellipse">
@@ -3443,7 +3879,7 @@
         </p:nvCxnSpPr>
         <p:spPr>
           <a:xfrm>
-            <a:off x="9222891" y="6156058"/>
+            <a:off x="9222891" y="6075848"/>
             <a:ext cx="247426" cy="0"/>
           </a:xfrm>
           <a:prstGeom prst="straightConnector1">
@@ -3485,7 +3921,7 @@
         </p:nvSpPr>
         <p:spPr>
           <a:xfrm>
-            <a:off x="9599409" y="5784919"/>
+            <a:off x="9599409" y="5704709"/>
             <a:ext cx="731520" cy="742278"/>
           </a:xfrm>
           <a:prstGeom prst="ellipse">
@@ -3543,7 +3979,7 @@
         </p:nvCxnSpPr>
         <p:spPr>
           <a:xfrm>
-            <a:off x="10460021" y="6161437"/>
+            <a:off x="10460021" y="6081227"/>
             <a:ext cx="247426" cy="0"/>
           </a:xfrm>
           <a:prstGeom prst="straightConnector1">
@@ -3585,7 +4021,7 @@
         </p:nvSpPr>
         <p:spPr>
           <a:xfrm>
-            <a:off x="10836539" y="5784919"/>
+            <a:off x="10836539" y="5704709"/>
             <a:ext cx="731520" cy="742278"/>
           </a:xfrm>
           <a:prstGeom prst="ellipse">
@@ -3643,7 +4079,7 @@
         </p:nvCxnSpPr>
         <p:spPr>
           <a:xfrm>
-            <a:off x="11697151" y="6161437"/>
+            <a:off x="11697151" y="6081227"/>
             <a:ext cx="247426" cy="0"/>
           </a:xfrm>
           <a:prstGeom prst="straightConnector1">
@@ -3685,7 +4121,7 @@
         </p:nvSpPr>
         <p:spPr>
           <a:xfrm>
-            <a:off x="12073669" y="5790298"/>
+            <a:off x="12073669" y="5710088"/>
             <a:ext cx="731520" cy="742278"/>
           </a:xfrm>
           <a:prstGeom prst="ellipse">
@@ -3743,7 +4179,7 @@
         </p:nvCxnSpPr>
         <p:spPr>
           <a:xfrm>
-            <a:off x="12934281" y="6166816"/>
+            <a:off x="12934281" y="6086606"/>
             <a:ext cx="247426" cy="0"/>
           </a:xfrm>
           <a:prstGeom prst="straightConnector1">
@@ -3771,12 +4207,56 @@
           </a:fontRef>
         </p:style>
       </p:cxnSp>
-      <p:sp>
-        <p:nvSpPr>
-          <p:cNvPr id="25" name="Oval 24">
-            <a:extLst>
-              <a:ext uri="{FF2B5EF4-FFF2-40B4-BE49-F238E27FC236}">
-                <a16:creationId xmlns:a16="http://schemas.microsoft.com/office/drawing/2014/main" id="{6682CB17-C1B4-1143-8490-27F4162ACC93}"/>
+      <p:cxnSp>
+        <p:nvCxnSpPr>
+          <p:cNvPr id="26" name="Straight Arrow Connector 25">
+            <a:extLst>
+              <a:ext uri="{FF2B5EF4-FFF2-40B4-BE49-F238E27FC236}">
+                <a16:creationId xmlns:a16="http://schemas.microsoft.com/office/drawing/2014/main" id="{9746E45E-C560-484F-A28B-BDB151182292}"/>
+              </a:ext>
+            </a:extLst>
+          </p:cNvPr>
+          <p:cNvCxnSpPr>
+            <a:cxnSpLocks/>
+          </p:cNvCxnSpPr>
+          <p:nvPr/>
+        </p:nvCxnSpPr>
+        <p:spPr>
+          <a:xfrm>
+            <a:off x="5237495" y="7637983"/>
+            <a:ext cx="634724" cy="403148"/>
+          </a:xfrm>
+          <a:prstGeom prst="straightConnector1">
+            <a:avLst/>
+          </a:prstGeom>
+          <a:ln>
+            <a:solidFill>
+              <a:schemeClr val="tx1"/>
+            </a:solidFill>
+            <a:tailEnd type="triangle"/>
+          </a:ln>
+        </p:spPr>
+        <p:style>
+          <a:lnRef idx="1">
+            <a:schemeClr val="accent1"/>
+          </a:lnRef>
+          <a:fillRef idx="0">
+            <a:schemeClr val="accent1"/>
+          </a:fillRef>
+          <a:effectRef idx="0">
+            <a:schemeClr val="accent1"/>
+          </a:effectRef>
+          <a:fontRef idx="minor">
+            <a:schemeClr val="tx1"/>
+          </a:fontRef>
+        </p:style>
+      </p:cxnSp>
+      <p:sp>
+        <p:nvSpPr>
+          <p:cNvPr id="27" name="Oval 26">
+            <a:extLst>
+              <a:ext uri="{FF2B5EF4-FFF2-40B4-BE49-F238E27FC236}">
+                <a16:creationId xmlns:a16="http://schemas.microsoft.com/office/drawing/2014/main" id="{EF7591FE-D838-3A43-8D5E-2A8D6ACD2DB2}"/>
               </a:ext>
             </a:extLst>
           </p:cNvPr>
@@ -3785,7 +4265,7 @@
         </p:nvSpPr>
         <p:spPr>
           <a:xfrm>
-            <a:off x="4618615" y="7438905"/>
+            <a:off x="5930328" y="7764697"/>
             <a:ext cx="731520" cy="742278"/>
           </a:xfrm>
           <a:prstGeom prst="ellipse">
@@ -3829,10 +4309,10 @@
       </p:sp>
       <p:cxnSp>
         <p:nvCxnSpPr>
-          <p:cNvPr id="26" name="Straight Arrow Connector 25">
-            <a:extLst>
-              <a:ext uri="{FF2B5EF4-FFF2-40B4-BE49-F238E27FC236}">
-                <a16:creationId xmlns:a16="http://schemas.microsoft.com/office/drawing/2014/main" id="{9746E45E-C560-484F-A28B-BDB151182292}"/>
+          <p:cNvPr id="28" name="Straight Arrow Connector 27">
+            <a:extLst>
+              <a:ext uri="{FF2B5EF4-FFF2-40B4-BE49-F238E27FC236}">
+                <a16:creationId xmlns:a16="http://schemas.microsoft.com/office/drawing/2014/main" id="{6C6F682D-4E67-BF47-980F-42BDAEC4B8C5}"/>
               </a:ext>
             </a:extLst>
           </p:cNvPr>
@@ -3843,7 +4323,7 @@
         </p:nvCxnSpPr>
         <p:spPr>
           <a:xfrm>
-            <a:off x="5479227" y="7815423"/>
+            <a:off x="6820524" y="8141215"/>
             <a:ext cx="247426" cy="0"/>
           </a:xfrm>
           <a:prstGeom prst="straightConnector1">
@@ -3873,10 +4353,10 @@
       </p:cxnSp>
       <p:sp>
         <p:nvSpPr>
-          <p:cNvPr id="27" name="Oval 26">
-            <a:extLst>
-              <a:ext uri="{FF2B5EF4-FFF2-40B4-BE49-F238E27FC236}">
-                <a16:creationId xmlns:a16="http://schemas.microsoft.com/office/drawing/2014/main" id="{EF7591FE-D838-3A43-8D5E-2A8D6ACD2DB2}"/>
+          <p:cNvPr id="29" name="Oval 28">
+            <a:extLst>
+              <a:ext uri="{FF2B5EF4-FFF2-40B4-BE49-F238E27FC236}">
+                <a16:creationId xmlns:a16="http://schemas.microsoft.com/office/drawing/2014/main" id="{F131480F-EA6C-F644-8BCE-ACEE22AE52D4}"/>
               </a:ext>
             </a:extLst>
           </p:cNvPr>
@@ -3885,14 +4365,16 @@
         </p:nvSpPr>
         <p:spPr>
           <a:xfrm>
-            <a:off x="5885328" y="7438905"/>
+            <a:off x="7169530" y="9425137"/>
             <a:ext cx="731520" cy="742278"/>
           </a:xfrm>
           <a:prstGeom prst="ellipse">
             <a:avLst/>
           </a:prstGeom>
           <a:solidFill>
-            <a:srgbClr val="92D050"/>
+            <a:schemeClr val="accent6">
+              <a:lumMod val="75000"/>
+            </a:schemeClr>
           </a:solidFill>
         </p:spPr>
         <p:style>
@@ -3929,10 +4411,10 @@
       </p:sp>
       <p:cxnSp>
         <p:nvCxnSpPr>
-          <p:cNvPr id="28" name="Straight Arrow Connector 27">
-            <a:extLst>
-              <a:ext uri="{FF2B5EF4-FFF2-40B4-BE49-F238E27FC236}">
-                <a16:creationId xmlns:a16="http://schemas.microsoft.com/office/drawing/2014/main" id="{6C6F682D-4E67-BF47-980F-42BDAEC4B8C5}"/>
+          <p:cNvPr id="30" name="Straight Arrow Connector 29">
+            <a:extLst>
+              <a:ext uri="{FF2B5EF4-FFF2-40B4-BE49-F238E27FC236}">
+                <a16:creationId xmlns:a16="http://schemas.microsoft.com/office/drawing/2014/main" id="{FE8C17C2-9344-EC48-8277-06DEBD445069}"/>
               </a:ext>
             </a:extLst>
           </p:cNvPr>
@@ -3943,7 +4425,7 @@
         </p:nvCxnSpPr>
         <p:spPr>
           <a:xfrm>
-            <a:off x="6775524" y="7815423"/>
+            <a:off x="8030142" y="9801655"/>
             <a:ext cx="247426" cy="0"/>
           </a:xfrm>
           <a:prstGeom prst="straightConnector1">
@@ -3971,12 +4453,56 @@
           </a:fontRef>
         </p:style>
       </p:cxnSp>
-      <p:sp>
-        <p:nvSpPr>
-          <p:cNvPr id="29" name="Oval 28">
-            <a:extLst>
-              <a:ext uri="{FF2B5EF4-FFF2-40B4-BE49-F238E27FC236}">
-                <a16:creationId xmlns:a16="http://schemas.microsoft.com/office/drawing/2014/main" id="{F131480F-EA6C-F644-8BCE-ACEE22AE52D4}"/>
+      <p:cxnSp>
+        <p:nvCxnSpPr>
+          <p:cNvPr id="32" name="Straight Arrow Connector 31">
+            <a:extLst>
+              <a:ext uri="{FF2B5EF4-FFF2-40B4-BE49-F238E27FC236}">
+                <a16:creationId xmlns:a16="http://schemas.microsoft.com/office/drawing/2014/main" id="{F0C73C65-4362-E94B-BA48-75CF5C58DC43}"/>
+              </a:ext>
+            </a:extLst>
+          </p:cNvPr>
+          <p:cNvCxnSpPr>
+            <a:cxnSpLocks/>
+          </p:cNvCxnSpPr>
+          <p:nvPr/>
+        </p:nvCxnSpPr>
+        <p:spPr>
+          <a:xfrm>
+            <a:off x="4242771" y="6979913"/>
+            <a:ext cx="247426" cy="0"/>
+          </a:xfrm>
+          <a:prstGeom prst="straightConnector1">
+            <a:avLst/>
+          </a:prstGeom>
+          <a:ln>
+            <a:solidFill>
+              <a:schemeClr val="tx1"/>
+            </a:solidFill>
+            <a:tailEnd type="triangle"/>
+          </a:ln>
+        </p:spPr>
+        <p:style>
+          <a:lnRef idx="1">
+            <a:schemeClr val="accent1"/>
+          </a:lnRef>
+          <a:fillRef idx="0">
+            <a:schemeClr val="accent1"/>
+          </a:fillRef>
+          <a:effectRef idx="0">
+            <a:schemeClr val="accent1"/>
+          </a:effectRef>
+          <a:fontRef idx="minor">
+            <a:schemeClr val="tx1"/>
+          </a:fontRef>
+        </p:style>
+      </p:cxnSp>
+      <p:sp>
+        <p:nvSpPr>
+          <p:cNvPr id="34" name="Oval 33">
+            <a:extLst>
+              <a:ext uri="{FF2B5EF4-FFF2-40B4-BE49-F238E27FC236}">
+                <a16:creationId xmlns:a16="http://schemas.microsoft.com/office/drawing/2014/main" id="{2180849E-15DF-FC4F-8E7D-71D7EAE9E34F}"/>
               </a:ext>
             </a:extLst>
           </p:cNvPr>
@@ -3985,7 +4511,7 @@
         </p:nvSpPr>
         <p:spPr>
           <a:xfrm>
-            <a:off x="7124530" y="9099345"/>
+            <a:off x="7169530" y="7769854"/>
             <a:ext cx="731520" cy="742278"/>
           </a:xfrm>
           <a:prstGeom prst="ellipse">
@@ -3993,7 +4519,8 @@
           </a:prstGeom>
           <a:solidFill>
             <a:schemeClr val="accent6">
-              <a:lumMod val="75000"/>
+              <a:lumMod val="40000"/>
+              <a:lumOff val="60000"/>
             </a:schemeClr>
           </a:solidFill>
         </p:spPr>
@@ -4019,22 +4546,22 @@
           <a:p>
             <a:pPr algn="ctr"/>
             <a:r>
-              <a:rPr lang="en-US" sz="1400" b="1" i="1" dirty="0">
+              <a:rPr lang="en-US" sz="1100" b="1" i="1" dirty="0">
                 <a:solidFill>
                   <a:schemeClr val="bg1"/>
                 </a:solidFill>
               </a:rPr>
-              <a:t>BCH</a:t>
+              <a:t>BCHC</a:t>
             </a:r>
           </a:p>
         </p:txBody>
       </p:sp>
       <p:cxnSp>
         <p:nvCxnSpPr>
-          <p:cNvPr id="30" name="Straight Arrow Connector 29">
-            <a:extLst>
-              <a:ext uri="{FF2B5EF4-FFF2-40B4-BE49-F238E27FC236}">
-                <a16:creationId xmlns:a16="http://schemas.microsoft.com/office/drawing/2014/main" id="{FE8C17C2-9344-EC48-8277-06DEBD445069}"/>
+          <p:cNvPr id="35" name="Straight Arrow Connector 34">
+            <a:extLst>
+              <a:ext uri="{FF2B5EF4-FFF2-40B4-BE49-F238E27FC236}">
+                <a16:creationId xmlns:a16="http://schemas.microsoft.com/office/drawing/2014/main" id="{2344D699-DFF9-1C41-AF32-C6219B58AE72}"/>
               </a:ext>
             </a:extLst>
           </p:cNvPr>
@@ -4045,7 +4572,7 @@
         </p:nvCxnSpPr>
         <p:spPr>
           <a:xfrm>
-            <a:off x="7985142" y="9475863"/>
+            <a:off x="8030142" y="8146372"/>
             <a:ext cx="247426" cy="0"/>
           </a:xfrm>
           <a:prstGeom prst="straightConnector1">
@@ -4075,10 +4602,10 @@
       </p:cxnSp>
       <p:sp>
         <p:nvSpPr>
-          <p:cNvPr id="31" name="Oval 30">
-            <a:extLst>
-              <a:ext uri="{FF2B5EF4-FFF2-40B4-BE49-F238E27FC236}">
-                <a16:creationId xmlns:a16="http://schemas.microsoft.com/office/drawing/2014/main" id="{A93D6B27-8A7C-3240-A950-365A0594C33A}"/>
+          <p:cNvPr id="36" name="Oval 35">
+            <a:extLst>
+              <a:ext uri="{FF2B5EF4-FFF2-40B4-BE49-F238E27FC236}">
+                <a16:creationId xmlns:a16="http://schemas.microsoft.com/office/drawing/2014/main" id="{B973FE8B-552C-0042-B765-F32B4903EE39}"/>
               </a:ext>
             </a:extLst>
           </p:cNvPr>
@@ -4087,14 +4614,16 @@
         </p:nvSpPr>
         <p:spPr>
           <a:xfrm>
-            <a:off x="5888019" y="6608774"/>
+            <a:off x="8406660" y="9443288"/>
             <a:ext cx="731520" cy="742278"/>
           </a:xfrm>
           <a:prstGeom prst="ellipse">
             <a:avLst/>
           </a:prstGeom>
           <a:solidFill>
-            <a:srgbClr val="FF0000"/>
+            <a:schemeClr val="accent6">
+              <a:lumMod val="75000"/>
+            </a:schemeClr>
           </a:solidFill>
         </p:spPr>
         <p:style>
@@ -4124,17 +4653,17 @@
                   <a:schemeClr val="bg1"/>
                 </a:solidFill>
               </a:rPr>
-              <a:t>BTG</a:t>
+              <a:t>BCH</a:t>
             </a:r>
           </a:p>
         </p:txBody>
       </p:sp>
       <p:cxnSp>
         <p:nvCxnSpPr>
-          <p:cNvPr id="32" name="Straight Arrow Connector 31">
-            <a:extLst>
-              <a:ext uri="{FF2B5EF4-FFF2-40B4-BE49-F238E27FC236}">
-                <a16:creationId xmlns:a16="http://schemas.microsoft.com/office/drawing/2014/main" id="{F0C73C65-4362-E94B-BA48-75CF5C58DC43}"/>
+          <p:cNvPr id="37" name="Straight Arrow Connector 36">
+            <a:extLst>
+              <a:ext uri="{FF2B5EF4-FFF2-40B4-BE49-F238E27FC236}">
+                <a16:creationId xmlns:a16="http://schemas.microsoft.com/office/drawing/2014/main" id="{517DCFDF-1848-B646-994B-E7ABD47F5096}"/>
               </a:ext>
             </a:extLst>
           </p:cNvPr>
@@ -4145,7 +4674,7 @@
         </p:nvCxnSpPr>
         <p:spPr>
           <a:xfrm>
-            <a:off x="6748631" y="6979913"/>
+            <a:off x="9326439" y="9819806"/>
             <a:ext cx="247426" cy="0"/>
           </a:xfrm>
           <a:prstGeom prst="straightConnector1">
@@ -4175,10 +4704,10 @@
       </p:cxnSp>
       <p:sp>
         <p:nvSpPr>
-          <p:cNvPr id="34" name="Oval 33">
-            <a:extLst>
-              <a:ext uri="{FF2B5EF4-FFF2-40B4-BE49-F238E27FC236}">
-                <a16:creationId xmlns:a16="http://schemas.microsoft.com/office/drawing/2014/main" id="{2180849E-15DF-FC4F-8E7D-71D7EAE9E34F}"/>
+          <p:cNvPr id="38" name="Oval 37">
+            <a:extLst>
+              <a:ext uri="{FF2B5EF4-FFF2-40B4-BE49-F238E27FC236}">
+                <a16:creationId xmlns:a16="http://schemas.microsoft.com/office/drawing/2014/main" id="{9F162FF6-6917-1943-B145-1EFB3F8947F3}"/>
               </a:ext>
             </a:extLst>
           </p:cNvPr>
@@ -4187,7 +4716,7 @@
         </p:nvSpPr>
         <p:spPr>
           <a:xfrm>
-            <a:off x="7124530" y="7444062"/>
+            <a:off x="9643786" y="9425137"/>
             <a:ext cx="731520" cy="742278"/>
           </a:xfrm>
           <a:prstGeom prst="ellipse">
@@ -4195,8 +4724,7 @@
           </a:prstGeom>
           <a:solidFill>
             <a:schemeClr val="accent6">
-              <a:lumMod val="40000"/>
-              <a:lumOff val="60000"/>
+              <a:lumMod val="75000"/>
             </a:schemeClr>
           </a:solidFill>
         </p:spPr>
@@ -4222,22 +4750,22 @@
           <a:p>
             <a:pPr algn="ctr"/>
             <a:r>
-              <a:rPr lang="en-US" sz="1100" b="1" i="1" dirty="0">
+              <a:rPr lang="en-US" sz="1400" b="1" i="1" dirty="0">
                 <a:solidFill>
                   <a:schemeClr val="bg1"/>
                 </a:solidFill>
               </a:rPr>
-              <a:t>BCHC</a:t>
+              <a:t>BCH</a:t>
             </a:r>
           </a:p>
         </p:txBody>
       </p:sp>
       <p:cxnSp>
         <p:nvCxnSpPr>
-          <p:cNvPr id="35" name="Straight Arrow Connector 34">
-            <a:extLst>
-              <a:ext uri="{FF2B5EF4-FFF2-40B4-BE49-F238E27FC236}">
-                <a16:creationId xmlns:a16="http://schemas.microsoft.com/office/drawing/2014/main" id="{2344D699-DFF9-1C41-AF32-C6219B58AE72}"/>
+          <p:cNvPr id="39" name="Straight Arrow Connector 38">
+            <a:extLst>
+              <a:ext uri="{FF2B5EF4-FFF2-40B4-BE49-F238E27FC236}">
+                <a16:creationId xmlns:a16="http://schemas.microsoft.com/office/drawing/2014/main" id="{3247D100-4CD1-784F-8746-22D2F2F73114}"/>
               </a:ext>
             </a:extLst>
           </p:cNvPr>
@@ -4248,7 +4776,7 @@
         </p:nvCxnSpPr>
         <p:spPr>
           <a:xfrm>
-            <a:off x="7985142" y="7820580"/>
+            <a:off x="10504398" y="9801655"/>
             <a:ext cx="247426" cy="0"/>
           </a:xfrm>
           <a:prstGeom prst="straightConnector1">
@@ -4278,10 +4806,10 @@
       </p:cxnSp>
       <p:sp>
         <p:nvSpPr>
-          <p:cNvPr id="36" name="Oval 35">
-            <a:extLst>
-              <a:ext uri="{FF2B5EF4-FFF2-40B4-BE49-F238E27FC236}">
-                <a16:creationId xmlns:a16="http://schemas.microsoft.com/office/drawing/2014/main" id="{B973FE8B-552C-0042-B765-F32B4903EE39}"/>
+          <p:cNvPr id="40" name="Oval 39">
+            <a:extLst>
+              <a:ext uri="{FF2B5EF4-FFF2-40B4-BE49-F238E27FC236}">
+                <a16:creationId xmlns:a16="http://schemas.microsoft.com/office/drawing/2014/main" id="{CED15AC1-234D-7C43-8F17-45C9FFFABB60}"/>
               </a:ext>
             </a:extLst>
           </p:cNvPr>
@@ -4290,7 +4818,7 @@
         </p:nvSpPr>
         <p:spPr>
           <a:xfrm>
-            <a:off x="8361660" y="9117496"/>
+            <a:off x="10880912" y="9430516"/>
             <a:ext cx="731520" cy="742278"/>
           </a:xfrm>
           <a:prstGeom prst="ellipse">
@@ -4336,10 +4864,10 @@
       </p:sp>
       <p:cxnSp>
         <p:nvCxnSpPr>
-          <p:cNvPr id="37" name="Straight Arrow Connector 36">
-            <a:extLst>
-              <a:ext uri="{FF2B5EF4-FFF2-40B4-BE49-F238E27FC236}">
-                <a16:creationId xmlns:a16="http://schemas.microsoft.com/office/drawing/2014/main" id="{517DCFDF-1848-B646-994B-E7ABD47F5096}"/>
+          <p:cNvPr id="41" name="Straight Arrow Connector 40">
+            <a:extLst>
+              <a:ext uri="{FF2B5EF4-FFF2-40B4-BE49-F238E27FC236}">
+                <a16:creationId xmlns:a16="http://schemas.microsoft.com/office/drawing/2014/main" id="{6E25706E-6EEF-8041-AF43-904D1F0F63DB}"/>
               </a:ext>
             </a:extLst>
           </p:cNvPr>
@@ -4350,7 +4878,7 @@
         </p:nvCxnSpPr>
         <p:spPr>
           <a:xfrm>
-            <a:off x="9281439" y="9494014"/>
+            <a:off x="11800691" y="9807034"/>
             <a:ext cx="247426" cy="0"/>
           </a:xfrm>
           <a:prstGeom prst="straightConnector1">
@@ -4380,10 +4908,10 @@
       </p:cxnSp>
       <p:sp>
         <p:nvSpPr>
-          <p:cNvPr id="38" name="Oval 37">
-            <a:extLst>
-              <a:ext uri="{FF2B5EF4-FFF2-40B4-BE49-F238E27FC236}">
-                <a16:creationId xmlns:a16="http://schemas.microsoft.com/office/drawing/2014/main" id="{9F162FF6-6917-1943-B145-1EFB3F8947F3}"/>
+          <p:cNvPr id="42" name="Oval 41">
+            <a:extLst>
+              <a:ext uri="{FF2B5EF4-FFF2-40B4-BE49-F238E27FC236}">
+                <a16:creationId xmlns:a16="http://schemas.microsoft.com/office/drawing/2014/main" id="{E2345792-084C-FF43-B9EA-0B704855300B}"/>
               </a:ext>
             </a:extLst>
           </p:cNvPr>
@@ -4392,7 +4920,7 @@
         </p:nvSpPr>
         <p:spPr>
           <a:xfrm>
-            <a:off x="9598786" y="9099345"/>
+            <a:off x="12177209" y="9435895"/>
             <a:ext cx="731520" cy="742278"/>
           </a:xfrm>
           <a:prstGeom prst="ellipse">
@@ -4438,10 +4966,10 @@
       </p:sp>
       <p:cxnSp>
         <p:nvCxnSpPr>
-          <p:cNvPr id="39" name="Straight Arrow Connector 38">
-            <a:extLst>
-              <a:ext uri="{FF2B5EF4-FFF2-40B4-BE49-F238E27FC236}">
-                <a16:creationId xmlns:a16="http://schemas.microsoft.com/office/drawing/2014/main" id="{3247D100-4CD1-784F-8746-22D2F2F73114}"/>
+          <p:cNvPr id="43" name="Straight Arrow Connector 42">
+            <a:extLst>
+              <a:ext uri="{FF2B5EF4-FFF2-40B4-BE49-F238E27FC236}">
+                <a16:creationId xmlns:a16="http://schemas.microsoft.com/office/drawing/2014/main" id="{8D12D28A-0C4E-304F-BBE1-D590A4EC5A30}"/>
               </a:ext>
             </a:extLst>
           </p:cNvPr>
@@ -4452,7 +4980,7 @@
         </p:nvCxnSpPr>
         <p:spPr>
           <a:xfrm>
-            <a:off x="10459398" y="9475863"/>
+            <a:off x="13096988" y="9812413"/>
             <a:ext cx="247426" cy="0"/>
           </a:xfrm>
           <a:prstGeom prst="straightConnector1">
@@ -4482,10 +5010,10 @@
       </p:cxnSp>
       <p:sp>
         <p:nvSpPr>
-          <p:cNvPr id="40" name="Oval 39">
-            <a:extLst>
-              <a:ext uri="{FF2B5EF4-FFF2-40B4-BE49-F238E27FC236}">
-                <a16:creationId xmlns:a16="http://schemas.microsoft.com/office/drawing/2014/main" id="{CED15AC1-234D-7C43-8F17-45C9FFFABB60}"/>
+          <p:cNvPr id="44" name="Oval 43">
+            <a:extLst>
+              <a:ext uri="{FF2B5EF4-FFF2-40B4-BE49-F238E27FC236}">
+                <a16:creationId xmlns:a16="http://schemas.microsoft.com/office/drawing/2014/main" id="{3BE514B2-FDBD-974E-B3E2-4655E24147C8}"/>
               </a:ext>
             </a:extLst>
           </p:cNvPr>
@@ -4494,15 +5022,15 @@
         </p:nvSpPr>
         <p:spPr>
           <a:xfrm>
-            <a:off x="10835912" y="9104724"/>
+            <a:off x="12177209" y="10352088"/>
             <a:ext cx="731520" cy="742278"/>
           </a:xfrm>
           <a:prstGeom prst="ellipse">
             <a:avLst/>
           </a:prstGeom>
           <a:solidFill>
-            <a:schemeClr val="accent6">
-              <a:lumMod val="75000"/>
+            <a:schemeClr val="bg1">
+              <a:lumMod val="85000"/>
             </a:schemeClr>
           </a:solidFill>
         </p:spPr>
@@ -4533,17 +5061,17 @@
                   <a:schemeClr val="bg1"/>
                 </a:solidFill>
               </a:rPr>
-              <a:t>BCH</a:t>
+              <a:t>BCHSV</a:t>
             </a:r>
           </a:p>
         </p:txBody>
       </p:sp>
       <p:cxnSp>
         <p:nvCxnSpPr>
-          <p:cNvPr id="41" name="Straight Arrow Connector 40">
-            <a:extLst>
-              <a:ext uri="{FF2B5EF4-FFF2-40B4-BE49-F238E27FC236}">
-                <a16:creationId xmlns:a16="http://schemas.microsoft.com/office/drawing/2014/main" id="{6E25706E-6EEF-8041-AF43-904D1F0F63DB}"/>
+          <p:cNvPr id="45" name="Straight Arrow Connector 44">
+            <a:extLst>
+              <a:ext uri="{FF2B5EF4-FFF2-40B4-BE49-F238E27FC236}">
+                <a16:creationId xmlns:a16="http://schemas.microsoft.com/office/drawing/2014/main" id="{148A8796-9181-4540-AD82-C98710A6F978}"/>
               </a:ext>
             </a:extLst>
           </p:cNvPr>
@@ -4554,7 +5082,7 @@
         </p:nvCxnSpPr>
         <p:spPr>
           <a:xfrm>
-            <a:off x="11755691" y="9481242"/>
+            <a:off x="13096988" y="10728606"/>
             <a:ext cx="247426" cy="0"/>
           </a:xfrm>
           <a:prstGeom prst="straightConnector1">
@@ -4584,10 +5112,10 @@
       </p:cxnSp>
       <p:sp>
         <p:nvSpPr>
-          <p:cNvPr id="42" name="Oval 41">
-            <a:extLst>
-              <a:ext uri="{FF2B5EF4-FFF2-40B4-BE49-F238E27FC236}">
-                <a16:creationId xmlns:a16="http://schemas.microsoft.com/office/drawing/2014/main" id="{E2345792-084C-FF43-B9EA-0B704855300B}"/>
+          <p:cNvPr id="46" name="Oval 45">
+            <a:extLst>
+              <a:ext uri="{FF2B5EF4-FFF2-40B4-BE49-F238E27FC236}">
+                <a16:creationId xmlns:a16="http://schemas.microsoft.com/office/drawing/2014/main" id="{42BBDB56-C1F7-014F-9991-07C5FF29E43C}"/>
               </a:ext>
             </a:extLst>
           </p:cNvPr>
@@ -4596,15 +5124,16 @@
         </p:nvSpPr>
         <p:spPr>
           <a:xfrm>
-            <a:off x="12132209" y="9110103"/>
+            <a:off x="12177209" y="11268281"/>
             <a:ext cx="731520" cy="742278"/>
           </a:xfrm>
           <a:prstGeom prst="ellipse">
             <a:avLst/>
           </a:prstGeom>
           <a:solidFill>
-            <a:schemeClr val="accent6">
-              <a:lumMod val="75000"/>
+            <a:schemeClr val="tx2">
+              <a:lumMod val="40000"/>
+              <a:lumOff val="60000"/>
             </a:schemeClr>
           </a:solidFill>
         </p:spPr>
@@ -4635,17 +5164,17 @@
                   <a:schemeClr val="bg1"/>
                 </a:solidFill>
               </a:rPr>
-              <a:t>BCH</a:t>
+              <a:t>BCH ABC</a:t>
             </a:r>
           </a:p>
         </p:txBody>
       </p:sp>
       <p:cxnSp>
         <p:nvCxnSpPr>
-          <p:cNvPr id="43" name="Straight Arrow Connector 42">
-            <a:extLst>
-              <a:ext uri="{FF2B5EF4-FFF2-40B4-BE49-F238E27FC236}">
-                <a16:creationId xmlns:a16="http://schemas.microsoft.com/office/drawing/2014/main" id="{8D12D28A-0C4E-304F-BBE1-D590A4EC5A30}"/>
+          <p:cNvPr id="47" name="Straight Arrow Connector 46">
+            <a:extLst>
+              <a:ext uri="{FF2B5EF4-FFF2-40B4-BE49-F238E27FC236}">
+                <a16:creationId xmlns:a16="http://schemas.microsoft.com/office/drawing/2014/main" id="{8072E4F0-BAB1-614B-885F-1C0A7BBAAE21}"/>
               </a:ext>
             </a:extLst>
           </p:cNvPr>
@@ -4656,7 +5185,7 @@
         </p:nvCxnSpPr>
         <p:spPr>
           <a:xfrm>
-            <a:off x="13051988" y="9486621"/>
+            <a:off x="13096988" y="11644799"/>
             <a:ext cx="247426" cy="0"/>
           </a:xfrm>
           <a:prstGeom prst="straightConnector1">
@@ -4686,10 +5215,10 @@
       </p:cxnSp>
       <p:sp>
         <p:nvSpPr>
-          <p:cNvPr id="44" name="Oval 43">
-            <a:extLst>
-              <a:ext uri="{FF2B5EF4-FFF2-40B4-BE49-F238E27FC236}">
-                <a16:creationId xmlns:a16="http://schemas.microsoft.com/office/drawing/2014/main" id="{3BE514B2-FDBD-974E-B3E2-4655E24147C8}"/>
+          <p:cNvPr id="48" name="Oval 47">
+            <a:extLst>
+              <a:ext uri="{FF2B5EF4-FFF2-40B4-BE49-F238E27FC236}">
+                <a16:creationId xmlns:a16="http://schemas.microsoft.com/office/drawing/2014/main" id="{D6C4653B-8EAD-B04A-9428-FD5E6128AF83}"/>
               </a:ext>
             </a:extLst>
           </p:cNvPr>
@@ -4698,15 +5227,16 @@
         </p:nvSpPr>
         <p:spPr>
           <a:xfrm>
-            <a:off x="12132209" y="10026296"/>
+            <a:off x="12187971" y="12087652"/>
             <a:ext cx="731520" cy="742278"/>
           </a:xfrm>
           <a:prstGeom prst="ellipse">
             <a:avLst/>
           </a:prstGeom>
           <a:solidFill>
-            <a:schemeClr val="bg1">
-              <a:lumMod val="85000"/>
+            <a:schemeClr val="accent4">
+              <a:lumMod val="40000"/>
+              <a:lumOff val="60000"/>
             </a:schemeClr>
           </a:solidFill>
         </p:spPr>
@@ -4737,17 +5267,30 @@
                   <a:schemeClr val="bg1"/>
                 </a:solidFill>
               </a:rPr>
-              <a:t>BCHSV</a:t>
-            </a:r>
+              <a:t>BCH </a:t>
+            </a:r>
+            <a:r>
+              <a:rPr lang="en-US" sz="1200" b="1" i="1" dirty="0">
+                <a:solidFill>
+                  <a:schemeClr val="bg1"/>
+                </a:solidFill>
+              </a:rPr>
+              <a:t>stash</a:t>
+            </a:r>
+            <a:endParaRPr lang="en-US" sz="1400" b="1" i="1" dirty="0">
+              <a:solidFill>
+                <a:schemeClr val="bg1"/>
+              </a:solidFill>
+            </a:endParaRPr>
           </a:p>
         </p:txBody>
       </p:sp>
       <p:cxnSp>
         <p:nvCxnSpPr>
-          <p:cNvPr id="45" name="Straight Arrow Connector 44">
-            <a:extLst>
-              <a:ext uri="{FF2B5EF4-FFF2-40B4-BE49-F238E27FC236}">
-                <a16:creationId xmlns:a16="http://schemas.microsoft.com/office/drawing/2014/main" id="{148A8796-9181-4540-AD82-C98710A6F978}"/>
+          <p:cNvPr id="49" name="Straight Arrow Connector 48">
+            <a:extLst>
+              <a:ext uri="{FF2B5EF4-FFF2-40B4-BE49-F238E27FC236}">
+                <a16:creationId xmlns:a16="http://schemas.microsoft.com/office/drawing/2014/main" id="{CDD4F445-F677-DD4B-9A09-950C72638AE8}"/>
               </a:ext>
             </a:extLst>
           </p:cNvPr>
@@ -4758,7 +5301,7 @@
         </p:nvCxnSpPr>
         <p:spPr>
           <a:xfrm>
-            <a:off x="13051988" y="10402814"/>
+            <a:off x="13107750" y="12464170"/>
             <a:ext cx="247426" cy="0"/>
           </a:xfrm>
           <a:prstGeom prst="straightConnector1">
@@ -4786,12 +5329,232 @@
           </a:fontRef>
         </p:style>
       </p:cxnSp>
-      <p:sp>
-        <p:nvSpPr>
-          <p:cNvPr id="46" name="Oval 45">
-            <a:extLst>
-              <a:ext uri="{FF2B5EF4-FFF2-40B4-BE49-F238E27FC236}">
-                <a16:creationId xmlns:a16="http://schemas.microsoft.com/office/drawing/2014/main" id="{42BBDB56-C1F7-014F-9991-07C5FF29E43C}"/>
+      <p:cxnSp>
+        <p:nvCxnSpPr>
+          <p:cNvPr id="51" name="Straight Arrow Connector 50">
+            <a:extLst>
+              <a:ext uri="{FF2B5EF4-FFF2-40B4-BE49-F238E27FC236}">
+                <a16:creationId xmlns:a16="http://schemas.microsoft.com/office/drawing/2014/main" id="{BCC2B4C7-1D77-5743-97C7-D34A9E4FBE27}"/>
+              </a:ext>
+            </a:extLst>
+          </p:cNvPr>
+          <p:cNvCxnSpPr>
+            <a:cxnSpLocks/>
+          </p:cNvCxnSpPr>
+          <p:nvPr/>
+        </p:nvCxnSpPr>
+        <p:spPr>
+          <a:xfrm>
+            <a:off x="5479901" y="6979913"/>
+            <a:ext cx="247426" cy="0"/>
+          </a:xfrm>
+          <a:prstGeom prst="straightConnector1">
+            <a:avLst/>
+          </a:prstGeom>
+          <a:ln>
+            <a:solidFill>
+              <a:schemeClr val="tx1"/>
+            </a:solidFill>
+            <a:tailEnd type="triangle"/>
+          </a:ln>
+        </p:spPr>
+        <p:style>
+          <a:lnRef idx="1">
+            <a:schemeClr val="accent1"/>
+          </a:lnRef>
+          <a:fillRef idx="0">
+            <a:schemeClr val="accent1"/>
+          </a:fillRef>
+          <a:effectRef idx="0">
+            <a:schemeClr val="accent1"/>
+          </a:effectRef>
+          <a:fontRef idx="minor">
+            <a:schemeClr val="tx1"/>
+          </a:fontRef>
+        </p:style>
+      </p:cxnSp>
+      <p:cxnSp>
+        <p:nvCxnSpPr>
+          <p:cNvPr id="53" name="Straight Arrow Connector 52">
+            <a:extLst>
+              <a:ext uri="{FF2B5EF4-FFF2-40B4-BE49-F238E27FC236}">
+                <a16:creationId xmlns:a16="http://schemas.microsoft.com/office/drawing/2014/main" id="{63F7832F-4B79-1C4B-9FF5-A9EA900EE1ED}"/>
+              </a:ext>
+            </a:extLst>
+          </p:cNvPr>
+          <p:cNvCxnSpPr>
+            <a:cxnSpLocks/>
+          </p:cNvCxnSpPr>
+          <p:nvPr/>
+        </p:nvCxnSpPr>
+        <p:spPr>
+          <a:xfrm>
+            <a:off x="9222891" y="6979913"/>
+            <a:ext cx="247426" cy="0"/>
+          </a:xfrm>
+          <a:prstGeom prst="straightConnector1">
+            <a:avLst/>
+          </a:prstGeom>
+          <a:ln>
+            <a:solidFill>
+              <a:schemeClr val="tx1"/>
+            </a:solidFill>
+            <a:tailEnd type="triangle"/>
+          </a:ln>
+        </p:spPr>
+        <p:style>
+          <a:lnRef idx="1">
+            <a:schemeClr val="accent1"/>
+          </a:lnRef>
+          <a:fillRef idx="0">
+            <a:schemeClr val="accent1"/>
+          </a:fillRef>
+          <a:effectRef idx="0">
+            <a:schemeClr val="accent1"/>
+          </a:effectRef>
+          <a:fontRef idx="minor">
+            <a:schemeClr val="tx1"/>
+          </a:fontRef>
+        </p:style>
+      </p:cxnSp>
+      <p:cxnSp>
+        <p:nvCxnSpPr>
+          <p:cNvPr id="55" name="Straight Arrow Connector 54">
+            <a:extLst>
+              <a:ext uri="{FF2B5EF4-FFF2-40B4-BE49-F238E27FC236}">
+                <a16:creationId xmlns:a16="http://schemas.microsoft.com/office/drawing/2014/main" id="{384E2BE8-BA4C-8D49-8689-DEA5FA57DB56}"/>
+              </a:ext>
+            </a:extLst>
+          </p:cNvPr>
+          <p:cNvCxnSpPr>
+            <a:cxnSpLocks/>
+          </p:cNvCxnSpPr>
+          <p:nvPr/>
+        </p:nvCxnSpPr>
+        <p:spPr>
+          <a:xfrm>
+            <a:off x="10460021" y="6979913"/>
+            <a:ext cx="247426" cy="0"/>
+          </a:xfrm>
+          <a:prstGeom prst="straightConnector1">
+            <a:avLst/>
+          </a:prstGeom>
+          <a:ln>
+            <a:solidFill>
+              <a:schemeClr val="tx1"/>
+            </a:solidFill>
+            <a:tailEnd type="triangle"/>
+          </a:ln>
+        </p:spPr>
+        <p:style>
+          <a:lnRef idx="1">
+            <a:schemeClr val="accent1"/>
+          </a:lnRef>
+          <a:fillRef idx="0">
+            <a:schemeClr val="accent1"/>
+          </a:fillRef>
+          <a:effectRef idx="0">
+            <a:schemeClr val="accent1"/>
+          </a:effectRef>
+          <a:fontRef idx="minor">
+            <a:schemeClr val="tx1"/>
+          </a:fontRef>
+        </p:style>
+      </p:cxnSp>
+      <p:cxnSp>
+        <p:nvCxnSpPr>
+          <p:cNvPr id="57" name="Straight Arrow Connector 56">
+            <a:extLst>
+              <a:ext uri="{FF2B5EF4-FFF2-40B4-BE49-F238E27FC236}">
+                <a16:creationId xmlns:a16="http://schemas.microsoft.com/office/drawing/2014/main" id="{C3A157BC-6BD1-CD4D-9F11-4CD95AC1D793}"/>
+              </a:ext>
+            </a:extLst>
+          </p:cNvPr>
+          <p:cNvCxnSpPr>
+            <a:cxnSpLocks/>
+          </p:cNvCxnSpPr>
+          <p:nvPr/>
+        </p:nvCxnSpPr>
+        <p:spPr>
+          <a:xfrm>
+            <a:off x="11697151" y="6977899"/>
+            <a:ext cx="247426" cy="0"/>
+          </a:xfrm>
+          <a:prstGeom prst="straightConnector1">
+            <a:avLst/>
+          </a:prstGeom>
+          <a:ln>
+            <a:solidFill>
+              <a:schemeClr val="tx1"/>
+            </a:solidFill>
+            <a:tailEnd type="triangle"/>
+          </a:ln>
+        </p:spPr>
+        <p:style>
+          <a:lnRef idx="1">
+            <a:schemeClr val="accent1"/>
+          </a:lnRef>
+          <a:fillRef idx="0">
+            <a:schemeClr val="accent1"/>
+          </a:fillRef>
+          <a:effectRef idx="0">
+            <a:schemeClr val="accent1"/>
+          </a:effectRef>
+          <a:fontRef idx="minor">
+            <a:schemeClr val="tx1"/>
+          </a:fontRef>
+        </p:style>
+      </p:cxnSp>
+      <p:cxnSp>
+        <p:nvCxnSpPr>
+          <p:cNvPr id="59" name="Straight Arrow Connector 58">
+            <a:extLst>
+              <a:ext uri="{FF2B5EF4-FFF2-40B4-BE49-F238E27FC236}">
+                <a16:creationId xmlns:a16="http://schemas.microsoft.com/office/drawing/2014/main" id="{5C3116ED-6F39-9349-8986-48C91E6BEB5C}"/>
+              </a:ext>
+            </a:extLst>
+          </p:cNvPr>
+          <p:cNvCxnSpPr>
+            <a:cxnSpLocks/>
+          </p:cNvCxnSpPr>
+          <p:nvPr/>
+        </p:nvCxnSpPr>
+        <p:spPr>
+          <a:xfrm>
+            <a:off x="12934281" y="6913351"/>
+            <a:ext cx="247426" cy="0"/>
+          </a:xfrm>
+          <a:prstGeom prst="straightConnector1">
+            <a:avLst/>
+          </a:prstGeom>
+          <a:ln>
+            <a:solidFill>
+              <a:schemeClr val="tx1"/>
+            </a:solidFill>
+            <a:tailEnd type="triangle"/>
+          </a:ln>
+        </p:spPr>
+        <p:style>
+          <a:lnRef idx="1">
+            <a:schemeClr val="accent1"/>
+          </a:lnRef>
+          <a:fillRef idx="0">
+            <a:schemeClr val="accent1"/>
+          </a:fillRef>
+          <a:effectRef idx="0">
+            <a:schemeClr val="accent1"/>
+          </a:effectRef>
+          <a:fontRef idx="minor">
+            <a:schemeClr val="tx1"/>
+          </a:fontRef>
+        </p:style>
+      </p:cxnSp>
+      <p:sp>
+        <p:nvSpPr>
+          <p:cNvPr id="64" name="Oval 63">
+            <a:extLst>
+              <a:ext uri="{FF2B5EF4-FFF2-40B4-BE49-F238E27FC236}">
+                <a16:creationId xmlns:a16="http://schemas.microsoft.com/office/drawing/2014/main" id="{1AA85180-F0A9-BD48-A147-D25958CCF486}"/>
               </a:ext>
             </a:extLst>
           </p:cNvPr>
@@ -4800,16 +5563,16 @@
         </p:nvSpPr>
         <p:spPr>
           <a:xfrm>
-            <a:off x="12132209" y="10942489"/>
+            <a:off x="8407278" y="8571698"/>
             <a:ext cx="731520" cy="742278"/>
           </a:xfrm>
           <a:prstGeom prst="ellipse">
             <a:avLst/>
           </a:prstGeom>
           <a:solidFill>
-            <a:schemeClr val="tx2">
-              <a:lumMod val="40000"/>
-              <a:lumOff val="60000"/>
+            <a:schemeClr val="accent1">
+              <a:lumMod val="60000"/>
+              <a:lumOff val="40000"/>
             </a:schemeClr>
           </a:solidFill>
         </p:spPr>
@@ -4835,22 +5598,22 @@
           <a:p>
             <a:pPr algn="ctr"/>
             <a:r>
-              <a:rPr lang="en-US" sz="1400" b="1" i="1" dirty="0">
+              <a:rPr lang="en-US" sz="1100" b="1" i="1" dirty="0">
                 <a:solidFill>
                   <a:schemeClr val="bg1"/>
                 </a:solidFill>
               </a:rPr>
-              <a:t>BCH ABC</a:t>
+              <a:t>BTCC</a:t>
             </a:r>
           </a:p>
         </p:txBody>
       </p:sp>
       <p:cxnSp>
         <p:nvCxnSpPr>
-          <p:cNvPr id="47" name="Straight Arrow Connector 46">
-            <a:extLst>
-              <a:ext uri="{FF2B5EF4-FFF2-40B4-BE49-F238E27FC236}">
-                <a16:creationId xmlns:a16="http://schemas.microsoft.com/office/drawing/2014/main" id="{8072E4F0-BAB1-614B-885F-1C0A7BBAAE21}"/>
+          <p:cNvPr id="65" name="Straight Arrow Connector 64">
+            <a:extLst>
+              <a:ext uri="{FF2B5EF4-FFF2-40B4-BE49-F238E27FC236}">
+                <a16:creationId xmlns:a16="http://schemas.microsoft.com/office/drawing/2014/main" id="{339791AB-AAAD-EE46-9FF6-6854F646CCD2}"/>
               </a:ext>
             </a:extLst>
           </p:cNvPr>
@@ -4861,7 +5624,7 @@
         </p:nvCxnSpPr>
         <p:spPr>
           <a:xfrm>
-            <a:off x="13051988" y="11319007"/>
+            <a:off x="9267890" y="8948216"/>
             <a:ext cx="247426" cy="0"/>
           </a:xfrm>
           <a:prstGeom prst="straightConnector1">
@@ -4891,10 +5654,10 @@
       </p:cxnSp>
       <p:sp>
         <p:nvSpPr>
-          <p:cNvPr id="48" name="Oval 47">
-            <a:extLst>
-              <a:ext uri="{FF2B5EF4-FFF2-40B4-BE49-F238E27FC236}">
-                <a16:creationId xmlns:a16="http://schemas.microsoft.com/office/drawing/2014/main" id="{D6C4653B-8EAD-B04A-9428-FD5E6128AF83}"/>
+          <p:cNvPr id="66" name="Oval 65">
+            <a:extLst>
+              <a:ext uri="{FF2B5EF4-FFF2-40B4-BE49-F238E27FC236}">
+                <a16:creationId xmlns:a16="http://schemas.microsoft.com/office/drawing/2014/main" id="{A5D8725B-29CE-8B48-98FC-5751E7276130}"/>
               </a:ext>
             </a:extLst>
           </p:cNvPr>
@@ -4903,16 +5666,16 @@
         </p:nvSpPr>
         <p:spPr>
           <a:xfrm>
-            <a:off x="12142971" y="11761860"/>
+            <a:off x="9644409" y="8571698"/>
             <a:ext cx="731520" cy="742278"/>
           </a:xfrm>
           <a:prstGeom prst="ellipse">
             <a:avLst/>
           </a:prstGeom>
           <a:solidFill>
-            <a:schemeClr val="accent4">
-              <a:lumMod val="40000"/>
-              <a:lumOff val="60000"/>
+            <a:schemeClr val="accent1">
+              <a:lumMod val="60000"/>
+              <a:lumOff val="40000"/>
             </a:schemeClr>
           </a:solidFill>
         </p:spPr>
@@ -4938,35 +5701,22 @@
           <a:p>
             <a:pPr algn="ctr"/>
             <a:r>
-              <a:rPr lang="en-US" sz="1400" b="1" i="1" dirty="0">
+              <a:rPr lang="en-US" sz="1100" b="1" i="1" dirty="0">
                 <a:solidFill>
                   <a:schemeClr val="bg1"/>
                 </a:solidFill>
               </a:rPr>
-              <a:t>BCH </a:t>
-            </a:r>
-            <a:r>
-              <a:rPr lang="en-US" sz="1200" b="1" i="1" dirty="0">
-                <a:solidFill>
-                  <a:schemeClr val="bg1"/>
-                </a:solidFill>
-              </a:rPr>
-              <a:t>stash</a:t>
-            </a:r>
-            <a:endParaRPr lang="en-US" sz="1400" b="1" i="1" dirty="0">
-              <a:solidFill>
-                <a:schemeClr val="bg1"/>
-              </a:solidFill>
-            </a:endParaRPr>
+              <a:t>BTCC</a:t>
+            </a:r>
           </a:p>
         </p:txBody>
       </p:sp>
       <p:cxnSp>
         <p:nvCxnSpPr>
-          <p:cNvPr id="49" name="Straight Arrow Connector 48">
-            <a:extLst>
-              <a:ext uri="{FF2B5EF4-FFF2-40B4-BE49-F238E27FC236}">
-                <a16:creationId xmlns:a16="http://schemas.microsoft.com/office/drawing/2014/main" id="{CDD4F445-F677-DD4B-9A09-950C72638AE8}"/>
+          <p:cNvPr id="67" name="Straight Arrow Connector 66">
+            <a:extLst>
+              <a:ext uri="{FF2B5EF4-FFF2-40B4-BE49-F238E27FC236}">
+                <a16:creationId xmlns:a16="http://schemas.microsoft.com/office/drawing/2014/main" id="{F37FD307-90BC-D44A-BD12-FE731FB3017A}"/>
               </a:ext>
             </a:extLst>
           </p:cNvPr>
@@ -4977,7 +5727,7 @@
         </p:nvCxnSpPr>
         <p:spPr>
           <a:xfrm>
-            <a:off x="13062750" y="12138378"/>
+            <a:off x="10505021" y="8948216"/>
             <a:ext cx="247426" cy="0"/>
           </a:xfrm>
           <a:prstGeom prst="straightConnector1">
@@ -5007,10 +5757,10 @@
       </p:cxnSp>
       <p:sp>
         <p:nvSpPr>
-          <p:cNvPr id="50" name="Oval 49">
-            <a:extLst>
-              <a:ext uri="{FF2B5EF4-FFF2-40B4-BE49-F238E27FC236}">
-                <a16:creationId xmlns:a16="http://schemas.microsoft.com/office/drawing/2014/main" id="{BDD3BAD2-D6FD-6449-B445-0EDA33D14E7D}"/>
+          <p:cNvPr id="68" name="Oval 67">
+            <a:extLst>
+              <a:ext uri="{FF2B5EF4-FFF2-40B4-BE49-F238E27FC236}">
+                <a16:creationId xmlns:a16="http://schemas.microsoft.com/office/drawing/2014/main" id="{E62CE407-2784-FC42-9FF1-4A2B390C6459}"/>
               </a:ext>
             </a:extLst>
           </p:cNvPr>
@@ -5019,14 +5769,17 @@
         </p:nvSpPr>
         <p:spPr>
           <a:xfrm>
-            <a:off x="7125149" y="6608774"/>
+            <a:off x="10881539" y="8577077"/>
             <a:ext cx="731520" cy="742278"/>
           </a:xfrm>
           <a:prstGeom prst="ellipse">
             <a:avLst/>
           </a:prstGeom>
           <a:solidFill>
-            <a:srgbClr val="FF0000"/>
+            <a:schemeClr val="accent1">
+              <a:lumMod val="60000"/>
+              <a:lumOff val="40000"/>
+            </a:schemeClr>
           </a:solidFill>
         </p:spPr>
         <p:style>
@@ -5051,22 +5804,22 @@
           <a:p>
             <a:pPr algn="ctr"/>
             <a:r>
-              <a:rPr lang="en-US" sz="1400" b="1" i="1" dirty="0">
+              <a:rPr lang="en-US" sz="1100" b="1" i="1" dirty="0">
                 <a:solidFill>
                   <a:schemeClr val="bg1"/>
                 </a:solidFill>
               </a:rPr>
-              <a:t>BTG</a:t>
+              <a:t>BTCC</a:t>
             </a:r>
           </a:p>
         </p:txBody>
       </p:sp>
       <p:cxnSp>
         <p:nvCxnSpPr>
-          <p:cNvPr id="51" name="Straight Arrow Connector 50">
-            <a:extLst>
-              <a:ext uri="{FF2B5EF4-FFF2-40B4-BE49-F238E27FC236}">
-                <a16:creationId xmlns:a16="http://schemas.microsoft.com/office/drawing/2014/main" id="{BCC2B4C7-1D77-5743-97C7-D34A9E4FBE27}"/>
+          <p:cNvPr id="69" name="Straight Arrow Connector 68">
+            <a:extLst>
+              <a:ext uri="{FF2B5EF4-FFF2-40B4-BE49-F238E27FC236}">
+                <a16:creationId xmlns:a16="http://schemas.microsoft.com/office/drawing/2014/main" id="{A7C54499-2CC7-9E46-996A-9ED61DF0C2F8}"/>
               </a:ext>
             </a:extLst>
           </p:cNvPr>
@@ -5077,7 +5830,7 @@
         </p:nvCxnSpPr>
         <p:spPr>
           <a:xfrm>
-            <a:off x="7985761" y="6979913"/>
+            <a:off x="11742151" y="8953595"/>
             <a:ext cx="247426" cy="0"/>
           </a:xfrm>
           <a:prstGeom prst="straightConnector1">
@@ -5107,10 +5860,10 @@
       </p:cxnSp>
       <p:sp>
         <p:nvSpPr>
-          <p:cNvPr id="52" name="Oval 51">
-            <a:extLst>
-              <a:ext uri="{FF2B5EF4-FFF2-40B4-BE49-F238E27FC236}">
-                <a16:creationId xmlns:a16="http://schemas.microsoft.com/office/drawing/2014/main" id="{D857F647-E514-854B-9128-513A31314CF0}"/>
+          <p:cNvPr id="70" name="Oval 69">
+            <a:extLst>
+              <a:ext uri="{FF2B5EF4-FFF2-40B4-BE49-F238E27FC236}">
+                <a16:creationId xmlns:a16="http://schemas.microsoft.com/office/drawing/2014/main" id="{1C8037D0-2BE0-7F40-9B5F-FF098ADD1383}"/>
               </a:ext>
             </a:extLst>
           </p:cNvPr>
@@ -5119,14 +5872,17 @@
         </p:nvSpPr>
         <p:spPr>
           <a:xfrm>
-            <a:off x="8362279" y="6608774"/>
+            <a:off x="12118669" y="8597695"/>
             <a:ext cx="731520" cy="742278"/>
           </a:xfrm>
           <a:prstGeom prst="ellipse">
             <a:avLst/>
           </a:prstGeom>
           <a:solidFill>
-            <a:srgbClr val="FF0000"/>
+            <a:schemeClr val="accent1">
+              <a:lumMod val="60000"/>
+              <a:lumOff val="40000"/>
+            </a:schemeClr>
           </a:solidFill>
         </p:spPr>
         <p:style>
@@ -5151,409 +5907,6 @@
           <a:p>
             <a:pPr algn="ctr"/>
             <a:r>
-              <a:rPr lang="en-US" sz="1400" b="1" i="1" dirty="0">
-                <a:solidFill>
-                  <a:schemeClr val="bg1"/>
-                </a:solidFill>
-              </a:rPr>
-              <a:t>BTG</a:t>
-            </a:r>
-          </a:p>
-        </p:txBody>
-      </p:sp>
-      <p:cxnSp>
-        <p:nvCxnSpPr>
-          <p:cNvPr id="53" name="Straight Arrow Connector 52">
-            <a:extLst>
-              <a:ext uri="{FF2B5EF4-FFF2-40B4-BE49-F238E27FC236}">
-                <a16:creationId xmlns:a16="http://schemas.microsoft.com/office/drawing/2014/main" id="{63F7832F-4B79-1C4B-9FF5-A9EA900EE1ED}"/>
-              </a:ext>
-            </a:extLst>
-          </p:cNvPr>
-          <p:cNvCxnSpPr>
-            <a:cxnSpLocks/>
-          </p:cNvCxnSpPr>
-          <p:nvPr/>
-        </p:nvCxnSpPr>
-        <p:spPr>
-          <a:xfrm>
-            <a:off x="9222891" y="6979913"/>
-            <a:ext cx="247426" cy="0"/>
-          </a:xfrm>
-          <a:prstGeom prst="straightConnector1">
-            <a:avLst/>
-          </a:prstGeom>
-          <a:ln>
-            <a:solidFill>
-              <a:schemeClr val="tx1"/>
-            </a:solidFill>
-            <a:tailEnd type="triangle"/>
-          </a:ln>
-        </p:spPr>
-        <p:style>
-          <a:lnRef idx="1">
-            <a:schemeClr val="accent1"/>
-          </a:lnRef>
-          <a:fillRef idx="0">
-            <a:schemeClr val="accent1"/>
-          </a:fillRef>
-          <a:effectRef idx="0">
-            <a:schemeClr val="accent1"/>
-          </a:effectRef>
-          <a:fontRef idx="minor">
-            <a:schemeClr val="tx1"/>
-          </a:fontRef>
-        </p:style>
-      </p:cxnSp>
-      <p:sp>
-        <p:nvSpPr>
-          <p:cNvPr id="54" name="Oval 53">
-            <a:extLst>
-              <a:ext uri="{FF2B5EF4-FFF2-40B4-BE49-F238E27FC236}">
-                <a16:creationId xmlns:a16="http://schemas.microsoft.com/office/drawing/2014/main" id="{F4BE2554-BF37-6543-A67C-393EDA264C94}"/>
-              </a:ext>
-            </a:extLst>
-          </p:cNvPr>
-          <p:cNvSpPr/>
-          <p:nvPr/>
-        </p:nvSpPr>
-        <p:spPr>
-          <a:xfrm>
-            <a:off x="9599409" y="6608774"/>
-            <a:ext cx="731520" cy="742278"/>
-          </a:xfrm>
-          <a:prstGeom prst="ellipse">
-            <a:avLst/>
-          </a:prstGeom>
-          <a:solidFill>
-            <a:srgbClr val="FF0000"/>
-          </a:solidFill>
-        </p:spPr>
-        <p:style>
-          <a:lnRef idx="2">
-            <a:schemeClr val="accent1">
-              <a:shade val="50000"/>
-            </a:schemeClr>
-          </a:lnRef>
-          <a:fillRef idx="1">
-            <a:schemeClr val="accent1"/>
-          </a:fillRef>
-          <a:effectRef idx="0">
-            <a:schemeClr val="accent1"/>
-          </a:effectRef>
-          <a:fontRef idx="minor">
-            <a:schemeClr val="lt1"/>
-          </a:fontRef>
-        </p:style>
-        <p:txBody>
-          <a:bodyPr rtlCol="0" anchor="ctr"/>
-          <a:lstStyle/>
-          <a:p>
-            <a:pPr algn="ctr"/>
-            <a:r>
-              <a:rPr lang="en-US" sz="1400" b="1" i="1" dirty="0">
-                <a:solidFill>
-                  <a:schemeClr val="bg1"/>
-                </a:solidFill>
-              </a:rPr>
-              <a:t>BTG</a:t>
-            </a:r>
-          </a:p>
-        </p:txBody>
-      </p:sp>
-      <p:cxnSp>
-        <p:nvCxnSpPr>
-          <p:cNvPr id="55" name="Straight Arrow Connector 54">
-            <a:extLst>
-              <a:ext uri="{FF2B5EF4-FFF2-40B4-BE49-F238E27FC236}">
-                <a16:creationId xmlns:a16="http://schemas.microsoft.com/office/drawing/2014/main" id="{384E2BE8-BA4C-8D49-8689-DEA5FA57DB56}"/>
-              </a:ext>
-            </a:extLst>
-          </p:cNvPr>
-          <p:cNvCxnSpPr>
-            <a:cxnSpLocks/>
-          </p:cNvCxnSpPr>
-          <p:nvPr/>
-        </p:nvCxnSpPr>
-        <p:spPr>
-          <a:xfrm>
-            <a:off x="10460021" y="6979913"/>
-            <a:ext cx="247426" cy="0"/>
-          </a:xfrm>
-          <a:prstGeom prst="straightConnector1">
-            <a:avLst/>
-          </a:prstGeom>
-          <a:ln>
-            <a:solidFill>
-              <a:schemeClr val="tx1"/>
-            </a:solidFill>
-            <a:tailEnd type="triangle"/>
-          </a:ln>
-        </p:spPr>
-        <p:style>
-          <a:lnRef idx="1">
-            <a:schemeClr val="accent1"/>
-          </a:lnRef>
-          <a:fillRef idx="0">
-            <a:schemeClr val="accent1"/>
-          </a:fillRef>
-          <a:effectRef idx="0">
-            <a:schemeClr val="accent1"/>
-          </a:effectRef>
-          <a:fontRef idx="minor">
-            <a:schemeClr val="tx1"/>
-          </a:fontRef>
-        </p:style>
-      </p:cxnSp>
-      <p:sp>
-        <p:nvSpPr>
-          <p:cNvPr id="56" name="Oval 55">
-            <a:extLst>
-              <a:ext uri="{FF2B5EF4-FFF2-40B4-BE49-F238E27FC236}">
-                <a16:creationId xmlns:a16="http://schemas.microsoft.com/office/drawing/2014/main" id="{0AC8E098-A6C4-4346-9458-5DA0EE766954}"/>
-              </a:ext>
-            </a:extLst>
-          </p:cNvPr>
-          <p:cNvSpPr/>
-          <p:nvPr/>
-        </p:nvSpPr>
-        <p:spPr>
-          <a:xfrm>
-            <a:off x="10836539" y="6606760"/>
-            <a:ext cx="731520" cy="742278"/>
-          </a:xfrm>
-          <a:prstGeom prst="ellipse">
-            <a:avLst/>
-          </a:prstGeom>
-          <a:solidFill>
-            <a:srgbClr val="FF0000"/>
-          </a:solidFill>
-        </p:spPr>
-        <p:style>
-          <a:lnRef idx="2">
-            <a:schemeClr val="accent1">
-              <a:shade val="50000"/>
-            </a:schemeClr>
-          </a:lnRef>
-          <a:fillRef idx="1">
-            <a:schemeClr val="accent1"/>
-          </a:fillRef>
-          <a:effectRef idx="0">
-            <a:schemeClr val="accent1"/>
-          </a:effectRef>
-          <a:fontRef idx="minor">
-            <a:schemeClr val="lt1"/>
-          </a:fontRef>
-        </p:style>
-        <p:txBody>
-          <a:bodyPr rtlCol="0" anchor="ctr"/>
-          <a:lstStyle/>
-          <a:p>
-            <a:pPr algn="ctr"/>
-            <a:r>
-              <a:rPr lang="en-US" sz="1400" b="1" i="1" dirty="0">
-                <a:solidFill>
-                  <a:schemeClr val="bg1"/>
-                </a:solidFill>
-              </a:rPr>
-              <a:t>BTG</a:t>
-            </a:r>
-          </a:p>
-        </p:txBody>
-      </p:sp>
-      <p:cxnSp>
-        <p:nvCxnSpPr>
-          <p:cNvPr id="57" name="Straight Arrow Connector 56">
-            <a:extLst>
-              <a:ext uri="{FF2B5EF4-FFF2-40B4-BE49-F238E27FC236}">
-                <a16:creationId xmlns:a16="http://schemas.microsoft.com/office/drawing/2014/main" id="{C3A157BC-6BD1-CD4D-9F11-4CD95AC1D793}"/>
-              </a:ext>
-            </a:extLst>
-          </p:cNvPr>
-          <p:cNvCxnSpPr>
-            <a:cxnSpLocks/>
-          </p:cNvCxnSpPr>
-          <p:nvPr/>
-        </p:nvCxnSpPr>
-        <p:spPr>
-          <a:xfrm>
-            <a:off x="11697151" y="6977899"/>
-            <a:ext cx="247426" cy="0"/>
-          </a:xfrm>
-          <a:prstGeom prst="straightConnector1">
-            <a:avLst/>
-          </a:prstGeom>
-          <a:ln>
-            <a:solidFill>
-              <a:schemeClr val="tx1"/>
-            </a:solidFill>
-            <a:tailEnd type="triangle"/>
-          </a:ln>
-        </p:spPr>
-        <p:style>
-          <a:lnRef idx="1">
-            <a:schemeClr val="accent1"/>
-          </a:lnRef>
-          <a:fillRef idx="0">
-            <a:schemeClr val="accent1"/>
-          </a:fillRef>
-          <a:effectRef idx="0">
-            <a:schemeClr val="accent1"/>
-          </a:effectRef>
-          <a:fontRef idx="minor">
-            <a:schemeClr val="tx1"/>
-          </a:fontRef>
-        </p:style>
-      </p:cxnSp>
-      <p:sp>
-        <p:nvSpPr>
-          <p:cNvPr id="58" name="Oval 57">
-            <a:extLst>
-              <a:ext uri="{FF2B5EF4-FFF2-40B4-BE49-F238E27FC236}">
-                <a16:creationId xmlns:a16="http://schemas.microsoft.com/office/drawing/2014/main" id="{04CE276E-C4C4-144A-AB2F-39531F8230D7}"/>
-              </a:ext>
-            </a:extLst>
-          </p:cNvPr>
-          <p:cNvSpPr/>
-          <p:nvPr/>
-        </p:nvSpPr>
-        <p:spPr>
-          <a:xfrm>
-            <a:off x="12073669" y="6593757"/>
-            <a:ext cx="731520" cy="742278"/>
-          </a:xfrm>
-          <a:prstGeom prst="ellipse">
-            <a:avLst/>
-          </a:prstGeom>
-          <a:solidFill>
-            <a:srgbClr val="FF0000"/>
-          </a:solidFill>
-        </p:spPr>
-        <p:style>
-          <a:lnRef idx="2">
-            <a:schemeClr val="accent1">
-              <a:shade val="50000"/>
-            </a:schemeClr>
-          </a:lnRef>
-          <a:fillRef idx="1">
-            <a:schemeClr val="accent1"/>
-          </a:fillRef>
-          <a:effectRef idx="0">
-            <a:schemeClr val="accent1"/>
-          </a:effectRef>
-          <a:fontRef idx="minor">
-            <a:schemeClr val="lt1"/>
-          </a:fontRef>
-        </p:style>
-        <p:txBody>
-          <a:bodyPr rtlCol="0" anchor="ctr"/>
-          <a:lstStyle/>
-          <a:p>
-            <a:pPr algn="ctr"/>
-            <a:r>
-              <a:rPr lang="en-US" sz="1400" b="1" i="1" dirty="0">
-                <a:solidFill>
-                  <a:schemeClr val="bg1"/>
-                </a:solidFill>
-              </a:rPr>
-              <a:t>BTG</a:t>
-            </a:r>
-          </a:p>
-        </p:txBody>
-      </p:sp>
-      <p:cxnSp>
-        <p:nvCxnSpPr>
-          <p:cNvPr id="59" name="Straight Arrow Connector 58">
-            <a:extLst>
-              <a:ext uri="{FF2B5EF4-FFF2-40B4-BE49-F238E27FC236}">
-                <a16:creationId xmlns:a16="http://schemas.microsoft.com/office/drawing/2014/main" id="{5C3116ED-6F39-9349-8986-48C91E6BEB5C}"/>
-              </a:ext>
-            </a:extLst>
-          </p:cNvPr>
-          <p:cNvCxnSpPr>
-            <a:cxnSpLocks/>
-          </p:cNvCxnSpPr>
-          <p:nvPr/>
-        </p:nvCxnSpPr>
-        <p:spPr>
-          <a:xfrm>
-            <a:off x="12934281" y="6913351"/>
-            <a:ext cx="247426" cy="0"/>
-          </a:xfrm>
-          <a:prstGeom prst="straightConnector1">
-            <a:avLst/>
-          </a:prstGeom>
-          <a:ln>
-            <a:solidFill>
-              <a:schemeClr val="tx1"/>
-            </a:solidFill>
-            <a:tailEnd type="triangle"/>
-          </a:ln>
-        </p:spPr>
-        <p:style>
-          <a:lnRef idx="1">
-            <a:schemeClr val="accent1"/>
-          </a:lnRef>
-          <a:fillRef idx="0">
-            <a:schemeClr val="accent1"/>
-          </a:fillRef>
-          <a:effectRef idx="0">
-            <a:schemeClr val="accent1"/>
-          </a:effectRef>
-          <a:fontRef idx="minor">
-            <a:schemeClr val="tx1"/>
-          </a:fontRef>
-        </p:style>
-      </p:cxnSp>
-      <p:sp>
-        <p:nvSpPr>
-          <p:cNvPr id="64" name="Oval 63">
-            <a:extLst>
-              <a:ext uri="{FF2B5EF4-FFF2-40B4-BE49-F238E27FC236}">
-                <a16:creationId xmlns:a16="http://schemas.microsoft.com/office/drawing/2014/main" id="{1AA85180-F0A9-BD48-A147-D25958CCF486}"/>
-              </a:ext>
-            </a:extLst>
-          </p:cNvPr>
-          <p:cNvSpPr/>
-          <p:nvPr/>
-        </p:nvSpPr>
-        <p:spPr>
-          <a:xfrm>
-            <a:off x="8362278" y="8245906"/>
-            <a:ext cx="731520" cy="742278"/>
-          </a:xfrm>
-          <a:prstGeom prst="ellipse">
-            <a:avLst/>
-          </a:prstGeom>
-          <a:solidFill>
-            <a:schemeClr val="accent1">
-              <a:lumMod val="60000"/>
-              <a:lumOff val="40000"/>
-            </a:schemeClr>
-          </a:solidFill>
-        </p:spPr>
-        <p:style>
-          <a:lnRef idx="2">
-            <a:schemeClr val="accent1">
-              <a:shade val="50000"/>
-            </a:schemeClr>
-          </a:lnRef>
-          <a:fillRef idx="1">
-            <a:schemeClr val="accent1"/>
-          </a:fillRef>
-          <a:effectRef idx="0">
-            <a:schemeClr val="accent1"/>
-          </a:effectRef>
-          <a:fontRef idx="minor">
-            <a:schemeClr val="lt1"/>
-          </a:fontRef>
-        </p:style>
-        <p:txBody>
-          <a:bodyPr rtlCol="0" anchor="ctr"/>
-          <a:lstStyle/>
-          <a:p>
-            <a:pPr algn="ctr"/>
-            <a:r>
               <a:rPr lang="en-US" sz="1100" b="1" i="1" dirty="0">
                 <a:solidFill>
                   <a:schemeClr val="bg1"/>
@@ -5566,10 +5919,10 @@
       </p:sp>
       <p:cxnSp>
         <p:nvCxnSpPr>
-          <p:cNvPr id="65" name="Straight Arrow Connector 64">
-            <a:extLst>
-              <a:ext uri="{FF2B5EF4-FFF2-40B4-BE49-F238E27FC236}">
-                <a16:creationId xmlns:a16="http://schemas.microsoft.com/office/drawing/2014/main" id="{339791AB-AAAD-EE46-9FF6-6854F646CCD2}"/>
+          <p:cNvPr id="71" name="Straight Arrow Connector 70">
+            <a:extLst>
+              <a:ext uri="{FF2B5EF4-FFF2-40B4-BE49-F238E27FC236}">
+                <a16:creationId xmlns:a16="http://schemas.microsoft.com/office/drawing/2014/main" id="{48D4EFBD-8BAB-154A-8F6A-B280036CBF66}"/>
               </a:ext>
             </a:extLst>
           </p:cNvPr>
@@ -5580,316 +5933,7 @@
         </p:nvCxnSpPr>
         <p:spPr>
           <a:xfrm>
-            <a:off x="9222890" y="8622424"/>
-            <a:ext cx="247426" cy="0"/>
-          </a:xfrm>
-          <a:prstGeom prst="straightConnector1">
-            <a:avLst/>
-          </a:prstGeom>
-          <a:ln>
-            <a:solidFill>
-              <a:schemeClr val="tx1"/>
-            </a:solidFill>
-            <a:tailEnd type="triangle"/>
-          </a:ln>
-        </p:spPr>
-        <p:style>
-          <a:lnRef idx="1">
-            <a:schemeClr val="accent1"/>
-          </a:lnRef>
-          <a:fillRef idx="0">
-            <a:schemeClr val="accent1"/>
-          </a:fillRef>
-          <a:effectRef idx="0">
-            <a:schemeClr val="accent1"/>
-          </a:effectRef>
-          <a:fontRef idx="minor">
-            <a:schemeClr val="tx1"/>
-          </a:fontRef>
-        </p:style>
-      </p:cxnSp>
-      <p:sp>
-        <p:nvSpPr>
-          <p:cNvPr id="66" name="Oval 65">
-            <a:extLst>
-              <a:ext uri="{FF2B5EF4-FFF2-40B4-BE49-F238E27FC236}">
-                <a16:creationId xmlns:a16="http://schemas.microsoft.com/office/drawing/2014/main" id="{A5D8725B-29CE-8B48-98FC-5751E7276130}"/>
-              </a:ext>
-            </a:extLst>
-          </p:cNvPr>
-          <p:cNvSpPr/>
-          <p:nvPr/>
-        </p:nvSpPr>
-        <p:spPr>
-          <a:xfrm>
-            <a:off x="9599409" y="8245906"/>
-            <a:ext cx="731520" cy="742278"/>
-          </a:xfrm>
-          <a:prstGeom prst="ellipse">
-            <a:avLst/>
-          </a:prstGeom>
-          <a:solidFill>
-            <a:schemeClr val="accent1">
-              <a:lumMod val="60000"/>
-              <a:lumOff val="40000"/>
-            </a:schemeClr>
-          </a:solidFill>
-        </p:spPr>
-        <p:style>
-          <a:lnRef idx="2">
-            <a:schemeClr val="accent1">
-              <a:shade val="50000"/>
-            </a:schemeClr>
-          </a:lnRef>
-          <a:fillRef idx="1">
-            <a:schemeClr val="accent1"/>
-          </a:fillRef>
-          <a:effectRef idx="0">
-            <a:schemeClr val="accent1"/>
-          </a:effectRef>
-          <a:fontRef idx="minor">
-            <a:schemeClr val="lt1"/>
-          </a:fontRef>
-        </p:style>
-        <p:txBody>
-          <a:bodyPr rtlCol="0" anchor="ctr"/>
-          <a:lstStyle/>
-          <a:p>
-            <a:pPr algn="ctr"/>
-            <a:r>
-              <a:rPr lang="en-US" sz="1100" b="1" i="1" dirty="0">
-                <a:solidFill>
-                  <a:schemeClr val="bg1"/>
-                </a:solidFill>
-              </a:rPr>
-              <a:t>BTCC</a:t>
-            </a:r>
-          </a:p>
-        </p:txBody>
-      </p:sp>
-      <p:cxnSp>
-        <p:nvCxnSpPr>
-          <p:cNvPr id="67" name="Straight Arrow Connector 66">
-            <a:extLst>
-              <a:ext uri="{FF2B5EF4-FFF2-40B4-BE49-F238E27FC236}">
-                <a16:creationId xmlns:a16="http://schemas.microsoft.com/office/drawing/2014/main" id="{F37FD307-90BC-D44A-BD12-FE731FB3017A}"/>
-              </a:ext>
-            </a:extLst>
-          </p:cNvPr>
-          <p:cNvCxnSpPr>
-            <a:cxnSpLocks/>
-          </p:cNvCxnSpPr>
-          <p:nvPr/>
-        </p:nvCxnSpPr>
-        <p:spPr>
-          <a:xfrm>
-            <a:off x="10460021" y="8622424"/>
-            <a:ext cx="247426" cy="0"/>
-          </a:xfrm>
-          <a:prstGeom prst="straightConnector1">
-            <a:avLst/>
-          </a:prstGeom>
-          <a:ln>
-            <a:solidFill>
-              <a:schemeClr val="tx1"/>
-            </a:solidFill>
-            <a:tailEnd type="triangle"/>
-          </a:ln>
-        </p:spPr>
-        <p:style>
-          <a:lnRef idx="1">
-            <a:schemeClr val="accent1"/>
-          </a:lnRef>
-          <a:fillRef idx="0">
-            <a:schemeClr val="accent1"/>
-          </a:fillRef>
-          <a:effectRef idx="0">
-            <a:schemeClr val="accent1"/>
-          </a:effectRef>
-          <a:fontRef idx="minor">
-            <a:schemeClr val="tx1"/>
-          </a:fontRef>
-        </p:style>
-      </p:cxnSp>
-      <p:sp>
-        <p:nvSpPr>
-          <p:cNvPr id="68" name="Oval 67">
-            <a:extLst>
-              <a:ext uri="{FF2B5EF4-FFF2-40B4-BE49-F238E27FC236}">
-                <a16:creationId xmlns:a16="http://schemas.microsoft.com/office/drawing/2014/main" id="{E62CE407-2784-FC42-9FF1-4A2B390C6459}"/>
-              </a:ext>
-            </a:extLst>
-          </p:cNvPr>
-          <p:cNvSpPr/>
-          <p:nvPr/>
-        </p:nvSpPr>
-        <p:spPr>
-          <a:xfrm>
-            <a:off x="10836539" y="8251285"/>
-            <a:ext cx="731520" cy="742278"/>
-          </a:xfrm>
-          <a:prstGeom prst="ellipse">
-            <a:avLst/>
-          </a:prstGeom>
-          <a:solidFill>
-            <a:schemeClr val="accent1">
-              <a:lumMod val="60000"/>
-              <a:lumOff val="40000"/>
-            </a:schemeClr>
-          </a:solidFill>
-        </p:spPr>
-        <p:style>
-          <a:lnRef idx="2">
-            <a:schemeClr val="accent1">
-              <a:shade val="50000"/>
-            </a:schemeClr>
-          </a:lnRef>
-          <a:fillRef idx="1">
-            <a:schemeClr val="accent1"/>
-          </a:fillRef>
-          <a:effectRef idx="0">
-            <a:schemeClr val="accent1"/>
-          </a:effectRef>
-          <a:fontRef idx="minor">
-            <a:schemeClr val="lt1"/>
-          </a:fontRef>
-        </p:style>
-        <p:txBody>
-          <a:bodyPr rtlCol="0" anchor="ctr"/>
-          <a:lstStyle/>
-          <a:p>
-            <a:pPr algn="ctr"/>
-            <a:r>
-              <a:rPr lang="en-US" sz="1100" b="1" i="1" dirty="0">
-                <a:solidFill>
-                  <a:schemeClr val="bg1"/>
-                </a:solidFill>
-              </a:rPr>
-              <a:t>BTCC</a:t>
-            </a:r>
-          </a:p>
-        </p:txBody>
-      </p:sp>
-      <p:cxnSp>
-        <p:nvCxnSpPr>
-          <p:cNvPr id="69" name="Straight Arrow Connector 68">
-            <a:extLst>
-              <a:ext uri="{FF2B5EF4-FFF2-40B4-BE49-F238E27FC236}">
-                <a16:creationId xmlns:a16="http://schemas.microsoft.com/office/drawing/2014/main" id="{A7C54499-2CC7-9E46-996A-9ED61DF0C2F8}"/>
-              </a:ext>
-            </a:extLst>
-          </p:cNvPr>
-          <p:cNvCxnSpPr>
-            <a:cxnSpLocks/>
-          </p:cNvCxnSpPr>
-          <p:nvPr/>
-        </p:nvCxnSpPr>
-        <p:spPr>
-          <a:xfrm>
-            <a:off x="11697151" y="8627803"/>
-            <a:ext cx="247426" cy="0"/>
-          </a:xfrm>
-          <a:prstGeom prst="straightConnector1">
-            <a:avLst/>
-          </a:prstGeom>
-          <a:ln>
-            <a:solidFill>
-              <a:schemeClr val="tx1"/>
-            </a:solidFill>
-            <a:tailEnd type="triangle"/>
-          </a:ln>
-        </p:spPr>
-        <p:style>
-          <a:lnRef idx="1">
-            <a:schemeClr val="accent1"/>
-          </a:lnRef>
-          <a:fillRef idx="0">
-            <a:schemeClr val="accent1"/>
-          </a:fillRef>
-          <a:effectRef idx="0">
-            <a:schemeClr val="accent1"/>
-          </a:effectRef>
-          <a:fontRef idx="minor">
-            <a:schemeClr val="tx1"/>
-          </a:fontRef>
-        </p:style>
-      </p:cxnSp>
-      <p:sp>
-        <p:nvSpPr>
-          <p:cNvPr id="70" name="Oval 69">
-            <a:extLst>
-              <a:ext uri="{FF2B5EF4-FFF2-40B4-BE49-F238E27FC236}">
-                <a16:creationId xmlns:a16="http://schemas.microsoft.com/office/drawing/2014/main" id="{1C8037D0-2BE0-7F40-9B5F-FF098ADD1383}"/>
-              </a:ext>
-            </a:extLst>
-          </p:cNvPr>
-          <p:cNvSpPr/>
-          <p:nvPr/>
-        </p:nvSpPr>
-        <p:spPr>
-          <a:xfrm>
-            <a:off x="12073669" y="8271903"/>
-            <a:ext cx="731520" cy="742278"/>
-          </a:xfrm>
-          <a:prstGeom prst="ellipse">
-            <a:avLst/>
-          </a:prstGeom>
-          <a:solidFill>
-            <a:schemeClr val="accent1">
-              <a:lumMod val="60000"/>
-              <a:lumOff val="40000"/>
-            </a:schemeClr>
-          </a:solidFill>
-        </p:spPr>
-        <p:style>
-          <a:lnRef idx="2">
-            <a:schemeClr val="accent1">
-              <a:shade val="50000"/>
-            </a:schemeClr>
-          </a:lnRef>
-          <a:fillRef idx="1">
-            <a:schemeClr val="accent1"/>
-          </a:fillRef>
-          <a:effectRef idx="0">
-            <a:schemeClr val="accent1"/>
-          </a:effectRef>
-          <a:fontRef idx="minor">
-            <a:schemeClr val="lt1"/>
-          </a:fontRef>
-        </p:style>
-        <p:txBody>
-          <a:bodyPr rtlCol="0" anchor="ctr"/>
-          <a:lstStyle/>
-          <a:p>
-            <a:pPr algn="ctr"/>
-            <a:r>
-              <a:rPr lang="en-US" sz="1100" b="1" i="1" dirty="0">
-                <a:solidFill>
-                  <a:schemeClr val="bg1"/>
-                </a:solidFill>
-              </a:rPr>
-              <a:t>BTCC</a:t>
-            </a:r>
-          </a:p>
-        </p:txBody>
-      </p:sp>
-      <p:cxnSp>
-        <p:nvCxnSpPr>
-          <p:cNvPr id="71" name="Straight Arrow Connector 70">
-            <a:extLst>
-              <a:ext uri="{FF2B5EF4-FFF2-40B4-BE49-F238E27FC236}">
-                <a16:creationId xmlns:a16="http://schemas.microsoft.com/office/drawing/2014/main" id="{48D4EFBD-8BAB-154A-8F6A-B280036CBF66}"/>
-              </a:ext>
-            </a:extLst>
-          </p:cNvPr>
-          <p:cNvCxnSpPr>
-            <a:cxnSpLocks/>
-          </p:cNvCxnSpPr>
-          <p:nvPr/>
-        </p:nvCxnSpPr>
-        <p:spPr>
-          <a:xfrm>
-            <a:off x="12934281" y="8648421"/>
+            <a:off x="12979281" y="8974213"/>
             <a:ext cx="247426" cy="0"/>
           </a:xfrm>
           <a:prstGeom prst="straightConnector1">
@@ -5933,8 +5977,8 @@
         </p:nvCxnSpPr>
         <p:spPr>
           <a:xfrm>
-            <a:off x="3123307" y="6562832"/>
-            <a:ext cx="11725835" cy="0"/>
+            <a:off x="609831" y="6498664"/>
+            <a:ext cx="14239311" cy="0"/>
           </a:xfrm>
           <a:prstGeom prst="line">
             <a:avLst/>
@@ -5972,7 +6016,7 @@
         </p:nvSpPr>
         <p:spPr>
           <a:xfrm>
-            <a:off x="3115691" y="6371685"/>
+            <a:off x="609831" y="6323559"/>
             <a:ext cx="510076" cy="230832"/>
           </a:xfrm>
           <a:prstGeom prst="rect">
@@ -6007,7 +6051,7 @@
         </p:nvSpPr>
         <p:spPr>
           <a:xfrm>
-            <a:off x="3090845" y="6515764"/>
+            <a:off x="584985" y="6467638"/>
             <a:ext cx="559769" cy="230832"/>
           </a:xfrm>
           <a:prstGeom prst="rect">
@@ -6042,7 +6086,7 @@
         </p:nvSpPr>
         <p:spPr>
           <a:xfrm>
-            <a:off x="13555645" y="10177547"/>
+            <a:off x="13600645" y="10503339"/>
             <a:ext cx="401450" cy="646331"/>
           </a:xfrm>
           <a:prstGeom prst="rect">
@@ -6087,7 +6131,7 @@
         </p:nvSpPr>
         <p:spPr>
           <a:xfrm>
-            <a:off x="13566454" y="11041049"/>
+            <a:off x="13611454" y="11366841"/>
             <a:ext cx="401450" cy="646331"/>
           </a:xfrm>
           <a:prstGeom prst="rect">
@@ -6132,7 +6176,7 @@
         </p:nvSpPr>
         <p:spPr>
           <a:xfrm>
-            <a:off x="13595029" y="11807729"/>
+            <a:off x="13640029" y="12133521"/>
             <a:ext cx="401450" cy="646331"/>
           </a:xfrm>
           <a:prstGeom prst="rect">
@@ -6177,7 +6221,7 @@
         </p:nvSpPr>
         <p:spPr>
           <a:xfrm>
-            <a:off x="13551826" y="9261354"/>
+            <a:off x="13596826" y="9587146"/>
             <a:ext cx="401450" cy="646331"/>
           </a:xfrm>
           <a:prstGeom prst="rect">
@@ -6210,10 +6254,10 @@
       </p:sp>
       <p:cxnSp>
         <p:nvCxnSpPr>
-          <p:cNvPr id="82" name="Straight Arrow Connector 81">
-            <a:extLst>
-              <a:ext uri="{FF2B5EF4-FFF2-40B4-BE49-F238E27FC236}">
-                <a16:creationId xmlns:a16="http://schemas.microsoft.com/office/drawing/2014/main" id="{31353BF2-C62D-A347-AE1E-89AE89AC0DA4}"/>
+          <p:cNvPr id="85" name="Straight Arrow Connector 84">
+            <a:extLst>
+              <a:ext uri="{FF2B5EF4-FFF2-40B4-BE49-F238E27FC236}">
+                <a16:creationId xmlns:a16="http://schemas.microsoft.com/office/drawing/2014/main" id="{1D807856-DF2D-BF44-B43B-AFFA1EC91A21}"/>
               </a:ext>
             </a:extLst>
           </p:cNvPr>
@@ -6224,51 +6268,7 @@
         </p:nvCxnSpPr>
         <p:spPr>
           <a:xfrm flipH="1">
-            <a:off x="4398084" y="6815436"/>
-            <a:ext cx="8255" cy="983213"/>
-          </a:xfrm>
-          <a:prstGeom prst="straightConnector1">
-            <a:avLst/>
-          </a:prstGeom>
-          <a:ln>
-            <a:solidFill>
-              <a:schemeClr val="tx1"/>
-            </a:solidFill>
-            <a:tailEnd type="triangle"/>
-          </a:ln>
-        </p:spPr>
-        <p:style>
-          <a:lnRef idx="1">
-            <a:schemeClr val="accent1"/>
-          </a:lnRef>
-          <a:fillRef idx="0">
-            <a:schemeClr val="accent1"/>
-          </a:fillRef>
-          <a:effectRef idx="0">
-            <a:schemeClr val="accent1"/>
-          </a:effectRef>
-          <a:fontRef idx="minor">
-            <a:schemeClr val="tx1"/>
-          </a:fontRef>
-        </p:style>
-      </p:cxnSp>
-      <p:cxnSp>
-        <p:nvCxnSpPr>
-          <p:cNvPr id="85" name="Straight Arrow Connector 84">
-            <a:extLst>
-              <a:ext uri="{FF2B5EF4-FFF2-40B4-BE49-F238E27FC236}">
-                <a16:creationId xmlns:a16="http://schemas.microsoft.com/office/drawing/2014/main" id="{1D807856-DF2D-BF44-B43B-AFFA1EC91A21}"/>
-              </a:ext>
-            </a:extLst>
-          </p:cNvPr>
-          <p:cNvCxnSpPr>
-            <a:cxnSpLocks/>
-          </p:cNvCxnSpPr>
-          <p:nvPr/>
-        </p:nvCxnSpPr>
-        <p:spPr>
-          <a:xfrm flipH="1">
-            <a:off x="5633981" y="6812139"/>
+            <a:off x="1764053" y="6830826"/>
             <a:ext cx="1234" cy="179569"/>
           </a:xfrm>
           <a:prstGeom prst="straightConnector1">
@@ -6313,7 +6313,7 @@
         </p:nvCxnSpPr>
         <p:spPr>
           <a:xfrm flipH="1">
-            <a:off x="6869037" y="8118894"/>
+            <a:off x="6914037" y="8444686"/>
             <a:ext cx="8262" cy="1369741"/>
           </a:xfrm>
           <a:prstGeom prst="straightConnector1">
@@ -6357,7 +6357,7 @@
         </p:nvCxnSpPr>
         <p:spPr>
           <a:xfrm flipH="1">
-            <a:off x="11849204" y="10516766"/>
+            <a:off x="11894204" y="10842558"/>
             <a:ext cx="3194" cy="850652"/>
           </a:xfrm>
           <a:prstGeom prst="straightConnector1">
@@ -6401,7 +6401,7 @@
         </p:nvCxnSpPr>
         <p:spPr>
           <a:xfrm>
-            <a:off x="11856937" y="11444709"/>
+            <a:off x="11901937" y="11770501"/>
             <a:ext cx="0" cy="760434"/>
           </a:xfrm>
           <a:prstGeom prst="straightConnector1">
@@ -6443,7 +6443,7 @@
         </p:nvSpPr>
         <p:spPr>
           <a:xfrm>
-            <a:off x="13428506" y="12308420"/>
+            <a:off x="13473506" y="12634212"/>
             <a:ext cx="734496" cy="184666"/>
           </a:xfrm>
           <a:prstGeom prst="rect">
@@ -6495,7 +6495,7 @@
         </p:nvSpPr>
         <p:spPr>
           <a:xfrm>
-            <a:off x="8332299" y="7424314"/>
+            <a:off x="8377299" y="7750106"/>
             <a:ext cx="731520" cy="742278"/>
           </a:xfrm>
           <a:prstGeom prst="ellipse">
@@ -6556,7 +6556,7 @@
         </p:nvCxnSpPr>
         <p:spPr>
           <a:xfrm>
-            <a:off x="9192911" y="7800832"/>
+            <a:off x="9237911" y="8126624"/>
             <a:ext cx="247426" cy="0"/>
           </a:xfrm>
           <a:prstGeom prst="straightConnector1">
@@ -6598,7 +6598,7 @@
         </p:nvSpPr>
         <p:spPr>
           <a:xfrm>
-            <a:off x="9598786" y="7437516"/>
+            <a:off x="9643786" y="7763308"/>
             <a:ext cx="731520" cy="742278"/>
           </a:xfrm>
           <a:prstGeom prst="ellipse">
@@ -6659,7 +6659,7 @@
         </p:nvCxnSpPr>
         <p:spPr>
           <a:xfrm>
-            <a:off x="10459398" y="7814034"/>
+            <a:off x="10504398" y="8139826"/>
             <a:ext cx="247426" cy="0"/>
           </a:xfrm>
           <a:prstGeom prst="straightConnector1">
@@ -6701,7 +6701,7 @@
         </p:nvSpPr>
         <p:spPr>
           <a:xfrm>
-            <a:off x="10806555" y="7417768"/>
+            <a:off x="10851555" y="7743560"/>
             <a:ext cx="731520" cy="742278"/>
           </a:xfrm>
           <a:prstGeom prst="ellipse">
@@ -6762,7 +6762,7 @@
         </p:nvCxnSpPr>
         <p:spPr>
           <a:xfrm>
-            <a:off x="11667167" y="7794286"/>
+            <a:off x="11712167" y="8120078"/>
             <a:ext cx="247426" cy="0"/>
           </a:xfrm>
           <a:prstGeom prst="straightConnector1">
@@ -6804,7 +6804,7 @@
         </p:nvSpPr>
         <p:spPr>
           <a:xfrm>
-            <a:off x="12073042" y="7429693"/>
+            <a:off x="12118042" y="7755485"/>
             <a:ext cx="731520" cy="742278"/>
           </a:xfrm>
           <a:prstGeom prst="ellipse">
@@ -6865,7 +6865,7 @@
         </p:nvCxnSpPr>
         <p:spPr>
           <a:xfrm>
-            <a:off x="12933654" y="7806211"/>
+            <a:off x="12978654" y="8132003"/>
             <a:ext cx="247426" cy="0"/>
           </a:xfrm>
           <a:prstGeom prst="straightConnector1">
@@ -6895,10 +6895,10 @@
       </p:cxnSp>
       <p:pic>
         <p:nvPicPr>
-          <p:cNvPr id="12" name="Picture 11">
-            <a:extLst>
-              <a:ext uri="{FF2B5EF4-FFF2-40B4-BE49-F238E27FC236}">
-                <a16:creationId xmlns:a16="http://schemas.microsoft.com/office/drawing/2014/main" id="{F3310A67-8126-BC43-86CD-456089D55F53}"/>
+          <p:cNvPr id="95" name="Picture 94">
+            <a:extLst>
+              <a:ext uri="{FF2B5EF4-FFF2-40B4-BE49-F238E27FC236}">
+                <a16:creationId xmlns:a16="http://schemas.microsoft.com/office/drawing/2014/main" id="{E12D68A0-B159-5A49-BD70-2B3254D8E035}"/>
               </a:ext>
             </a:extLst>
           </p:cNvPr>
@@ -6908,14 +6908,14 @@
           <p:nvPr/>
         </p:nvPicPr>
         <p:blipFill>
-          <a:blip r:embed="rId2"/>
+          <a:blip r:embed="rId3"/>
           <a:stretch>
             <a:fillRect/>
           </a:stretch>
         </p:blipFill>
         <p:spPr>
           <a:xfrm>
-            <a:off x="4300206" y="6605315"/>
+            <a:off x="1659153" y="6602517"/>
             <a:ext cx="212267" cy="212267"/>
           </a:xfrm>
           <a:prstGeom prst="rect">
@@ -6923,36 +6923,6 @@
           </a:prstGeom>
         </p:spPr>
       </p:pic>
-      <p:pic>
-        <p:nvPicPr>
-          <p:cNvPr id="95" name="Picture 94">
-            <a:extLst>
-              <a:ext uri="{FF2B5EF4-FFF2-40B4-BE49-F238E27FC236}">
-                <a16:creationId xmlns:a16="http://schemas.microsoft.com/office/drawing/2014/main" id="{E12D68A0-B159-5A49-BD70-2B3254D8E035}"/>
-              </a:ext>
-            </a:extLst>
-          </p:cNvPr>
-          <p:cNvPicPr>
-            <a:picLocks noChangeAspect="1"/>
-          </p:cNvPicPr>
-          <p:nvPr/>
-        </p:nvPicPr>
-        <p:blipFill>
-          <a:blip r:embed="rId2"/>
-          <a:stretch>
-            <a:fillRect/>
-          </a:stretch>
-        </p:blipFill>
-        <p:spPr>
-          <a:xfrm>
-            <a:off x="5529081" y="6599872"/>
-            <a:ext cx="212267" cy="212267"/>
-          </a:xfrm>
-          <a:prstGeom prst="rect">
-            <a:avLst/>
-          </a:prstGeom>
-        </p:spPr>
-      </p:pic>
       <p:sp>
         <p:nvSpPr>
           <p:cNvPr id="97" name="TextBox 96">
@@ -6967,7 +6937,7 @@
         </p:nvSpPr>
         <p:spPr>
           <a:xfrm>
-            <a:off x="4429408" y="6558223"/>
+            <a:off x="1794695" y="6555862"/>
             <a:ext cx="793521" cy="369332"/>
           </a:xfrm>
           <a:prstGeom prst="rect">
@@ -7008,7 +6978,7 @@
         </p:nvSpPr>
         <p:spPr>
           <a:xfrm>
-            <a:off x="13327759" y="5802764"/>
+            <a:off x="13327759" y="5722554"/>
             <a:ext cx="731520" cy="742278"/>
           </a:xfrm>
           <a:prstGeom prst="ellipse">
@@ -7066,7 +7036,7 @@
         </p:nvCxnSpPr>
         <p:spPr>
           <a:xfrm>
-            <a:off x="14188371" y="6179282"/>
+            <a:off x="14188371" y="6099072"/>
             <a:ext cx="247426" cy="0"/>
           </a:xfrm>
           <a:prstGeom prst="straightConnector1">
@@ -7094,12 +7064,56 @@
           </a:fontRef>
         </p:style>
       </p:cxnSp>
-      <p:sp>
-        <p:nvSpPr>
-          <p:cNvPr id="99" name="Oval 98">
-            <a:extLst>
-              <a:ext uri="{FF2B5EF4-FFF2-40B4-BE49-F238E27FC236}">
-                <a16:creationId xmlns:a16="http://schemas.microsoft.com/office/drawing/2014/main" id="{83248CB6-CCC7-7249-8865-19FC042B2B86}"/>
+      <p:cxnSp>
+        <p:nvCxnSpPr>
+          <p:cNvPr id="100" name="Straight Arrow Connector 99">
+            <a:extLst>
+              <a:ext uri="{FF2B5EF4-FFF2-40B4-BE49-F238E27FC236}">
+                <a16:creationId xmlns:a16="http://schemas.microsoft.com/office/drawing/2014/main" id="{61324920-15CD-3745-A43B-EA8360CF2743}"/>
+              </a:ext>
+            </a:extLst>
+          </p:cNvPr>
+          <p:cNvCxnSpPr>
+            <a:cxnSpLocks/>
+          </p:cNvCxnSpPr>
+          <p:nvPr/>
+        </p:nvCxnSpPr>
+        <p:spPr>
+          <a:xfrm>
+            <a:off x="14188371" y="6925817"/>
+            <a:ext cx="247426" cy="0"/>
+          </a:xfrm>
+          <a:prstGeom prst="straightConnector1">
+            <a:avLst/>
+          </a:prstGeom>
+          <a:ln>
+            <a:solidFill>
+              <a:schemeClr val="tx1"/>
+            </a:solidFill>
+            <a:tailEnd type="triangle"/>
+          </a:ln>
+        </p:spPr>
+        <p:style>
+          <a:lnRef idx="1">
+            <a:schemeClr val="accent1"/>
+          </a:lnRef>
+          <a:fillRef idx="0">
+            <a:schemeClr val="accent1"/>
+          </a:fillRef>
+          <a:effectRef idx="0">
+            <a:schemeClr val="accent1"/>
+          </a:effectRef>
+          <a:fontRef idx="minor">
+            <a:schemeClr val="tx1"/>
+          </a:fontRef>
+        </p:style>
+      </p:cxnSp>
+      <p:sp>
+        <p:nvSpPr>
+          <p:cNvPr id="101" name="Oval 100">
+            <a:extLst>
+              <a:ext uri="{FF2B5EF4-FFF2-40B4-BE49-F238E27FC236}">
+                <a16:creationId xmlns:a16="http://schemas.microsoft.com/office/drawing/2014/main" id="{ED0A6BC8-942A-2544-93F6-D0907ACBB083}"/>
               </a:ext>
             </a:extLst>
           </p:cNvPr>
@@ -7108,14 +7122,17 @@
         </p:nvSpPr>
         <p:spPr>
           <a:xfrm>
-            <a:off x="13327759" y="6606223"/>
+            <a:off x="13372759" y="8610161"/>
             <a:ext cx="731520" cy="742278"/>
           </a:xfrm>
           <a:prstGeom prst="ellipse">
             <a:avLst/>
           </a:prstGeom>
           <a:solidFill>
-            <a:srgbClr val="FF0000"/>
+            <a:schemeClr val="accent1">
+              <a:lumMod val="60000"/>
+              <a:lumOff val="40000"/>
+            </a:schemeClr>
           </a:solidFill>
         </p:spPr>
         <p:style>
@@ -7140,22 +7157,22 @@
           <a:p>
             <a:pPr algn="ctr"/>
             <a:r>
-              <a:rPr lang="en-US" sz="1400" b="1" i="1" dirty="0">
+              <a:rPr lang="en-US" sz="1100" b="1" i="1" dirty="0">
                 <a:solidFill>
                   <a:schemeClr val="bg1"/>
                 </a:solidFill>
               </a:rPr>
-              <a:t>BTG</a:t>
+              <a:t>BTCC</a:t>
             </a:r>
           </a:p>
         </p:txBody>
       </p:sp>
       <p:cxnSp>
         <p:nvCxnSpPr>
-          <p:cNvPr id="100" name="Straight Arrow Connector 99">
-            <a:extLst>
-              <a:ext uri="{FF2B5EF4-FFF2-40B4-BE49-F238E27FC236}">
-                <a16:creationId xmlns:a16="http://schemas.microsoft.com/office/drawing/2014/main" id="{61324920-15CD-3745-A43B-EA8360CF2743}"/>
+          <p:cNvPr id="102" name="Straight Arrow Connector 101">
+            <a:extLst>
+              <a:ext uri="{FF2B5EF4-FFF2-40B4-BE49-F238E27FC236}">
+                <a16:creationId xmlns:a16="http://schemas.microsoft.com/office/drawing/2014/main" id="{374B7E98-95C2-3F43-8F57-59F556F8F9BD}"/>
               </a:ext>
             </a:extLst>
           </p:cNvPr>
@@ -7166,7 +7183,7 @@
         </p:nvCxnSpPr>
         <p:spPr>
           <a:xfrm>
-            <a:off x="14188371" y="6925817"/>
+            <a:off x="14233371" y="8986679"/>
             <a:ext cx="247426" cy="0"/>
           </a:xfrm>
           <a:prstGeom prst="straightConnector1">
@@ -7196,10 +7213,10 @@
       </p:cxnSp>
       <p:sp>
         <p:nvSpPr>
-          <p:cNvPr id="101" name="Oval 100">
-            <a:extLst>
-              <a:ext uri="{FF2B5EF4-FFF2-40B4-BE49-F238E27FC236}">
-                <a16:creationId xmlns:a16="http://schemas.microsoft.com/office/drawing/2014/main" id="{ED0A6BC8-942A-2544-93F6-D0907ACBB083}"/>
+          <p:cNvPr id="103" name="Oval 102">
+            <a:extLst>
+              <a:ext uri="{FF2B5EF4-FFF2-40B4-BE49-F238E27FC236}">
+                <a16:creationId xmlns:a16="http://schemas.microsoft.com/office/drawing/2014/main" id="{B1C8D5D5-6F05-C146-A874-219323B5F3CB}"/>
               </a:ext>
             </a:extLst>
           </p:cNvPr>
@@ -7208,16 +7225,16 @@
         </p:nvSpPr>
         <p:spPr>
           <a:xfrm>
-            <a:off x="13327759" y="8284369"/>
+            <a:off x="13372132" y="7767951"/>
             <a:ext cx="731520" cy="742278"/>
           </a:xfrm>
           <a:prstGeom prst="ellipse">
             <a:avLst/>
           </a:prstGeom>
           <a:solidFill>
-            <a:schemeClr val="accent1">
-              <a:lumMod val="60000"/>
-              <a:lumOff val="40000"/>
+            <a:schemeClr val="accent6">
+              <a:lumMod val="40000"/>
+              <a:lumOff val="60000"/>
             </a:schemeClr>
           </a:solidFill>
         </p:spPr>
@@ -7248,17 +7265,17 @@
                   <a:schemeClr val="bg1"/>
                 </a:solidFill>
               </a:rPr>
-              <a:t>BTCC</a:t>
+              <a:t>BCHC</a:t>
             </a:r>
           </a:p>
         </p:txBody>
       </p:sp>
       <p:cxnSp>
         <p:nvCxnSpPr>
-          <p:cNvPr id="102" name="Straight Arrow Connector 101">
-            <a:extLst>
-              <a:ext uri="{FF2B5EF4-FFF2-40B4-BE49-F238E27FC236}">
-                <a16:creationId xmlns:a16="http://schemas.microsoft.com/office/drawing/2014/main" id="{374B7E98-95C2-3F43-8F57-59F556F8F9BD}"/>
+          <p:cNvPr id="104" name="Straight Arrow Connector 103">
+            <a:extLst>
+              <a:ext uri="{FF2B5EF4-FFF2-40B4-BE49-F238E27FC236}">
+                <a16:creationId xmlns:a16="http://schemas.microsoft.com/office/drawing/2014/main" id="{CEB121B9-6D6B-C84A-86EE-28ED87D32510}"/>
               </a:ext>
             </a:extLst>
           </p:cNvPr>
@@ -7269,110 +7286,7 @@
         </p:nvCxnSpPr>
         <p:spPr>
           <a:xfrm>
-            <a:off x="14188371" y="8660887"/>
-            <a:ext cx="247426" cy="0"/>
-          </a:xfrm>
-          <a:prstGeom prst="straightConnector1">
-            <a:avLst/>
-          </a:prstGeom>
-          <a:ln>
-            <a:solidFill>
-              <a:schemeClr val="tx1"/>
-            </a:solidFill>
-            <a:tailEnd type="triangle"/>
-          </a:ln>
-        </p:spPr>
-        <p:style>
-          <a:lnRef idx="1">
-            <a:schemeClr val="accent1"/>
-          </a:lnRef>
-          <a:fillRef idx="0">
-            <a:schemeClr val="accent1"/>
-          </a:fillRef>
-          <a:effectRef idx="0">
-            <a:schemeClr val="accent1"/>
-          </a:effectRef>
-          <a:fontRef idx="minor">
-            <a:schemeClr val="tx1"/>
-          </a:fontRef>
-        </p:style>
-      </p:cxnSp>
-      <p:sp>
-        <p:nvSpPr>
-          <p:cNvPr id="103" name="Oval 102">
-            <a:extLst>
-              <a:ext uri="{FF2B5EF4-FFF2-40B4-BE49-F238E27FC236}">
-                <a16:creationId xmlns:a16="http://schemas.microsoft.com/office/drawing/2014/main" id="{B1C8D5D5-6F05-C146-A874-219323B5F3CB}"/>
-              </a:ext>
-            </a:extLst>
-          </p:cNvPr>
-          <p:cNvSpPr/>
-          <p:nvPr/>
-        </p:nvSpPr>
-        <p:spPr>
-          <a:xfrm>
-            <a:off x="13327132" y="7442159"/>
-            <a:ext cx="731520" cy="742278"/>
-          </a:xfrm>
-          <a:prstGeom prst="ellipse">
-            <a:avLst/>
-          </a:prstGeom>
-          <a:solidFill>
-            <a:schemeClr val="accent6">
-              <a:lumMod val="40000"/>
-              <a:lumOff val="60000"/>
-            </a:schemeClr>
-          </a:solidFill>
-        </p:spPr>
-        <p:style>
-          <a:lnRef idx="2">
-            <a:schemeClr val="accent1">
-              <a:shade val="50000"/>
-            </a:schemeClr>
-          </a:lnRef>
-          <a:fillRef idx="1">
-            <a:schemeClr val="accent1"/>
-          </a:fillRef>
-          <a:effectRef idx="0">
-            <a:schemeClr val="accent1"/>
-          </a:effectRef>
-          <a:fontRef idx="minor">
-            <a:schemeClr val="lt1"/>
-          </a:fontRef>
-        </p:style>
-        <p:txBody>
-          <a:bodyPr rtlCol="0" anchor="ctr"/>
-          <a:lstStyle/>
-          <a:p>
-            <a:pPr algn="ctr"/>
-            <a:r>
-              <a:rPr lang="en-US" sz="1100" b="1" i="1" dirty="0">
-                <a:solidFill>
-                  <a:schemeClr val="bg1"/>
-                </a:solidFill>
-              </a:rPr>
-              <a:t>BCHC</a:t>
-            </a:r>
-          </a:p>
-        </p:txBody>
-      </p:sp>
-      <p:cxnSp>
-        <p:nvCxnSpPr>
-          <p:cNvPr id="104" name="Straight Arrow Connector 103">
-            <a:extLst>
-              <a:ext uri="{FF2B5EF4-FFF2-40B4-BE49-F238E27FC236}">
-                <a16:creationId xmlns:a16="http://schemas.microsoft.com/office/drawing/2014/main" id="{CEB121B9-6D6B-C84A-86EE-28ED87D32510}"/>
-              </a:ext>
-            </a:extLst>
-          </p:cNvPr>
-          <p:cNvCxnSpPr>
-            <a:cxnSpLocks/>
-          </p:cNvCxnSpPr>
-          <p:nvPr/>
-        </p:nvCxnSpPr>
-        <p:spPr>
-          <a:xfrm>
-            <a:off x="14187744" y="7818677"/>
+            <a:off x="14232744" y="8144469"/>
             <a:ext cx="247426" cy="0"/>
           </a:xfrm>
           <a:prstGeom prst="straightConnector1">
@@ -7415,14 +7329,14 @@
           <p:nvPr/>
         </p:nvPicPr>
         <p:blipFill>
-          <a:blip r:embed="rId2"/>
+          <a:blip r:embed="rId3"/>
           <a:stretch>
             <a:fillRect/>
           </a:stretch>
         </p:blipFill>
         <p:spPr>
           <a:xfrm>
-            <a:off x="6771165" y="7906627"/>
+            <a:off x="6816165" y="8232419"/>
             <a:ext cx="212267" cy="212267"/>
           </a:xfrm>
           <a:prstGeom prst="rect">
@@ -7445,14 +7359,14 @@
           <p:nvPr/>
         </p:nvPicPr>
         <p:blipFill>
-          <a:blip r:embed="rId2"/>
+          <a:blip r:embed="rId3"/>
           <a:stretch>
             <a:fillRect/>
           </a:stretch>
         </p:blipFill>
         <p:spPr>
           <a:xfrm>
-            <a:off x="8055485" y="7916497"/>
+            <a:off x="8100485" y="8242289"/>
             <a:ext cx="212267" cy="212267"/>
           </a:xfrm>
           <a:prstGeom prst="rect">
@@ -7476,7 +7390,7 @@
         </p:nvCxnSpPr>
         <p:spPr>
           <a:xfrm flipH="1">
-            <a:off x="8154592" y="8140002"/>
+            <a:off x="8199592" y="8465794"/>
             <a:ext cx="6410" cy="546229"/>
           </a:xfrm>
           <a:prstGeom prst="straightConnector1">
@@ -7519,14 +7433,14 @@
           <p:nvPr/>
         </p:nvPicPr>
         <p:blipFill>
-          <a:blip r:embed="rId2"/>
+          <a:blip r:embed="rId3"/>
           <a:stretch>
             <a:fillRect/>
           </a:stretch>
         </p:blipFill>
         <p:spPr>
           <a:xfrm>
-            <a:off x="11757830" y="9560392"/>
+            <a:off x="11802830" y="9886184"/>
             <a:ext cx="212267" cy="212267"/>
           </a:xfrm>
           <a:prstGeom prst="rect">
@@ -7550,7 +7464,7 @@
         </p:nvCxnSpPr>
         <p:spPr>
           <a:xfrm flipH="1">
-            <a:off x="11856937" y="9783897"/>
+            <a:off x="11901937" y="10109689"/>
             <a:ext cx="6410" cy="546229"/>
           </a:xfrm>
           <a:prstGeom prst="straightConnector1">
@@ -7578,6 +7492,1701 @@
           </a:fontRef>
         </p:style>
       </p:cxnSp>
+      <p:sp>
+        <p:nvSpPr>
+          <p:cNvPr id="110" name="Oval 109">
+            <a:extLst>
+              <a:ext uri="{FF2B5EF4-FFF2-40B4-BE49-F238E27FC236}">
+                <a16:creationId xmlns:a16="http://schemas.microsoft.com/office/drawing/2014/main" id="{6ED90BA2-8B3D-104F-964E-D51B4E187963}"/>
+              </a:ext>
+            </a:extLst>
+          </p:cNvPr>
+          <p:cNvSpPr/>
+          <p:nvPr/>
+        </p:nvSpPr>
+        <p:spPr>
+          <a:xfrm>
+            <a:off x="5876828" y="5728791"/>
+            <a:ext cx="731520" cy="742278"/>
+          </a:xfrm>
+          <a:prstGeom prst="ellipse">
+            <a:avLst/>
+          </a:prstGeom>
+          <a:solidFill>
+            <a:srgbClr val="FFC000"/>
+          </a:solidFill>
+        </p:spPr>
+        <p:style>
+          <a:lnRef idx="2">
+            <a:schemeClr val="accent1">
+              <a:shade val="50000"/>
+            </a:schemeClr>
+          </a:lnRef>
+          <a:fillRef idx="1">
+            <a:schemeClr val="accent1"/>
+          </a:fillRef>
+          <a:effectRef idx="0">
+            <a:schemeClr val="accent1"/>
+          </a:effectRef>
+          <a:fontRef idx="minor">
+            <a:schemeClr val="lt1"/>
+          </a:fontRef>
+        </p:style>
+        <p:txBody>
+          <a:bodyPr rtlCol="0" anchor="ctr"/>
+          <a:lstStyle/>
+          <a:p>
+            <a:pPr algn="ctr"/>
+            <a:r>
+              <a:rPr lang="en-US" sz="900" b="1" i="1" dirty="0">
+                <a:solidFill>
+                  <a:schemeClr val="bg1"/>
+                </a:solidFill>
+              </a:rPr>
+              <a:t>Bitcoin</a:t>
+            </a:r>
+          </a:p>
+        </p:txBody>
+      </p:sp>
+      <p:cxnSp>
+        <p:nvCxnSpPr>
+          <p:cNvPr id="111" name="Straight Arrow Connector 110">
+            <a:extLst>
+              <a:ext uri="{FF2B5EF4-FFF2-40B4-BE49-F238E27FC236}">
+                <a16:creationId xmlns:a16="http://schemas.microsoft.com/office/drawing/2014/main" id="{B67066E8-005C-8141-AAB2-8F196D0EDA13}"/>
+              </a:ext>
+            </a:extLst>
+          </p:cNvPr>
+          <p:cNvCxnSpPr>
+            <a:cxnSpLocks/>
+          </p:cNvCxnSpPr>
+          <p:nvPr/>
+        </p:nvCxnSpPr>
+        <p:spPr>
+          <a:xfrm>
+            <a:off x="6737440" y="6105309"/>
+            <a:ext cx="247426" cy="0"/>
+          </a:xfrm>
+          <a:prstGeom prst="straightConnector1">
+            <a:avLst/>
+          </a:prstGeom>
+          <a:ln>
+            <a:solidFill>
+              <a:schemeClr val="tx1"/>
+            </a:solidFill>
+            <a:tailEnd type="triangle"/>
+          </a:ln>
+        </p:spPr>
+        <p:style>
+          <a:lnRef idx="1">
+            <a:schemeClr val="accent1"/>
+          </a:lnRef>
+          <a:fillRef idx="0">
+            <a:schemeClr val="accent1"/>
+          </a:fillRef>
+          <a:effectRef idx="0">
+            <a:schemeClr val="accent1"/>
+          </a:effectRef>
+          <a:fontRef idx="minor">
+            <a:schemeClr val="tx1"/>
+          </a:fontRef>
+        </p:style>
+      </p:cxnSp>
+      <p:sp>
+        <p:nvSpPr>
+          <p:cNvPr id="112" name="Oval 111">
+            <a:extLst>
+              <a:ext uri="{FF2B5EF4-FFF2-40B4-BE49-F238E27FC236}">
+                <a16:creationId xmlns:a16="http://schemas.microsoft.com/office/drawing/2014/main" id="{CD9670C8-1D15-6F44-B129-A8503BBF28F4}"/>
+              </a:ext>
+            </a:extLst>
+          </p:cNvPr>
+          <p:cNvSpPr/>
+          <p:nvPr/>
+        </p:nvSpPr>
+        <p:spPr>
+          <a:xfrm>
+            <a:off x="7113958" y="5734170"/>
+            <a:ext cx="731520" cy="742278"/>
+          </a:xfrm>
+          <a:prstGeom prst="ellipse">
+            <a:avLst/>
+          </a:prstGeom>
+          <a:solidFill>
+            <a:srgbClr val="FFC000"/>
+          </a:solidFill>
+        </p:spPr>
+        <p:style>
+          <a:lnRef idx="2">
+            <a:schemeClr val="accent1">
+              <a:shade val="50000"/>
+            </a:schemeClr>
+          </a:lnRef>
+          <a:fillRef idx="1">
+            <a:schemeClr val="accent1"/>
+          </a:fillRef>
+          <a:effectRef idx="0">
+            <a:schemeClr val="accent1"/>
+          </a:effectRef>
+          <a:fontRef idx="minor">
+            <a:schemeClr val="lt1"/>
+          </a:fontRef>
+        </p:style>
+        <p:txBody>
+          <a:bodyPr rtlCol="0" anchor="ctr"/>
+          <a:lstStyle/>
+          <a:p>
+            <a:pPr algn="ctr"/>
+            <a:r>
+              <a:rPr lang="en-US" sz="900" b="1" i="1" dirty="0">
+                <a:solidFill>
+                  <a:schemeClr val="bg1"/>
+                </a:solidFill>
+              </a:rPr>
+              <a:t>Bitcoin</a:t>
+            </a:r>
+          </a:p>
+        </p:txBody>
+      </p:sp>
+      <p:cxnSp>
+        <p:nvCxnSpPr>
+          <p:cNvPr id="113" name="Straight Arrow Connector 112">
+            <a:extLst>
+              <a:ext uri="{FF2B5EF4-FFF2-40B4-BE49-F238E27FC236}">
+                <a16:creationId xmlns:a16="http://schemas.microsoft.com/office/drawing/2014/main" id="{BCCF511D-F388-6841-BA90-C3C5611104BD}"/>
+              </a:ext>
+            </a:extLst>
+          </p:cNvPr>
+          <p:cNvCxnSpPr>
+            <a:cxnSpLocks/>
+          </p:cNvCxnSpPr>
+          <p:nvPr/>
+        </p:nvCxnSpPr>
+        <p:spPr>
+          <a:xfrm>
+            <a:off x="7974570" y="6110688"/>
+            <a:ext cx="247426" cy="0"/>
+          </a:xfrm>
+          <a:prstGeom prst="straightConnector1">
+            <a:avLst/>
+          </a:prstGeom>
+          <a:ln>
+            <a:solidFill>
+              <a:schemeClr val="tx1"/>
+            </a:solidFill>
+            <a:tailEnd type="triangle"/>
+          </a:ln>
+        </p:spPr>
+        <p:style>
+          <a:lnRef idx="1">
+            <a:schemeClr val="accent1"/>
+          </a:lnRef>
+          <a:fillRef idx="0">
+            <a:schemeClr val="accent1"/>
+          </a:fillRef>
+          <a:effectRef idx="0">
+            <a:schemeClr val="accent1"/>
+          </a:effectRef>
+          <a:fontRef idx="minor">
+            <a:schemeClr val="tx1"/>
+          </a:fontRef>
+        </p:style>
+      </p:cxnSp>
+      <p:cxnSp>
+        <p:nvCxnSpPr>
+          <p:cNvPr id="115" name="Straight Arrow Connector 114">
+            <a:extLst>
+              <a:ext uri="{FF2B5EF4-FFF2-40B4-BE49-F238E27FC236}">
+                <a16:creationId xmlns:a16="http://schemas.microsoft.com/office/drawing/2014/main" id="{7AD5E8F6-8FB8-D64A-B250-15F49C1B1203}"/>
+              </a:ext>
+            </a:extLst>
+          </p:cNvPr>
+          <p:cNvCxnSpPr>
+            <a:cxnSpLocks/>
+          </p:cNvCxnSpPr>
+          <p:nvPr/>
+        </p:nvCxnSpPr>
+        <p:spPr>
+          <a:xfrm>
+            <a:off x="6717031" y="6973656"/>
+            <a:ext cx="247426" cy="0"/>
+          </a:xfrm>
+          <a:prstGeom prst="straightConnector1">
+            <a:avLst/>
+          </a:prstGeom>
+          <a:ln>
+            <a:solidFill>
+              <a:schemeClr val="tx1"/>
+            </a:solidFill>
+            <a:tailEnd type="triangle"/>
+          </a:ln>
+        </p:spPr>
+        <p:style>
+          <a:lnRef idx="1">
+            <a:schemeClr val="accent1"/>
+          </a:lnRef>
+          <a:fillRef idx="0">
+            <a:schemeClr val="accent1"/>
+          </a:fillRef>
+          <a:effectRef idx="0">
+            <a:schemeClr val="accent1"/>
+          </a:effectRef>
+          <a:fontRef idx="minor">
+            <a:schemeClr val="tx1"/>
+          </a:fontRef>
+        </p:style>
+      </p:cxnSp>
+      <p:cxnSp>
+        <p:nvCxnSpPr>
+          <p:cNvPr id="117" name="Straight Arrow Connector 116">
+            <a:extLst>
+              <a:ext uri="{FF2B5EF4-FFF2-40B4-BE49-F238E27FC236}">
+                <a16:creationId xmlns:a16="http://schemas.microsoft.com/office/drawing/2014/main" id="{79B62A41-161D-A946-8F9B-E4923FAB5E2B}"/>
+              </a:ext>
+            </a:extLst>
+          </p:cNvPr>
+          <p:cNvCxnSpPr>
+            <a:cxnSpLocks/>
+          </p:cNvCxnSpPr>
+          <p:nvPr/>
+        </p:nvCxnSpPr>
+        <p:spPr>
+          <a:xfrm>
+            <a:off x="7954161" y="6973656"/>
+            <a:ext cx="247426" cy="0"/>
+          </a:xfrm>
+          <a:prstGeom prst="straightConnector1">
+            <a:avLst/>
+          </a:prstGeom>
+          <a:ln>
+            <a:solidFill>
+              <a:schemeClr val="tx1"/>
+            </a:solidFill>
+            <a:tailEnd type="triangle"/>
+          </a:ln>
+        </p:spPr>
+        <p:style>
+          <a:lnRef idx="1">
+            <a:schemeClr val="accent1"/>
+          </a:lnRef>
+          <a:fillRef idx="0">
+            <a:schemeClr val="accent1"/>
+          </a:fillRef>
+          <a:effectRef idx="0">
+            <a:schemeClr val="accent1"/>
+          </a:effectRef>
+          <a:fontRef idx="minor">
+            <a:schemeClr val="tx1"/>
+          </a:fontRef>
+        </p:style>
+      </p:cxnSp>
+      <p:sp>
+        <p:nvSpPr>
+          <p:cNvPr id="118" name="Oval 117">
+            <a:extLst>
+              <a:ext uri="{FF2B5EF4-FFF2-40B4-BE49-F238E27FC236}">
+                <a16:creationId xmlns:a16="http://schemas.microsoft.com/office/drawing/2014/main" id="{454C6841-666B-ED47-9350-BCAF77BCBC64}"/>
+              </a:ext>
+            </a:extLst>
+          </p:cNvPr>
+          <p:cNvSpPr/>
+          <p:nvPr/>
+        </p:nvSpPr>
+        <p:spPr>
+          <a:xfrm>
+            <a:off x="2302428" y="6614510"/>
+            <a:ext cx="731520" cy="742278"/>
+          </a:xfrm>
+          <a:prstGeom prst="ellipse">
+            <a:avLst/>
+          </a:prstGeom>
+          <a:solidFill>
+            <a:srgbClr val="FF0000"/>
+          </a:solidFill>
+        </p:spPr>
+        <p:style>
+          <a:lnRef idx="2">
+            <a:schemeClr val="accent1">
+              <a:shade val="50000"/>
+            </a:schemeClr>
+          </a:lnRef>
+          <a:fillRef idx="1">
+            <a:schemeClr val="accent1"/>
+          </a:fillRef>
+          <a:effectRef idx="0">
+            <a:schemeClr val="accent1"/>
+          </a:effectRef>
+          <a:fontRef idx="minor">
+            <a:schemeClr val="lt1"/>
+          </a:fontRef>
+        </p:style>
+        <p:txBody>
+          <a:bodyPr rtlCol="0" anchor="ctr"/>
+          <a:lstStyle/>
+          <a:p>
+            <a:pPr algn="ctr"/>
+            <a:r>
+              <a:rPr lang="en-US" sz="1200" b="1" i="1" dirty="0">
+                <a:solidFill>
+                  <a:schemeClr val="bg1"/>
+                </a:solidFill>
+              </a:rPr>
+              <a:t>NMC</a:t>
+            </a:r>
+          </a:p>
+        </p:txBody>
+      </p:sp>
+      <p:cxnSp>
+        <p:nvCxnSpPr>
+          <p:cNvPr id="119" name="Straight Arrow Connector 118">
+            <a:extLst>
+              <a:ext uri="{FF2B5EF4-FFF2-40B4-BE49-F238E27FC236}">
+                <a16:creationId xmlns:a16="http://schemas.microsoft.com/office/drawing/2014/main" id="{73D89968-4547-4542-9A25-F8251597201A}"/>
+              </a:ext>
+            </a:extLst>
+          </p:cNvPr>
+          <p:cNvCxnSpPr>
+            <a:cxnSpLocks/>
+          </p:cNvCxnSpPr>
+          <p:nvPr/>
+        </p:nvCxnSpPr>
+        <p:spPr>
+          <a:xfrm>
+            <a:off x="3066788" y="6985649"/>
+            <a:ext cx="247426" cy="0"/>
+          </a:xfrm>
+          <a:prstGeom prst="straightConnector1">
+            <a:avLst/>
+          </a:prstGeom>
+          <a:ln>
+            <a:solidFill>
+              <a:schemeClr val="tx1"/>
+            </a:solidFill>
+            <a:tailEnd type="triangle"/>
+          </a:ln>
+        </p:spPr>
+        <p:style>
+          <a:lnRef idx="1">
+            <a:schemeClr val="accent1"/>
+          </a:lnRef>
+          <a:fillRef idx="0">
+            <a:schemeClr val="accent1"/>
+          </a:fillRef>
+          <a:effectRef idx="0">
+            <a:schemeClr val="accent1"/>
+          </a:effectRef>
+          <a:fontRef idx="minor">
+            <a:schemeClr val="tx1"/>
+          </a:fontRef>
+        </p:style>
+      </p:cxnSp>
+      <p:sp>
+        <p:nvSpPr>
+          <p:cNvPr id="120" name="Oval 119">
+            <a:extLst>
+              <a:ext uri="{FF2B5EF4-FFF2-40B4-BE49-F238E27FC236}">
+                <a16:creationId xmlns:a16="http://schemas.microsoft.com/office/drawing/2014/main" id="{9D293D53-70BA-6A43-9B40-78B8D88C2825}"/>
+              </a:ext>
+            </a:extLst>
+          </p:cNvPr>
+          <p:cNvSpPr/>
+          <p:nvPr/>
+        </p:nvSpPr>
+        <p:spPr>
+          <a:xfrm>
+            <a:off x="3548038" y="6702112"/>
+            <a:ext cx="731520" cy="742278"/>
+          </a:xfrm>
+          <a:prstGeom prst="ellipse">
+            <a:avLst/>
+          </a:prstGeom>
+          <a:solidFill>
+            <a:srgbClr val="FF0000"/>
+          </a:solidFill>
+        </p:spPr>
+        <p:style>
+          <a:lnRef idx="2">
+            <a:schemeClr val="accent1">
+              <a:shade val="50000"/>
+            </a:schemeClr>
+          </a:lnRef>
+          <a:fillRef idx="1">
+            <a:schemeClr val="accent1"/>
+          </a:fillRef>
+          <a:effectRef idx="0">
+            <a:schemeClr val="accent1"/>
+          </a:effectRef>
+          <a:fontRef idx="minor">
+            <a:schemeClr val="lt1"/>
+          </a:fontRef>
+        </p:style>
+        <p:txBody>
+          <a:bodyPr rtlCol="0" anchor="ctr"/>
+          <a:lstStyle/>
+          <a:p>
+            <a:pPr algn="ctr"/>
+            <a:r>
+              <a:rPr lang="en-US" sz="1200" b="1" i="1" dirty="0">
+                <a:solidFill>
+                  <a:schemeClr val="bg1"/>
+                </a:solidFill>
+              </a:rPr>
+              <a:t>NMC</a:t>
+            </a:r>
+          </a:p>
+        </p:txBody>
+      </p:sp>
+      <p:sp>
+        <p:nvSpPr>
+          <p:cNvPr id="31" name="Oval 30">
+            <a:extLst>
+              <a:ext uri="{FF2B5EF4-FFF2-40B4-BE49-F238E27FC236}">
+                <a16:creationId xmlns:a16="http://schemas.microsoft.com/office/drawing/2014/main" id="{A93D6B27-8A7C-3240-A950-365A0594C33A}"/>
+              </a:ext>
+            </a:extLst>
+          </p:cNvPr>
+          <p:cNvSpPr/>
+          <p:nvPr/>
+        </p:nvSpPr>
+        <p:spPr>
+          <a:xfrm>
+            <a:off x="3382159" y="6608774"/>
+            <a:ext cx="731520" cy="742278"/>
+          </a:xfrm>
+          <a:prstGeom prst="ellipse">
+            <a:avLst/>
+          </a:prstGeom>
+          <a:solidFill>
+            <a:schemeClr val="accent5">
+              <a:lumMod val="75000"/>
+            </a:schemeClr>
+          </a:solidFill>
+        </p:spPr>
+        <p:style>
+          <a:lnRef idx="2">
+            <a:schemeClr val="accent1">
+              <a:shade val="50000"/>
+            </a:schemeClr>
+          </a:lnRef>
+          <a:fillRef idx="1">
+            <a:schemeClr val="accent1"/>
+          </a:fillRef>
+          <a:effectRef idx="0">
+            <a:schemeClr val="accent1"/>
+          </a:effectRef>
+          <a:fontRef idx="minor">
+            <a:schemeClr val="lt1"/>
+          </a:fontRef>
+        </p:style>
+        <p:txBody>
+          <a:bodyPr rtlCol="0" anchor="ctr"/>
+          <a:lstStyle/>
+          <a:p>
+            <a:pPr algn="ctr"/>
+            <a:r>
+              <a:rPr lang="en-US" sz="1400" b="1" i="1" dirty="0">
+                <a:solidFill>
+                  <a:schemeClr val="bg1"/>
+                </a:solidFill>
+              </a:rPr>
+              <a:t>LTC</a:t>
+            </a:r>
+          </a:p>
+        </p:txBody>
+      </p:sp>
+      <p:cxnSp>
+        <p:nvCxnSpPr>
+          <p:cNvPr id="121" name="Straight Arrow Connector 120">
+            <a:extLst>
+              <a:ext uri="{FF2B5EF4-FFF2-40B4-BE49-F238E27FC236}">
+                <a16:creationId xmlns:a16="http://schemas.microsoft.com/office/drawing/2014/main" id="{BE15D065-3B99-D443-8906-7E937C03288A}"/>
+              </a:ext>
+            </a:extLst>
+          </p:cNvPr>
+          <p:cNvCxnSpPr>
+            <a:cxnSpLocks/>
+          </p:cNvCxnSpPr>
+          <p:nvPr/>
+        </p:nvCxnSpPr>
+        <p:spPr>
+          <a:xfrm flipH="1">
+            <a:off x="3151482" y="6788660"/>
+            <a:ext cx="1234" cy="179569"/>
+          </a:xfrm>
+          <a:prstGeom prst="straightConnector1">
+            <a:avLst/>
+          </a:prstGeom>
+          <a:ln>
+            <a:solidFill>
+              <a:schemeClr val="tx1"/>
+            </a:solidFill>
+            <a:tailEnd type="triangle"/>
+          </a:ln>
+        </p:spPr>
+        <p:style>
+          <a:lnRef idx="1">
+            <a:schemeClr val="accent1"/>
+          </a:lnRef>
+          <a:fillRef idx="0">
+            <a:schemeClr val="accent1"/>
+          </a:fillRef>
+          <a:effectRef idx="0">
+            <a:schemeClr val="accent1"/>
+          </a:effectRef>
+          <a:fontRef idx="minor">
+            <a:schemeClr val="tx1"/>
+          </a:fontRef>
+        </p:style>
+      </p:cxnSp>
+      <p:pic>
+        <p:nvPicPr>
+          <p:cNvPr id="122" name="Picture 121">
+            <a:extLst>
+              <a:ext uri="{FF2B5EF4-FFF2-40B4-BE49-F238E27FC236}">
+                <a16:creationId xmlns:a16="http://schemas.microsoft.com/office/drawing/2014/main" id="{15BBECB3-E740-C240-B547-CFA56252E3EA}"/>
+              </a:ext>
+            </a:extLst>
+          </p:cNvPr>
+          <p:cNvPicPr>
+            <a:picLocks noChangeAspect="1"/>
+          </p:cNvPicPr>
+          <p:nvPr/>
+        </p:nvPicPr>
+        <p:blipFill>
+          <a:blip r:embed="rId3"/>
+          <a:stretch>
+            <a:fillRect/>
+          </a:stretch>
+        </p:blipFill>
+        <p:spPr>
+          <a:xfrm>
+            <a:off x="3046582" y="6560351"/>
+            <a:ext cx="212267" cy="212267"/>
+          </a:xfrm>
+          <a:prstGeom prst="rect">
+            <a:avLst/>
+          </a:prstGeom>
+        </p:spPr>
+      </p:pic>
+      <p:sp>
+        <p:nvSpPr>
+          <p:cNvPr id="123" name="Oval 122">
+            <a:extLst>
+              <a:ext uri="{FF2B5EF4-FFF2-40B4-BE49-F238E27FC236}">
+                <a16:creationId xmlns:a16="http://schemas.microsoft.com/office/drawing/2014/main" id="{16AE2FE1-51E1-CD40-93AD-E9355BA799C8}"/>
+              </a:ext>
+            </a:extLst>
+          </p:cNvPr>
+          <p:cNvSpPr/>
+          <p:nvPr/>
+        </p:nvSpPr>
+        <p:spPr>
+          <a:xfrm>
+            <a:off x="4672882" y="6789751"/>
+            <a:ext cx="731520" cy="742278"/>
+          </a:xfrm>
+          <a:prstGeom prst="ellipse">
+            <a:avLst/>
+          </a:prstGeom>
+          <a:solidFill>
+            <a:srgbClr val="FF0000"/>
+          </a:solidFill>
+        </p:spPr>
+        <p:style>
+          <a:lnRef idx="2">
+            <a:schemeClr val="accent1">
+              <a:shade val="50000"/>
+            </a:schemeClr>
+          </a:lnRef>
+          <a:fillRef idx="1">
+            <a:schemeClr val="accent1"/>
+          </a:fillRef>
+          <a:effectRef idx="0">
+            <a:schemeClr val="accent1"/>
+          </a:effectRef>
+          <a:fontRef idx="minor">
+            <a:schemeClr val="lt1"/>
+          </a:fontRef>
+        </p:style>
+        <p:txBody>
+          <a:bodyPr rtlCol="0" anchor="ctr"/>
+          <a:lstStyle/>
+          <a:p>
+            <a:pPr algn="ctr"/>
+            <a:r>
+              <a:rPr lang="en-US" sz="1200" b="1" i="1" dirty="0">
+                <a:solidFill>
+                  <a:schemeClr val="bg1"/>
+                </a:solidFill>
+              </a:rPr>
+              <a:t>NMC</a:t>
+            </a:r>
+          </a:p>
+        </p:txBody>
+      </p:sp>
+      <p:sp>
+        <p:nvSpPr>
+          <p:cNvPr id="124" name="Oval 123">
+            <a:extLst>
+              <a:ext uri="{FF2B5EF4-FFF2-40B4-BE49-F238E27FC236}">
+                <a16:creationId xmlns:a16="http://schemas.microsoft.com/office/drawing/2014/main" id="{42F08944-BBDD-AE4D-83D4-E440A3922846}"/>
+              </a:ext>
+            </a:extLst>
+          </p:cNvPr>
+          <p:cNvSpPr/>
+          <p:nvPr/>
+        </p:nvSpPr>
+        <p:spPr>
+          <a:xfrm>
+            <a:off x="4507003" y="6696413"/>
+            <a:ext cx="731520" cy="742278"/>
+          </a:xfrm>
+          <a:prstGeom prst="ellipse">
+            <a:avLst/>
+          </a:prstGeom>
+          <a:solidFill>
+            <a:schemeClr val="accent5">
+              <a:lumMod val="75000"/>
+            </a:schemeClr>
+          </a:solidFill>
+        </p:spPr>
+        <p:style>
+          <a:lnRef idx="2">
+            <a:schemeClr val="accent1">
+              <a:shade val="50000"/>
+            </a:schemeClr>
+          </a:lnRef>
+          <a:fillRef idx="1">
+            <a:schemeClr val="accent1"/>
+          </a:fillRef>
+          <a:effectRef idx="0">
+            <a:schemeClr val="accent1"/>
+          </a:effectRef>
+          <a:fontRef idx="minor">
+            <a:schemeClr val="lt1"/>
+          </a:fontRef>
+        </p:style>
+        <p:txBody>
+          <a:bodyPr rtlCol="0" anchor="ctr"/>
+          <a:lstStyle/>
+          <a:p>
+            <a:pPr algn="ctr"/>
+            <a:r>
+              <a:rPr lang="en-US" sz="1400" b="1" i="1" dirty="0">
+                <a:solidFill>
+                  <a:schemeClr val="bg1"/>
+                </a:solidFill>
+              </a:rPr>
+              <a:t>LTC</a:t>
+            </a:r>
+          </a:p>
+        </p:txBody>
+      </p:sp>
+      <p:sp>
+        <p:nvSpPr>
+          <p:cNvPr id="50" name="Oval 49">
+            <a:extLst>
+              <a:ext uri="{FF2B5EF4-FFF2-40B4-BE49-F238E27FC236}">
+                <a16:creationId xmlns:a16="http://schemas.microsoft.com/office/drawing/2014/main" id="{BDD3BAD2-D6FD-6449-B445-0EDA33D14E7D}"/>
+              </a:ext>
+            </a:extLst>
+          </p:cNvPr>
+          <p:cNvSpPr/>
+          <p:nvPr/>
+        </p:nvSpPr>
+        <p:spPr>
+          <a:xfrm>
+            <a:off x="4737428" y="6590459"/>
+            <a:ext cx="731520" cy="742278"/>
+          </a:xfrm>
+          <a:prstGeom prst="ellipse">
+            <a:avLst/>
+          </a:prstGeom>
+          <a:solidFill>
+            <a:schemeClr val="accent4">
+              <a:lumMod val="75000"/>
+            </a:schemeClr>
+          </a:solidFill>
+        </p:spPr>
+        <p:style>
+          <a:lnRef idx="2">
+            <a:schemeClr val="accent1">
+              <a:shade val="50000"/>
+            </a:schemeClr>
+          </a:lnRef>
+          <a:fillRef idx="1">
+            <a:schemeClr val="accent1"/>
+          </a:fillRef>
+          <a:effectRef idx="0">
+            <a:schemeClr val="accent1"/>
+          </a:effectRef>
+          <a:fontRef idx="minor">
+            <a:schemeClr val="lt1"/>
+          </a:fontRef>
+        </p:style>
+        <p:txBody>
+          <a:bodyPr rtlCol="0" anchor="ctr"/>
+          <a:lstStyle/>
+          <a:p>
+            <a:pPr algn="ctr"/>
+            <a:r>
+              <a:rPr lang="en-US" sz="1400" b="1" i="1" dirty="0">
+                <a:solidFill>
+                  <a:schemeClr val="bg1"/>
+                </a:solidFill>
+              </a:rPr>
+              <a:t>BTG</a:t>
+            </a:r>
+          </a:p>
+        </p:txBody>
+      </p:sp>
+      <p:sp>
+        <p:nvSpPr>
+          <p:cNvPr id="125" name="Oval 124">
+            <a:extLst>
+              <a:ext uri="{FF2B5EF4-FFF2-40B4-BE49-F238E27FC236}">
+                <a16:creationId xmlns:a16="http://schemas.microsoft.com/office/drawing/2014/main" id="{5A00F30E-973B-F940-875F-C883E14F9826}"/>
+              </a:ext>
+            </a:extLst>
+          </p:cNvPr>
+          <p:cNvSpPr/>
+          <p:nvPr/>
+        </p:nvSpPr>
+        <p:spPr>
+          <a:xfrm>
+            <a:off x="5903130" y="6777569"/>
+            <a:ext cx="731520" cy="742278"/>
+          </a:xfrm>
+          <a:prstGeom prst="ellipse">
+            <a:avLst/>
+          </a:prstGeom>
+          <a:solidFill>
+            <a:srgbClr val="FF0000"/>
+          </a:solidFill>
+        </p:spPr>
+        <p:style>
+          <a:lnRef idx="2">
+            <a:schemeClr val="accent1">
+              <a:shade val="50000"/>
+            </a:schemeClr>
+          </a:lnRef>
+          <a:fillRef idx="1">
+            <a:schemeClr val="accent1"/>
+          </a:fillRef>
+          <a:effectRef idx="0">
+            <a:schemeClr val="accent1"/>
+          </a:effectRef>
+          <a:fontRef idx="minor">
+            <a:schemeClr val="lt1"/>
+          </a:fontRef>
+        </p:style>
+        <p:txBody>
+          <a:bodyPr rtlCol="0" anchor="ctr"/>
+          <a:lstStyle/>
+          <a:p>
+            <a:pPr algn="ctr"/>
+            <a:r>
+              <a:rPr lang="en-US" sz="1200" b="1" i="1" dirty="0">
+                <a:solidFill>
+                  <a:schemeClr val="bg1"/>
+                </a:solidFill>
+              </a:rPr>
+              <a:t>NMC</a:t>
+            </a:r>
+          </a:p>
+        </p:txBody>
+      </p:sp>
+      <p:sp>
+        <p:nvSpPr>
+          <p:cNvPr id="126" name="Oval 125">
+            <a:extLst>
+              <a:ext uri="{FF2B5EF4-FFF2-40B4-BE49-F238E27FC236}">
+                <a16:creationId xmlns:a16="http://schemas.microsoft.com/office/drawing/2014/main" id="{3F5E4210-AEBA-CB48-95D1-0D44710E4B91}"/>
+              </a:ext>
+            </a:extLst>
+          </p:cNvPr>
+          <p:cNvSpPr/>
+          <p:nvPr/>
+        </p:nvSpPr>
+        <p:spPr>
+          <a:xfrm>
+            <a:off x="5737251" y="6684231"/>
+            <a:ext cx="731520" cy="742278"/>
+          </a:xfrm>
+          <a:prstGeom prst="ellipse">
+            <a:avLst/>
+          </a:prstGeom>
+          <a:solidFill>
+            <a:schemeClr val="accent5">
+              <a:lumMod val="75000"/>
+            </a:schemeClr>
+          </a:solidFill>
+        </p:spPr>
+        <p:style>
+          <a:lnRef idx="2">
+            <a:schemeClr val="accent1">
+              <a:shade val="50000"/>
+            </a:schemeClr>
+          </a:lnRef>
+          <a:fillRef idx="1">
+            <a:schemeClr val="accent1"/>
+          </a:fillRef>
+          <a:effectRef idx="0">
+            <a:schemeClr val="accent1"/>
+          </a:effectRef>
+          <a:fontRef idx="minor">
+            <a:schemeClr val="lt1"/>
+          </a:fontRef>
+        </p:style>
+        <p:txBody>
+          <a:bodyPr rtlCol="0" anchor="ctr"/>
+          <a:lstStyle/>
+          <a:p>
+            <a:pPr algn="ctr"/>
+            <a:r>
+              <a:rPr lang="en-US" sz="1400" b="1" i="1" dirty="0">
+                <a:solidFill>
+                  <a:schemeClr val="bg1"/>
+                </a:solidFill>
+              </a:rPr>
+              <a:t>LTC</a:t>
+            </a:r>
+          </a:p>
+        </p:txBody>
+      </p:sp>
+      <p:sp>
+        <p:nvSpPr>
+          <p:cNvPr id="127" name="Oval 126">
+            <a:extLst>
+              <a:ext uri="{FF2B5EF4-FFF2-40B4-BE49-F238E27FC236}">
+                <a16:creationId xmlns:a16="http://schemas.microsoft.com/office/drawing/2014/main" id="{885D91BF-FFAA-8849-A4BA-8F489A8C9C4C}"/>
+              </a:ext>
+            </a:extLst>
+          </p:cNvPr>
+          <p:cNvSpPr/>
+          <p:nvPr/>
+        </p:nvSpPr>
+        <p:spPr>
+          <a:xfrm>
+            <a:off x="5967676" y="6578277"/>
+            <a:ext cx="731520" cy="742278"/>
+          </a:xfrm>
+          <a:prstGeom prst="ellipse">
+            <a:avLst/>
+          </a:prstGeom>
+          <a:solidFill>
+            <a:schemeClr val="accent4">
+              <a:lumMod val="75000"/>
+            </a:schemeClr>
+          </a:solidFill>
+        </p:spPr>
+        <p:style>
+          <a:lnRef idx="2">
+            <a:schemeClr val="accent1">
+              <a:shade val="50000"/>
+            </a:schemeClr>
+          </a:lnRef>
+          <a:fillRef idx="1">
+            <a:schemeClr val="accent1"/>
+          </a:fillRef>
+          <a:effectRef idx="0">
+            <a:schemeClr val="accent1"/>
+          </a:effectRef>
+          <a:fontRef idx="minor">
+            <a:schemeClr val="lt1"/>
+          </a:fontRef>
+        </p:style>
+        <p:txBody>
+          <a:bodyPr rtlCol="0" anchor="ctr"/>
+          <a:lstStyle/>
+          <a:p>
+            <a:pPr algn="ctr"/>
+            <a:r>
+              <a:rPr lang="en-US" sz="1400" b="1" i="1" dirty="0">
+                <a:solidFill>
+                  <a:schemeClr val="bg1"/>
+                </a:solidFill>
+              </a:rPr>
+              <a:t>BTG</a:t>
+            </a:r>
+          </a:p>
+        </p:txBody>
+      </p:sp>
+      <p:sp>
+        <p:nvSpPr>
+          <p:cNvPr id="99" name="Oval 98">
+            <a:extLst>
+              <a:ext uri="{FF2B5EF4-FFF2-40B4-BE49-F238E27FC236}">
+                <a16:creationId xmlns:a16="http://schemas.microsoft.com/office/drawing/2014/main" id="{83248CB6-CCC7-7249-8865-19FC042B2B86}"/>
+              </a:ext>
+            </a:extLst>
+          </p:cNvPr>
+          <p:cNvSpPr/>
+          <p:nvPr/>
+        </p:nvSpPr>
+        <p:spPr>
+          <a:xfrm>
+            <a:off x="5872219" y="6700521"/>
+            <a:ext cx="731520" cy="742278"/>
+          </a:xfrm>
+          <a:prstGeom prst="ellipse">
+            <a:avLst/>
+          </a:prstGeom>
+          <a:solidFill>
+            <a:schemeClr val="accent5">
+              <a:lumMod val="40000"/>
+              <a:lumOff val="60000"/>
+            </a:schemeClr>
+          </a:solidFill>
+        </p:spPr>
+        <p:style>
+          <a:lnRef idx="2">
+            <a:schemeClr val="accent1">
+              <a:shade val="50000"/>
+            </a:schemeClr>
+          </a:lnRef>
+          <a:fillRef idx="1">
+            <a:schemeClr val="accent1"/>
+          </a:fillRef>
+          <a:effectRef idx="0">
+            <a:schemeClr val="accent1"/>
+          </a:effectRef>
+          <a:fontRef idx="minor">
+            <a:schemeClr val="lt1"/>
+          </a:fontRef>
+        </p:style>
+        <p:txBody>
+          <a:bodyPr rtlCol="0" anchor="ctr"/>
+          <a:lstStyle/>
+          <a:p>
+            <a:pPr algn="ctr"/>
+            <a:r>
+              <a:rPr lang="en-US" sz="1400" b="1" i="1" dirty="0">
+                <a:solidFill>
+                  <a:schemeClr val="bg1"/>
+                </a:solidFill>
+              </a:rPr>
+              <a:t>BCD</a:t>
+            </a:r>
+          </a:p>
+        </p:txBody>
+      </p:sp>
+      <p:pic>
+        <p:nvPicPr>
+          <p:cNvPr id="33" name="Picture 32">
+            <a:extLst>
+              <a:ext uri="{FF2B5EF4-FFF2-40B4-BE49-F238E27FC236}">
+                <a16:creationId xmlns:a16="http://schemas.microsoft.com/office/drawing/2014/main" id="{1D868888-C979-5D46-AD90-3CD4D0A191FF}"/>
+              </a:ext>
+            </a:extLst>
+          </p:cNvPr>
+          <p:cNvPicPr>
+            <a:picLocks noChangeAspect="1"/>
+          </p:cNvPicPr>
+          <p:nvPr/>
+        </p:nvPicPr>
+        <p:blipFill>
+          <a:blip r:embed="rId4"/>
+          <a:stretch>
+            <a:fillRect/>
+          </a:stretch>
+        </p:blipFill>
+        <p:spPr>
+          <a:xfrm>
+            <a:off x="7055690" y="6740528"/>
+            <a:ext cx="941257" cy="656507"/>
+          </a:xfrm>
+          <a:prstGeom prst="rect">
+            <a:avLst/>
+          </a:prstGeom>
+        </p:spPr>
+      </p:pic>
+      <p:pic>
+        <p:nvPicPr>
+          <p:cNvPr id="128" name="Picture 127">
+            <a:extLst>
+              <a:ext uri="{FF2B5EF4-FFF2-40B4-BE49-F238E27FC236}">
+                <a16:creationId xmlns:a16="http://schemas.microsoft.com/office/drawing/2014/main" id="{FA217F7F-EE12-3D46-BE4D-32C32621EA1C}"/>
+              </a:ext>
+            </a:extLst>
+          </p:cNvPr>
+          <p:cNvPicPr>
+            <a:picLocks noChangeAspect="1"/>
+          </p:cNvPicPr>
+          <p:nvPr/>
+        </p:nvPicPr>
+        <p:blipFill>
+          <a:blip r:embed="rId4"/>
+          <a:stretch>
+            <a:fillRect/>
+          </a:stretch>
+        </p:blipFill>
+        <p:spPr>
+          <a:xfrm>
+            <a:off x="8282118" y="6700273"/>
+            <a:ext cx="941257" cy="656507"/>
+          </a:xfrm>
+          <a:prstGeom prst="rect">
+            <a:avLst/>
+          </a:prstGeom>
+        </p:spPr>
+      </p:pic>
+      <p:pic>
+        <p:nvPicPr>
+          <p:cNvPr id="129" name="Picture 128">
+            <a:extLst>
+              <a:ext uri="{FF2B5EF4-FFF2-40B4-BE49-F238E27FC236}">
+                <a16:creationId xmlns:a16="http://schemas.microsoft.com/office/drawing/2014/main" id="{C24658DB-6704-004E-A761-C1C330E8427E}"/>
+              </a:ext>
+            </a:extLst>
+          </p:cNvPr>
+          <p:cNvPicPr>
+            <a:picLocks noChangeAspect="1"/>
+          </p:cNvPicPr>
+          <p:nvPr/>
+        </p:nvPicPr>
+        <p:blipFill>
+          <a:blip r:embed="rId4"/>
+          <a:stretch>
+            <a:fillRect/>
+          </a:stretch>
+        </p:blipFill>
+        <p:spPr>
+          <a:xfrm>
+            <a:off x="9594351" y="6699900"/>
+            <a:ext cx="941257" cy="656507"/>
+          </a:xfrm>
+          <a:prstGeom prst="rect">
+            <a:avLst/>
+          </a:prstGeom>
+        </p:spPr>
+      </p:pic>
+      <p:pic>
+        <p:nvPicPr>
+          <p:cNvPr id="130" name="Picture 129">
+            <a:extLst>
+              <a:ext uri="{FF2B5EF4-FFF2-40B4-BE49-F238E27FC236}">
+                <a16:creationId xmlns:a16="http://schemas.microsoft.com/office/drawing/2014/main" id="{6DEE7BC2-5396-5143-8E93-B70727F77E45}"/>
+              </a:ext>
+            </a:extLst>
+          </p:cNvPr>
+          <p:cNvPicPr>
+            <a:picLocks noChangeAspect="1"/>
+          </p:cNvPicPr>
+          <p:nvPr/>
+        </p:nvPicPr>
+        <p:blipFill>
+          <a:blip r:embed="rId4"/>
+          <a:stretch>
+            <a:fillRect/>
+          </a:stretch>
+        </p:blipFill>
+        <p:spPr>
+          <a:xfrm>
+            <a:off x="10734000" y="6671323"/>
+            <a:ext cx="941257" cy="656507"/>
+          </a:xfrm>
+          <a:prstGeom prst="rect">
+            <a:avLst/>
+          </a:prstGeom>
+        </p:spPr>
+      </p:pic>
+      <p:pic>
+        <p:nvPicPr>
+          <p:cNvPr id="131" name="Picture 130">
+            <a:extLst>
+              <a:ext uri="{FF2B5EF4-FFF2-40B4-BE49-F238E27FC236}">
+                <a16:creationId xmlns:a16="http://schemas.microsoft.com/office/drawing/2014/main" id="{BCE73D16-6C8B-C846-A91B-AA01E0BBB2E3}"/>
+              </a:ext>
+            </a:extLst>
+          </p:cNvPr>
+          <p:cNvPicPr>
+            <a:picLocks noChangeAspect="1"/>
+          </p:cNvPicPr>
+          <p:nvPr/>
+        </p:nvPicPr>
+        <p:blipFill>
+          <a:blip r:embed="rId4"/>
+          <a:stretch>
+            <a:fillRect/>
+          </a:stretch>
+        </p:blipFill>
+        <p:spPr>
+          <a:xfrm>
+            <a:off x="11990556" y="6684231"/>
+            <a:ext cx="941257" cy="656507"/>
+          </a:xfrm>
+          <a:prstGeom prst="rect">
+            <a:avLst/>
+          </a:prstGeom>
+        </p:spPr>
+      </p:pic>
+      <p:pic>
+        <p:nvPicPr>
+          <p:cNvPr id="132" name="Picture 131">
+            <a:extLst>
+              <a:ext uri="{FF2B5EF4-FFF2-40B4-BE49-F238E27FC236}">
+                <a16:creationId xmlns:a16="http://schemas.microsoft.com/office/drawing/2014/main" id="{0E165D3D-3B4C-0844-BF9D-5D4DCBE49EFD}"/>
+              </a:ext>
+            </a:extLst>
+          </p:cNvPr>
+          <p:cNvPicPr>
+            <a:picLocks noChangeAspect="1"/>
+          </p:cNvPicPr>
+          <p:nvPr/>
+        </p:nvPicPr>
+        <p:blipFill>
+          <a:blip r:embed="rId4"/>
+          <a:stretch>
+            <a:fillRect/>
+          </a:stretch>
+        </p:blipFill>
+        <p:spPr>
+          <a:xfrm>
+            <a:off x="13238080" y="6682890"/>
+            <a:ext cx="941257" cy="656507"/>
+          </a:xfrm>
+          <a:prstGeom prst="rect">
+            <a:avLst/>
+          </a:prstGeom>
+        </p:spPr>
+      </p:pic>
+      <p:sp>
+        <p:nvSpPr>
+          <p:cNvPr id="25" name="Oval 24">
+            <a:extLst>
+              <a:ext uri="{FF2B5EF4-FFF2-40B4-BE49-F238E27FC236}">
+                <a16:creationId xmlns:a16="http://schemas.microsoft.com/office/drawing/2014/main" id="{6682CB17-C1B4-1143-8490-27F4162ACC93}"/>
+              </a:ext>
+            </a:extLst>
+          </p:cNvPr>
+          <p:cNvSpPr/>
+          <p:nvPr/>
+        </p:nvSpPr>
+        <p:spPr>
+          <a:xfrm>
+            <a:off x="4520939" y="6996176"/>
+            <a:ext cx="731520" cy="742278"/>
+          </a:xfrm>
+          <a:prstGeom prst="ellipse">
+            <a:avLst/>
+          </a:prstGeom>
+          <a:solidFill>
+            <a:srgbClr val="92D050"/>
+          </a:solidFill>
+        </p:spPr>
+        <p:style>
+          <a:lnRef idx="2">
+            <a:schemeClr val="accent1">
+              <a:shade val="50000"/>
+            </a:schemeClr>
+          </a:lnRef>
+          <a:fillRef idx="1">
+            <a:schemeClr val="accent1"/>
+          </a:fillRef>
+          <a:effectRef idx="0">
+            <a:schemeClr val="accent1"/>
+          </a:effectRef>
+          <a:fontRef idx="minor">
+            <a:schemeClr val="lt1"/>
+          </a:fontRef>
+        </p:style>
+        <p:txBody>
+          <a:bodyPr rtlCol="0" anchor="ctr"/>
+          <a:lstStyle/>
+          <a:p>
+            <a:pPr algn="ctr"/>
+            <a:r>
+              <a:rPr lang="en-US" sz="1400" b="1" i="1" dirty="0">
+                <a:solidFill>
+                  <a:schemeClr val="bg1"/>
+                </a:solidFill>
+              </a:rPr>
+              <a:t>BCH</a:t>
+            </a:r>
+          </a:p>
+        </p:txBody>
+      </p:sp>
+      <p:sp>
+        <p:nvSpPr>
+          <p:cNvPr id="63" name="TextBox 62">
+            <a:extLst>
+              <a:ext uri="{FF2B5EF4-FFF2-40B4-BE49-F238E27FC236}">
+                <a16:creationId xmlns:a16="http://schemas.microsoft.com/office/drawing/2014/main" id="{56133C2E-83C0-B34C-BB02-44EBA7E79052}"/>
+              </a:ext>
+            </a:extLst>
+          </p:cNvPr>
+          <p:cNvSpPr txBox="1"/>
+          <p:nvPr/>
+        </p:nvSpPr>
+        <p:spPr>
+          <a:xfrm>
+            <a:off x="7023110" y="6877732"/>
+            <a:ext cx="963631" cy="461665"/>
+          </a:xfrm>
+          <a:prstGeom prst="rect">
+            <a:avLst/>
+          </a:prstGeom>
+          <a:noFill/>
+        </p:spPr>
+        <p:txBody>
+          <a:bodyPr wrap="square" rtlCol="0">
+            <a:spAutoFit/>
+          </a:bodyPr>
+          <a:lstStyle/>
+          <a:p>
+            <a:pPr algn="ctr"/>
+            <a:r>
+              <a:rPr lang="en-US" sz="1200" dirty="0">
+                <a:solidFill>
+                  <a:schemeClr val="bg1"/>
+                </a:solidFill>
+                <a:highlight>
+                  <a:srgbClr val="0000FF"/>
+                </a:highlight>
+              </a:rPr>
+              <a:t>Many more altcoins</a:t>
+            </a:r>
+          </a:p>
+        </p:txBody>
+      </p:sp>
+      <p:sp>
+        <p:nvSpPr>
+          <p:cNvPr id="133" name="TextBox 132">
+            <a:extLst>
+              <a:ext uri="{FF2B5EF4-FFF2-40B4-BE49-F238E27FC236}">
+                <a16:creationId xmlns:a16="http://schemas.microsoft.com/office/drawing/2014/main" id="{65527C8D-4E58-3348-AA36-F294D40016BB}"/>
+              </a:ext>
+            </a:extLst>
+          </p:cNvPr>
+          <p:cNvSpPr txBox="1"/>
+          <p:nvPr/>
+        </p:nvSpPr>
+        <p:spPr>
+          <a:xfrm>
+            <a:off x="8235389" y="6856532"/>
+            <a:ext cx="963631" cy="461665"/>
+          </a:xfrm>
+          <a:prstGeom prst="rect">
+            <a:avLst/>
+          </a:prstGeom>
+          <a:noFill/>
+        </p:spPr>
+        <p:txBody>
+          <a:bodyPr wrap="square" rtlCol="0">
+            <a:spAutoFit/>
+          </a:bodyPr>
+          <a:lstStyle/>
+          <a:p>
+            <a:pPr algn="ctr"/>
+            <a:r>
+              <a:rPr lang="en-US" sz="1200" dirty="0">
+                <a:solidFill>
+                  <a:schemeClr val="bg1"/>
+                </a:solidFill>
+                <a:highlight>
+                  <a:srgbClr val="0000FF"/>
+                </a:highlight>
+              </a:rPr>
+              <a:t>Many more altcoins</a:t>
+            </a:r>
+          </a:p>
+        </p:txBody>
+      </p:sp>
+      <p:sp>
+        <p:nvSpPr>
+          <p:cNvPr id="134" name="TextBox 133">
+            <a:extLst>
+              <a:ext uri="{FF2B5EF4-FFF2-40B4-BE49-F238E27FC236}">
+                <a16:creationId xmlns:a16="http://schemas.microsoft.com/office/drawing/2014/main" id="{7393143D-3CC5-3F46-A9F6-BE0D40DD1149}"/>
+              </a:ext>
+            </a:extLst>
+          </p:cNvPr>
+          <p:cNvSpPr txBox="1"/>
+          <p:nvPr/>
+        </p:nvSpPr>
+        <p:spPr>
+          <a:xfrm>
+            <a:off x="9583163" y="6853022"/>
+            <a:ext cx="963631" cy="461665"/>
+          </a:xfrm>
+          <a:prstGeom prst="rect">
+            <a:avLst/>
+          </a:prstGeom>
+          <a:noFill/>
+        </p:spPr>
+        <p:txBody>
+          <a:bodyPr wrap="square" rtlCol="0">
+            <a:spAutoFit/>
+          </a:bodyPr>
+          <a:lstStyle/>
+          <a:p>
+            <a:pPr algn="ctr"/>
+            <a:r>
+              <a:rPr lang="en-US" sz="1200" dirty="0">
+                <a:solidFill>
+                  <a:schemeClr val="bg1"/>
+                </a:solidFill>
+                <a:highlight>
+                  <a:srgbClr val="0000FF"/>
+                </a:highlight>
+              </a:rPr>
+              <a:t>Many more altcoins</a:t>
+            </a:r>
+          </a:p>
+        </p:txBody>
+      </p:sp>
+      <p:sp>
+        <p:nvSpPr>
+          <p:cNvPr id="135" name="TextBox 134">
+            <a:extLst>
+              <a:ext uri="{FF2B5EF4-FFF2-40B4-BE49-F238E27FC236}">
+                <a16:creationId xmlns:a16="http://schemas.microsoft.com/office/drawing/2014/main" id="{AF7D7684-67D1-7844-9E9F-C9CD4C403719}"/>
+              </a:ext>
+            </a:extLst>
+          </p:cNvPr>
+          <p:cNvSpPr txBox="1"/>
+          <p:nvPr/>
+        </p:nvSpPr>
+        <p:spPr>
+          <a:xfrm>
+            <a:off x="10720658" y="6822705"/>
+            <a:ext cx="963631" cy="461665"/>
+          </a:xfrm>
+          <a:prstGeom prst="rect">
+            <a:avLst/>
+          </a:prstGeom>
+          <a:noFill/>
+        </p:spPr>
+        <p:txBody>
+          <a:bodyPr wrap="square" rtlCol="0">
+            <a:spAutoFit/>
+          </a:bodyPr>
+          <a:lstStyle/>
+          <a:p>
+            <a:pPr algn="ctr"/>
+            <a:r>
+              <a:rPr lang="en-US" sz="1200" dirty="0">
+                <a:solidFill>
+                  <a:schemeClr val="bg1"/>
+                </a:solidFill>
+                <a:highlight>
+                  <a:srgbClr val="0000FF"/>
+                </a:highlight>
+              </a:rPr>
+              <a:t>Many more altcoins</a:t>
+            </a:r>
+          </a:p>
+        </p:txBody>
+      </p:sp>
+      <p:sp>
+        <p:nvSpPr>
+          <p:cNvPr id="136" name="TextBox 135">
+            <a:extLst>
+              <a:ext uri="{FF2B5EF4-FFF2-40B4-BE49-F238E27FC236}">
+                <a16:creationId xmlns:a16="http://schemas.microsoft.com/office/drawing/2014/main" id="{74085CDC-F55D-974A-B505-DA19C6474051}"/>
+              </a:ext>
+            </a:extLst>
+          </p:cNvPr>
+          <p:cNvSpPr txBox="1"/>
+          <p:nvPr/>
+        </p:nvSpPr>
+        <p:spPr>
+          <a:xfrm>
+            <a:off x="11955784" y="6822106"/>
+            <a:ext cx="963631" cy="461665"/>
+          </a:xfrm>
+          <a:prstGeom prst="rect">
+            <a:avLst/>
+          </a:prstGeom>
+          <a:noFill/>
+        </p:spPr>
+        <p:txBody>
+          <a:bodyPr wrap="square" rtlCol="0">
+            <a:spAutoFit/>
+          </a:bodyPr>
+          <a:lstStyle/>
+          <a:p>
+            <a:pPr algn="ctr"/>
+            <a:r>
+              <a:rPr lang="en-US" sz="1200" dirty="0">
+                <a:solidFill>
+                  <a:schemeClr val="bg1"/>
+                </a:solidFill>
+                <a:highlight>
+                  <a:srgbClr val="0000FF"/>
+                </a:highlight>
+              </a:rPr>
+              <a:t>Many more altcoins</a:t>
+            </a:r>
+          </a:p>
+        </p:txBody>
+      </p:sp>
+      <p:sp>
+        <p:nvSpPr>
+          <p:cNvPr id="137" name="TextBox 136">
+            <a:extLst>
+              <a:ext uri="{FF2B5EF4-FFF2-40B4-BE49-F238E27FC236}">
+                <a16:creationId xmlns:a16="http://schemas.microsoft.com/office/drawing/2014/main" id="{F613F7B0-461A-F24F-AE6B-115359F31E2C}"/>
+              </a:ext>
+            </a:extLst>
+          </p:cNvPr>
+          <p:cNvSpPr txBox="1"/>
+          <p:nvPr/>
+        </p:nvSpPr>
+        <p:spPr>
+          <a:xfrm>
+            <a:off x="13205547" y="6836719"/>
+            <a:ext cx="963631" cy="461665"/>
+          </a:xfrm>
+          <a:prstGeom prst="rect">
+            <a:avLst/>
+          </a:prstGeom>
+          <a:noFill/>
+        </p:spPr>
+        <p:txBody>
+          <a:bodyPr wrap="square" rtlCol="0">
+            <a:spAutoFit/>
+          </a:bodyPr>
+          <a:lstStyle/>
+          <a:p>
+            <a:pPr algn="ctr"/>
+            <a:r>
+              <a:rPr lang="en-US" sz="1200" dirty="0">
+                <a:solidFill>
+                  <a:schemeClr val="bg1"/>
+                </a:solidFill>
+                <a:highlight>
+                  <a:srgbClr val="0000FF"/>
+                </a:highlight>
+              </a:rPr>
+              <a:t>Many more altcoins</a:t>
+            </a:r>
+          </a:p>
+        </p:txBody>
+      </p:sp>
+      <p:cxnSp>
+        <p:nvCxnSpPr>
+          <p:cNvPr id="138" name="Straight Arrow Connector 137">
+            <a:extLst>
+              <a:ext uri="{FF2B5EF4-FFF2-40B4-BE49-F238E27FC236}">
+                <a16:creationId xmlns:a16="http://schemas.microsoft.com/office/drawing/2014/main" id="{6A102859-7B98-F54E-BFE9-E2DB30E17AD2}"/>
+              </a:ext>
+            </a:extLst>
+          </p:cNvPr>
+          <p:cNvCxnSpPr>
+            <a:cxnSpLocks/>
+          </p:cNvCxnSpPr>
+          <p:nvPr/>
+        </p:nvCxnSpPr>
+        <p:spPr>
+          <a:xfrm flipH="1">
+            <a:off x="4360875" y="6779177"/>
+            <a:ext cx="1234" cy="179569"/>
+          </a:xfrm>
+          <a:prstGeom prst="straightConnector1">
+            <a:avLst/>
+          </a:prstGeom>
+          <a:ln>
+            <a:solidFill>
+              <a:schemeClr val="tx1"/>
+            </a:solidFill>
+            <a:tailEnd type="triangle"/>
+          </a:ln>
+        </p:spPr>
+        <p:style>
+          <a:lnRef idx="1">
+            <a:schemeClr val="accent1"/>
+          </a:lnRef>
+          <a:fillRef idx="0">
+            <a:schemeClr val="accent1"/>
+          </a:fillRef>
+          <a:effectRef idx="0">
+            <a:schemeClr val="accent1"/>
+          </a:effectRef>
+          <a:fontRef idx="minor">
+            <a:schemeClr val="tx1"/>
+          </a:fontRef>
+        </p:style>
+      </p:cxnSp>
+      <p:pic>
+        <p:nvPicPr>
+          <p:cNvPr id="139" name="Picture 138">
+            <a:extLst>
+              <a:ext uri="{FF2B5EF4-FFF2-40B4-BE49-F238E27FC236}">
+                <a16:creationId xmlns:a16="http://schemas.microsoft.com/office/drawing/2014/main" id="{FE16A39A-FB06-9E45-8721-20C0CA63C010}"/>
+              </a:ext>
+            </a:extLst>
+          </p:cNvPr>
+          <p:cNvPicPr>
+            <a:picLocks noChangeAspect="1"/>
+          </p:cNvPicPr>
+          <p:nvPr/>
+        </p:nvPicPr>
+        <p:blipFill>
+          <a:blip r:embed="rId3"/>
+          <a:stretch>
+            <a:fillRect/>
+          </a:stretch>
+        </p:blipFill>
+        <p:spPr>
+          <a:xfrm>
+            <a:off x="4255975" y="6550868"/>
+            <a:ext cx="212267" cy="212267"/>
+          </a:xfrm>
+          <a:prstGeom prst="rect">
+            <a:avLst/>
+          </a:prstGeom>
+        </p:spPr>
+      </p:pic>
+      <p:cxnSp>
+        <p:nvCxnSpPr>
+          <p:cNvPr id="140" name="Straight Arrow Connector 139">
+            <a:extLst>
+              <a:ext uri="{FF2B5EF4-FFF2-40B4-BE49-F238E27FC236}">
+                <a16:creationId xmlns:a16="http://schemas.microsoft.com/office/drawing/2014/main" id="{ED3BBC8B-DF01-D741-B14E-365E48617823}"/>
+              </a:ext>
+            </a:extLst>
+          </p:cNvPr>
+          <p:cNvCxnSpPr>
+            <a:cxnSpLocks/>
+          </p:cNvCxnSpPr>
+          <p:nvPr/>
+        </p:nvCxnSpPr>
+        <p:spPr>
+          <a:xfrm flipH="1">
+            <a:off x="5630401" y="6780609"/>
+            <a:ext cx="1234" cy="179569"/>
+          </a:xfrm>
+          <a:prstGeom prst="straightConnector1">
+            <a:avLst/>
+          </a:prstGeom>
+          <a:ln>
+            <a:solidFill>
+              <a:schemeClr val="tx1"/>
+            </a:solidFill>
+            <a:tailEnd type="triangle"/>
+          </a:ln>
+        </p:spPr>
+        <p:style>
+          <a:lnRef idx="1">
+            <a:schemeClr val="accent1"/>
+          </a:lnRef>
+          <a:fillRef idx="0">
+            <a:schemeClr val="accent1"/>
+          </a:fillRef>
+          <a:effectRef idx="0">
+            <a:schemeClr val="accent1"/>
+          </a:effectRef>
+          <a:fontRef idx="minor">
+            <a:schemeClr val="tx1"/>
+          </a:fontRef>
+        </p:style>
+      </p:cxnSp>
+      <p:pic>
+        <p:nvPicPr>
+          <p:cNvPr id="141" name="Picture 140">
+            <a:extLst>
+              <a:ext uri="{FF2B5EF4-FFF2-40B4-BE49-F238E27FC236}">
+                <a16:creationId xmlns:a16="http://schemas.microsoft.com/office/drawing/2014/main" id="{A5FADF11-AF1C-CC45-87B8-9A48CE6CE195}"/>
+              </a:ext>
+            </a:extLst>
+          </p:cNvPr>
+          <p:cNvPicPr>
+            <a:picLocks noChangeAspect="1"/>
+          </p:cNvPicPr>
+          <p:nvPr/>
+        </p:nvPicPr>
+        <p:blipFill>
+          <a:blip r:embed="rId3"/>
+          <a:stretch>
+            <a:fillRect/>
+          </a:stretch>
+        </p:blipFill>
+        <p:spPr>
+          <a:xfrm>
+            <a:off x="5525501" y="6568342"/>
+            <a:ext cx="212267" cy="212267"/>
+          </a:xfrm>
+          <a:prstGeom prst="rect">
+            <a:avLst/>
+          </a:prstGeom>
+        </p:spPr>
+      </p:pic>
+      <p:cxnSp>
+        <p:nvCxnSpPr>
+          <p:cNvPr id="142" name="Straight Arrow Connector 141">
+            <a:extLst>
+              <a:ext uri="{FF2B5EF4-FFF2-40B4-BE49-F238E27FC236}">
+                <a16:creationId xmlns:a16="http://schemas.microsoft.com/office/drawing/2014/main" id="{36D0DC3A-DE8C-D34E-8468-5B47A3508368}"/>
+              </a:ext>
+            </a:extLst>
+          </p:cNvPr>
+          <p:cNvCxnSpPr>
+            <a:cxnSpLocks/>
+          </p:cNvCxnSpPr>
+          <p:nvPr/>
+        </p:nvCxnSpPr>
+        <p:spPr>
+          <a:xfrm flipH="1">
+            <a:off x="6831970" y="6764500"/>
+            <a:ext cx="1234" cy="179569"/>
+          </a:xfrm>
+          <a:prstGeom prst="straightConnector1">
+            <a:avLst/>
+          </a:prstGeom>
+          <a:ln>
+            <a:solidFill>
+              <a:schemeClr val="tx1"/>
+            </a:solidFill>
+            <a:tailEnd type="triangle"/>
+          </a:ln>
+        </p:spPr>
+        <p:style>
+          <a:lnRef idx="1">
+            <a:schemeClr val="accent1"/>
+          </a:lnRef>
+          <a:fillRef idx="0">
+            <a:schemeClr val="accent1"/>
+          </a:fillRef>
+          <a:effectRef idx="0">
+            <a:schemeClr val="accent1"/>
+          </a:effectRef>
+          <a:fontRef idx="minor">
+            <a:schemeClr val="tx1"/>
+          </a:fontRef>
+        </p:style>
+      </p:cxnSp>
+      <p:pic>
+        <p:nvPicPr>
+          <p:cNvPr id="143" name="Picture 142">
+            <a:extLst>
+              <a:ext uri="{FF2B5EF4-FFF2-40B4-BE49-F238E27FC236}">
+                <a16:creationId xmlns:a16="http://schemas.microsoft.com/office/drawing/2014/main" id="{BA83559E-B9EC-9F41-B166-106087645E04}"/>
+              </a:ext>
+            </a:extLst>
+          </p:cNvPr>
+          <p:cNvPicPr>
+            <a:picLocks noChangeAspect="1"/>
+          </p:cNvPicPr>
+          <p:nvPr/>
+        </p:nvPicPr>
+        <p:blipFill>
+          <a:blip r:embed="rId3"/>
+          <a:stretch>
+            <a:fillRect/>
+          </a:stretch>
+        </p:blipFill>
+        <p:spPr>
+          <a:xfrm>
+            <a:off x="6727070" y="6536191"/>
+            <a:ext cx="212267" cy="212267"/>
+          </a:xfrm>
+          <a:prstGeom prst="rect">
+            <a:avLst/>
+          </a:prstGeom>
+        </p:spPr>
+      </p:pic>
     </p:spTree>
     <p:extLst>
       <p:ext uri="{BB962C8B-B14F-4D97-AF65-F5344CB8AC3E}">
@@ -7850,4 +9459,299 @@
     </a:ext>
   </a:extLst>
 </a:theme>
+</file>
+
+<file path=ppt/theme/theme2.xml><?xml version="1.0" encoding="utf-8"?>
+<a:theme xmlns:a="http://schemas.openxmlformats.org/drawingml/2006/main" name="Office Theme">
+  <a:themeElements>
+    <a:clrScheme name="Office">
+      <a:dk1>
+        <a:sysClr val="windowText" lastClr="000000"/>
+      </a:dk1>
+      <a:lt1>
+        <a:sysClr val="window" lastClr="FFFFFF"/>
+      </a:lt1>
+      <a:dk2>
+        <a:srgbClr val="44546A"/>
+      </a:dk2>
+      <a:lt2>
+        <a:srgbClr val="E7E6E6"/>
+      </a:lt2>
+      <a:accent1>
+        <a:srgbClr val="4472C4"/>
+      </a:accent1>
+      <a:accent2>
+        <a:srgbClr val="ED7D31"/>
+      </a:accent2>
+      <a:accent3>
+        <a:srgbClr val="A5A5A5"/>
+      </a:accent3>
+      <a:accent4>
+        <a:srgbClr val="FFC000"/>
+      </a:accent4>
+      <a:accent5>
+        <a:srgbClr val="5B9BD5"/>
+      </a:accent5>
+      <a:accent6>
+        <a:srgbClr val="70AD47"/>
+      </a:accent6>
+      <a:hlink>
+        <a:srgbClr val="0563C1"/>
+      </a:hlink>
+      <a:folHlink>
+        <a:srgbClr val="954F72"/>
+      </a:folHlink>
+    </a:clrScheme>
+    <a:fontScheme name="Office">
+      <a:majorFont>
+        <a:latin typeface="Calibri Light" panose="020F0302020204030204"/>
+        <a:ea typeface=""/>
+        <a:cs typeface=""/>
+        <a:font script="Jpan" typeface="游ゴシック Light"/>
+        <a:font script="Hang" typeface="맑은 고딕"/>
+        <a:font script="Hans" typeface="等线 Light"/>
+        <a:font script="Hant" typeface="新細明體"/>
+        <a:font script="Arab" typeface="Times New Roman"/>
+        <a:font script="Hebr" typeface="Times New Roman"/>
+        <a:font script="Thai" typeface="Angsana New"/>
+        <a:font script="Ethi" typeface="Nyala"/>
+        <a:font script="Beng" typeface="Vrinda"/>
+        <a:font script="Gujr" typeface="Shruti"/>
+        <a:font script="Khmr" typeface="MoolBoran"/>
+        <a:font script="Knda" typeface="Tunga"/>
+        <a:font script="Guru" typeface="Raavi"/>
+        <a:font script="Cans" typeface="Euphemia"/>
+        <a:font script="Cher" typeface="Plantagenet Cherokee"/>
+        <a:font script="Yiii" typeface="Microsoft Yi Baiti"/>
+        <a:font script="Tibt" typeface="Microsoft Himalaya"/>
+        <a:font script="Thaa" typeface="MV Boli"/>
+        <a:font script="Deva" typeface="Mangal"/>
+        <a:font script="Telu" typeface="Gautami"/>
+        <a:font script="Taml" typeface="Latha"/>
+        <a:font script="Syrc" typeface="Estrangelo Edessa"/>
+        <a:font script="Orya" typeface="Kalinga"/>
+        <a:font script="Mlym" typeface="Kartika"/>
+        <a:font script="Laoo" typeface="DokChampa"/>
+        <a:font script="Sinh" typeface="Iskoola Pota"/>
+        <a:font script="Mong" typeface="Mongolian Baiti"/>
+        <a:font script="Viet" typeface="Times New Roman"/>
+        <a:font script="Uigh" typeface="Microsoft Uighur"/>
+        <a:font script="Geor" typeface="Sylfaen"/>
+        <a:font script="Armn" typeface="Arial"/>
+        <a:font script="Bugi" typeface="Leelawadee UI"/>
+        <a:font script="Bopo" typeface="Microsoft JhengHei"/>
+        <a:font script="Java" typeface="Javanese Text"/>
+        <a:font script="Lisu" typeface="Segoe UI"/>
+        <a:font script="Mymr" typeface="Myanmar Text"/>
+        <a:font script="Nkoo" typeface="Ebrima"/>
+        <a:font script="Olck" typeface="Nirmala UI"/>
+        <a:font script="Osma" typeface="Ebrima"/>
+        <a:font script="Phag" typeface="Phagspa"/>
+        <a:font script="Syrn" typeface="Estrangelo Edessa"/>
+        <a:font script="Syrj" typeface="Estrangelo Edessa"/>
+        <a:font script="Syre" typeface="Estrangelo Edessa"/>
+        <a:font script="Sora" typeface="Nirmala UI"/>
+        <a:font script="Tale" typeface="Microsoft Tai Le"/>
+        <a:font script="Talu" typeface="Microsoft New Tai Lue"/>
+        <a:font script="Tfng" typeface="Ebrima"/>
+      </a:majorFont>
+      <a:minorFont>
+        <a:latin typeface="Calibri" panose="020F0502020204030204"/>
+        <a:ea typeface=""/>
+        <a:cs typeface=""/>
+        <a:font script="Jpan" typeface="游ゴシック"/>
+        <a:font script="Hang" typeface="맑은 고딕"/>
+        <a:font script="Hans" typeface="等线"/>
+        <a:font script="Hant" typeface="新細明體"/>
+        <a:font script="Arab" typeface="Arial"/>
+        <a:font script="Hebr" typeface="Arial"/>
+        <a:font script="Thai" typeface="Cordia New"/>
+        <a:font script="Ethi" typeface="Nyala"/>
+        <a:font script="Beng" typeface="Vrinda"/>
+        <a:font script="Gujr" typeface="Shruti"/>
+        <a:font script="Khmr" typeface="DaunPenh"/>
+        <a:font script="Knda" typeface="Tunga"/>
+        <a:font script="Guru" typeface="Raavi"/>
+        <a:font script="Cans" typeface="Euphemia"/>
+        <a:font script="Cher" typeface="Plantagenet Cherokee"/>
+        <a:font script="Yiii" typeface="Microsoft Yi Baiti"/>
+        <a:font script="Tibt" typeface="Microsoft Himalaya"/>
+        <a:font script="Thaa" typeface="MV Boli"/>
+        <a:font script="Deva" typeface="Mangal"/>
+        <a:font script="Telu" typeface="Gautami"/>
+        <a:font script="Taml" typeface="Latha"/>
+        <a:font script="Syrc" typeface="Estrangelo Edessa"/>
+        <a:font script="Orya" typeface="Kalinga"/>
+        <a:font script="Mlym" typeface="Kartika"/>
+        <a:font script="Laoo" typeface="DokChampa"/>
+        <a:font script="Sinh" typeface="Iskoola Pota"/>
+        <a:font script="Mong" typeface="Mongolian Baiti"/>
+        <a:font script="Viet" typeface="Arial"/>
+        <a:font script="Uigh" typeface="Microsoft Uighur"/>
+        <a:font script="Geor" typeface="Sylfaen"/>
+        <a:font script="Armn" typeface="Arial"/>
+        <a:font script="Bugi" typeface="Leelawadee UI"/>
+        <a:font script="Bopo" typeface="Microsoft JhengHei"/>
+        <a:font script="Java" typeface="Javanese Text"/>
+        <a:font script="Lisu" typeface="Segoe UI"/>
+        <a:font script="Mymr" typeface="Myanmar Text"/>
+        <a:font script="Nkoo" typeface="Ebrima"/>
+        <a:font script="Olck" typeface="Nirmala UI"/>
+        <a:font script="Osma" typeface="Ebrima"/>
+        <a:font script="Phag" typeface="Phagspa"/>
+        <a:font script="Syrn" typeface="Estrangelo Edessa"/>
+        <a:font script="Syrj" typeface="Estrangelo Edessa"/>
+        <a:font script="Syre" typeface="Estrangelo Edessa"/>
+        <a:font script="Sora" typeface="Nirmala UI"/>
+        <a:font script="Tale" typeface="Microsoft Tai Le"/>
+        <a:font script="Talu" typeface="Microsoft New Tai Lue"/>
+        <a:font script="Tfng" typeface="Ebrima"/>
+      </a:minorFont>
+    </a:fontScheme>
+    <a:fmtScheme name="Office">
+      <a:fillStyleLst>
+        <a:solidFill>
+          <a:schemeClr val="phClr"/>
+        </a:solidFill>
+        <a:gradFill rotWithShape="1">
+          <a:gsLst>
+            <a:gs pos="0">
+              <a:schemeClr val="phClr">
+                <a:lumMod val="110000"/>
+                <a:satMod val="105000"/>
+                <a:tint val="67000"/>
+              </a:schemeClr>
+            </a:gs>
+            <a:gs pos="50000">
+              <a:schemeClr val="phClr">
+                <a:lumMod val="105000"/>
+                <a:satMod val="103000"/>
+                <a:tint val="73000"/>
+              </a:schemeClr>
+            </a:gs>
+            <a:gs pos="100000">
+              <a:schemeClr val="phClr">
+                <a:lumMod val="105000"/>
+                <a:satMod val="109000"/>
+                <a:tint val="81000"/>
+              </a:schemeClr>
+            </a:gs>
+          </a:gsLst>
+          <a:lin ang="5400000" scaled="0"/>
+        </a:gradFill>
+        <a:gradFill rotWithShape="1">
+          <a:gsLst>
+            <a:gs pos="0">
+              <a:schemeClr val="phClr">
+                <a:satMod val="103000"/>
+                <a:lumMod val="102000"/>
+                <a:tint val="94000"/>
+              </a:schemeClr>
+            </a:gs>
+            <a:gs pos="50000">
+              <a:schemeClr val="phClr">
+                <a:satMod val="110000"/>
+                <a:lumMod val="100000"/>
+                <a:shade val="100000"/>
+              </a:schemeClr>
+            </a:gs>
+            <a:gs pos="100000">
+              <a:schemeClr val="phClr">
+                <a:lumMod val="99000"/>
+                <a:satMod val="120000"/>
+                <a:shade val="78000"/>
+              </a:schemeClr>
+            </a:gs>
+          </a:gsLst>
+          <a:lin ang="5400000" scaled="0"/>
+        </a:gradFill>
+      </a:fillStyleLst>
+      <a:lnStyleLst>
+        <a:ln w="6350" cap="flat" cmpd="sng" algn="ctr">
+          <a:solidFill>
+            <a:schemeClr val="phClr"/>
+          </a:solidFill>
+          <a:prstDash val="solid"/>
+          <a:miter lim="800000"/>
+        </a:ln>
+        <a:ln w="12700" cap="flat" cmpd="sng" algn="ctr">
+          <a:solidFill>
+            <a:schemeClr val="phClr"/>
+          </a:solidFill>
+          <a:prstDash val="solid"/>
+          <a:miter lim="800000"/>
+        </a:ln>
+        <a:ln w="19050" cap="flat" cmpd="sng" algn="ctr">
+          <a:solidFill>
+            <a:schemeClr val="phClr"/>
+          </a:solidFill>
+          <a:prstDash val="solid"/>
+          <a:miter lim="800000"/>
+        </a:ln>
+      </a:lnStyleLst>
+      <a:effectStyleLst>
+        <a:effectStyle>
+          <a:effectLst/>
+        </a:effectStyle>
+        <a:effectStyle>
+          <a:effectLst/>
+        </a:effectStyle>
+        <a:effectStyle>
+          <a:effectLst>
+            <a:outerShdw blurRad="57150" dist="19050" dir="5400000" algn="ctr" rotWithShape="0">
+              <a:srgbClr val="000000">
+                <a:alpha val="63000"/>
+              </a:srgbClr>
+            </a:outerShdw>
+          </a:effectLst>
+        </a:effectStyle>
+      </a:effectStyleLst>
+      <a:bgFillStyleLst>
+        <a:solidFill>
+          <a:schemeClr val="phClr"/>
+        </a:solidFill>
+        <a:solidFill>
+          <a:schemeClr val="phClr">
+            <a:tint val="95000"/>
+            <a:satMod val="170000"/>
+          </a:schemeClr>
+        </a:solidFill>
+        <a:gradFill rotWithShape="1">
+          <a:gsLst>
+            <a:gs pos="0">
+              <a:schemeClr val="phClr">
+                <a:tint val="93000"/>
+                <a:satMod val="150000"/>
+                <a:shade val="98000"/>
+                <a:lumMod val="102000"/>
+              </a:schemeClr>
+            </a:gs>
+            <a:gs pos="50000">
+              <a:schemeClr val="phClr">
+                <a:tint val="98000"/>
+                <a:satMod val="130000"/>
+                <a:shade val="90000"/>
+                <a:lumMod val="103000"/>
+              </a:schemeClr>
+            </a:gs>
+            <a:gs pos="100000">
+              <a:schemeClr val="phClr">
+                <a:shade val="63000"/>
+                <a:satMod val="120000"/>
+              </a:schemeClr>
+            </a:gs>
+          </a:gsLst>
+          <a:lin ang="5400000" scaled="0"/>
+        </a:gradFill>
+      </a:bgFillStyleLst>
+    </a:fmtScheme>
+  </a:themeElements>
+  <a:objectDefaults/>
+  <a:extraClrSchemeLst/>
+  <a:extLst>
+    <a:ext uri="{05A4C25C-085E-4340-85A3-A5531E510DB2}">
+      <thm15:themeFamily xmlns:thm15="http://schemas.microsoft.com/office/thememl/2012/main" name="Office Theme" id="{62F939B6-93AF-4DB8-9C6B-D6C7DFDC589F}" vid="{4A3C46E8-61CC-4603-A589-7422A47A8E4A}"/>
+    </a:ext>
+  </a:extLst>
+</a:theme>
 </file>
--- a/bitcoin.pptx
+++ b/bitcoin.pptx
@@ -3409,6 +3409,466 @@
       </p:grpSpPr>
       <p:sp>
         <p:nvSpPr>
+          <p:cNvPr id="155" name="Oval 154">
+            <a:extLst>
+              <a:ext uri="{FF2B5EF4-FFF2-40B4-BE49-F238E27FC236}">
+                <a16:creationId xmlns:a16="http://schemas.microsoft.com/office/drawing/2014/main" id="{3F6B4D6A-B8F7-4A47-9720-FC655723D132}"/>
+              </a:ext>
+            </a:extLst>
+          </p:cNvPr>
+          <p:cNvSpPr/>
+          <p:nvPr/>
+        </p:nvSpPr>
+        <p:spPr>
+          <a:xfrm>
+            <a:off x="7133071" y="6861139"/>
+            <a:ext cx="731520" cy="742278"/>
+          </a:xfrm>
+          <a:prstGeom prst="ellipse">
+            <a:avLst/>
+          </a:prstGeom>
+          <a:solidFill>
+            <a:srgbClr val="FF0000"/>
+          </a:solidFill>
+        </p:spPr>
+        <p:style>
+          <a:lnRef idx="2">
+            <a:schemeClr val="accent1">
+              <a:shade val="50000"/>
+            </a:schemeClr>
+          </a:lnRef>
+          <a:fillRef idx="1">
+            <a:schemeClr val="accent1"/>
+          </a:fillRef>
+          <a:effectRef idx="0">
+            <a:schemeClr val="accent1"/>
+          </a:effectRef>
+          <a:fontRef idx="minor">
+            <a:schemeClr val="lt1"/>
+          </a:fontRef>
+        </p:style>
+        <p:txBody>
+          <a:bodyPr rtlCol="0" anchor="ctr"/>
+          <a:lstStyle/>
+          <a:p>
+            <a:pPr algn="ctr"/>
+            <a:r>
+              <a:rPr lang="en-US" sz="1200" b="1" i="1" dirty="0">
+                <a:solidFill>
+                  <a:schemeClr val="bg1"/>
+                </a:solidFill>
+              </a:rPr>
+              <a:t>NMC</a:t>
+            </a:r>
+          </a:p>
+        </p:txBody>
+      </p:sp>
+      <p:sp>
+        <p:nvSpPr>
+          <p:cNvPr id="156" name="Oval 155">
+            <a:extLst>
+              <a:ext uri="{FF2B5EF4-FFF2-40B4-BE49-F238E27FC236}">
+                <a16:creationId xmlns:a16="http://schemas.microsoft.com/office/drawing/2014/main" id="{078B7D26-AC99-4C40-9A0D-FFDBC856728C}"/>
+              </a:ext>
+            </a:extLst>
+          </p:cNvPr>
+          <p:cNvSpPr/>
+          <p:nvPr/>
+        </p:nvSpPr>
+        <p:spPr>
+          <a:xfrm>
+            <a:off x="6967192" y="6767801"/>
+            <a:ext cx="731520" cy="742278"/>
+          </a:xfrm>
+          <a:prstGeom prst="ellipse">
+            <a:avLst/>
+          </a:prstGeom>
+          <a:solidFill>
+            <a:schemeClr val="accent5">
+              <a:lumMod val="75000"/>
+            </a:schemeClr>
+          </a:solidFill>
+        </p:spPr>
+        <p:style>
+          <a:lnRef idx="2">
+            <a:schemeClr val="accent1">
+              <a:shade val="50000"/>
+            </a:schemeClr>
+          </a:lnRef>
+          <a:fillRef idx="1">
+            <a:schemeClr val="accent1"/>
+          </a:fillRef>
+          <a:effectRef idx="0">
+            <a:schemeClr val="accent1"/>
+          </a:effectRef>
+          <a:fontRef idx="minor">
+            <a:schemeClr val="lt1"/>
+          </a:fontRef>
+        </p:style>
+        <p:txBody>
+          <a:bodyPr rtlCol="0" anchor="ctr"/>
+          <a:lstStyle/>
+          <a:p>
+            <a:pPr algn="ctr"/>
+            <a:r>
+              <a:rPr lang="en-US" sz="1400" b="1" i="1" dirty="0">
+                <a:solidFill>
+                  <a:schemeClr val="bg1"/>
+                </a:solidFill>
+              </a:rPr>
+              <a:t>LTC</a:t>
+            </a:r>
+          </a:p>
+        </p:txBody>
+      </p:sp>
+      <p:sp>
+        <p:nvSpPr>
+          <p:cNvPr id="157" name="Oval 156">
+            <a:extLst>
+              <a:ext uri="{FF2B5EF4-FFF2-40B4-BE49-F238E27FC236}">
+                <a16:creationId xmlns:a16="http://schemas.microsoft.com/office/drawing/2014/main" id="{12DD8778-E6AB-164E-A2C8-B4ED75AEC19D}"/>
+              </a:ext>
+            </a:extLst>
+          </p:cNvPr>
+          <p:cNvSpPr/>
+          <p:nvPr/>
+        </p:nvSpPr>
+        <p:spPr>
+          <a:xfrm>
+            <a:off x="7197617" y="6661847"/>
+            <a:ext cx="731520" cy="742278"/>
+          </a:xfrm>
+          <a:prstGeom prst="ellipse">
+            <a:avLst/>
+          </a:prstGeom>
+          <a:solidFill>
+            <a:schemeClr val="accent4">
+              <a:lumMod val="75000"/>
+            </a:schemeClr>
+          </a:solidFill>
+        </p:spPr>
+        <p:style>
+          <a:lnRef idx="2">
+            <a:schemeClr val="accent1">
+              <a:shade val="50000"/>
+            </a:schemeClr>
+          </a:lnRef>
+          <a:fillRef idx="1">
+            <a:schemeClr val="accent1"/>
+          </a:fillRef>
+          <a:effectRef idx="0">
+            <a:schemeClr val="accent1"/>
+          </a:effectRef>
+          <a:fontRef idx="minor">
+            <a:schemeClr val="lt1"/>
+          </a:fontRef>
+        </p:style>
+        <p:txBody>
+          <a:bodyPr rtlCol="0" anchor="ctr"/>
+          <a:lstStyle/>
+          <a:p>
+            <a:pPr algn="ctr"/>
+            <a:r>
+              <a:rPr lang="en-US" sz="1400" b="1" i="1" dirty="0">
+                <a:solidFill>
+                  <a:schemeClr val="bg1"/>
+                </a:solidFill>
+              </a:rPr>
+              <a:t>BTG</a:t>
+            </a:r>
+          </a:p>
+        </p:txBody>
+      </p:sp>
+      <p:sp>
+        <p:nvSpPr>
+          <p:cNvPr id="158" name="Oval 157">
+            <a:extLst>
+              <a:ext uri="{FF2B5EF4-FFF2-40B4-BE49-F238E27FC236}">
+                <a16:creationId xmlns:a16="http://schemas.microsoft.com/office/drawing/2014/main" id="{1BCF2D31-F102-D443-9753-1E5F2F2AD71A}"/>
+              </a:ext>
+            </a:extLst>
+          </p:cNvPr>
+          <p:cNvSpPr/>
+          <p:nvPr/>
+        </p:nvSpPr>
+        <p:spPr>
+          <a:xfrm>
+            <a:off x="7102160" y="6784091"/>
+            <a:ext cx="731520" cy="742278"/>
+          </a:xfrm>
+          <a:prstGeom prst="ellipse">
+            <a:avLst/>
+          </a:prstGeom>
+          <a:solidFill>
+            <a:schemeClr val="accent5">
+              <a:lumMod val="40000"/>
+              <a:lumOff val="60000"/>
+            </a:schemeClr>
+          </a:solidFill>
+        </p:spPr>
+        <p:style>
+          <a:lnRef idx="2">
+            <a:schemeClr val="accent1">
+              <a:shade val="50000"/>
+            </a:schemeClr>
+          </a:lnRef>
+          <a:fillRef idx="1">
+            <a:schemeClr val="accent1"/>
+          </a:fillRef>
+          <a:effectRef idx="0">
+            <a:schemeClr val="accent1"/>
+          </a:effectRef>
+          <a:fontRef idx="minor">
+            <a:schemeClr val="lt1"/>
+          </a:fontRef>
+        </p:style>
+        <p:txBody>
+          <a:bodyPr rtlCol="0" anchor="ctr"/>
+          <a:lstStyle/>
+          <a:p>
+            <a:pPr algn="ctr"/>
+            <a:r>
+              <a:rPr lang="en-US" sz="1400" b="1" i="1" dirty="0">
+                <a:solidFill>
+                  <a:schemeClr val="bg1"/>
+                </a:solidFill>
+              </a:rPr>
+              <a:t>BCD</a:t>
+            </a:r>
+          </a:p>
+        </p:txBody>
+      </p:sp>
+      <p:sp>
+        <p:nvSpPr>
+          <p:cNvPr id="161" name="Oval 160">
+            <a:extLst>
+              <a:ext uri="{FF2B5EF4-FFF2-40B4-BE49-F238E27FC236}">
+                <a16:creationId xmlns:a16="http://schemas.microsoft.com/office/drawing/2014/main" id="{4CA445C7-80D4-374B-BE96-448CF0757DD2}"/>
+              </a:ext>
+            </a:extLst>
+          </p:cNvPr>
+          <p:cNvSpPr/>
+          <p:nvPr/>
+        </p:nvSpPr>
+        <p:spPr>
+          <a:xfrm rot="261994">
+            <a:off x="7054968" y="6834368"/>
+            <a:ext cx="731520" cy="742278"/>
+          </a:xfrm>
+          <a:prstGeom prst="ellipse">
+            <a:avLst/>
+          </a:prstGeom>
+          <a:solidFill>
+            <a:srgbClr val="FF0000"/>
+          </a:solidFill>
+        </p:spPr>
+        <p:style>
+          <a:lnRef idx="2">
+            <a:schemeClr val="accent1">
+              <a:shade val="50000"/>
+            </a:schemeClr>
+          </a:lnRef>
+          <a:fillRef idx="1">
+            <a:schemeClr val="accent1"/>
+          </a:fillRef>
+          <a:effectRef idx="0">
+            <a:schemeClr val="accent1"/>
+          </a:effectRef>
+          <a:fontRef idx="minor">
+            <a:schemeClr val="lt1"/>
+          </a:fontRef>
+        </p:style>
+        <p:txBody>
+          <a:bodyPr rtlCol="0" anchor="ctr"/>
+          <a:lstStyle/>
+          <a:p>
+            <a:pPr algn="ctr"/>
+            <a:r>
+              <a:rPr lang="en-US" sz="1200" b="1" i="1" dirty="0">
+                <a:solidFill>
+                  <a:schemeClr val="bg1"/>
+                </a:solidFill>
+              </a:rPr>
+              <a:t>NMC</a:t>
+            </a:r>
+          </a:p>
+        </p:txBody>
+      </p:sp>
+      <p:sp>
+        <p:nvSpPr>
+          <p:cNvPr id="162" name="Oval 161">
+            <a:extLst>
+              <a:ext uri="{FF2B5EF4-FFF2-40B4-BE49-F238E27FC236}">
+                <a16:creationId xmlns:a16="http://schemas.microsoft.com/office/drawing/2014/main" id="{FA978A59-ACA9-164D-A050-DEEF1A1FDF53}"/>
+              </a:ext>
+            </a:extLst>
+          </p:cNvPr>
+          <p:cNvSpPr/>
+          <p:nvPr/>
+        </p:nvSpPr>
+        <p:spPr>
+          <a:xfrm rot="261994">
+            <a:off x="7258182" y="6807588"/>
+            <a:ext cx="731520" cy="742278"/>
+          </a:xfrm>
+          <a:prstGeom prst="ellipse">
+            <a:avLst/>
+          </a:prstGeom>
+          <a:solidFill>
+            <a:srgbClr val="FFC000"/>
+          </a:solidFill>
+        </p:spPr>
+        <p:style>
+          <a:lnRef idx="2">
+            <a:schemeClr val="accent1">
+              <a:shade val="50000"/>
+            </a:schemeClr>
+          </a:lnRef>
+          <a:fillRef idx="1">
+            <a:schemeClr val="accent1"/>
+          </a:fillRef>
+          <a:effectRef idx="0">
+            <a:schemeClr val="accent1"/>
+          </a:effectRef>
+          <a:fontRef idx="minor">
+            <a:schemeClr val="lt1"/>
+          </a:fontRef>
+        </p:style>
+        <p:txBody>
+          <a:bodyPr rtlCol="0" anchor="ctr"/>
+          <a:lstStyle/>
+          <a:p>
+            <a:pPr algn="ctr"/>
+            <a:r>
+              <a:rPr lang="en-US" sz="1400" b="1" i="1" dirty="0">
+                <a:solidFill>
+                  <a:schemeClr val="bg1"/>
+                </a:solidFill>
+              </a:rPr>
+              <a:t>LTC</a:t>
+            </a:r>
+          </a:p>
+        </p:txBody>
+      </p:sp>
+      <p:sp>
+        <p:nvSpPr>
+          <p:cNvPr id="163" name="Oval 162">
+            <a:extLst>
+              <a:ext uri="{FF2B5EF4-FFF2-40B4-BE49-F238E27FC236}">
+                <a16:creationId xmlns:a16="http://schemas.microsoft.com/office/drawing/2014/main" id="{8D1400DA-62A8-B642-BF33-CED3010FC82C}"/>
+              </a:ext>
+            </a:extLst>
+          </p:cNvPr>
+          <p:cNvSpPr/>
+          <p:nvPr/>
+        </p:nvSpPr>
+        <p:spPr>
+          <a:xfrm rot="261994">
+            <a:off x="7119514" y="6635076"/>
+            <a:ext cx="731520" cy="742278"/>
+          </a:xfrm>
+          <a:prstGeom prst="ellipse">
+            <a:avLst/>
+          </a:prstGeom>
+          <a:solidFill>
+            <a:srgbClr val="FFFF00"/>
+          </a:solidFill>
+        </p:spPr>
+        <p:style>
+          <a:lnRef idx="2">
+            <a:schemeClr val="accent1">
+              <a:shade val="50000"/>
+            </a:schemeClr>
+          </a:lnRef>
+          <a:fillRef idx="1">
+            <a:schemeClr val="accent1"/>
+          </a:fillRef>
+          <a:effectRef idx="0">
+            <a:schemeClr val="accent1"/>
+          </a:effectRef>
+          <a:fontRef idx="minor">
+            <a:schemeClr val="lt1"/>
+          </a:fontRef>
+        </p:style>
+        <p:txBody>
+          <a:bodyPr rtlCol="0" anchor="ctr"/>
+          <a:lstStyle/>
+          <a:p>
+            <a:pPr algn="ctr"/>
+            <a:r>
+              <a:rPr lang="en-US" sz="1400" b="1" i="1" dirty="0">
+                <a:ln>
+                  <a:solidFill>
+                    <a:srgbClr val="FFFF00"/>
+                  </a:solidFill>
+                </a:ln>
+                <a:solidFill>
+                  <a:schemeClr val="bg1"/>
+                </a:solidFill>
+              </a:rPr>
+              <a:t>BTG</a:t>
+            </a:r>
+          </a:p>
+        </p:txBody>
+      </p:sp>
+      <p:sp>
+        <p:nvSpPr>
+          <p:cNvPr id="164" name="Oval 163">
+            <a:extLst>
+              <a:ext uri="{FF2B5EF4-FFF2-40B4-BE49-F238E27FC236}">
+                <a16:creationId xmlns:a16="http://schemas.microsoft.com/office/drawing/2014/main" id="{E455C2BB-E81A-E649-8C15-A40AC72ECB1B}"/>
+              </a:ext>
+            </a:extLst>
+          </p:cNvPr>
+          <p:cNvSpPr/>
+          <p:nvPr/>
+        </p:nvSpPr>
+        <p:spPr>
+          <a:xfrm rot="261994">
+            <a:off x="7190541" y="6828563"/>
+            <a:ext cx="731520" cy="742278"/>
+          </a:xfrm>
+          <a:prstGeom prst="ellipse">
+            <a:avLst/>
+          </a:prstGeom>
+          <a:solidFill>
+            <a:schemeClr val="accent5">
+              <a:lumMod val="40000"/>
+              <a:lumOff val="60000"/>
+            </a:schemeClr>
+          </a:solidFill>
+        </p:spPr>
+        <p:style>
+          <a:lnRef idx="2">
+            <a:schemeClr val="accent1">
+              <a:shade val="50000"/>
+            </a:schemeClr>
+          </a:lnRef>
+          <a:fillRef idx="1">
+            <a:schemeClr val="accent1"/>
+          </a:fillRef>
+          <a:effectRef idx="0">
+            <a:schemeClr val="accent1"/>
+          </a:effectRef>
+          <a:fontRef idx="minor">
+            <a:schemeClr val="lt1"/>
+          </a:fontRef>
+        </p:style>
+        <p:txBody>
+          <a:bodyPr rtlCol="0" anchor="ctr"/>
+          <a:lstStyle/>
+          <a:p>
+            <a:pPr algn="ctr"/>
+            <a:endParaRPr lang="en-US" sz="1400" b="1" i="1" dirty="0">
+              <a:solidFill>
+                <a:schemeClr val="bg1"/>
+              </a:solidFill>
+            </a:endParaRPr>
+          </a:p>
+        </p:txBody>
+      </p:sp>
+      <p:sp>
+        <p:nvSpPr>
           <p:cNvPr id="6" name="Oval 5">
             <a:extLst>
               <a:ext uri="{FF2B5EF4-FFF2-40B4-BE49-F238E27FC236}">
@@ -6268,7 +6728,7 @@
         </p:nvCxnSpPr>
         <p:spPr>
           <a:xfrm flipH="1">
-            <a:off x="1764053" y="6830826"/>
+            <a:off x="1989446" y="6740478"/>
             <a:ext cx="1234" cy="179569"/>
           </a:xfrm>
           <a:prstGeom prst="straightConnector1">
@@ -6463,21 +6923,8 @@
                   <a:srgbClr val="EDEAEF"/>
                 </a:solidFill>
               </a:rPr>
-              <a:t>@</a:t>
-            </a:r>
-            <a:r>
-              <a:rPr lang="en-US" sz="600" dirty="0" err="1">
-                <a:solidFill>
-                  <a:srgbClr val="EDEAEF"/>
-                </a:solidFill>
-              </a:rPr>
-              <a:t>dennisportomd</a:t>
-            </a:r>
-            <a:endParaRPr lang="en-US" sz="600" dirty="0">
-              <a:solidFill>
-                <a:srgbClr val="EDEAEF"/>
-              </a:solidFill>
-            </a:endParaRPr>
+              <a:t>@dennisportomd</a:t>
+            </a:r>
           </a:p>
         </p:txBody>
       </p:sp>
@@ -6915,8 +7362,8 @@
         </p:blipFill>
         <p:spPr>
           <a:xfrm>
-            <a:off x="1659153" y="6602517"/>
-            <a:ext cx="212267" cy="212267"/>
+            <a:off x="1913968" y="6554783"/>
+            <a:ext cx="192970" cy="192970"/>
           </a:xfrm>
           <a:prstGeom prst="rect">
             <a:avLst/>
@@ -6937,7 +7384,7 @@
         </p:nvSpPr>
         <p:spPr>
           <a:xfrm>
-            <a:off x="1794695" y="6555862"/>
+            <a:off x="1378966" y="6550329"/>
             <a:ext cx="793521" cy="369332"/>
           </a:xfrm>
           <a:prstGeom prst="rect">
@@ -7794,7 +8241,7 @@
         </p:nvSpPr>
         <p:spPr>
           <a:xfrm>
-            <a:off x="2302428" y="6614510"/>
+            <a:off x="2151957" y="6614510"/>
             <a:ext cx="731520" cy="742278"/>
           </a:xfrm>
           <a:prstGeom prst="ellipse">
@@ -8254,7 +8701,7 @@
         </p:nvSpPr>
         <p:spPr>
           <a:xfrm>
-            <a:off x="5903130" y="6777569"/>
+            <a:off x="5916631" y="6807947"/>
             <a:ext cx="731520" cy="742278"/>
           </a:xfrm>
           <a:prstGeom prst="ellipse">
@@ -8310,7 +8757,7 @@
         </p:nvSpPr>
         <p:spPr>
           <a:xfrm>
-            <a:off x="5737251" y="6684231"/>
+            <a:off x="5750752" y="6714609"/>
             <a:ext cx="731520" cy="742278"/>
           </a:xfrm>
           <a:prstGeom prst="ellipse">
@@ -8368,7 +8815,7 @@
         </p:nvSpPr>
         <p:spPr>
           <a:xfrm>
-            <a:off x="5967676" y="6578277"/>
+            <a:off x="5981177" y="6608655"/>
             <a:ext cx="731520" cy="742278"/>
           </a:xfrm>
           <a:prstGeom prst="ellipse">
@@ -8426,7 +8873,7 @@
         </p:nvSpPr>
         <p:spPr>
           <a:xfrm>
-            <a:off x="5872219" y="6700521"/>
+            <a:off x="5885720" y="6730899"/>
             <a:ext cx="731520" cy="742278"/>
           </a:xfrm>
           <a:prstGeom prst="ellipse">
@@ -8471,186 +8918,6 @@
           </a:p>
         </p:txBody>
       </p:sp>
-      <p:pic>
-        <p:nvPicPr>
-          <p:cNvPr id="33" name="Picture 32">
-            <a:extLst>
-              <a:ext uri="{FF2B5EF4-FFF2-40B4-BE49-F238E27FC236}">
-                <a16:creationId xmlns:a16="http://schemas.microsoft.com/office/drawing/2014/main" id="{1D868888-C979-5D46-AD90-3CD4D0A191FF}"/>
-              </a:ext>
-            </a:extLst>
-          </p:cNvPr>
-          <p:cNvPicPr>
-            <a:picLocks noChangeAspect="1"/>
-          </p:cNvPicPr>
-          <p:nvPr/>
-        </p:nvPicPr>
-        <p:blipFill>
-          <a:blip r:embed="rId4"/>
-          <a:stretch>
-            <a:fillRect/>
-          </a:stretch>
-        </p:blipFill>
-        <p:spPr>
-          <a:xfrm>
-            <a:off x="7055690" y="6740528"/>
-            <a:ext cx="941257" cy="656507"/>
-          </a:xfrm>
-          <a:prstGeom prst="rect">
-            <a:avLst/>
-          </a:prstGeom>
-        </p:spPr>
-      </p:pic>
-      <p:pic>
-        <p:nvPicPr>
-          <p:cNvPr id="128" name="Picture 127">
-            <a:extLst>
-              <a:ext uri="{FF2B5EF4-FFF2-40B4-BE49-F238E27FC236}">
-                <a16:creationId xmlns:a16="http://schemas.microsoft.com/office/drawing/2014/main" id="{FA217F7F-EE12-3D46-BE4D-32C32621EA1C}"/>
-              </a:ext>
-            </a:extLst>
-          </p:cNvPr>
-          <p:cNvPicPr>
-            <a:picLocks noChangeAspect="1"/>
-          </p:cNvPicPr>
-          <p:nvPr/>
-        </p:nvPicPr>
-        <p:blipFill>
-          <a:blip r:embed="rId4"/>
-          <a:stretch>
-            <a:fillRect/>
-          </a:stretch>
-        </p:blipFill>
-        <p:spPr>
-          <a:xfrm>
-            <a:off x="8282118" y="6700273"/>
-            <a:ext cx="941257" cy="656507"/>
-          </a:xfrm>
-          <a:prstGeom prst="rect">
-            <a:avLst/>
-          </a:prstGeom>
-        </p:spPr>
-      </p:pic>
-      <p:pic>
-        <p:nvPicPr>
-          <p:cNvPr id="129" name="Picture 128">
-            <a:extLst>
-              <a:ext uri="{FF2B5EF4-FFF2-40B4-BE49-F238E27FC236}">
-                <a16:creationId xmlns:a16="http://schemas.microsoft.com/office/drawing/2014/main" id="{C24658DB-6704-004E-A761-C1C330E8427E}"/>
-              </a:ext>
-            </a:extLst>
-          </p:cNvPr>
-          <p:cNvPicPr>
-            <a:picLocks noChangeAspect="1"/>
-          </p:cNvPicPr>
-          <p:nvPr/>
-        </p:nvPicPr>
-        <p:blipFill>
-          <a:blip r:embed="rId4"/>
-          <a:stretch>
-            <a:fillRect/>
-          </a:stretch>
-        </p:blipFill>
-        <p:spPr>
-          <a:xfrm>
-            <a:off x="9594351" y="6699900"/>
-            <a:ext cx="941257" cy="656507"/>
-          </a:xfrm>
-          <a:prstGeom prst="rect">
-            <a:avLst/>
-          </a:prstGeom>
-        </p:spPr>
-      </p:pic>
-      <p:pic>
-        <p:nvPicPr>
-          <p:cNvPr id="130" name="Picture 129">
-            <a:extLst>
-              <a:ext uri="{FF2B5EF4-FFF2-40B4-BE49-F238E27FC236}">
-                <a16:creationId xmlns:a16="http://schemas.microsoft.com/office/drawing/2014/main" id="{6DEE7BC2-5396-5143-8E93-B70727F77E45}"/>
-              </a:ext>
-            </a:extLst>
-          </p:cNvPr>
-          <p:cNvPicPr>
-            <a:picLocks noChangeAspect="1"/>
-          </p:cNvPicPr>
-          <p:nvPr/>
-        </p:nvPicPr>
-        <p:blipFill>
-          <a:blip r:embed="rId4"/>
-          <a:stretch>
-            <a:fillRect/>
-          </a:stretch>
-        </p:blipFill>
-        <p:spPr>
-          <a:xfrm>
-            <a:off x="10734000" y="6671323"/>
-            <a:ext cx="941257" cy="656507"/>
-          </a:xfrm>
-          <a:prstGeom prst="rect">
-            <a:avLst/>
-          </a:prstGeom>
-        </p:spPr>
-      </p:pic>
-      <p:pic>
-        <p:nvPicPr>
-          <p:cNvPr id="131" name="Picture 130">
-            <a:extLst>
-              <a:ext uri="{FF2B5EF4-FFF2-40B4-BE49-F238E27FC236}">
-                <a16:creationId xmlns:a16="http://schemas.microsoft.com/office/drawing/2014/main" id="{BCE73D16-6C8B-C846-A91B-AA01E0BBB2E3}"/>
-              </a:ext>
-            </a:extLst>
-          </p:cNvPr>
-          <p:cNvPicPr>
-            <a:picLocks noChangeAspect="1"/>
-          </p:cNvPicPr>
-          <p:nvPr/>
-        </p:nvPicPr>
-        <p:blipFill>
-          <a:blip r:embed="rId4"/>
-          <a:stretch>
-            <a:fillRect/>
-          </a:stretch>
-        </p:blipFill>
-        <p:spPr>
-          <a:xfrm>
-            <a:off x="11990556" y="6684231"/>
-            <a:ext cx="941257" cy="656507"/>
-          </a:xfrm>
-          <a:prstGeom prst="rect">
-            <a:avLst/>
-          </a:prstGeom>
-        </p:spPr>
-      </p:pic>
-      <p:pic>
-        <p:nvPicPr>
-          <p:cNvPr id="132" name="Picture 131">
-            <a:extLst>
-              <a:ext uri="{FF2B5EF4-FFF2-40B4-BE49-F238E27FC236}">
-                <a16:creationId xmlns:a16="http://schemas.microsoft.com/office/drawing/2014/main" id="{0E165D3D-3B4C-0844-BF9D-5D4DCBE49EFD}"/>
-              </a:ext>
-            </a:extLst>
-          </p:cNvPr>
-          <p:cNvPicPr>
-            <a:picLocks noChangeAspect="1"/>
-          </p:cNvPicPr>
-          <p:nvPr/>
-        </p:nvPicPr>
-        <p:blipFill>
-          <a:blip r:embed="rId4"/>
-          <a:stretch>
-            <a:fillRect/>
-          </a:stretch>
-        </p:blipFill>
-        <p:spPr>
-          <a:xfrm>
-            <a:off x="13238080" y="6682890"/>
-            <a:ext cx="941257" cy="656507"/>
-          </a:xfrm>
-          <a:prstGeom prst="rect">
-            <a:avLst/>
-          </a:prstGeom>
-        </p:spPr>
-      </p:pic>
       <p:sp>
         <p:nvSpPr>
           <p:cNvPr id="25" name="Oval 24">
@@ -8707,6 +8974,2760 @@
           </a:p>
         </p:txBody>
       </p:sp>
+      <p:cxnSp>
+        <p:nvCxnSpPr>
+          <p:cNvPr id="138" name="Straight Arrow Connector 137">
+            <a:extLst>
+              <a:ext uri="{FF2B5EF4-FFF2-40B4-BE49-F238E27FC236}">
+                <a16:creationId xmlns:a16="http://schemas.microsoft.com/office/drawing/2014/main" id="{6A102859-7B98-F54E-BFE9-E2DB30E17AD2}"/>
+              </a:ext>
+            </a:extLst>
+          </p:cNvPr>
+          <p:cNvCxnSpPr>
+            <a:cxnSpLocks/>
+          </p:cNvCxnSpPr>
+          <p:nvPr/>
+        </p:nvCxnSpPr>
+        <p:spPr>
+          <a:xfrm flipH="1">
+            <a:off x="4360875" y="6779177"/>
+            <a:ext cx="1234" cy="179569"/>
+          </a:xfrm>
+          <a:prstGeom prst="straightConnector1">
+            <a:avLst/>
+          </a:prstGeom>
+          <a:ln>
+            <a:solidFill>
+              <a:schemeClr val="tx1"/>
+            </a:solidFill>
+            <a:tailEnd type="triangle"/>
+          </a:ln>
+        </p:spPr>
+        <p:style>
+          <a:lnRef idx="1">
+            <a:schemeClr val="accent1"/>
+          </a:lnRef>
+          <a:fillRef idx="0">
+            <a:schemeClr val="accent1"/>
+          </a:fillRef>
+          <a:effectRef idx="0">
+            <a:schemeClr val="accent1"/>
+          </a:effectRef>
+          <a:fontRef idx="minor">
+            <a:schemeClr val="tx1"/>
+          </a:fontRef>
+        </p:style>
+      </p:cxnSp>
+      <p:pic>
+        <p:nvPicPr>
+          <p:cNvPr id="139" name="Picture 138">
+            <a:extLst>
+              <a:ext uri="{FF2B5EF4-FFF2-40B4-BE49-F238E27FC236}">
+                <a16:creationId xmlns:a16="http://schemas.microsoft.com/office/drawing/2014/main" id="{FE16A39A-FB06-9E45-8721-20C0CA63C010}"/>
+              </a:ext>
+            </a:extLst>
+          </p:cNvPr>
+          <p:cNvPicPr>
+            <a:picLocks noChangeAspect="1"/>
+          </p:cNvPicPr>
+          <p:nvPr/>
+        </p:nvPicPr>
+        <p:blipFill>
+          <a:blip r:embed="rId3"/>
+          <a:stretch>
+            <a:fillRect/>
+          </a:stretch>
+        </p:blipFill>
+        <p:spPr>
+          <a:xfrm>
+            <a:off x="4255975" y="6550868"/>
+            <a:ext cx="212267" cy="212267"/>
+          </a:xfrm>
+          <a:prstGeom prst="rect">
+            <a:avLst/>
+          </a:prstGeom>
+        </p:spPr>
+      </p:pic>
+      <p:cxnSp>
+        <p:nvCxnSpPr>
+          <p:cNvPr id="140" name="Straight Arrow Connector 139">
+            <a:extLst>
+              <a:ext uri="{FF2B5EF4-FFF2-40B4-BE49-F238E27FC236}">
+                <a16:creationId xmlns:a16="http://schemas.microsoft.com/office/drawing/2014/main" id="{ED3BBC8B-DF01-D741-B14E-365E48617823}"/>
+              </a:ext>
+            </a:extLst>
+          </p:cNvPr>
+          <p:cNvCxnSpPr>
+            <a:cxnSpLocks/>
+          </p:cNvCxnSpPr>
+          <p:nvPr/>
+        </p:nvCxnSpPr>
+        <p:spPr>
+          <a:xfrm flipH="1">
+            <a:off x="5630401" y="6780609"/>
+            <a:ext cx="1234" cy="179569"/>
+          </a:xfrm>
+          <a:prstGeom prst="straightConnector1">
+            <a:avLst/>
+          </a:prstGeom>
+          <a:ln>
+            <a:solidFill>
+              <a:schemeClr val="tx1"/>
+            </a:solidFill>
+            <a:tailEnd type="triangle"/>
+          </a:ln>
+        </p:spPr>
+        <p:style>
+          <a:lnRef idx="1">
+            <a:schemeClr val="accent1"/>
+          </a:lnRef>
+          <a:fillRef idx="0">
+            <a:schemeClr val="accent1"/>
+          </a:fillRef>
+          <a:effectRef idx="0">
+            <a:schemeClr val="accent1"/>
+          </a:effectRef>
+          <a:fontRef idx="minor">
+            <a:schemeClr val="tx1"/>
+          </a:fontRef>
+        </p:style>
+      </p:cxnSp>
+      <p:pic>
+        <p:nvPicPr>
+          <p:cNvPr id="141" name="Picture 140">
+            <a:extLst>
+              <a:ext uri="{FF2B5EF4-FFF2-40B4-BE49-F238E27FC236}">
+                <a16:creationId xmlns:a16="http://schemas.microsoft.com/office/drawing/2014/main" id="{A5FADF11-AF1C-CC45-87B8-9A48CE6CE195}"/>
+              </a:ext>
+            </a:extLst>
+          </p:cNvPr>
+          <p:cNvPicPr>
+            <a:picLocks noChangeAspect="1"/>
+          </p:cNvPicPr>
+          <p:nvPr/>
+        </p:nvPicPr>
+        <p:blipFill>
+          <a:blip r:embed="rId3"/>
+          <a:stretch>
+            <a:fillRect/>
+          </a:stretch>
+        </p:blipFill>
+        <p:spPr>
+          <a:xfrm>
+            <a:off x="5525501" y="6568342"/>
+            <a:ext cx="212267" cy="212267"/>
+          </a:xfrm>
+          <a:prstGeom prst="rect">
+            <a:avLst/>
+          </a:prstGeom>
+        </p:spPr>
+      </p:pic>
+      <p:cxnSp>
+        <p:nvCxnSpPr>
+          <p:cNvPr id="142" name="Straight Arrow Connector 141">
+            <a:extLst>
+              <a:ext uri="{FF2B5EF4-FFF2-40B4-BE49-F238E27FC236}">
+                <a16:creationId xmlns:a16="http://schemas.microsoft.com/office/drawing/2014/main" id="{36D0DC3A-DE8C-D34E-8468-5B47A3508368}"/>
+              </a:ext>
+            </a:extLst>
+          </p:cNvPr>
+          <p:cNvCxnSpPr>
+            <a:cxnSpLocks/>
+          </p:cNvCxnSpPr>
+          <p:nvPr/>
+        </p:nvCxnSpPr>
+        <p:spPr>
+          <a:xfrm flipH="1">
+            <a:off x="6845471" y="6794878"/>
+            <a:ext cx="1234" cy="179569"/>
+          </a:xfrm>
+          <a:prstGeom prst="straightConnector1">
+            <a:avLst/>
+          </a:prstGeom>
+          <a:ln>
+            <a:solidFill>
+              <a:schemeClr val="tx1"/>
+            </a:solidFill>
+            <a:tailEnd type="triangle"/>
+          </a:ln>
+        </p:spPr>
+        <p:style>
+          <a:lnRef idx="1">
+            <a:schemeClr val="accent1"/>
+          </a:lnRef>
+          <a:fillRef idx="0">
+            <a:schemeClr val="accent1"/>
+          </a:fillRef>
+          <a:effectRef idx="0">
+            <a:schemeClr val="accent1"/>
+          </a:effectRef>
+          <a:fontRef idx="minor">
+            <a:schemeClr val="tx1"/>
+          </a:fontRef>
+        </p:style>
+      </p:cxnSp>
+      <p:pic>
+        <p:nvPicPr>
+          <p:cNvPr id="143" name="Picture 142">
+            <a:extLst>
+              <a:ext uri="{FF2B5EF4-FFF2-40B4-BE49-F238E27FC236}">
+                <a16:creationId xmlns:a16="http://schemas.microsoft.com/office/drawing/2014/main" id="{BA83559E-B9EC-9F41-B166-106087645E04}"/>
+              </a:ext>
+            </a:extLst>
+          </p:cNvPr>
+          <p:cNvPicPr>
+            <a:picLocks noChangeAspect="1"/>
+          </p:cNvPicPr>
+          <p:nvPr/>
+        </p:nvPicPr>
+        <p:blipFill>
+          <a:blip r:embed="rId3"/>
+          <a:stretch>
+            <a:fillRect/>
+          </a:stretch>
+        </p:blipFill>
+        <p:spPr>
+          <a:xfrm>
+            <a:off x="6727070" y="6536191"/>
+            <a:ext cx="212267" cy="212267"/>
+          </a:xfrm>
+          <a:prstGeom prst="rect">
+            <a:avLst/>
+          </a:prstGeom>
+        </p:spPr>
+      </p:pic>
+      <p:sp>
+        <p:nvSpPr>
+          <p:cNvPr id="146" name="Oval 145">
+            <a:extLst>
+              <a:ext uri="{FF2B5EF4-FFF2-40B4-BE49-F238E27FC236}">
+                <a16:creationId xmlns:a16="http://schemas.microsoft.com/office/drawing/2014/main" id="{E9465BB6-62DE-784A-ADD1-3E77697984E7}"/>
+              </a:ext>
+            </a:extLst>
+          </p:cNvPr>
+          <p:cNvSpPr/>
+          <p:nvPr/>
+        </p:nvSpPr>
+        <p:spPr>
+          <a:xfrm rot="261994">
+            <a:off x="5838528" y="6781176"/>
+            <a:ext cx="731520" cy="742278"/>
+          </a:xfrm>
+          <a:prstGeom prst="ellipse">
+            <a:avLst/>
+          </a:prstGeom>
+          <a:solidFill>
+            <a:srgbClr val="FF0000"/>
+          </a:solidFill>
+        </p:spPr>
+        <p:style>
+          <a:lnRef idx="2">
+            <a:schemeClr val="accent1">
+              <a:shade val="50000"/>
+            </a:schemeClr>
+          </a:lnRef>
+          <a:fillRef idx="1">
+            <a:schemeClr val="accent1"/>
+          </a:fillRef>
+          <a:effectRef idx="0">
+            <a:schemeClr val="accent1"/>
+          </a:effectRef>
+          <a:fontRef idx="minor">
+            <a:schemeClr val="lt1"/>
+          </a:fontRef>
+        </p:style>
+        <p:txBody>
+          <a:bodyPr rtlCol="0" anchor="ctr"/>
+          <a:lstStyle/>
+          <a:p>
+            <a:pPr algn="ctr"/>
+            <a:r>
+              <a:rPr lang="en-US" sz="1200" b="1" i="1" dirty="0">
+                <a:solidFill>
+                  <a:schemeClr val="bg1"/>
+                </a:solidFill>
+              </a:rPr>
+              <a:t>NMC</a:t>
+            </a:r>
+          </a:p>
+        </p:txBody>
+      </p:sp>
+      <p:sp>
+        <p:nvSpPr>
+          <p:cNvPr id="147" name="Oval 146">
+            <a:extLst>
+              <a:ext uri="{FF2B5EF4-FFF2-40B4-BE49-F238E27FC236}">
+                <a16:creationId xmlns:a16="http://schemas.microsoft.com/office/drawing/2014/main" id="{48D146CF-97E6-5E40-8480-54F38BD7DF0D}"/>
+              </a:ext>
+            </a:extLst>
+          </p:cNvPr>
+          <p:cNvSpPr/>
+          <p:nvPr/>
+        </p:nvSpPr>
+        <p:spPr>
+          <a:xfrm rot="261994">
+            <a:off x="6111781" y="6815168"/>
+            <a:ext cx="731520" cy="742278"/>
+          </a:xfrm>
+          <a:prstGeom prst="ellipse">
+            <a:avLst/>
+          </a:prstGeom>
+          <a:solidFill>
+            <a:srgbClr val="FFC000"/>
+          </a:solidFill>
+        </p:spPr>
+        <p:style>
+          <a:lnRef idx="2">
+            <a:schemeClr val="accent1">
+              <a:shade val="50000"/>
+            </a:schemeClr>
+          </a:lnRef>
+          <a:fillRef idx="1">
+            <a:schemeClr val="accent1"/>
+          </a:fillRef>
+          <a:effectRef idx="0">
+            <a:schemeClr val="accent1"/>
+          </a:effectRef>
+          <a:fontRef idx="minor">
+            <a:schemeClr val="lt1"/>
+          </a:fontRef>
+        </p:style>
+        <p:txBody>
+          <a:bodyPr rtlCol="0" anchor="ctr"/>
+          <a:lstStyle/>
+          <a:p>
+            <a:pPr algn="ctr"/>
+            <a:r>
+              <a:rPr lang="en-US" sz="1400" b="1" i="1" dirty="0">
+                <a:solidFill>
+                  <a:schemeClr val="bg1"/>
+                </a:solidFill>
+              </a:rPr>
+              <a:t>LTC</a:t>
+            </a:r>
+          </a:p>
+        </p:txBody>
+      </p:sp>
+      <p:sp>
+        <p:nvSpPr>
+          <p:cNvPr id="148" name="Oval 147">
+            <a:extLst>
+              <a:ext uri="{FF2B5EF4-FFF2-40B4-BE49-F238E27FC236}">
+                <a16:creationId xmlns:a16="http://schemas.microsoft.com/office/drawing/2014/main" id="{494A0E0F-D544-EA45-B17A-98BBE43B48EC}"/>
+              </a:ext>
+            </a:extLst>
+          </p:cNvPr>
+          <p:cNvSpPr/>
+          <p:nvPr/>
+        </p:nvSpPr>
+        <p:spPr>
+          <a:xfrm rot="261994">
+            <a:off x="5903074" y="6581884"/>
+            <a:ext cx="731520" cy="742278"/>
+          </a:xfrm>
+          <a:prstGeom prst="ellipse">
+            <a:avLst/>
+          </a:prstGeom>
+          <a:solidFill>
+            <a:srgbClr val="FFFF00"/>
+          </a:solidFill>
+        </p:spPr>
+        <p:style>
+          <a:lnRef idx="2">
+            <a:schemeClr val="accent1">
+              <a:shade val="50000"/>
+            </a:schemeClr>
+          </a:lnRef>
+          <a:fillRef idx="1">
+            <a:schemeClr val="accent1"/>
+          </a:fillRef>
+          <a:effectRef idx="0">
+            <a:schemeClr val="accent1"/>
+          </a:effectRef>
+          <a:fontRef idx="minor">
+            <a:schemeClr val="lt1"/>
+          </a:fontRef>
+        </p:style>
+        <p:txBody>
+          <a:bodyPr rtlCol="0" anchor="ctr"/>
+          <a:lstStyle/>
+          <a:p>
+            <a:pPr algn="ctr"/>
+            <a:r>
+              <a:rPr lang="en-US" sz="1400" b="1" i="1" dirty="0">
+                <a:ln>
+                  <a:solidFill>
+                    <a:srgbClr val="FFFF00"/>
+                  </a:solidFill>
+                </a:ln>
+                <a:solidFill>
+                  <a:schemeClr val="bg1"/>
+                </a:solidFill>
+              </a:rPr>
+              <a:t>BTG</a:t>
+            </a:r>
+          </a:p>
+        </p:txBody>
+      </p:sp>
+      <p:sp>
+        <p:nvSpPr>
+          <p:cNvPr id="149" name="Oval 148">
+            <a:extLst>
+              <a:ext uri="{FF2B5EF4-FFF2-40B4-BE49-F238E27FC236}">
+                <a16:creationId xmlns:a16="http://schemas.microsoft.com/office/drawing/2014/main" id="{80798E04-E63E-584D-AB4E-8D10EB81B3B0}"/>
+              </a:ext>
+            </a:extLst>
+          </p:cNvPr>
+          <p:cNvSpPr/>
+          <p:nvPr/>
+        </p:nvSpPr>
+        <p:spPr>
+          <a:xfrm rot="261994">
+            <a:off x="5974101" y="6775371"/>
+            <a:ext cx="731520" cy="742278"/>
+          </a:xfrm>
+          <a:prstGeom prst="ellipse">
+            <a:avLst/>
+          </a:prstGeom>
+          <a:solidFill>
+            <a:schemeClr val="accent5">
+              <a:lumMod val="40000"/>
+              <a:lumOff val="60000"/>
+            </a:schemeClr>
+          </a:solidFill>
+        </p:spPr>
+        <p:style>
+          <a:lnRef idx="2">
+            <a:schemeClr val="accent1">
+              <a:shade val="50000"/>
+            </a:schemeClr>
+          </a:lnRef>
+          <a:fillRef idx="1">
+            <a:schemeClr val="accent1"/>
+          </a:fillRef>
+          <a:effectRef idx="0">
+            <a:schemeClr val="accent1"/>
+          </a:effectRef>
+          <a:fontRef idx="minor">
+            <a:schemeClr val="lt1"/>
+          </a:fontRef>
+        </p:style>
+        <p:txBody>
+          <a:bodyPr rtlCol="0" anchor="ctr"/>
+          <a:lstStyle/>
+          <a:p>
+            <a:pPr algn="ctr"/>
+            <a:r>
+              <a:rPr lang="en-US" sz="1400" b="1" i="1" dirty="0">
+                <a:solidFill>
+                  <a:schemeClr val="bg1"/>
+                </a:solidFill>
+              </a:rPr>
+              <a:t>BCD</a:t>
+            </a:r>
+          </a:p>
+        </p:txBody>
+      </p:sp>
+      <p:sp>
+        <p:nvSpPr>
+          <p:cNvPr id="165" name="Oval 164">
+            <a:extLst>
+              <a:ext uri="{FF2B5EF4-FFF2-40B4-BE49-F238E27FC236}">
+                <a16:creationId xmlns:a16="http://schemas.microsoft.com/office/drawing/2014/main" id="{B73C5B5C-378E-3041-B415-6E86C408EA65}"/>
+              </a:ext>
+            </a:extLst>
+          </p:cNvPr>
+          <p:cNvSpPr/>
+          <p:nvPr/>
+        </p:nvSpPr>
+        <p:spPr>
+          <a:xfrm>
+            <a:off x="8364204" y="6847744"/>
+            <a:ext cx="731520" cy="742278"/>
+          </a:xfrm>
+          <a:prstGeom prst="ellipse">
+            <a:avLst/>
+          </a:prstGeom>
+          <a:solidFill>
+            <a:srgbClr val="FF0000"/>
+          </a:solidFill>
+        </p:spPr>
+        <p:style>
+          <a:lnRef idx="2">
+            <a:schemeClr val="accent1">
+              <a:shade val="50000"/>
+            </a:schemeClr>
+          </a:lnRef>
+          <a:fillRef idx="1">
+            <a:schemeClr val="accent1"/>
+          </a:fillRef>
+          <a:effectRef idx="0">
+            <a:schemeClr val="accent1"/>
+          </a:effectRef>
+          <a:fontRef idx="minor">
+            <a:schemeClr val="lt1"/>
+          </a:fontRef>
+        </p:style>
+        <p:txBody>
+          <a:bodyPr rtlCol="0" anchor="ctr"/>
+          <a:lstStyle/>
+          <a:p>
+            <a:pPr algn="ctr"/>
+            <a:r>
+              <a:rPr lang="en-US" sz="1200" b="1" i="1" dirty="0">
+                <a:solidFill>
+                  <a:schemeClr val="bg1"/>
+                </a:solidFill>
+              </a:rPr>
+              <a:t>NMC</a:t>
+            </a:r>
+          </a:p>
+        </p:txBody>
+      </p:sp>
+      <p:sp>
+        <p:nvSpPr>
+          <p:cNvPr id="166" name="Oval 165">
+            <a:extLst>
+              <a:ext uri="{FF2B5EF4-FFF2-40B4-BE49-F238E27FC236}">
+                <a16:creationId xmlns:a16="http://schemas.microsoft.com/office/drawing/2014/main" id="{3D7FB54F-E9A7-E647-B919-0A6AB087C35C}"/>
+              </a:ext>
+            </a:extLst>
+          </p:cNvPr>
+          <p:cNvSpPr/>
+          <p:nvPr/>
+        </p:nvSpPr>
+        <p:spPr>
+          <a:xfrm>
+            <a:off x="8198325" y="6754406"/>
+            <a:ext cx="731520" cy="742278"/>
+          </a:xfrm>
+          <a:prstGeom prst="ellipse">
+            <a:avLst/>
+          </a:prstGeom>
+          <a:solidFill>
+            <a:schemeClr val="accent5">
+              <a:lumMod val="75000"/>
+            </a:schemeClr>
+          </a:solidFill>
+        </p:spPr>
+        <p:style>
+          <a:lnRef idx="2">
+            <a:schemeClr val="accent1">
+              <a:shade val="50000"/>
+            </a:schemeClr>
+          </a:lnRef>
+          <a:fillRef idx="1">
+            <a:schemeClr val="accent1"/>
+          </a:fillRef>
+          <a:effectRef idx="0">
+            <a:schemeClr val="accent1"/>
+          </a:effectRef>
+          <a:fontRef idx="minor">
+            <a:schemeClr val="lt1"/>
+          </a:fontRef>
+        </p:style>
+        <p:txBody>
+          <a:bodyPr rtlCol="0" anchor="ctr"/>
+          <a:lstStyle/>
+          <a:p>
+            <a:pPr algn="ctr"/>
+            <a:r>
+              <a:rPr lang="en-US" sz="1400" b="1" i="1" dirty="0">
+                <a:solidFill>
+                  <a:schemeClr val="bg1"/>
+                </a:solidFill>
+              </a:rPr>
+              <a:t>LTC</a:t>
+            </a:r>
+          </a:p>
+        </p:txBody>
+      </p:sp>
+      <p:sp>
+        <p:nvSpPr>
+          <p:cNvPr id="167" name="Oval 166">
+            <a:extLst>
+              <a:ext uri="{FF2B5EF4-FFF2-40B4-BE49-F238E27FC236}">
+                <a16:creationId xmlns:a16="http://schemas.microsoft.com/office/drawing/2014/main" id="{981BEC27-5187-C546-89BE-D5DF2F057E2D}"/>
+              </a:ext>
+            </a:extLst>
+          </p:cNvPr>
+          <p:cNvSpPr/>
+          <p:nvPr/>
+        </p:nvSpPr>
+        <p:spPr>
+          <a:xfrm>
+            <a:off x="8428750" y="6648452"/>
+            <a:ext cx="731520" cy="742278"/>
+          </a:xfrm>
+          <a:prstGeom prst="ellipse">
+            <a:avLst/>
+          </a:prstGeom>
+          <a:solidFill>
+            <a:schemeClr val="accent4">
+              <a:lumMod val="75000"/>
+            </a:schemeClr>
+          </a:solidFill>
+        </p:spPr>
+        <p:style>
+          <a:lnRef idx="2">
+            <a:schemeClr val="accent1">
+              <a:shade val="50000"/>
+            </a:schemeClr>
+          </a:lnRef>
+          <a:fillRef idx="1">
+            <a:schemeClr val="accent1"/>
+          </a:fillRef>
+          <a:effectRef idx="0">
+            <a:schemeClr val="accent1"/>
+          </a:effectRef>
+          <a:fontRef idx="minor">
+            <a:schemeClr val="lt1"/>
+          </a:fontRef>
+        </p:style>
+        <p:txBody>
+          <a:bodyPr rtlCol="0" anchor="ctr"/>
+          <a:lstStyle/>
+          <a:p>
+            <a:pPr algn="ctr"/>
+            <a:r>
+              <a:rPr lang="en-US" sz="1400" b="1" i="1" dirty="0">
+                <a:solidFill>
+                  <a:schemeClr val="bg1"/>
+                </a:solidFill>
+              </a:rPr>
+              <a:t>BTG</a:t>
+            </a:r>
+          </a:p>
+        </p:txBody>
+      </p:sp>
+      <p:sp>
+        <p:nvSpPr>
+          <p:cNvPr id="172" name="Oval 171">
+            <a:extLst>
+              <a:ext uri="{FF2B5EF4-FFF2-40B4-BE49-F238E27FC236}">
+                <a16:creationId xmlns:a16="http://schemas.microsoft.com/office/drawing/2014/main" id="{341CAF31-EFB3-6E4C-9DAB-DDA9623FC092}"/>
+              </a:ext>
+            </a:extLst>
+          </p:cNvPr>
+          <p:cNvSpPr/>
+          <p:nvPr/>
+        </p:nvSpPr>
+        <p:spPr>
+          <a:xfrm rot="261994">
+            <a:off x="7004350" y="6696200"/>
+            <a:ext cx="731520" cy="742278"/>
+          </a:xfrm>
+          <a:prstGeom prst="ellipse">
+            <a:avLst/>
+          </a:prstGeom>
+          <a:solidFill>
+            <a:srgbClr val="FFC000"/>
+          </a:solidFill>
+        </p:spPr>
+        <p:style>
+          <a:lnRef idx="2">
+            <a:schemeClr val="accent1">
+              <a:shade val="50000"/>
+            </a:schemeClr>
+          </a:lnRef>
+          <a:fillRef idx="1">
+            <a:schemeClr val="accent1"/>
+          </a:fillRef>
+          <a:effectRef idx="0">
+            <a:schemeClr val="accent1"/>
+          </a:effectRef>
+          <a:fontRef idx="minor">
+            <a:schemeClr val="lt1"/>
+          </a:fontRef>
+        </p:style>
+        <p:txBody>
+          <a:bodyPr rtlCol="0" anchor="ctr"/>
+          <a:lstStyle/>
+          <a:p>
+            <a:pPr algn="ctr"/>
+            <a:endParaRPr lang="en-US" sz="1400" b="1" i="1" dirty="0">
+              <a:solidFill>
+                <a:schemeClr val="bg1"/>
+              </a:solidFill>
+              <a:highlight>
+                <a:srgbClr val="00FF00"/>
+              </a:highlight>
+            </a:endParaRPr>
+          </a:p>
+        </p:txBody>
+      </p:sp>
+      <p:sp>
+        <p:nvSpPr>
+          <p:cNvPr id="168" name="Oval 167">
+            <a:extLst>
+              <a:ext uri="{FF2B5EF4-FFF2-40B4-BE49-F238E27FC236}">
+                <a16:creationId xmlns:a16="http://schemas.microsoft.com/office/drawing/2014/main" id="{0DF1D706-A5F7-E24F-B053-6578A3FE471B}"/>
+              </a:ext>
+            </a:extLst>
+          </p:cNvPr>
+          <p:cNvSpPr/>
+          <p:nvPr/>
+        </p:nvSpPr>
+        <p:spPr>
+          <a:xfrm>
+            <a:off x="8333293" y="6770696"/>
+            <a:ext cx="731520" cy="742278"/>
+          </a:xfrm>
+          <a:prstGeom prst="ellipse">
+            <a:avLst/>
+          </a:prstGeom>
+          <a:solidFill>
+            <a:schemeClr val="accent5">
+              <a:lumMod val="40000"/>
+              <a:lumOff val="60000"/>
+            </a:schemeClr>
+          </a:solidFill>
+        </p:spPr>
+        <p:style>
+          <a:lnRef idx="2">
+            <a:schemeClr val="accent1">
+              <a:shade val="50000"/>
+            </a:schemeClr>
+          </a:lnRef>
+          <a:fillRef idx="1">
+            <a:schemeClr val="accent1"/>
+          </a:fillRef>
+          <a:effectRef idx="0">
+            <a:schemeClr val="accent1"/>
+          </a:effectRef>
+          <a:fontRef idx="minor">
+            <a:schemeClr val="lt1"/>
+          </a:fontRef>
+        </p:style>
+        <p:txBody>
+          <a:bodyPr rtlCol="0" anchor="ctr"/>
+          <a:lstStyle/>
+          <a:p>
+            <a:pPr algn="ctr"/>
+            <a:r>
+              <a:rPr lang="en-US" sz="1400" b="1" i="1" dirty="0">
+                <a:solidFill>
+                  <a:schemeClr val="bg1"/>
+                </a:solidFill>
+              </a:rPr>
+              <a:t>BCD</a:t>
+            </a:r>
+          </a:p>
+        </p:txBody>
+      </p:sp>
+      <p:sp>
+        <p:nvSpPr>
+          <p:cNvPr id="169" name="Oval 168">
+            <a:extLst>
+              <a:ext uri="{FF2B5EF4-FFF2-40B4-BE49-F238E27FC236}">
+                <a16:creationId xmlns:a16="http://schemas.microsoft.com/office/drawing/2014/main" id="{7D7F8FD8-976B-5A45-963D-17B6D0081F7C}"/>
+              </a:ext>
+            </a:extLst>
+          </p:cNvPr>
+          <p:cNvSpPr/>
+          <p:nvPr/>
+        </p:nvSpPr>
+        <p:spPr>
+          <a:xfrm rot="261994">
+            <a:off x="8286101" y="6820973"/>
+            <a:ext cx="731520" cy="742278"/>
+          </a:xfrm>
+          <a:prstGeom prst="ellipse">
+            <a:avLst/>
+          </a:prstGeom>
+          <a:solidFill>
+            <a:srgbClr val="FF0000"/>
+          </a:solidFill>
+        </p:spPr>
+        <p:style>
+          <a:lnRef idx="2">
+            <a:schemeClr val="accent1">
+              <a:shade val="50000"/>
+            </a:schemeClr>
+          </a:lnRef>
+          <a:fillRef idx="1">
+            <a:schemeClr val="accent1"/>
+          </a:fillRef>
+          <a:effectRef idx="0">
+            <a:schemeClr val="accent1"/>
+          </a:effectRef>
+          <a:fontRef idx="minor">
+            <a:schemeClr val="lt1"/>
+          </a:fontRef>
+        </p:style>
+        <p:txBody>
+          <a:bodyPr rtlCol="0" anchor="ctr"/>
+          <a:lstStyle/>
+          <a:p>
+            <a:pPr algn="ctr"/>
+            <a:r>
+              <a:rPr lang="en-US" sz="1200" b="1" i="1" dirty="0">
+                <a:solidFill>
+                  <a:schemeClr val="bg1"/>
+                </a:solidFill>
+              </a:rPr>
+              <a:t>NMC</a:t>
+            </a:r>
+          </a:p>
+        </p:txBody>
+      </p:sp>
+      <p:sp>
+        <p:nvSpPr>
+          <p:cNvPr id="170" name="Oval 169">
+            <a:extLst>
+              <a:ext uri="{FF2B5EF4-FFF2-40B4-BE49-F238E27FC236}">
+                <a16:creationId xmlns:a16="http://schemas.microsoft.com/office/drawing/2014/main" id="{8EDC1F21-9D74-EE4D-8501-5B14328031E4}"/>
+              </a:ext>
+            </a:extLst>
+          </p:cNvPr>
+          <p:cNvSpPr/>
+          <p:nvPr/>
+        </p:nvSpPr>
+        <p:spPr>
+          <a:xfrm rot="261994">
+            <a:off x="8489315" y="6794193"/>
+            <a:ext cx="731520" cy="742278"/>
+          </a:xfrm>
+          <a:prstGeom prst="ellipse">
+            <a:avLst/>
+          </a:prstGeom>
+          <a:solidFill>
+            <a:srgbClr val="FFC000"/>
+          </a:solidFill>
+        </p:spPr>
+        <p:style>
+          <a:lnRef idx="2">
+            <a:schemeClr val="accent1">
+              <a:shade val="50000"/>
+            </a:schemeClr>
+          </a:lnRef>
+          <a:fillRef idx="1">
+            <a:schemeClr val="accent1"/>
+          </a:fillRef>
+          <a:effectRef idx="0">
+            <a:schemeClr val="accent1"/>
+          </a:effectRef>
+          <a:fontRef idx="minor">
+            <a:schemeClr val="lt1"/>
+          </a:fontRef>
+        </p:style>
+        <p:txBody>
+          <a:bodyPr rtlCol="0" anchor="ctr"/>
+          <a:lstStyle/>
+          <a:p>
+            <a:pPr algn="ctr"/>
+            <a:r>
+              <a:rPr lang="en-US" sz="1400" b="1" i="1" dirty="0">
+                <a:solidFill>
+                  <a:schemeClr val="bg1"/>
+                </a:solidFill>
+              </a:rPr>
+              <a:t>LTC</a:t>
+            </a:r>
+          </a:p>
+        </p:txBody>
+      </p:sp>
+      <p:sp>
+        <p:nvSpPr>
+          <p:cNvPr id="171" name="Oval 170">
+            <a:extLst>
+              <a:ext uri="{FF2B5EF4-FFF2-40B4-BE49-F238E27FC236}">
+                <a16:creationId xmlns:a16="http://schemas.microsoft.com/office/drawing/2014/main" id="{D7C8822A-9E60-3C42-B39F-AD53B90AA3F7}"/>
+              </a:ext>
+            </a:extLst>
+          </p:cNvPr>
+          <p:cNvSpPr/>
+          <p:nvPr/>
+        </p:nvSpPr>
+        <p:spPr>
+          <a:xfrm rot="261994">
+            <a:off x="8350647" y="6621681"/>
+            <a:ext cx="731520" cy="742278"/>
+          </a:xfrm>
+          <a:prstGeom prst="ellipse">
+            <a:avLst/>
+          </a:prstGeom>
+          <a:solidFill>
+            <a:srgbClr val="FFFF00"/>
+          </a:solidFill>
+        </p:spPr>
+        <p:style>
+          <a:lnRef idx="2">
+            <a:schemeClr val="accent1">
+              <a:shade val="50000"/>
+            </a:schemeClr>
+          </a:lnRef>
+          <a:fillRef idx="1">
+            <a:schemeClr val="accent1"/>
+          </a:fillRef>
+          <a:effectRef idx="0">
+            <a:schemeClr val="accent1"/>
+          </a:effectRef>
+          <a:fontRef idx="minor">
+            <a:schemeClr val="lt1"/>
+          </a:fontRef>
+        </p:style>
+        <p:txBody>
+          <a:bodyPr rtlCol="0" anchor="ctr"/>
+          <a:lstStyle/>
+          <a:p>
+            <a:pPr algn="ctr"/>
+            <a:r>
+              <a:rPr lang="en-US" sz="1400" b="1" i="1" dirty="0">
+                <a:ln>
+                  <a:solidFill>
+                    <a:srgbClr val="FFFF00"/>
+                  </a:solidFill>
+                </a:ln>
+                <a:solidFill>
+                  <a:schemeClr val="bg1"/>
+                </a:solidFill>
+              </a:rPr>
+              <a:t>BTG</a:t>
+            </a:r>
+          </a:p>
+        </p:txBody>
+      </p:sp>
+      <p:sp>
+        <p:nvSpPr>
+          <p:cNvPr id="173" name="Oval 172">
+            <a:extLst>
+              <a:ext uri="{FF2B5EF4-FFF2-40B4-BE49-F238E27FC236}">
+                <a16:creationId xmlns:a16="http://schemas.microsoft.com/office/drawing/2014/main" id="{6AF0FCB8-AC3F-7D4C-9304-EF07A49B6922}"/>
+              </a:ext>
+            </a:extLst>
+          </p:cNvPr>
+          <p:cNvSpPr/>
+          <p:nvPr/>
+        </p:nvSpPr>
+        <p:spPr>
+          <a:xfrm>
+            <a:off x="9620577" y="6883778"/>
+            <a:ext cx="731520" cy="742278"/>
+          </a:xfrm>
+          <a:prstGeom prst="ellipse">
+            <a:avLst/>
+          </a:prstGeom>
+          <a:solidFill>
+            <a:srgbClr val="FF0000"/>
+          </a:solidFill>
+        </p:spPr>
+        <p:style>
+          <a:lnRef idx="2">
+            <a:schemeClr val="accent1">
+              <a:shade val="50000"/>
+            </a:schemeClr>
+          </a:lnRef>
+          <a:fillRef idx="1">
+            <a:schemeClr val="accent1"/>
+          </a:fillRef>
+          <a:effectRef idx="0">
+            <a:schemeClr val="accent1"/>
+          </a:effectRef>
+          <a:fontRef idx="minor">
+            <a:schemeClr val="lt1"/>
+          </a:fontRef>
+        </p:style>
+        <p:txBody>
+          <a:bodyPr rtlCol="0" anchor="ctr"/>
+          <a:lstStyle/>
+          <a:p>
+            <a:pPr algn="ctr"/>
+            <a:r>
+              <a:rPr lang="en-US" sz="1200" b="1" i="1" dirty="0">
+                <a:solidFill>
+                  <a:schemeClr val="bg1"/>
+                </a:solidFill>
+              </a:rPr>
+              <a:t>NMC</a:t>
+            </a:r>
+          </a:p>
+        </p:txBody>
+      </p:sp>
+      <p:sp>
+        <p:nvSpPr>
+          <p:cNvPr id="174" name="Oval 173">
+            <a:extLst>
+              <a:ext uri="{FF2B5EF4-FFF2-40B4-BE49-F238E27FC236}">
+                <a16:creationId xmlns:a16="http://schemas.microsoft.com/office/drawing/2014/main" id="{77C49C1A-52F9-A441-9C07-A38282F66979}"/>
+              </a:ext>
+            </a:extLst>
+          </p:cNvPr>
+          <p:cNvSpPr/>
+          <p:nvPr/>
+        </p:nvSpPr>
+        <p:spPr>
+          <a:xfrm>
+            <a:off x="9454698" y="6790440"/>
+            <a:ext cx="731520" cy="742278"/>
+          </a:xfrm>
+          <a:prstGeom prst="ellipse">
+            <a:avLst/>
+          </a:prstGeom>
+          <a:solidFill>
+            <a:schemeClr val="accent5">
+              <a:lumMod val="75000"/>
+            </a:schemeClr>
+          </a:solidFill>
+        </p:spPr>
+        <p:style>
+          <a:lnRef idx="2">
+            <a:schemeClr val="accent1">
+              <a:shade val="50000"/>
+            </a:schemeClr>
+          </a:lnRef>
+          <a:fillRef idx="1">
+            <a:schemeClr val="accent1"/>
+          </a:fillRef>
+          <a:effectRef idx="0">
+            <a:schemeClr val="accent1"/>
+          </a:effectRef>
+          <a:fontRef idx="minor">
+            <a:schemeClr val="lt1"/>
+          </a:fontRef>
+        </p:style>
+        <p:txBody>
+          <a:bodyPr rtlCol="0" anchor="ctr"/>
+          <a:lstStyle/>
+          <a:p>
+            <a:pPr algn="ctr"/>
+            <a:r>
+              <a:rPr lang="en-US" sz="1400" b="1" i="1" dirty="0">
+                <a:solidFill>
+                  <a:schemeClr val="bg1"/>
+                </a:solidFill>
+              </a:rPr>
+              <a:t>LTC</a:t>
+            </a:r>
+          </a:p>
+        </p:txBody>
+      </p:sp>
+      <p:sp>
+        <p:nvSpPr>
+          <p:cNvPr id="175" name="Oval 174">
+            <a:extLst>
+              <a:ext uri="{FF2B5EF4-FFF2-40B4-BE49-F238E27FC236}">
+                <a16:creationId xmlns:a16="http://schemas.microsoft.com/office/drawing/2014/main" id="{4BF6131C-848C-2743-98F8-87B7AF4CDFFF}"/>
+              </a:ext>
+            </a:extLst>
+          </p:cNvPr>
+          <p:cNvSpPr/>
+          <p:nvPr/>
+        </p:nvSpPr>
+        <p:spPr>
+          <a:xfrm>
+            <a:off x="9685123" y="6684486"/>
+            <a:ext cx="731520" cy="742278"/>
+          </a:xfrm>
+          <a:prstGeom prst="ellipse">
+            <a:avLst/>
+          </a:prstGeom>
+          <a:solidFill>
+            <a:schemeClr val="accent4">
+              <a:lumMod val="75000"/>
+            </a:schemeClr>
+          </a:solidFill>
+        </p:spPr>
+        <p:style>
+          <a:lnRef idx="2">
+            <a:schemeClr val="accent1">
+              <a:shade val="50000"/>
+            </a:schemeClr>
+          </a:lnRef>
+          <a:fillRef idx="1">
+            <a:schemeClr val="accent1"/>
+          </a:fillRef>
+          <a:effectRef idx="0">
+            <a:schemeClr val="accent1"/>
+          </a:effectRef>
+          <a:fontRef idx="minor">
+            <a:schemeClr val="lt1"/>
+          </a:fontRef>
+        </p:style>
+        <p:txBody>
+          <a:bodyPr rtlCol="0" anchor="ctr"/>
+          <a:lstStyle/>
+          <a:p>
+            <a:pPr algn="ctr"/>
+            <a:r>
+              <a:rPr lang="en-US" sz="1400" b="1" i="1" dirty="0">
+                <a:solidFill>
+                  <a:schemeClr val="bg1"/>
+                </a:solidFill>
+              </a:rPr>
+              <a:t>BTG</a:t>
+            </a:r>
+          </a:p>
+        </p:txBody>
+      </p:sp>
+      <p:sp>
+        <p:nvSpPr>
+          <p:cNvPr id="176" name="Oval 175">
+            <a:extLst>
+              <a:ext uri="{FF2B5EF4-FFF2-40B4-BE49-F238E27FC236}">
+                <a16:creationId xmlns:a16="http://schemas.microsoft.com/office/drawing/2014/main" id="{09DB9E45-BE22-104E-89A8-B9CA84ED0E03}"/>
+              </a:ext>
+            </a:extLst>
+          </p:cNvPr>
+          <p:cNvSpPr/>
+          <p:nvPr/>
+        </p:nvSpPr>
+        <p:spPr>
+          <a:xfrm>
+            <a:off x="9589666" y="6806730"/>
+            <a:ext cx="731520" cy="742278"/>
+          </a:xfrm>
+          <a:prstGeom prst="ellipse">
+            <a:avLst/>
+          </a:prstGeom>
+          <a:solidFill>
+            <a:schemeClr val="accent5">
+              <a:lumMod val="40000"/>
+              <a:lumOff val="60000"/>
+            </a:schemeClr>
+          </a:solidFill>
+        </p:spPr>
+        <p:style>
+          <a:lnRef idx="2">
+            <a:schemeClr val="accent1">
+              <a:shade val="50000"/>
+            </a:schemeClr>
+          </a:lnRef>
+          <a:fillRef idx="1">
+            <a:schemeClr val="accent1"/>
+          </a:fillRef>
+          <a:effectRef idx="0">
+            <a:schemeClr val="accent1"/>
+          </a:effectRef>
+          <a:fontRef idx="minor">
+            <a:schemeClr val="lt1"/>
+          </a:fontRef>
+        </p:style>
+        <p:txBody>
+          <a:bodyPr rtlCol="0" anchor="ctr"/>
+          <a:lstStyle/>
+          <a:p>
+            <a:pPr algn="ctr"/>
+            <a:r>
+              <a:rPr lang="en-US" sz="1400" b="1" i="1" dirty="0">
+                <a:solidFill>
+                  <a:schemeClr val="bg1"/>
+                </a:solidFill>
+              </a:rPr>
+              <a:t>BCD</a:t>
+            </a:r>
+          </a:p>
+        </p:txBody>
+      </p:sp>
+      <p:sp>
+        <p:nvSpPr>
+          <p:cNvPr id="177" name="Oval 176">
+            <a:extLst>
+              <a:ext uri="{FF2B5EF4-FFF2-40B4-BE49-F238E27FC236}">
+                <a16:creationId xmlns:a16="http://schemas.microsoft.com/office/drawing/2014/main" id="{2D8D39ED-4535-8A44-B50F-167EBB7C7678}"/>
+              </a:ext>
+            </a:extLst>
+          </p:cNvPr>
+          <p:cNvSpPr/>
+          <p:nvPr/>
+        </p:nvSpPr>
+        <p:spPr>
+          <a:xfrm rot="261994">
+            <a:off x="9542474" y="6857007"/>
+            <a:ext cx="731520" cy="742278"/>
+          </a:xfrm>
+          <a:prstGeom prst="ellipse">
+            <a:avLst/>
+          </a:prstGeom>
+          <a:solidFill>
+            <a:srgbClr val="FF0000"/>
+          </a:solidFill>
+        </p:spPr>
+        <p:style>
+          <a:lnRef idx="2">
+            <a:schemeClr val="accent1">
+              <a:shade val="50000"/>
+            </a:schemeClr>
+          </a:lnRef>
+          <a:fillRef idx="1">
+            <a:schemeClr val="accent1"/>
+          </a:fillRef>
+          <a:effectRef idx="0">
+            <a:schemeClr val="accent1"/>
+          </a:effectRef>
+          <a:fontRef idx="minor">
+            <a:schemeClr val="lt1"/>
+          </a:fontRef>
+        </p:style>
+        <p:txBody>
+          <a:bodyPr rtlCol="0" anchor="ctr"/>
+          <a:lstStyle/>
+          <a:p>
+            <a:pPr algn="ctr"/>
+            <a:r>
+              <a:rPr lang="en-US" sz="1200" b="1" i="1" dirty="0">
+                <a:solidFill>
+                  <a:schemeClr val="bg1"/>
+                </a:solidFill>
+              </a:rPr>
+              <a:t>NMC</a:t>
+            </a:r>
+          </a:p>
+        </p:txBody>
+      </p:sp>
+      <p:sp>
+        <p:nvSpPr>
+          <p:cNvPr id="178" name="Oval 177">
+            <a:extLst>
+              <a:ext uri="{FF2B5EF4-FFF2-40B4-BE49-F238E27FC236}">
+                <a16:creationId xmlns:a16="http://schemas.microsoft.com/office/drawing/2014/main" id="{F87C5FFF-507E-AD48-BBFA-00362688715E}"/>
+              </a:ext>
+            </a:extLst>
+          </p:cNvPr>
+          <p:cNvSpPr/>
+          <p:nvPr/>
+        </p:nvSpPr>
+        <p:spPr>
+          <a:xfrm rot="261994">
+            <a:off x="9745688" y="6830227"/>
+            <a:ext cx="731520" cy="742278"/>
+          </a:xfrm>
+          <a:prstGeom prst="ellipse">
+            <a:avLst/>
+          </a:prstGeom>
+          <a:solidFill>
+            <a:srgbClr val="FFC000"/>
+          </a:solidFill>
+        </p:spPr>
+        <p:style>
+          <a:lnRef idx="2">
+            <a:schemeClr val="accent1">
+              <a:shade val="50000"/>
+            </a:schemeClr>
+          </a:lnRef>
+          <a:fillRef idx="1">
+            <a:schemeClr val="accent1"/>
+          </a:fillRef>
+          <a:effectRef idx="0">
+            <a:schemeClr val="accent1"/>
+          </a:effectRef>
+          <a:fontRef idx="minor">
+            <a:schemeClr val="lt1"/>
+          </a:fontRef>
+        </p:style>
+        <p:txBody>
+          <a:bodyPr rtlCol="0" anchor="ctr"/>
+          <a:lstStyle/>
+          <a:p>
+            <a:pPr algn="ctr"/>
+            <a:r>
+              <a:rPr lang="en-US" sz="1400" b="1" i="1" dirty="0">
+                <a:solidFill>
+                  <a:schemeClr val="bg1"/>
+                </a:solidFill>
+              </a:rPr>
+              <a:t>LTC</a:t>
+            </a:r>
+          </a:p>
+        </p:txBody>
+      </p:sp>
+      <p:sp>
+        <p:nvSpPr>
+          <p:cNvPr id="179" name="Oval 178">
+            <a:extLst>
+              <a:ext uri="{FF2B5EF4-FFF2-40B4-BE49-F238E27FC236}">
+                <a16:creationId xmlns:a16="http://schemas.microsoft.com/office/drawing/2014/main" id="{D5A9BA32-C497-D147-AE25-60EBC83B90AA}"/>
+              </a:ext>
+            </a:extLst>
+          </p:cNvPr>
+          <p:cNvSpPr/>
+          <p:nvPr/>
+        </p:nvSpPr>
+        <p:spPr>
+          <a:xfrm rot="261994">
+            <a:off x="9607020" y="6657715"/>
+            <a:ext cx="731520" cy="742278"/>
+          </a:xfrm>
+          <a:prstGeom prst="ellipse">
+            <a:avLst/>
+          </a:prstGeom>
+          <a:solidFill>
+            <a:srgbClr val="FFFF00"/>
+          </a:solidFill>
+        </p:spPr>
+        <p:style>
+          <a:lnRef idx="2">
+            <a:schemeClr val="accent1">
+              <a:shade val="50000"/>
+            </a:schemeClr>
+          </a:lnRef>
+          <a:fillRef idx="1">
+            <a:schemeClr val="accent1"/>
+          </a:fillRef>
+          <a:effectRef idx="0">
+            <a:schemeClr val="accent1"/>
+          </a:effectRef>
+          <a:fontRef idx="minor">
+            <a:schemeClr val="lt1"/>
+          </a:fontRef>
+        </p:style>
+        <p:txBody>
+          <a:bodyPr rtlCol="0" anchor="ctr"/>
+          <a:lstStyle/>
+          <a:p>
+            <a:pPr algn="ctr"/>
+            <a:r>
+              <a:rPr lang="en-US" sz="1400" b="1" i="1" dirty="0">
+                <a:ln>
+                  <a:solidFill>
+                    <a:srgbClr val="FFFF00"/>
+                  </a:solidFill>
+                </a:ln>
+                <a:solidFill>
+                  <a:schemeClr val="bg1"/>
+                </a:solidFill>
+              </a:rPr>
+              <a:t>BTG</a:t>
+            </a:r>
+          </a:p>
+        </p:txBody>
+      </p:sp>
+      <p:sp>
+        <p:nvSpPr>
+          <p:cNvPr id="180" name="Oval 179">
+            <a:extLst>
+              <a:ext uri="{FF2B5EF4-FFF2-40B4-BE49-F238E27FC236}">
+                <a16:creationId xmlns:a16="http://schemas.microsoft.com/office/drawing/2014/main" id="{1E4E311C-1B42-264E-8BF5-9DB8A603E4FD}"/>
+              </a:ext>
+            </a:extLst>
+          </p:cNvPr>
+          <p:cNvSpPr/>
+          <p:nvPr/>
+        </p:nvSpPr>
+        <p:spPr>
+          <a:xfrm rot="261994">
+            <a:off x="9678047" y="6851202"/>
+            <a:ext cx="731520" cy="742278"/>
+          </a:xfrm>
+          <a:prstGeom prst="ellipse">
+            <a:avLst/>
+          </a:prstGeom>
+          <a:solidFill>
+            <a:schemeClr val="accent5">
+              <a:lumMod val="40000"/>
+              <a:lumOff val="60000"/>
+            </a:schemeClr>
+          </a:solidFill>
+        </p:spPr>
+        <p:style>
+          <a:lnRef idx="2">
+            <a:schemeClr val="accent1">
+              <a:shade val="50000"/>
+            </a:schemeClr>
+          </a:lnRef>
+          <a:fillRef idx="1">
+            <a:schemeClr val="accent1"/>
+          </a:fillRef>
+          <a:effectRef idx="0">
+            <a:schemeClr val="accent1"/>
+          </a:effectRef>
+          <a:fontRef idx="minor">
+            <a:schemeClr val="lt1"/>
+          </a:fontRef>
+        </p:style>
+        <p:txBody>
+          <a:bodyPr rtlCol="0" anchor="ctr"/>
+          <a:lstStyle/>
+          <a:p>
+            <a:pPr algn="ctr"/>
+            <a:endParaRPr lang="en-US" sz="1400" b="1" i="1" dirty="0">
+              <a:solidFill>
+                <a:schemeClr val="bg1"/>
+              </a:solidFill>
+            </a:endParaRPr>
+          </a:p>
+        </p:txBody>
+      </p:sp>
+      <p:sp>
+        <p:nvSpPr>
+          <p:cNvPr id="181" name="Oval 180">
+            <a:extLst>
+              <a:ext uri="{FF2B5EF4-FFF2-40B4-BE49-F238E27FC236}">
+                <a16:creationId xmlns:a16="http://schemas.microsoft.com/office/drawing/2014/main" id="{DBD79D5C-FE18-B343-96D0-7EE1B3270DA0}"/>
+              </a:ext>
+            </a:extLst>
+          </p:cNvPr>
+          <p:cNvSpPr/>
+          <p:nvPr/>
+        </p:nvSpPr>
+        <p:spPr>
+          <a:xfrm>
+            <a:off x="10856971" y="6883952"/>
+            <a:ext cx="731520" cy="742278"/>
+          </a:xfrm>
+          <a:prstGeom prst="ellipse">
+            <a:avLst/>
+          </a:prstGeom>
+          <a:solidFill>
+            <a:srgbClr val="FF0000"/>
+          </a:solidFill>
+        </p:spPr>
+        <p:style>
+          <a:lnRef idx="2">
+            <a:schemeClr val="accent1">
+              <a:shade val="50000"/>
+            </a:schemeClr>
+          </a:lnRef>
+          <a:fillRef idx="1">
+            <a:schemeClr val="accent1"/>
+          </a:fillRef>
+          <a:effectRef idx="0">
+            <a:schemeClr val="accent1"/>
+          </a:effectRef>
+          <a:fontRef idx="minor">
+            <a:schemeClr val="lt1"/>
+          </a:fontRef>
+        </p:style>
+        <p:txBody>
+          <a:bodyPr rtlCol="0" anchor="ctr"/>
+          <a:lstStyle/>
+          <a:p>
+            <a:pPr algn="ctr"/>
+            <a:r>
+              <a:rPr lang="en-US" sz="1200" b="1" i="1" dirty="0">
+                <a:solidFill>
+                  <a:schemeClr val="bg1"/>
+                </a:solidFill>
+              </a:rPr>
+              <a:t>NMC</a:t>
+            </a:r>
+          </a:p>
+        </p:txBody>
+      </p:sp>
+      <p:sp>
+        <p:nvSpPr>
+          <p:cNvPr id="182" name="Oval 181">
+            <a:extLst>
+              <a:ext uri="{FF2B5EF4-FFF2-40B4-BE49-F238E27FC236}">
+                <a16:creationId xmlns:a16="http://schemas.microsoft.com/office/drawing/2014/main" id="{A2BED337-9B74-124F-B88D-6ECBA765699F}"/>
+              </a:ext>
+            </a:extLst>
+          </p:cNvPr>
+          <p:cNvSpPr/>
+          <p:nvPr/>
+        </p:nvSpPr>
+        <p:spPr>
+          <a:xfrm>
+            <a:off x="10691092" y="6790614"/>
+            <a:ext cx="731520" cy="742278"/>
+          </a:xfrm>
+          <a:prstGeom prst="ellipse">
+            <a:avLst/>
+          </a:prstGeom>
+          <a:solidFill>
+            <a:schemeClr val="accent5">
+              <a:lumMod val="75000"/>
+            </a:schemeClr>
+          </a:solidFill>
+        </p:spPr>
+        <p:style>
+          <a:lnRef idx="2">
+            <a:schemeClr val="accent1">
+              <a:shade val="50000"/>
+            </a:schemeClr>
+          </a:lnRef>
+          <a:fillRef idx="1">
+            <a:schemeClr val="accent1"/>
+          </a:fillRef>
+          <a:effectRef idx="0">
+            <a:schemeClr val="accent1"/>
+          </a:effectRef>
+          <a:fontRef idx="minor">
+            <a:schemeClr val="lt1"/>
+          </a:fontRef>
+        </p:style>
+        <p:txBody>
+          <a:bodyPr rtlCol="0" anchor="ctr"/>
+          <a:lstStyle/>
+          <a:p>
+            <a:pPr algn="ctr"/>
+            <a:r>
+              <a:rPr lang="en-US" sz="1400" b="1" i="1" dirty="0">
+                <a:solidFill>
+                  <a:schemeClr val="bg1"/>
+                </a:solidFill>
+              </a:rPr>
+              <a:t>LTC</a:t>
+            </a:r>
+          </a:p>
+        </p:txBody>
+      </p:sp>
+      <p:sp>
+        <p:nvSpPr>
+          <p:cNvPr id="183" name="Oval 182">
+            <a:extLst>
+              <a:ext uri="{FF2B5EF4-FFF2-40B4-BE49-F238E27FC236}">
+                <a16:creationId xmlns:a16="http://schemas.microsoft.com/office/drawing/2014/main" id="{1100F283-C59F-7F45-9C70-C091036F2FC2}"/>
+              </a:ext>
+            </a:extLst>
+          </p:cNvPr>
+          <p:cNvSpPr/>
+          <p:nvPr/>
+        </p:nvSpPr>
+        <p:spPr>
+          <a:xfrm>
+            <a:off x="10921517" y="6684660"/>
+            <a:ext cx="731520" cy="742278"/>
+          </a:xfrm>
+          <a:prstGeom prst="ellipse">
+            <a:avLst/>
+          </a:prstGeom>
+          <a:solidFill>
+            <a:schemeClr val="accent4">
+              <a:lumMod val="75000"/>
+            </a:schemeClr>
+          </a:solidFill>
+        </p:spPr>
+        <p:style>
+          <a:lnRef idx="2">
+            <a:schemeClr val="accent1">
+              <a:shade val="50000"/>
+            </a:schemeClr>
+          </a:lnRef>
+          <a:fillRef idx="1">
+            <a:schemeClr val="accent1"/>
+          </a:fillRef>
+          <a:effectRef idx="0">
+            <a:schemeClr val="accent1"/>
+          </a:effectRef>
+          <a:fontRef idx="minor">
+            <a:schemeClr val="lt1"/>
+          </a:fontRef>
+        </p:style>
+        <p:txBody>
+          <a:bodyPr rtlCol="0" anchor="ctr"/>
+          <a:lstStyle/>
+          <a:p>
+            <a:pPr algn="ctr"/>
+            <a:r>
+              <a:rPr lang="en-US" sz="1400" b="1" i="1" dirty="0">
+                <a:solidFill>
+                  <a:schemeClr val="bg1"/>
+                </a:solidFill>
+              </a:rPr>
+              <a:t>BTG</a:t>
+            </a:r>
+          </a:p>
+        </p:txBody>
+      </p:sp>
+      <p:sp>
+        <p:nvSpPr>
+          <p:cNvPr id="184" name="Oval 183">
+            <a:extLst>
+              <a:ext uri="{FF2B5EF4-FFF2-40B4-BE49-F238E27FC236}">
+                <a16:creationId xmlns:a16="http://schemas.microsoft.com/office/drawing/2014/main" id="{C664CAFA-704B-5344-A526-A75F34495EF0}"/>
+              </a:ext>
+            </a:extLst>
+          </p:cNvPr>
+          <p:cNvSpPr/>
+          <p:nvPr/>
+        </p:nvSpPr>
+        <p:spPr>
+          <a:xfrm>
+            <a:off x="10826060" y="6806904"/>
+            <a:ext cx="731520" cy="742278"/>
+          </a:xfrm>
+          <a:prstGeom prst="ellipse">
+            <a:avLst/>
+          </a:prstGeom>
+          <a:solidFill>
+            <a:schemeClr val="accent5">
+              <a:lumMod val="40000"/>
+              <a:lumOff val="60000"/>
+            </a:schemeClr>
+          </a:solidFill>
+        </p:spPr>
+        <p:style>
+          <a:lnRef idx="2">
+            <a:schemeClr val="accent1">
+              <a:shade val="50000"/>
+            </a:schemeClr>
+          </a:lnRef>
+          <a:fillRef idx="1">
+            <a:schemeClr val="accent1"/>
+          </a:fillRef>
+          <a:effectRef idx="0">
+            <a:schemeClr val="accent1"/>
+          </a:effectRef>
+          <a:fontRef idx="minor">
+            <a:schemeClr val="lt1"/>
+          </a:fontRef>
+        </p:style>
+        <p:txBody>
+          <a:bodyPr rtlCol="0" anchor="ctr"/>
+          <a:lstStyle/>
+          <a:p>
+            <a:pPr algn="ctr"/>
+            <a:r>
+              <a:rPr lang="en-US" sz="1400" b="1" i="1" dirty="0">
+                <a:solidFill>
+                  <a:schemeClr val="bg1"/>
+                </a:solidFill>
+              </a:rPr>
+              <a:t>BCD</a:t>
+            </a:r>
+          </a:p>
+        </p:txBody>
+      </p:sp>
+      <p:sp>
+        <p:nvSpPr>
+          <p:cNvPr id="185" name="Oval 184">
+            <a:extLst>
+              <a:ext uri="{FF2B5EF4-FFF2-40B4-BE49-F238E27FC236}">
+                <a16:creationId xmlns:a16="http://schemas.microsoft.com/office/drawing/2014/main" id="{6BC82DB8-DE63-9644-A547-CE2336337A70}"/>
+              </a:ext>
+            </a:extLst>
+          </p:cNvPr>
+          <p:cNvSpPr/>
+          <p:nvPr/>
+        </p:nvSpPr>
+        <p:spPr>
+          <a:xfrm rot="261994">
+            <a:off x="10778868" y="6857181"/>
+            <a:ext cx="731520" cy="742278"/>
+          </a:xfrm>
+          <a:prstGeom prst="ellipse">
+            <a:avLst/>
+          </a:prstGeom>
+          <a:solidFill>
+            <a:srgbClr val="FF0000"/>
+          </a:solidFill>
+        </p:spPr>
+        <p:style>
+          <a:lnRef idx="2">
+            <a:schemeClr val="accent1">
+              <a:shade val="50000"/>
+            </a:schemeClr>
+          </a:lnRef>
+          <a:fillRef idx="1">
+            <a:schemeClr val="accent1"/>
+          </a:fillRef>
+          <a:effectRef idx="0">
+            <a:schemeClr val="accent1"/>
+          </a:effectRef>
+          <a:fontRef idx="minor">
+            <a:schemeClr val="lt1"/>
+          </a:fontRef>
+        </p:style>
+        <p:txBody>
+          <a:bodyPr rtlCol="0" anchor="ctr"/>
+          <a:lstStyle/>
+          <a:p>
+            <a:pPr algn="ctr"/>
+            <a:r>
+              <a:rPr lang="en-US" sz="1200" b="1" i="1" dirty="0">
+                <a:solidFill>
+                  <a:schemeClr val="bg1"/>
+                </a:solidFill>
+              </a:rPr>
+              <a:t>NMC</a:t>
+            </a:r>
+          </a:p>
+        </p:txBody>
+      </p:sp>
+      <p:sp>
+        <p:nvSpPr>
+          <p:cNvPr id="186" name="Oval 185">
+            <a:extLst>
+              <a:ext uri="{FF2B5EF4-FFF2-40B4-BE49-F238E27FC236}">
+                <a16:creationId xmlns:a16="http://schemas.microsoft.com/office/drawing/2014/main" id="{85578E0D-AE48-7D4C-95D2-5AC6E2FED38E}"/>
+              </a:ext>
+            </a:extLst>
+          </p:cNvPr>
+          <p:cNvSpPr/>
+          <p:nvPr/>
+        </p:nvSpPr>
+        <p:spPr>
+          <a:xfrm rot="261994">
+            <a:off x="10982082" y="6830401"/>
+            <a:ext cx="731520" cy="742278"/>
+          </a:xfrm>
+          <a:prstGeom prst="ellipse">
+            <a:avLst/>
+          </a:prstGeom>
+          <a:solidFill>
+            <a:srgbClr val="FFC000"/>
+          </a:solidFill>
+        </p:spPr>
+        <p:style>
+          <a:lnRef idx="2">
+            <a:schemeClr val="accent1">
+              <a:shade val="50000"/>
+            </a:schemeClr>
+          </a:lnRef>
+          <a:fillRef idx="1">
+            <a:schemeClr val="accent1"/>
+          </a:fillRef>
+          <a:effectRef idx="0">
+            <a:schemeClr val="accent1"/>
+          </a:effectRef>
+          <a:fontRef idx="minor">
+            <a:schemeClr val="lt1"/>
+          </a:fontRef>
+        </p:style>
+        <p:txBody>
+          <a:bodyPr rtlCol="0" anchor="ctr"/>
+          <a:lstStyle/>
+          <a:p>
+            <a:pPr algn="ctr"/>
+            <a:r>
+              <a:rPr lang="en-US" sz="1400" b="1" i="1" dirty="0">
+                <a:solidFill>
+                  <a:schemeClr val="bg1"/>
+                </a:solidFill>
+              </a:rPr>
+              <a:t>LTC</a:t>
+            </a:r>
+          </a:p>
+        </p:txBody>
+      </p:sp>
+      <p:sp>
+        <p:nvSpPr>
+          <p:cNvPr id="187" name="Oval 186">
+            <a:extLst>
+              <a:ext uri="{FF2B5EF4-FFF2-40B4-BE49-F238E27FC236}">
+                <a16:creationId xmlns:a16="http://schemas.microsoft.com/office/drawing/2014/main" id="{4582FB7E-D039-1E43-9561-EBFE9CF37CF3}"/>
+              </a:ext>
+            </a:extLst>
+          </p:cNvPr>
+          <p:cNvSpPr/>
+          <p:nvPr/>
+        </p:nvSpPr>
+        <p:spPr>
+          <a:xfrm rot="261994">
+            <a:off x="10843414" y="6657889"/>
+            <a:ext cx="731520" cy="742278"/>
+          </a:xfrm>
+          <a:prstGeom prst="ellipse">
+            <a:avLst/>
+          </a:prstGeom>
+          <a:solidFill>
+            <a:srgbClr val="FFFF00"/>
+          </a:solidFill>
+        </p:spPr>
+        <p:style>
+          <a:lnRef idx="2">
+            <a:schemeClr val="accent1">
+              <a:shade val="50000"/>
+            </a:schemeClr>
+          </a:lnRef>
+          <a:fillRef idx="1">
+            <a:schemeClr val="accent1"/>
+          </a:fillRef>
+          <a:effectRef idx="0">
+            <a:schemeClr val="accent1"/>
+          </a:effectRef>
+          <a:fontRef idx="minor">
+            <a:schemeClr val="lt1"/>
+          </a:fontRef>
+        </p:style>
+        <p:txBody>
+          <a:bodyPr rtlCol="0" anchor="ctr"/>
+          <a:lstStyle/>
+          <a:p>
+            <a:pPr algn="ctr"/>
+            <a:r>
+              <a:rPr lang="en-US" sz="1400" b="1" i="1" dirty="0">
+                <a:ln>
+                  <a:solidFill>
+                    <a:srgbClr val="FFFF00"/>
+                  </a:solidFill>
+                </a:ln>
+                <a:solidFill>
+                  <a:schemeClr val="bg1"/>
+                </a:solidFill>
+              </a:rPr>
+              <a:t>BTG</a:t>
+            </a:r>
+          </a:p>
+        </p:txBody>
+      </p:sp>
+      <p:sp>
+        <p:nvSpPr>
+          <p:cNvPr id="188" name="Oval 187">
+            <a:extLst>
+              <a:ext uri="{FF2B5EF4-FFF2-40B4-BE49-F238E27FC236}">
+                <a16:creationId xmlns:a16="http://schemas.microsoft.com/office/drawing/2014/main" id="{EC907899-BA0F-6343-98B4-20CD12E98B0D}"/>
+              </a:ext>
+            </a:extLst>
+          </p:cNvPr>
+          <p:cNvSpPr/>
+          <p:nvPr/>
+        </p:nvSpPr>
+        <p:spPr>
+          <a:xfrm rot="261994">
+            <a:off x="10914441" y="6851376"/>
+            <a:ext cx="731520" cy="742278"/>
+          </a:xfrm>
+          <a:prstGeom prst="ellipse">
+            <a:avLst/>
+          </a:prstGeom>
+          <a:solidFill>
+            <a:schemeClr val="accent5">
+              <a:lumMod val="40000"/>
+              <a:lumOff val="60000"/>
+            </a:schemeClr>
+          </a:solidFill>
+        </p:spPr>
+        <p:style>
+          <a:lnRef idx="2">
+            <a:schemeClr val="accent1">
+              <a:shade val="50000"/>
+            </a:schemeClr>
+          </a:lnRef>
+          <a:fillRef idx="1">
+            <a:schemeClr val="accent1"/>
+          </a:fillRef>
+          <a:effectRef idx="0">
+            <a:schemeClr val="accent1"/>
+          </a:effectRef>
+          <a:fontRef idx="minor">
+            <a:schemeClr val="lt1"/>
+          </a:fontRef>
+        </p:style>
+        <p:txBody>
+          <a:bodyPr rtlCol="0" anchor="ctr"/>
+          <a:lstStyle/>
+          <a:p>
+            <a:pPr algn="ctr"/>
+            <a:endParaRPr lang="en-US" sz="1400" b="1" i="1" dirty="0">
+              <a:solidFill>
+                <a:schemeClr val="bg1"/>
+              </a:solidFill>
+            </a:endParaRPr>
+          </a:p>
+        </p:txBody>
+      </p:sp>
+      <p:sp>
+        <p:nvSpPr>
+          <p:cNvPr id="189" name="Oval 188">
+            <a:extLst>
+              <a:ext uri="{FF2B5EF4-FFF2-40B4-BE49-F238E27FC236}">
+                <a16:creationId xmlns:a16="http://schemas.microsoft.com/office/drawing/2014/main" id="{347710AB-8DDF-AF42-804F-F5B1E845CE28}"/>
+              </a:ext>
+            </a:extLst>
+          </p:cNvPr>
+          <p:cNvSpPr/>
+          <p:nvPr/>
+        </p:nvSpPr>
+        <p:spPr>
+          <a:xfrm>
+            <a:off x="12125472" y="6860003"/>
+            <a:ext cx="731520" cy="742278"/>
+          </a:xfrm>
+          <a:prstGeom prst="ellipse">
+            <a:avLst/>
+          </a:prstGeom>
+          <a:solidFill>
+            <a:srgbClr val="FF0000"/>
+          </a:solidFill>
+        </p:spPr>
+        <p:style>
+          <a:lnRef idx="2">
+            <a:schemeClr val="accent1">
+              <a:shade val="50000"/>
+            </a:schemeClr>
+          </a:lnRef>
+          <a:fillRef idx="1">
+            <a:schemeClr val="accent1"/>
+          </a:fillRef>
+          <a:effectRef idx="0">
+            <a:schemeClr val="accent1"/>
+          </a:effectRef>
+          <a:fontRef idx="minor">
+            <a:schemeClr val="lt1"/>
+          </a:fontRef>
+        </p:style>
+        <p:txBody>
+          <a:bodyPr rtlCol="0" anchor="ctr"/>
+          <a:lstStyle/>
+          <a:p>
+            <a:pPr algn="ctr"/>
+            <a:r>
+              <a:rPr lang="en-US" sz="1200" b="1" i="1" dirty="0">
+                <a:solidFill>
+                  <a:schemeClr val="bg1"/>
+                </a:solidFill>
+              </a:rPr>
+              <a:t>NMC</a:t>
+            </a:r>
+          </a:p>
+        </p:txBody>
+      </p:sp>
+      <p:sp>
+        <p:nvSpPr>
+          <p:cNvPr id="190" name="Oval 189">
+            <a:extLst>
+              <a:ext uri="{FF2B5EF4-FFF2-40B4-BE49-F238E27FC236}">
+                <a16:creationId xmlns:a16="http://schemas.microsoft.com/office/drawing/2014/main" id="{6BD74706-F0B0-6F42-B5DC-B085DC18B7DE}"/>
+              </a:ext>
+            </a:extLst>
+          </p:cNvPr>
+          <p:cNvSpPr/>
+          <p:nvPr/>
+        </p:nvSpPr>
+        <p:spPr>
+          <a:xfrm>
+            <a:off x="11959593" y="6766665"/>
+            <a:ext cx="731520" cy="742278"/>
+          </a:xfrm>
+          <a:prstGeom prst="ellipse">
+            <a:avLst/>
+          </a:prstGeom>
+          <a:solidFill>
+            <a:schemeClr val="accent5">
+              <a:lumMod val="75000"/>
+            </a:schemeClr>
+          </a:solidFill>
+        </p:spPr>
+        <p:style>
+          <a:lnRef idx="2">
+            <a:schemeClr val="accent1">
+              <a:shade val="50000"/>
+            </a:schemeClr>
+          </a:lnRef>
+          <a:fillRef idx="1">
+            <a:schemeClr val="accent1"/>
+          </a:fillRef>
+          <a:effectRef idx="0">
+            <a:schemeClr val="accent1"/>
+          </a:effectRef>
+          <a:fontRef idx="minor">
+            <a:schemeClr val="lt1"/>
+          </a:fontRef>
+        </p:style>
+        <p:txBody>
+          <a:bodyPr rtlCol="0" anchor="ctr"/>
+          <a:lstStyle/>
+          <a:p>
+            <a:pPr algn="ctr"/>
+            <a:r>
+              <a:rPr lang="en-US" sz="1400" b="1" i="1" dirty="0">
+                <a:solidFill>
+                  <a:schemeClr val="bg1"/>
+                </a:solidFill>
+              </a:rPr>
+              <a:t>LTC</a:t>
+            </a:r>
+          </a:p>
+        </p:txBody>
+      </p:sp>
+      <p:sp>
+        <p:nvSpPr>
+          <p:cNvPr id="191" name="Oval 190">
+            <a:extLst>
+              <a:ext uri="{FF2B5EF4-FFF2-40B4-BE49-F238E27FC236}">
+                <a16:creationId xmlns:a16="http://schemas.microsoft.com/office/drawing/2014/main" id="{DE74EEB6-3B58-F549-81A8-7B7FB1A8A7FD}"/>
+              </a:ext>
+            </a:extLst>
+          </p:cNvPr>
+          <p:cNvSpPr/>
+          <p:nvPr/>
+        </p:nvSpPr>
+        <p:spPr>
+          <a:xfrm>
+            <a:off x="12190018" y="6660711"/>
+            <a:ext cx="731520" cy="742278"/>
+          </a:xfrm>
+          <a:prstGeom prst="ellipse">
+            <a:avLst/>
+          </a:prstGeom>
+          <a:solidFill>
+            <a:schemeClr val="accent4">
+              <a:lumMod val="75000"/>
+            </a:schemeClr>
+          </a:solidFill>
+        </p:spPr>
+        <p:style>
+          <a:lnRef idx="2">
+            <a:schemeClr val="accent1">
+              <a:shade val="50000"/>
+            </a:schemeClr>
+          </a:lnRef>
+          <a:fillRef idx="1">
+            <a:schemeClr val="accent1"/>
+          </a:fillRef>
+          <a:effectRef idx="0">
+            <a:schemeClr val="accent1"/>
+          </a:effectRef>
+          <a:fontRef idx="minor">
+            <a:schemeClr val="lt1"/>
+          </a:fontRef>
+        </p:style>
+        <p:txBody>
+          <a:bodyPr rtlCol="0" anchor="ctr"/>
+          <a:lstStyle/>
+          <a:p>
+            <a:pPr algn="ctr"/>
+            <a:r>
+              <a:rPr lang="en-US" sz="1400" b="1" i="1" dirty="0">
+                <a:solidFill>
+                  <a:schemeClr val="bg1"/>
+                </a:solidFill>
+              </a:rPr>
+              <a:t>BTG</a:t>
+            </a:r>
+          </a:p>
+        </p:txBody>
+      </p:sp>
+      <p:sp>
+        <p:nvSpPr>
+          <p:cNvPr id="192" name="Oval 191">
+            <a:extLst>
+              <a:ext uri="{FF2B5EF4-FFF2-40B4-BE49-F238E27FC236}">
+                <a16:creationId xmlns:a16="http://schemas.microsoft.com/office/drawing/2014/main" id="{BA2F6978-4953-8247-B9DF-EDDB4150ABA1}"/>
+              </a:ext>
+            </a:extLst>
+          </p:cNvPr>
+          <p:cNvSpPr/>
+          <p:nvPr/>
+        </p:nvSpPr>
+        <p:spPr>
+          <a:xfrm>
+            <a:off x="12094561" y="6782955"/>
+            <a:ext cx="731520" cy="742278"/>
+          </a:xfrm>
+          <a:prstGeom prst="ellipse">
+            <a:avLst/>
+          </a:prstGeom>
+          <a:solidFill>
+            <a:schemeClr val="accent5">
+              <a:lumMod val="40000"/>
+              <a:lumOff val="60000"/>
+            </a:schemeClr>
+          </a:solidFill>
+        </p:spPr>
+        <p:style>
+          <a:lnRef idx="2">
+            <a:schemeClr val="accent1">
+              <a:shade val="50000"/>
+            </a:schemeClr>
+          </a:lnRef>
+          <a:fillRef idx="1">
+            <a:schemeClr val="accent1"/>
+          </a:fillRef>
+          <a:effectRef idx="0">
+            <a:schemeClr val="accent1"/>
+          </a:effectRef>
+          <a:fontRef idx="minor">
+            <a:schemeClr val="lt1"/>
+          </a:fontRef>
+        </p:style>
+        <p:txBody>
+          <a:bodyPr rtlCol="0" anchor="ctr"/>
+          <a:lstStyle/>
+          <a:p>
+            <a:pPr algn="ctr"/>
+            <a:r>
+              <a:rPr lang="en-US" sz="1400" b="1" i="1" dirty="0">
+                <a:solidFill>
+                  <a:schemeClr val="bg1"/>
+                </a:solidFill>
+              </a:rPr>
+              <a:t>BCD</a:t>
+            </a:r>
+          </a:p>
+        </p:txBody>
+      </p:sp>
+      <p:sp>
+        <p:nvSpPr>
+          <p:cNvPr id="193" name="Oval 192">
+            <a:extLst>
+              <a:ext uri="{FF2B5EF4-FFF2-40B4-BE49-F238E27FC236}">
+                <a16:creationId xmlns:a16="http://schemas.microsoft.com/office/drawing/2014/main" id="{A20C951E-FDF1-5D40-B25E-4A9B7E39A1EA}"/>
+              </a:ext>
+            </a:extLst>
+          </p:cNvPr>
+          <p:cNvSpPr/>
+          <p:nvPr/>
+        </p:nvSpPr>
+        <p:spPr>
+          <a:xfrm rot="261994">
+            <a:off x="12047369" y="6833232"/>
+            <a:ext cx="731520" cy="742278"/>
+          </a:xfrm>
+          <a:prstGeom prst="ellipse">
+            <a:avLst/>
+          </a:prstGeom>
+          <a:solidFill>
+            <a:srgbClr val="FF0000"/>
+          </a:solidFill>
+        </p:spPr>
+        <p:style>
+          <a:lnRef idx="2">
+            <a:schemeClr val="accent1">
+              <a:shade val="50000"/>
+            </a:schemeClr>
+          </a:lnRef>
+          <a:fillRef idx="1">
+            <a:schemeClr val="accent1"/>
+          </a:fillRef>
+          <a:effectRef idx="0">
+            <a:schemeClr val="accent1"/>
+          </a:effectRef>
+          <a:fontRef idx="minor">
+            <a:schemeClr val="lt1"/>
+          </a:fontRef>
+        </p:style>
+        <p:txBody>
+          <a:bodyPr rtlCol="0" anchor="ctr"/>
+          <a:lstStyle/>
+          <a:p>
+            <a:pPr algn="ctr"/>
+            <a:r>
+              <a:rPr lang="en-US" sz="1200" b="1" i="1" dirty="0">
+                <a:solidFill>
+                  <a:schemeClr val="bg1"/>
+                </a:solidFill>
+              </a:rPr>
+              <a:t>NMC</a:t>
+            </a:r>
+          </a:p>
+        </p:txBody>
+      </p:sp>
+      <p:sp>
+        <p:nvSpPr>
+          <p:cNvPr id="194" name="Oval 193">
+            <a:extLst>
+              <a:ext uri="{FF2B5EF4-FFF2-40B4-BE49-F238E27FC236}">
+                <a16:creationId xmlns:a16="http://schemas.microsoft.com/office/drawing/2014/main" id="{60C752C9-61AF-B340-A5AF-45D6986FECA0}"/>
+              </a:ext>
+            </a:extLst>
+          </p:cNvPr>
+          <p:cNvSpPr/>
+          <p:nvPr/>
+        </p:nvSpPr>
+        <p:spPr>
+          <a:xfrm rot="261994">
+            <a:off x="12250583" y="6806452"/>
+            <a:ext cx="731520" cy="742278"/>
+          </a:xfrm>
+          <a:prstGeom prst="ellipse">
+            <a:avLst/>
+          </a:prstGeom>
+          <a:solidFill>
+            <a:srgbClr val="FFC000"/>
+          </a:solidFill>
+        </p:spPr>
+        <p:style>
+          <a:lnRef idx="2">
+            <a:schemeClr val="accent1">
+              <a:shade val="50000"/>
+            </a:schemeClr>
+          </a:lnRef>
+          <a:fillRef idx="1">
+            <a:schemeClr val="accent1"/>
+          </a:fillRef>
+          <a:effectRef idx="0">
+            <a:schemeClr val="accent1"/>
+          </a:effectRef>
+          <a:fontRef idx="minor">
+            <a:schemeClr val="lt1"/>
+          </a:fontRef>
+        </p:style>
+        <p:txBody>
+          <a:bodyPr rtlCol="0" anchor="ctr"/>
+          <a:lstStyle/>
+          <a:p>
+            <a:pPr algn="ctr"/>
+            <a:r>
+              <a:rPr lang="en-US" sz="1400" b="1" i="1" dirty="0">
+                <a:solidFill>
+                  <a:schemeClr val="bg1"/>
+                </a:solidFill>
+              </a:rPr>
+              <a:t>LTC</a:t>
+            </a:r>
+          </a:p>
+        </p:txBody>
+      </p:sp>
+      <p:sp>
+        <p:nvSpPr>
+          <p:cNvPr id="195" name="Oval 194">
+            <a:extLst>
+              <a:ext uri="{FF2B5EF4-FFF2-40B4-BE49-F238E27FC236}">
+                <a16:creationId xmlns:a16="http://schemas.microsoft.com/office/drawing/2014/main" id="{4E341869-4B79-5C47-A42F-241FE622B16D}"/>
+              </a:ext>
+            </a:extLst>
+          </p:cNvPr>
+          <p:cNvSpPr/>
+          <p:nvPr/>
+        </p:nvSpPr>
+        <p:spPr>
+          <a:xfrm rot="261994">
+            <a:off x="12111915" y="6633940"/>
+            <a:ext cx="731520" cy="742278"/>
+          </a:xfrm>
+          <a:prstGeom prst="ellipse">
+            <a:avLst/>
+          </a:prstGeom>
+          <a:solidFill>
+            <a:srgbClr val="FFFF00"/>
+          </a:solidFill>
+        </p:spPr>
+        <p:style>
+          <a:lnRef idx="2">
+            <a:schemeClr val="accent1">
+              <a:shade val="50000"/>
+            </a:schemeClr>
+          </a:lnRef>
+          <a:fillRef idx="1">
+            <a:schemeClr val="accent1"/>
+          </a:fillRef>
+          <a:effectRef idx="0">
+            <a:schemeClr val="accent1"/>
+          </a:effectRef>
+          <a:fontRef idx="minor">
+            <a:schemeClr val="lt1"/>
+          </a:fontRef>
+        </p:style>
+        <p:txBody>
+          <a:bodyPr rtlCol="0" anchor="ctr"/>
+          <a:lstStyle/>
+          <a:p>
+            <a:pPr algn="ctr"/>
+            <a:r>
+              <a:rPr lang="en-US" sz="1400" b="1" i="1" dirty="0">
+                <a:ln>
+                  <a:solidFill>
+                    <a:srgbClr val="FFFF00"/>
+                  </a:solidFill>
+                </a:ln>
+                <a:solidFill>
+                  <a:schemeClr val="bg1"/>
+                </a:solidFill>
+              </a:rPr>
+              <a:t>BTG</a:t>
+            </a:r>
+          </a:p>
+        </p:txBody>
+      </p:sp>
+      <p:sp>
+        <p:nvSpPr>
+          <p:cNvPr id="196" name="Oval 195">
+            <a:extLst>
+              <a:ext uri="{FF2B5EF4-FFF2-40B4-BE49-F238E27FC236}">
+                <a16:creationId xmlns:a16="http://schemas.microsoft.com/office/drawing/2014/main" id="{74FCDAF5-8281-3248-A063-396171995BE2}"/>
+              </a:ext>
+            </a:extLst>
+          </p:cNvPr>
+          <p:cNvSpPr/>
+          <p:nvPr/>
+        </p:nvSpPr>
+        <p:spPr>
+          <a:xfrm rot="261994">
+            <a:off x="12182942" y="6827427"/>
+            <a:ext cx="731520" cy="742278"/>
+          </a:xfrm>
+          <a:prstGeom prst="ellipse">
+            <a:avLst/>
+          </a:prstGeom>
+          <a:solidFill>
+            <a:schemeClr val="accent5">
+              <a:lumMod val="40000"/>
+              <a:lumOff val="60000"/>
+            </a:schemeClr>
+          </a:solidFill>
+        </p:spPr>
+        <p:style>
+          <a:lnRef idx="2">
+            <a:schemeClr val="accent1">
+              <a:shade val="50000"/>
+            </a:schemeClr>
+          </a:lnRef>
+          <a:fillRef idx="1">
+            <a:schemeClr val="accent1"/>
+          </a:fillRef>
+          <a:effectRef idx="0">
+            <a:schemeClr val="accent1"/>
+          </a:effectRef>
+          <a:fontRef idx="minor">
+            <a:schemeClr val="lt1"/>
+          </a:fontRef>
+        </p:style>
+        <p:txBody>
+          <a:bodyPr rtlCol="0" anchor="ctr"/>
+          <a:lstStyle/>
+          <a:p>
+            <a:pPr algn="ctr"/>
+            <a:endParaRPr lang="en-US" sz="1400" b="1" i="1" dirty="0">
+              <a:solidFill>
+                <a:schemeClr val="bg1"/>
+              </a:solidFill>
+            </a:endParaRPr>
+          </a:p>
+        </p:txBody>
+      </p:sp>
+      <p:sp>
+        <p:nvSpPr>
+          <p:cNvPr id="197" name="Oval 196">
+            <a:extLst>
+              <a:ext uri="{FF2B5EF4-FFF2-40B4-BE49-F238E27FC236}">
+                <a16:creationId xmlns:a16="http://schemas.microsoft.com/office/drawing/2014/main" id="{BE605AD2-1C42-684B-BA09-BAD6CC9E83E8}"/>
+              </a:ext>
+            </a:extLst>
+          </p:cNvPr>
+          <p:cNvSpPr/>
+          <p:nvPr/>
+        </p:nvSpPr>
+        <p:spPr>
+          <a:xfrm>
+            <a:off x="13350902" y="6860238"/>
+            <a:ext cx="731520" cy="742278"/>
+          </a:xfrm>
+          <a:prstGeom prst="ellipse">
+            <a:avLst/>
+          </a:prstGeom>
+          <a:solidFill>
+            <a:srgbClr val="FF0000"/>
+          </a:solidFill>
+        </p:spPr>
+        <p:style>
+          <a:lnRef idx="2">
+            <a:schemeClr val="accent1">
+              <a:shade val="50000"/>
+            </a:schemeClr>
+          </a:lnRef>
+          <a:fillRef idx="1">
+            <a:schemeClr val="accent1"/>
+          </a:fillRef>
+          <a:effectRef idx="0">
+            <a:schemeClr val="accent1"/>
+          </a:effectRef>
+          <a:fontRef idx="minor">
+            <a:schemeClr val="lt1"/>
+          </a:fontRef>
+        </p:style>
+        <p:txBody>
+          <a:bodyPr rtlCol="0" anchor="ctr"/>
+          <a:lstStyle/>
+          <a:p>
+            <a:pPr algn="ctr"/>
+            <a:r>
+              <a:rPr lang="en-US" sz="1200" b="1" i="1" dirty="0">
+                <a:solidFill>
+                  <a:schemeClr val="bg1"/>
+                </a:solidFill>
+              </a:rPr>
+              <a:t>NMC</a:t>
+            </a:r>
+          </a:p>
+        </p:txBody>
+      </p:sp>
+      <p:sp>
+        <p:nvSpPr>
+          <p:cNvPr id="198" name="Oval 197">
+            <a:extLst>
+              <a:ext uri="{FF2B5EF4-FFF2-40B4-BE49-F238E27FC236}">
+                <a16:creationId xmlns:a16="http://schemas.microsoft.com/office/drawing/2014/main" id="{A3A67DCE-124A-8543-A918-C718C84791D8}"/>
+              </a:ext>
+            </a:extLst>
+          </p:cNvPr>
+          <p:cNvSpPr/>
+          <p:nvPr/>
+        </p:nvSpPr>
+        <p:spPr>
+          <a:xfrm>
+            <a:off x="13185023" y="6766900"/>
+            <a:ext cx="731520" cy="742278"/>
+          </a:xfrm>
+          <a:prstGeom prst="ellipse">
+            <a:avLst/>
+          </a:prstGeom>
+          <a:solidFill>
+            <a:schemeClr val="accent5">
+              <a:lumMod val="75000"/>
+            </a:schemeClr>
+          </a:solidFill>
+        </p:spPr>
+        <p:style>
+          <a:lnRef idx="2">
+            <a:schemeClr val="accent1">
+              <a:shade val="50000"/>
+            </a:schemeClr>
+          </a:lnRef>
+          <a:fillRef idx="1">
+            <a:schemeClr val="accent1"/>
+          </a:fillRef>
+          <a:effectRef idx="0">
+            <a:schemeClr val="accent1"/>
+          </a:effectRef>
+          <a:fontRef idx="minor">
+            <a:schemeClr val="lt1"/>
+          </a:fontRef>
+        </p:style>
+        <p:txBody>
+          <a:bodyPr rtlCol="0" anchor="ctr"/>
+          <a:lstStyle/>
+          <a:p>
+            <a:pPr algn="ctr"/>
+            <a:r>
+              <a:rPr lang="en-US" sz="1400" b="1" i="1" dirty="0">
+                <a:solidFill>
+                  <a:schemeClr val="bg1"/>
+                </a:solidFill>
+              </a:rPr>
+              <a:t>LTC</a:t>
+            </a:r>
+          </a:p>
+        </p:txBody>
+      </p:sp>
+      <p:sp>
+        <p:nvSpPr>
+          <p:cNvPr id="199" name="Oval 198">
+            <a:extLst>
+              <a:ext uri="{FF2B5EF4-FFF2-40B4-BE49-F238E27FC236}">
+                <a16:creationId xmlns:a16="http://schemas.microsoft.com/office/drawing/2014/main" id="{D904E30B-9DE0-6D4B-9CEB-6755970AB528}"/>
+              </a:ext>
+            </a:extLst>
+          </p:cNvPr>
+          <p:cNvSpPr/>
+          <p:nvPr/>
+        </p:nvSpPr>
+        <p:spPr>
+          <a:xfrm>
+            <a:off x="13415448" y="6660946"/>
+            <a:ext cx="731520" cy="742278"/>
+          </a:xfrm>
+          <a:prstGeom prst="ellipse">
+            <a:avLst/>
+          </a:prstGeom>
+          <a:solidFill>
+            <a:schemeClr val="accent4">
+              <a:lumMod val="75000"/>
+            </a:schemeClr>
+          </a:solidFill>
+        </p:spPr>
+        <p:style>
+          <a:lnRef idx="2">
+            <a:schemeClr val="accent1">
+              <a:shade val="50000"/>
+            </a:schemeClr>
+          </a:lnRef>
+          <a:fillRef idx="1">
+            <a:schemeClr val="accent1"/>
+          </a:fillRef>
+          <a:effectRef idx="0">
+            <a:schemeClr val="accent1"/>
+          </a:effectRef>
+          <a:fontRef idx="minor">
+            <a:schemeClr val="lt1"/>
+          </a:fontRef>
+        </p:style>
+        <p:txBody>
+          <a:bodyPr rtlCol="0" anchor="ctr"/>
+          <a:lstStyle/>
+          <a:p>
+            <a:pPr algn="ctr"/>
+            <a:r>
+              <a:rPr lang="en-US" sz="1400" b="1" i="1" dirty="0">
+                <a:solidFill>
+                  <a:schemeClr val="bg1"/>
+                </a:solidFill>
+              </a:rPr>
+              <a:t>BTG</a:t>
+            </a:r>
+          </a:p>
+        </p:txBody>
+      </p:sp>
+      <p:sp>
+        <p:nvSpPr>
+          <p:cNvPr id="200" name="Oval 199">
+            <a:extLst>
+              <a:ext uri="{FF2B5EF4-FFF2-40B4-BE49-F238E27FC236}">
+                <a16:creationId xmlns:a16="http://schemas.microsoft.com/office/drawing/2014/main" id="{9182F375-EAD9-7746-98DF-0E889710A6AC}"/>
+              </a:ext>
+            </a:extLst>
+          </p:cNvPr>
+          <p:cNvSpPr/>
+          <p:nvPr/>
+        </p:nvSpPr>
+        <p:spPr>
+          <a:xfrm>
+            <a:off x="13319991" y="6783190"/>
+            <a:ext cx="731520" cy="742278"/>
+          </a:xfrm>
+          <a:prstGeom prst="ellipse">
+            <a:avLst/>
+          </a:prstGeom>
+          <a:solidFill>
+            <a:schemeClr val="accent5">
+              <a:lumMod val="40000"/>
+              <a:lumOff val="60000"/>
+            </a:schemeClr>
+          </a:solidFill>
+        </p:spPr>
+        <p:style>
+          <a:lnRef idx="2">
+            <a:schemeClr val="accent1">
+              <a:shade val="50000"/>
+            </a:schemeClr>
+          </a:lnRef>
+          <a:fillRef idx="1">
+            <a:schemeClr val="accent1"/>
+          </a:fillRef>
+          <a:effectRef idx="0">
+            <a:schemeClr val="accent1"/>
+          </a:effectRef>
+          <a:fontRef idx="minor">
+            <a:schemeClr val="lt1"/>
+          </a:fontRef>
+        </p:style>
+        <p:txBody>
+          <a:bodyPr rtlCol="0" anchor="ctr"/>
+          <a:lstStyle/>
+          <a:p>
+            <a:pPr algn="ctr"/>
+            <a:r>
+              <a:rPr lang="en-US" sz="1400" b="1" i="1" dirty="0">
+                <a:solidFill>
+                  <a:schemeClr val="bg1"/>
+                </a:solidFill>
+              </a:rPr>
+              <a:t>BCD</a:t>
+            </a:r>
+          </a:p>
+        </p:txBody>
+      </p:sp>
+      <p:sp>
+        <p:nvSpPr>
+          <p:cNvPr id="201" name="Oval 200">
+            <a:extLst>
+              <a:ext uri="{FF2B5EF4-FFF2-40B4-BE49-F238E27FC236}">
+                <a16:creationId xmlns:a16="http://schemas.microsoft.com/office/drawing/2014/main" id="{BE429600-FB48-0843-882F-FB021E534471}"/>
+              </a:ext>
+            </a:extLst>
+          </p:cNvPr>
+          <p:cNvSpPr/>
+          <p:nvPr/>
+        </p:nvSpPr>
+        <p:spPr>
+          <a:xfrm rot="261994">
+            <a:off x="13272799" y="6833467"/>
+            <a:ext cx="731520" cy="742278"/>
+          </a:xfrm>
+          <a:prstGeom prst="ellipse">
+            <a:avLst/>
+          </a:prstGeom>
+          <a:solidFill>
+            <a:srgbClr val="FF0000"/>
+          </a:solidFill>
+        </p:spPr>
+        <p:style>
+          <a:lnRef idx="2">
+            <a:schemeClr val="accent1">
+              <a:shade val="50000"/>
+            </a:schemeClr>
+          </a:lnRef>
+          <a:fillRef idx="1">
+            <a:schemeClr val="accent1"/>
+          </a:fillRef>
+          <a:effectRef idx="0">
+            <a:schemeClr val="accent1"/>
+          </a:effectRef>
+          <a:fontRef idx="minor">
+            <a:schemeClr val="lt1"/>
+          </a:fontRef>
+        </p:style>
+        <p:txBody>
+          <a:bodyPr rtlCol="0" anchor="ctr"/>
+          <a:lstStyle/>
+          <a:p>
+            <a:pPr algn="ctr"/>
+            <a:r>
+              <a:rPr lang="en-US" sz="1200" b="1" i="1" dirty="0">
+                <a:solidFill>
+                  <a:schemeClr val="bg1"/>
+                </a:solidFill>
+              </a:rPr>
+              <a:t>NMC</a:t>
+            </a:r>
+          </a:p>
+        </p:txBody>
+      </p:sp>
+      <p:sp>
+        <p:nvSpPr>
+          <p:cNvPr id="202" name="Oval 201">
+            <a:extLst>
+              <a:ext uri="{FF2B5EF4-FFF2-40B4-BE49-F238E27FC236}">
+                <a16:creationId xmlns:a16="http://schemas.microsoft.com/office/drawing/2014/main" id="{BDADB509-CADD-984D-AC00-1B231AE2ADA0}"/>
+              </a:ext>
+            </a:extLst>
+          </p:cNvPr>
+          <p:cNvSpPr/>
+          <p:nvPr/>
+        </p:nvSpPr>
+        <p:spPr>
+          <a:xfrm rot="261994">
+            <a:off x="13476013" y="6806687"/>
+            <a:ext cx="731520" cy="742278"/>
+          </a:xfrm>
+          <a:prstGeom prst="ellipse">
+            <a:avLst/>
+          </a:prstGeom>
+          <a:solidFill>
+            <a:srgbClr val="FFC000"/>
+          </a:solidFill>
+        </p:spPr>
+        <p:style>
+          <a:lnRef idx="2">
+            <a:schemeClr val="accent1">
+              <a:shade val="50000"/>
+            </a:schemeClr>
+          </a:lnRef>
+          <a:fillRef idx="1">
+            <a:schemeClr val="accent1"/>
+          </a:fillRef>
+          <a:effectRef idx="0">
+            <a:schemeClr val="accent1"/>
+          </a:effectRef>
+          <a:fontRef idx="minor">
+            <a:schemeClr val="lt1"/>
+          </a:fontRef>
+        </p:style>
+        <p:txBody>
+          <a:bodyPr rtlCol="0" anchor="ctr"/>
+          <a:lstStyle/>
+          <a:p>
+            <a:pPr algn="ctr"/>
+            <a:r>
+              <a:rPr lang="en-US" sz="1400" b="1" i="1" dirty="0">
+                <a:solidFill>
+                  <a:schemeClr val="bg1"/>
+                </a:solidFill>
+              </a:rPr>
+              <a:t>LTC</a:t>
+            </a:r>
+          </a:p>
+        </p:txBody>
+      </p:sp>
+      <p:sp>
+        <p:nvSpPr>
+          <p:cNvPr id="203" name="Oval 202">
+            <a:extLst>
+              <a:ext uri="{FF2B5EF4-FFF2-40B4-BE49-F238E27FC236}">
+                <a16:creationId xmlns:a16="http://schemas.microsoft.com/office/drawing/2014/main" id="{67250B68-D023-284C-A2A1-96C8A33FBA57}"/>
+              </a:ext>
+            </a:extLst>
+          </p:cNvPr>
+          <p:cNvSpPr/>
+          <p:nvPr/>
+        </p:nvSpPr>
+        <p:spPr>
+          <a:xfrm rot="261994">
+            <a:off x="13337345" y="6634175"/>
+            <a:ext cx="731520" cy="742278"/>
+          </a:xfrm>
+          <a:prstGeom prst="ellipse">
+            <a:avLst/>
+          </a:prstGeom>
+          <a:solidFill>
+            <a:srgbClr val="FFFF00"/>
+          </a:solidFill>
+        </p:spPr>
+        <p:style>
+          <a:lnRef idx="2">
+            <a:schemeClr val="accent1">
+              <a:shade val="50000"/>
+            </a:schemeClr>
+          </a:lnRef>
+          <a:fillRef idx="1">
+            <a:schemeClr val="accent1"/>
+          </a:fillRef>
+          <a:effectRef idx="0">
+            <a:schemeClr val="accent1"/>
+          </a:effectRef>
+          <a:fontRef idx="minor">
+            <a:schemeClr val="lt1"/>
+          </a:fontRef>
+        </p:style>
+        <p:txBody>
+          <a:bodyPr rtlCol="0" anchor="ctr"/>
+          <a:lstStyle/>
+          <a:p>
+            <a:pPr algn="ctr"/>
+            <a:r>
+              <a:rPr lang="en-US" sz="1400" b="1" i="1" dirty="0">
+                <a:ln>
+                  <a:solidFill>
+                    <a:srgbClr val="FFFF00"/>
+                  </a:solidFill>
+                </a:ln>
+                <a:solidFill>
+                  <a:schemeClr val="bg1"/>
+                </a:solidFill>
+              </a:rPr>
+              <a:t>BTG</a:t>
+            </a:r>
+          </a:p>
+        </p:txBody>
+      </p:sp>
+      <p:sp>
+        <p:nvSpPr>
+          <p:cNvPr id="204" name="Oval 203">
+            <a:extLst>
+              <a:ext uri="{FF2B5EF4-FFF2-40B4-BE49-F238E27FC236}">
+                <a16:creationId xmlns:a16="http://schemas.microsoft.com/office/drawing/2014/main" id="{6918522E-E6F6-394B-A3A4-4363C9E4BB33}"/>
+              </a:ext>
+            </a:extLst>
+          </p:cNvPr>
+          <p:cNvSpPr/>
+          <p:nvPr/>
+        </p:nvSpPr>
+        <p:spPr>
+          <a:xfrm rot="261994">
+            <a:off x="13408372" y="6827662"/>
+            <a:ext cx="731520" cy="742278"/>
+          </a:xfrm>
+          <a:prstGeom prst="ellipse">
+            <a:avLst/>
+          </a:prstGeom>
+          <a:solidFill>
+            <a:schemeClr val="accent5">
+              <a:lumMod val="40000"/>
+              <a:lumOff val="60000"/>
+            </a:schemeClr>
+          </a:solidFill>
+        </p:spPr>
+        <p:style>
+          <a:lnRef idx="2">
+            <a:schemeClr val="accent1">
+              <a:shade val="50000"/>
+            </a:schemeClr>
+          </a:lnRef>
+          <a:fillRef idx="1">
+            <a:schemeClr val="accent1"/>
+          </a:fillRef>
+          <a:effectRef idx="0">
+            <a:schemeClr val="accent1"/>
+          </a:effectRef>
+          <a:fontRef idx="minor">
+            <a:schemeClr val="lt1"/>
+          </a:fontRef>
+        </p:style>
+        <p:txBody>
+          <a:bodyPr rtlCol="0" anchor="ctr"/>
+          <a:lstStyle/>
+          <a:p>
+            <a:pPr algn="ctr"/>
+            <a:endParaRPr lang="en-US" sz="1400" b="1" i="1" dirty="0">
+              <a:solidFill>
+                <a:schemeClr val="bg1"/>
+              </a:solidFill>
+            </a:endParaRPr>
+          </a:p>
+        </p:txBody>
+      </p:sp>
       <p:sp>
         <p:nvSpPr>
           <p:cNvPr id="63" name="TextBox 62">
@@ -8722,7 +11743,7 @@
         <p:spPr>
           <a:xfrm>
             <a:off x="7023110" y="6877732"/>
-            <a:ext cx="963631" cy="461665"/>
+            <a:ext cx="963631" cy="430887"/>
           </a:xfrm>
           <a:prstGeom prst="rect">
             <a:avLst/>
@@ -8737,7 +11758,7 @@
           <a:p>
             <a:pPr algn="ctr"/>
             <a:r>
-              <a:rPr lang="en-US" sz="1200" dirty="0">
+              <a:rPr lang="en-US" sz="1050" dirty="0">
                 <a:solidFill>
                   <a:schemeClr val="bg1"/>
                 </a:solidFill>
@@ -8752,441 +11773,340 @@
       </p:sp>
       <p:sp>
         <p:nvSpPr>
-          <p:cNvPr id="133" name="TextBox 132">
-            <a:extLst>
-              <a:ext uri="{FF2B5EF4-FFF2-40B4-BE49-F238E27FC236}">
-                <a16:creationId xmlns:a16="http://schemas.microsoft.com/office/drawing/2014/main" id="{65527C8D-4E58-3348-AA36-F294D40016BB}"/>
-              </a:ext>
-            </a:extLst>
-          </p:cNvPr>
-          <p:cNvSpPr txBox="1"/>
-          <p:nvPr/>
-        </p:nvSpPr>
-        <p:spPr>
-          <a:xfrm>
-            <a:off x="8235389" y="6856532"/>
-            <a:ext cx="963631" cy="461665"/>
-          </a:xfrm>
-          <a:prstGeom prst="rect">
-            <a:avLst/>
-          </a:prstGeom>
-          <a:noFill/>
-        </p:spPr>
-        <p:txBody>
-          <a:bodyPr wrap="square" rtlCol="0">
-            <a:spAutoFit/>
-          </a:bodyPr>
+          <p:cNvPr id="205" name="Oval 204">
+            <a:extLst>
+              <a:ext uri="{FF2B5EF4-FFF2-40B4-BE49-F238E27FC236}">
+                <a16:creationId xmlns:a16="http://schemas.microsoft.com/office/drawing/2014/main" id="{20883F90-77BF-DF4D-9BD9-CFD7A32C0A74}"/>
+              </a:ext>
+            </a:extLst>
+          </p:cNvPr>
+          <p:cNvSpPr/>
+          <p:nvPr/>
+        </p:nvSpPr>
+        <p:spPr>
+          <a:xfrm rot="261994">
+            <a:off x="8437937" y="6766133"/>
+            <a:ext cx="731520" cy="742278"/>
+          </a:xfrm>
+          <a:prstGeom prst="ellipse">
+            <a:avLst/>
+          </a:prstGeom>
+          <a:solidFill>
+            <a:schemeClr val="accent5">
+              <a:lumMod val="40000"/>
+              <a:lumOff val="60000"/>
+            </a:schemeClr>
+          </a:solidFill>
+        </p:spPr>
+        <p:style>
+          <a:lnRef idx="2">
+            <a:schemeClr val="accent1">
+              <a:shade val="50000"/>
+            </a:schemeClr>
+          </a:lnRef>
+          <a:fillRef idx="1">
+            <a:schemeClr val="accent1"/>
+          </a:fillRef>
+          <a:effectRef idx="0">
+            <a:schemeClr val="accent1"/>
+          </a:effectRef>
+          <a:fontRef idx="minor">
+            <a:schemeClr val="lt1"/>
+          </a:fontRef>
+        </p:style>
+        <p:txBody>
+          <a:bodyPr rtlCol="0" anchor="ctr"/>
           <a:lstStyle/>
           <a:p>
             <a:pPr algn="ctr"/>
-            <a:r>
-              <a:rPr lang="en-US" sz="1200" dirty="0">
-                <a:solidFill>
-                  <a:schemeClr val="bg1"/>
-                </a:solidFill>
-                <a:highlight>
-                  <a:srgbClr val="0000FF"/>
-                </a:highlight>
-              </a:rPr>
-              <a:t>Many more altcoins</a:t>
-            </a:r>
-          </a:p>
-        </p:txBody>
-      </p:sp>
-      <p:sp>
-        <p:nvSpPr>
-          <p:cNvPr id="134" name="TextBox 133">
-            <a:extLst>
-              <a:ext uri="{FF2B5EF4-FFF2-40B4-BE49-F238E27FC236}">
-                <a16:creationId xmlns:a16="http://schemas.microsoft.com/office/drawing/2014/main" id="{7393143D-3CC5-3F46-A9F6-BE0D40DD1149}"/>
-              </a:ext>
-            </a:extLst>
-          </p:cNvPr>
-          <p:cNvSpPr txBox="1"/>
-          <p:nvPr/>
-        </p:nvSpPr>
-        <p:spPr>
-          <a:xfrm>
-            <a:off x="9583163" y="6853022"/>
-            <a:ext cx="963631" cy="461665"/>
-          </a:xfrm>
-          <a:prstGeom prst="rect">
-            <a:avLst/>
-          </a:prstGeom>
-          <a:noFill/>
-        </p:spPr>
-        <p:txBody>
-          <a:bodyPr wrap="square" rtlCol="0">
-            <a:spAutoFit/>
-          </a:bodyPr>
+            <a:endParaRPr lang="en-US" sz="1400" b="1" i="1" dirty="0">
+              <a:solidFill>
+                <a:schemeClr val="bg1"/>
+              </a:solidFill>
+            </a:endParaRPr>
+          </a:p>
+        </p:txBody>
+      </p:sp>
+      <p:sp>
+        <p:nvSpPr>
+          <p:cNvPr id="206" name="Oval 205">
+            <a:extLst>
+              <a:ext uri="{FF2B5EF4-FFF2-40B4-BE49-F238E27FC236}">
+                <a16:creationId xmlns:a16="http://schemas.microsoft.com/office/drawing/2014/main" id="{057E9AB0-3B07-4549-A503-712001F26B9E}"/>
+              </a:ext>
+            </a:extLst>
+          </p:cNvPr>
+          <p:cNvSpPr/>
+          <p:nvPr/>
+        </p:nvSpPr>
+        <p:spPr>
+          <a:xfrm rot="261994">
+            <a:off x="8300394" y="6666131"/>
+            <a:ext cx="731520" cy="742278"/>
+          </a:xfrm>
+          <a:prstGeom prst="ellipse">
+            <a:avLst/>
+          </a:prstGeom>
+          <a:solidFill>
+            <a:srgbClr val="FFC000"/>
+          </a:solidFill>
+        </p:spPr>
+        <p:style>
+          <a:lnRef idx="2">
+            <a:schemeClr val="accent1">
+              <a:shade val="50000"/>
+            </a:schemeClr>
+          </a:lnRef>
+          <a:fillRef idx="1">
+            <a:schemeClr val="accent1"/>
+          </a:fillRef>
+          <a:effectRef idx="0">
+            <a:schemeClr val="accent1"/>
+          </a:effectRef>
+          <a:fontRef idx="minor">
+            <a:schemeClr val="lt1"/>
+          </a:fontRef>
+        </p:style>
+        <p:txBody>
+          <a:bodyPr rtlCol="0" anchor="ctr"/>
           <a:lstStyle/>
           <a:p>
             <a:pPr algn="ctr"/>
-            <a:r>
-              <a:rPr lang="en-US" sz="1200" dirty="0">
-                <a:solidFill>
-                  <a:schemeClr val="bg1"/>
-                </a:solidFill>
-                <a:highlight>
-                  <a:srgbClr val="0000FF"/>
-                </a:highlight>
-              </a:rPr>
-              <a:t>Many more altcoins</a:t>
-            </a:r>
-          </a:p>
-        </p:txBody>
-      </p:sp>
-      <p:sp>
-        <p:nvSpPr>
-          <p:cNvPr id="135" name="TextBox 134">
-            <a:extLst>
-              <a:ext uri="{FF2B5EF4-FFF2-40B4-BE49-F238E27FC236}">
-                <a16:creationId xmlns:a16="http://schemas.microsoft.com/office/drawing/2014/main" id="{AF7D7684-67D1-7844-9E9F-C9CD4C403719}"/>
-              </a:ext>
-            </a:extLst>
-          </p:cNvPr>
-          <p:cNvSpPr txBox="1"/>
-          <p:nvPr/>
-        </p:nvSpPr>
-        <p:spPr>
-          <a:xfrm>
-            <a:off x="10720658" y="6822705"/>
-            <a:ext cx="963631" cy="461665"/>
-          </a:xfrm>
-          <a:prstGeom prst="rect">
-            <a:avLst/>
-          </a:prstGeom>
-          <a:noFill/>
-        </p:spPr>
-        <p:txBody>
-          <a:bodyPr wrap="square" rtlCol="0">
-            <a:spAutoFit/>
-          </a:bodyPr>
+            <a:endParaRPr lang="en-US" sz="1400" b="1" i="1" dirty="0">
+              <a:solidFill>
+                <a:schemeClr val="bg1"/>
+              </a:solidFill>
+              <a:highlight>
+                <a:srgbClr val="00FF00"/>
+              </a:highlight>
+            </a:endParaRPr>
+          </a:p>
+        </p:txBody>
+      </p:sp>
+      <p:sp>
+        <p:nvSpPr>
+          <p:cNvPr id="207" name="Oval 206">
+            <a:extLst>
+              <a:ext uri="{FF2B5EF4-FFF2-40B4-BE49-F238E27FC236}">
+                <a16:creationId xmlns:a16="http://schemas.microsoft.com/office/drawing/2014/main" id="{8ECA3971-BD7F-1E4E-AB53-411878EF2D79}"/>
+              </a:ext>
+            </a:extLst>
+          </p:cNvPr>
+          <p:cNvSpPr/>
+          <p:nvPr/>
+        </p:nvSpPr>
+        <p:spPr>
+          <a:xfrm rot="261994">
+            <a:off x="9553789" y="6714455"/>
+            <a:ext cx="731520" cy="742278"/>
+          </a:xfrm>
+          <a:prstGeom prst="ellipse">
+            <a:avLst/>
+          </a:prstGeom>
+          <a:solidFill>
+            <a:srgbClr val="FFC000"/>
+          </a:solidFill>
+        </p:spPr>
+        <p:style>
+          <a:lnRef idx="2">
+            <a:schemeClr val="accent1">
+              <a:shade val="50000"/>
+            </a:schemeClr>
+          </a:lnRef>
+          <a:fillRef idx="1">
+            <a:schemeClr val="accent1"/>
+          </a:fillRef>
+          <a:effectRef idx="0">
+            <a:schemeClr val="accent1"/>
+          </a:effectRef>
+          <a:fontRef idx="minor">
+            <a:schemeClr val="lt1"/>
+          </a:fontRef>
+        </p:style>
+        <p:txBody>
+          <a:bodyPr rtlCol="0" anchor="ctr"/>
           <a:lstStyle/>
           <a:p>
             <a:pPr algn="ctr"/>
-            <a:r>
-              <a:rPr lang="en-US" sz="1200" dirty="0">
-                <a:solidFill>
-                  <a:schemeClr val="bg1"/>
-                </a:solidFill>
-                <a:highlight>
-                  <a:srgbClr val="0000FF"/>
-                </a:highlight>
-              </a:rPr>
-              <a:t>Many more altcoins</a:t>
-            </a:r>
-          </a:p>
-        </p:txBody>
-      </p:sp>
-      <p:sp>
-        <p:nvSpPr>
-          <p:cNvPr id="136" name="TextBox 135">
-            <a:extLst>
-              <a:ext uri="{FF2B5EF4-FFF2-40B4-BE49-F238E27FC236}">
-                <a16:creationId xmlns:a16="http://schemas.microsoft.com/office/drawing/2014/main" id="{74085CDC-F55D-974A-B505-DA19C6474051}"/>
-              </a:ext>
-            </a:extLst>
-          </p:cNvPr>
-          <p:cNvSpPr txBox="1"/>
-          <p:nvPr/>
-        </p:nvSpPr>
-        <p:spPr>
-          <a:xfrm>
-            <a:off x="11955784" y="6822106"/>
-            <a:ext cx="963631" cy="461665"/>
-          </a:xfrm>
-          <a:prstGeom prst="rect">
-            <a:avLst/>
-          </a:prstGeom>
-          <a:noFill/>
-        </p:spPr>
-        <p:txBody>
-          <a:bodyPr wrap="square" rtlCol="0">
-            <a:spAutoFit/>
-          </a:bodyPr>
+            <a:endParaRPr lang="en-US" sz="1400" b="1" i="1" dirty="0">
+              <a:solidFill>
+                <a:schemeClr val="bg1"/>
+              </a:solidFill>
+              <a:highlight>
+                <a:srgbClr val="00FF00"/>
+              </a:highlight>
+            </a:endParaRPr>
+          </a:p>
+        </p:txBody>
+      </p:sp>
+      <p:sp>
+        <p:nvSpPr>
+          <p:cNvPr id="208" name="Oval 207">
+            <a:extLst>
+              <a:ext uri="{FF2B5EF4-FFF2-40B4-BE49-F238E27FC236}">
+                <a16:creationId xmlns:a16="http://schemas.microsoft.com/office/drawing/2014/main" id="{CB54E3E7-5A64-1E48-AA8F-AC13504DFC9E}"/>
+              </a:ext>
+            </a:extLst>
+          </p:cNvPr>
+          <p:cNvSpPr/>
+          <p:nvPr/>
+        </p:nvSpPr>
+        <p:spPr>
+          <a:xfrm rot="261994">
+            <a:off x="10806063" y="6766131"/>
+            <a:ext cx="731520" cy="742278"/>
+          </a:xfrm>
+          <a:prstGeom prst="ellipse">
+            <a:avLst/>
+          </a:prstGeom>
+          <a:solidFill>
+            <a:srgbClr val="FFC000"/>
+          </a:solidFill>
+        </p:spPr>
+        <p:style>
+          <a:lnRef idx="2">
+            <a:schemeClr val="accent1">
+              <a:shade val="50000"/>
+            </a:schemeClr>
+          </a:lnRef>
+          <a:fillRef idx="1">
+            <a:schemeClr val="accent1"/>
+          </a:fillRef>
+          <a:effectRef idx="0">
+            <a:schemeClr val="accent1"/>
+          </a:effectRef>
+          <a:fontRef idx="minor">
+            <a:schemeClr val="lt1"/>
+          </a:fontRef>
+        </p:style>
+        <p:txBody>
+          <a:bodyPr rtlCol="0" anchor="ctr"/>
           <a:lstStyle/>
           <a:p>
             <a:pPr algn="ctr"/>
-            <a:r>
-              <a:rPr lang="en-US" sz="1200" dirty="0">
-                <a:solidFill>
-                  <a:schemeClr val="bg1"/>
-                </a:solidFill>
-                <a:highlight>
-                  <a:srgbClr val="0000FF"/>
-                </a:highlight>
-              </a:rPr>
-              <a:t>Many more altcoins</a:t>
-            </a:r>
-          </a:p>
-        </p:txBody>
-      </p:sp>
-      <p:sp>
-        <p:nvSpPr>
-          <p:cNvPr id="137" name="TextBox 136">
-            <a:extLst>
-              <a:ext uri="{FF2B5EF4-FFF2-40B4-BE49-F238E27FC236}">
-                <a16:creationId xmlns:a16="http://schemas.microsoft.com/office/drawing/2014/main" id="{F613F7B0-461A-F24F-AE6B-115359F31E2C}"/>
-              </a:ext>
-            </a:extLst>
-          </p:cNvPr>
-          <p:cNvSpPr txBox="1"/>
-          <p:nvPr/>
-        </p:nvSpPr>
-        <p:spPr>
-          <a:xfrm>
-            <a:off x="13205547" y="6836719"/>
-            <a:ext cx="963631" cy="461665"/>
-          </a:xfrm>
-          <a:prstGeom prst="rect">
-            <a:avLst/>
-          </a:prstGeom>
-          <a:noFill/>
-        </p:spPr>
-        <p:txBody>
-          <a:bodyPr wrap="square" rtlCol="0">
-            <a:spAutoFit/>
-          </a:bodyPr>
+            <a:endParaRPr lang="en-US" sz="1400" b="1" i="1" dirty="0">
+              <a:solidFill>
+                <a:schemeClr val="bg1"/>
+              </a:solidFill>
+              <a:highlight>
+                <a:srgbClr val="00FF00"/>
+              </a:highlight>
+            </a:endParaRPr>
+          </a:p>
+        </p:txBody>
+      </p:sp>
+      <p:sp>
+        <p:nvSpPr>
+          <p:cNvPr id="209" name="Oval 208">
+            <a:extLst>
+              <a:ext uri="{FF2B5EF4-FFF2-40B4-BE49-F238E27FC236}">
+                <a16:creationId xmlns:a16="http://schemas.microsoft.com/office/drawing/2014/main" id="{E2F4D6C2-06F9-8646-808E-906F3A021284}"/>
+              </a:ext>
+            </a:extLst>
+          </p:cNvPr>
+          <p:cNvSpPr/>
+          <p:nvPr/>
+        </p:nvSpPr>
+        <p:spPr>
+          <a:xfrm rot="261994">
+            <a:off x="12002794" y="6702111"/>
+            <a:ext cx="731520" cy="742278"/>
+          </a:xfrm>
+          <a:prstGeom prst="ellipse">
+            <a:avLst/>
+          </a:prstGeom>
+          <a:solidFill>
+            <a:srgbClr val="FFC000"/>
+          </a:solidFill>
+        </p:spPr>
+        <p:style>
+          <a:lnRef idx="2">
+            <a:schemeClr val="accent1">
+              <a:shade val="50000"/>
+            </a:schemeClr>
+          </a:lnRef>
+          <a:fillRef idx="1">
+            <a:schemeClr val="accent1"/>
+          </a:fillRef>
+          <a:effectRef idx="0">
+            <a:schemeClr val="accent1"/>
+          </a:effectRef>
+          <a:fontRef idx="minor">
+            <a:schemeClr val="lt1"/>
+          </a:fontRef>
+        </p:style>
+        <p:txBody>
+          <a:bodyPr rtlCol="0" anchor="ctr"/>
           <a:lstStyle/>
           <a:p>
             <a:pPr algn="ctr"/>
-            <a:r>
-              <a:rPr lang="en-US" sz="1200" dirty="0">
-                <a:solidFill>
-                  <a:schemeClr val="bg1"/>
-                </a:solidFill>
-                <a:highlight>
-                  <a:srgbClr val="0000FF"/>
-                </a:highlight>
-              </a:rPr>
-              <a:t>Many more altcoins</a:t>
-            </a:r>
-          </a:p>
-        </p:txBody>
-      </p:sp>
-      <p:cxnSp>
-        <p:nvCxnSpPr>
-          <p:cNvPr id="138" name="Straight Arrow Connector 137">
-            <a:extLst>
-              <a:ext uri="{FF2B5EF4-FFF2-40B4-BE49-F238E27FC236}">
-                <a16:creationId xmlns:a16="http://schemas.microsoft.com/office/drawing/2014/main" id="{6A102859-7B98-F54E-BFE9-E2DB30E17AD2}"/>
-              </a:ext>
-            </a:extLst>
-          </p:cNvPr>
-          <p:cNvCxnSpPr>
-            <a:cxnSpLocks/>
-          </p:cNvCxnSpPr>
-          <p:nvPr/>
-        </p:nvCxnSpPr>
-        <p:spPr>
-          <a:xfrm flipH="1">
-            <a:off x="4360875" y="6779177"/>
-            <a:ext cx="1234" cy="179569"/>
-          </a:xfrm>
-          <a:prstGeom prst="straightConnector1">
-            <a:avLst/>
-          </a:prstGeom>
-          <a:ln>
-            <a:solidFill>
-              <a:schemeClr val="tx1"/>
-            </a:solidFill>
-            <a:tailEnd type="triangle"/>
-          </a:ln>
-        </p:spPr>
-        <p:style>
-          <a:lnRef idx="1">
-            <a:schemeClr val="accent1"/>
-          </a:lnRef>
-          <a:fillRef idx="0">
-            <a:schemeClr val="accent1"/>
-          </a:fillRef>
-          <a:effectRef idx="0">
-            <a:schemeClr val="accent1"/>
-          </a:effectRef>
-          <a:fontRef idx="minor">
-            <a:schemeClr val="tx1"/>
-          </a:fontRef>
-        </p:style>
-      </p:cxnSp>
-      <p:pic>
-        <p:nvPicPr>
-          <p:cNvPr id="139" name="Picture 138">
-            <a:extLst>
-              <a:ext uri="{FF2B5EF4-FFF2-40B4-BE49-F238E27FC236}">
-                <a16:creationId xmlns:a16="http://schemas.microsoft.com/office/drawing/2014/main" id="{FE16A39A-FB06-9E45-8721-20C0CA63C010}"/>
-              </a:ext>
-            </a:extLst>
-          </p:cNvPr>
-          <p:cNvPicPr>
-            <a:picLocks noChangeAspect="1"/>
-          </p:cNvPicPr>
-          <p:nvPr/>
-        </p:nvPicPr>
-        <p:blipFill>
-          <a:blip r:embed="rId3"/>
-          <a:stretch>
-            <a:fillRect/>
-          </a:stretch>
-        </p:blipFill>
-        <p:spPr>
-          <a:xfrm>
-            <a:off x="4255975" y="6550868"/>
-            <a:ext cx="212267" cy="212267"/>
-          </a:xfrm>
-          <a:prstGeom prst="rect">
-            <a:avLst/>
-          </a:prstGeom>
-        </p:spPr>
-      </p:pic>
-      <p:cxnSp>
-        <p:nvCxnSpPr>
-          <p:cNvPr id="140" name="Straight Arrow Connector 139">
-            <a:extLst>
-              <a:ext uri="{FF2B5EF4-FFF2-40B4-BE49-F238E27FC236}">
-                <a16:creationId xmlns:a16="http://schemas.microsoft.com/office/drawing/2014/main" id="{ED3BBC8B-DF01-D741-B14E-365E48617823}"/>
-              </a:ext>
-            </a:extLst>
-          </p:cNvPr>
-          <p:cNvCxnSpPr>
-            <a:cxnSpLocks/>
-          </p:cNvCxnSpPr>
-          <p:nvPr/>
-        </p:nvCxnSpPr>
-        <p:spPr>
-          <a:xfrm flipH="1">
-            <a:off x="5630401" y="6780609"/>
-            <a:ext cx="1234" cy="179569"/>
-          </a:xfrm>
-          <a:prstGeom prst="straightConnector1">
-            <a:avLst/>
-          </a:prstGeom>
-          <a:ln>
-            <a:solidFill>
-              <a:schemeClr val="tx1"/>
-            </a:solidFill>
-            <a:tailEnd type="triangle"/>
-          </a:ln>
-        </p:spPr>
-        <p:style>
-          <a:lnRef idx="1">
-            <a:schemeClr val="accent1"/>
-          </a:lnRef>
-          <a:fillRef idx="0">
-            <a:schemeClr val="accent1"/>
-          </a:fillRef>
-          <a:effectRef idx="0">
-            <a:schemeClr val="accent1"/>
-          </a:effectRef>
-          <a:fontRef idx="minor">
-            <a:schemeClr val="tx1"/>
-          </a:fontRef>
-        </p:style>
-      </p:cxnSp>
-      <p:pic>
-        <p:nvPicPr>
-          <p:cNvPr id="141" name="Picture 140">
-            <a:extLst>
-              <a:ext uri="{FF2B5EF4-FFF2-40B4-BE49-F238E27FC236}">
-                <a16:creationId xmlns:a16="http://schemas.microsoft.com/office/drawing/2014/main" id="{A5FADF11-AF1C-CC45-87B8-9A48CE6CE195}"/>
-              </a:ext>
-            </a:extLst>
-          </p:cNvPr>
-          <p:cNvPicPr>
-            <a:picLocks noChangeAspect="1"/>
-          </p:cNvPicPr>
-          <p:nvPr/>
-        </p:nvPicPr>
-        <p:blipFill>
-          <a:blip r:embed="rId3"/>
-          <a:stretch>
-            <a:fillRect/>
-          </a:stretch>
-        </p:blipFill>
-        <p:spPr>
-          <a:xfrm>
-            <a:off x="5525501" y="6568342"/>
-            <a:ext cx="212267" cy="212267"/>
-          </a:xfrm>
-          <a:prstGeom prst="rect">
-            <a:avLst/>
-          </a:prstGeom>
-        </p:spPr>
-      </p:pic>
-      <p:cxnSp>
-        <p:nvCxnSpPr>
-          <p:cNvPr id="142" name="Straight Arrow Connector 141">
-            <a:extLst>
-              <a:ext uri="{FF2B5EF4-FFF2-40B4-BE49-F238E27FC236}">
-                <a16:creationId xmlns:a16="http://schemas.microsoft.com/office/drawing/2014/main" id="{36D0DC3A-DE8C-D34E-8468-5B47A3508368}"/>
-              </a:ext>
-            </a:extLst>
-          </p:cNvPr>
-          <p:cNvCxnSpPr>
-            <a:cxnSpLocks/>
-          </p:cNvCxnSpPr>
-          <p:nvPr/>
-        </p:nvCxnSpPr>
-        <p:spPr>
-          <a:xfrm flipH="1">
-            <a:off x="6831970" y="6764500"/>
-            <a:ext cx="1234" cy="179569"/>
-          </a:xfrm>
-          <a:prstGeom prst="straightConnector1">
-            <a:avLst/>
-          </a:prstGeom>
-          <a:ln>
-            <a:solidFill>
-              <a:schemeClr val="tx1"/>
-            </a:solidFill>
-            <a:tailEnd type="triangle"/>
-          </a:ln>
-        </p:spPr>
-        <p:style>
-          <a:lnRef idx="1">
-            <a:schemeClr val="accent1"/>
-          </a:lnRef>
-          <a:fillRef idx="0">
-            <a:schemeClr val="accent1"/>
-          </a:fillRef>
-          <a:effectRef idx="0">
-            <a:schemeClr val="accent1"/>
-          </a:effectRef>
-          <a:fontRef idx="minor">
-            <a:schemeClr val="tx1"/>
-          </a:fontRef>
-        </p:style>
-      </p:cxnSp>
-      <p:pic>
-        <p:nvPicPr>
-          <p:cNvPr id="143" name="Picture 142">
-            <a:extLst>
-              <a:ext uri="{FF2B5EF4-FFF2-40B4-BE49-F238E27FC236}">
-                <a16:creationId xmlns:a16="http://schemas.microsoft.com/office/drawing/2014/main" id="{BA83559E-B9EC-9F41-B166-106087645E04}"/>
-              </a:ext>
-            </a:extLst>
-          </p:cNvPr>
-          <p:cNvPicPr>
-            <a:picLocks noChangeAspect="1"/>
-          </p:cNvPicPr>
-          <p:nvPr/>
-        </p:nvPicPr>
-        <p:blipFill>
-          <a:blip r:embed="rId3"/>
-          <a:stretch>
-            <a:fillRect/>
-          </a:stretch>
-        </p:blipFill>
-        <p:spPr>
-          <a:xfrm>
-            <a:off x="6727070" y="6536191"/>
-            <a:ext cx="212267" cy="212267"/>
-          </a:xfrm>
-          <a:prstGeom prst="rect">
-            <a:avLst/>
-          </a:prstGeom>
-        </p:spPr>
-      </p:pic>
+            <a:endParaRPr lang="en-US" sz="1400" b="1" i="1" dirty="0">
+              <a:solidFill>
+                <a:schemeClr val="bg1"/>
+              </a:solidFill>
+              <a:highlight>
+                <a:srgbClr val="00FF00"/>
+              </a:highlight>
+            </a:endParaRPr>
+          </a:p>
+        </p:txBody>
+      </p:sp>
+      <p:sp>
+        <p:nvSpPr>
+          <p:cNvPr id="210" name="Oval 209">
+            <a:extLst>
+              <a:ext uri="{FF2B5EF4-FFF2-40B4-BE49-F238E27FC236}">
+                <a16:creationId xmlns:a16="http://schemas.microsoft.com/office/drawing/2014/main" id="{7A24B3A1-5CA1-E242-AB16-87A6EEEA4D89}"/>
+              </a:ext>
+            </a:extLst>
+          </p:cNvPr>
+          <p:cNvSpPr/>
+          <p:nvPr/>
+        </p:nvSpPr>
+        <p:spPr>
+          <a:xfrm rot="261994">
+            <a:off x="13209859" y="6675342"/>
+            <a:ext cx="731520" cy="742278"/>
+          </a:xfrm>
+          <a:prstGeom prst="ellipse">
+            <a:avLst/>
+          </a:prstGeom>
+          <a:solidFill>
+            <a:srgbClr val="FFC000"/>
+          </a:solidFill>
+        </p:spPr>
+        <p:style>
+          <a:lnRef idx="2">
+            <a:schemeClr val="accent1">
+              <a:shade val="50000"/>
+            </a:schemeClr>
+          </a:lnRef>
+          <a:fillRef idx="1">
+            <a:schemeClr val="accent1"/>
+          </a:fillRef>
+          <a:effectRef idx="0">
+            <a:schemeClr val="accent1"/>
+          </a:effectRef>
+          <a:fontRef idx="minor">
+            <a:schemeClr val="lt1"/>
+          </a:fontRef>
+        </p:style>
+        <p:txBody>
+          <a:bodyPr rtlCol="0" anchor="ctr"/>
+          <a:lstStyle/>
+          <a:p>
+            <a:pPr algn="ctr"/>
+            <a:endParaRPr lang="en-US" sz="1400" b="1" i="1" dirty="0">
+              <a:solidFill>
+                <a:schemeClr val="bg1"/>
+              </a:solidFill>
+              <a:highlight>
+                <a:srgbClr val="00FF00"/>
+              </a:highlight>
+            </a:endParaRPr>
+          </a:p>
+        </p:txBody>
+      </p:sp>
     </p:spTree>
     <p:extLst>
       <p:ext uri="{BB962C8B-B14F-4D97-AF65-F5344CB8AC3E}">

--- a/bitcoin.pptx
+++ b/bitcoin.pptx
@@ -3409,6 +3409,64 @@
       </p:grpSpPr>
       <p:sp>
         <p:nvSpPr>
+          <p:cNvPr id="126" name="Oval 125">
+            <a:extLst>
+              <a:ext uri="{FF2B5EF4-FFF2-40B4-BE49-F238E27FC236}">
+                <a16:creationId xmlns:a16="http://schemas.microsoft.com/office/drawing/2014/main" id="{3F5E4210-AEBA-CB48-95D1-0D44710E4B91}"/>
+              </a:ext>
+            </a:extLst>
+          </p:cNvPr>
+          <p:cNvSpPr/>
+          <p:nvPr/>
+        </p:nvSpPr>
+        <p:spPr>
+          <a:xfrm>
+            <a:off x="5750752" y="6714609"/>
+            <a:ext cx="731520" cy="742278"/>
+          </a:xfrm>
+          <a:prstGeom prst="ellipse">
+            <a:avLst/>
+          </a:prstGeom>
+          <a:solidFill>
+            <a:schemeClr val="accent5">
+              <a:lumMod val="75000"/>
+            </a:schemeClr>
+          </a:solidFill>
+        </p:spPr>
+        <p:style>
+          <a:lnRef idx="2">
+            <a:schemeClr val="accent1">
+              <a:shade val="50000"/>
+            </a:schemeClr>
+          </a:lnRef>
+          <a:fillRef idx="1">
+            <a:schemeClr val="accent1"/>
+          </a:fillRef>
+          <a:effectRef idx="0">
+            <a:schemeClr val="accent1"/>
+          </a:effectRef>
+          <a:fontRef idx="minor">
+            <a:schemeClr val="lt1"/>
+          </a:fontRef>
+        </p:style>
+        <p:txBody>
+          <a:bodyPr rtlCol="0" anchor="ctr"/>
+          <a:lstStyle/>
+          <a:p>
+            <a:pPr algn="ctr"/>
+            <a:r>
+              <a:rPr lang="en-US" sz="1400" b="1" i="1" dirty="0">
+                <a:solidFill>
+                  <a:schemeClr val="bg1"/>
+                </a:solidFill>
+              </a:rPr>
+              <a:t>LTC</a:t>
+            </a:r>
+          </a:p>
+        </p:txBody>
+      </p:sp>
+      <p:sp>
+        <p:nvSpPr>
           <p:cNvPr id="155" name="Oval 154">
             <a:extLst>
               <a:ext uri="{FF2B5EF4-FFF2-40B4-BE49-F238E27FC236}">
@@ -3459,6 +3517,62 @@
                 </a:solidFill>
               </a:rPr>
               <a:t>NMC</a:t>
+            </a:r>
+          </a:p>
+        </p:txBody>
+      </p:sp>
+      <p:sp>
+        <p:nvSpPr>
+          <p:cNvPr id="213" name="Oval 212">
+            <a:extLst>
+              <a:ext uri="{FF2B5EF4-FFF2-40B4-BE49-F238E27FC236}">
+                <a16:creationId xmlns:a16="http://schemas.microsoft.com/office/drawing/2014/main" id="{85D62B9A-2963-A045-82F1-115AF0D561BE}"/>
+              </a:ext>
+            </a:extLst>
+          </p:cNvPr>
+          <p:cNvSpPr/>
+          <p:nvPr/>
+        </p:nvSpPr>
+        <p:spPr>
+          <a:xfrm>
+            <a:off x="5831328" y="6915765"/>
+            <a:ext cx="731520" cy="742278"/>
+          </a:xfrm>
+          <a:prstGeom prst="ellipse">
+            <a:avLst/>
+          </a:prstGeom>
+          <a:solidFill>
+            <a:srgbClr val="92D050"/>
+          </a:solidFill>
+        </p:spPr>
+        <p:style>
+          <a:lnRef idx="2">
+            <a:schemeClr val="accent1">
+              <a:shade val="50000"/>
+            </a:schemeClr>
+          </a:lnRef>
+          <a:fillRef idx="1">
+            <a:schemeClr val="accent1"/>
+          </a:fillRef>
+          <a:effectRef idx="0">
+            <a:schemeClr val="accent1"/>
+          </a:effectRef>
+          <a:fontRef idx="minor">
+            <a:schemeClr val="lt1"/>
+          </a:fontRef>
+        </p:style>
+        <p:txBody>
+          <a:bodyPr rtlCol="0" anchor="ctr"/>
+          <a:lstStyle/>
+          <a:p>
+            <a:pPr algn="ctr"/>
+            <a:r>
+              <a:rPr lang="en-US" sz="1400" b="1" i="1" dirty="0">
+                <a:solidFill>
+                  <a:schemeClr val="bg1"/>
+                </a:solidFill>
+              </a:rPr>
+              <a:t>BCH</a:t>
             </a:r>
           </a:p>
         </p:txBody>
@@ -5849,8 +5963,8 @@
         </p:nvCxnSpPr>
         <p:spPr>
           <a:xfrm>
-            <a:off x="9222891" y="6979913"/>
-            <a:ext cx="247426" cy="0"/>
+            <a:off x="9246437" y="7280278"/>
+            <a:ext cx="172425" cy="87037"/>
           </a:xfrm>
           <a:prstGeom prst="straightConnector1">
             <a:avLst/>
@@ -5893,8 +6007,8 @@
         </p:nvCxnSpPr>
         <p:spPr>
           <a:xfrm>
-            <a:off x="10460021" y="6979913"/>
-            <a:ext cx="247426" cy="0"/>
+            <a:off x="10334208" y="8024566"/>
+            <a:ext cx="117400" cy="125659"/>
           </a:xfrm>
           <a:prstGeom prst="straightConnector1">
             <a:avLst/>
@@ -5937,8 +6051,8 @@
         </p:nvCxnSpPr>
         <p:spPr>
           <a:xfrm>
-            <a:off x="11697151" y="6977899"/>
-            <a:ext cx="247426" cy="0"/>
+            <a:off x="11426442" y="8592918"/>
+            <a:ext cx="270709" cy="82785"/>
           </a:xfrm>
           <a:prstGeom prst="straightConnector1">
             <a:avLst/>
@@ -5965,50 +6079,6 @@
           </a:fontRef>
         </p:style>
       </p:cxnSp>
-      <p:cxnSp>
-        <p:nvCxnSpPr>
-          <p:cNvPr id="59" name="Straight Arrow Connector 58">
-            <a:extLst>
-              <a:ext uri="{FF2B5EF4-FFF2-40B4-BE49-F238E27FC236}">
-                <a16:creationId xmlns:a16="http://schemas.microsoft.com/office/drawing/2014/main" id="{5C3116ED-6F39-9349-8986-48C91E6BEB5C}"/>
-              </a:ext>
-            </a:extLst>
-          </p:cNvPr>
-          <p:cNvCxnSpPr>
-            <a:cxnSpLocks/>
-          </p:cNvCxnSpPr>
-          <p:nvPr/>
-        </p:nvCxnSpPr>
-        <p:spPr>
-          <a:xfrm>
-            <a:off x="12934281" y="6913351"/>
-            <a:ext cx="247426" cy="0"/>
-          </a:xfrm>
-          <a:prstGeom prst="straightConnector1">
-            <a:avLst/>
-          </a:prstGeom>
-          <a:ln>
-            <a:solidFill>
-              <a:schemeClr val="tx1"/>
-            </a:solidFill>
-            <a:tailEnd type="triangle"/>
-          </a:ln>
-        </p:spPr>
-        <p:style>
-          <a:lnRef idx="1">
-            <a:schemeClr val="accent1"/>
-          </a:lnRef>
-          <a:fillRef idx="0">
-            <a:schemeClr val="accent1"/>
-          </a:fillRef>
-          <a:effectRef idx="0">
-            <a:schemeClr val="accent1"/>
-          </a:effectRef>
-          <a:fontRef idx="minor">
-            <a:schemeClr val="tx1"/>
-          </a:fontRef>
-        </p:style>
-      </p:cxnSp>
       <p:sp>
         <p:nvSpPr>
           <p:cNvPr id="64" name="Oval 63">
@@ -6083,318 +6153,9 @@
           <p:nvPr/>
         </p:nvCxnSpPr>
         <p:spPr>
-          <a:xfrm>
-            <a:off x="9267890" y="8948216"/>
-            <a:ext cx="247426" cy="0"/>
-          </a:xfrm>
-          <a:prstGeom prst="straightConnector1">
-            <a:avLst/>
-          </a:prstGeom>
-          <a:ln>
-            <a:solidFill>
-              <a:schemeClr val="tx1"/>
-            </a:solidFill>
-            <a:tailEnd type="triangle"/>
-          </a:ln>
-        </p:spPr>
-        <p:style>
-          <a:lnRef idx="1">
-            <a:schemeClr val="accent1"/>
-          </a:lnRef>
-          <a:fillRef idx="0">
-            <a:schemeClr val="accent1"/>
-          </a:fillRef>
-          <a:effectRef idx="0">
-            <a:schemeClr val="accent1"/>
-          </a:effectRef>
-          <a:fontRef idx="minor">
-            <a:schemeClr val="tx1"/>
-          </a:fontRef>
-        </p:style>
-      </p:cxnSp>
-      <p:sp>
-        <p:nvSpPr>
-          <p:cNvPr id="66" name="Oval 65">
-            <a:extLst>
-              <a:ext uri="{FF2B5EF4-FFF2-40B4-BE49-F238E27FC236}">
-                <a16:creationId xmlns:a16="http://schemas.microsoft.com/office/drawing/2014/main" id="{A5D8725B-29CE-8B48-98FC-5751E7276130}"/>
-              </a:ext>
-            </a:extLst>
-          </p:cNvPr>
-          <p:cNvSpPr/>
-          <p:nvPr/>
-        </p:nvSpPr>
-        <p:spPr>
-          <a:xfrm>
-            <a:off x="9644409" y="8571698"/>
-            <a:ext cx="731520" cy="742278"/>
-          </a:xfrm>
-          <a:prstGeom prst="ellipse">
-            <a:avLst/>
-          </a:prstGeom>
-          <a:solidFill>
-            <a:schemeClr val="accent1">
-              <a:lumMod val="60000"/>
-              <a:lumOff val="40000"/>
-            </a:schemeClr>
-          </a:solidFill>
-        </p:spPr>
-        <p:style>
-          <a:lnRef idx="2">
-            <a:schemeClr val="accent1">
-              <a:shade val="50000"/>
-            </a:schemeClr>
-          </a:lnRef>
-          <a:fillRef idx="1">
-            <a:schemeClr val="accent1"/>
-          </a:fillRef>
-          <a:effectRef idx="0">
-            <a:schemeClr val="accent1"/>
-          </a:effectRef>
-          <a:fontRef idx="minor">
-            <a:schemeClr val="lt1"/>
-          </a:fontRef>
-        </p:style>
-        <p:txBody>
-          <a:bodyPr rtlCol="0" anchor="ctr"/>
-          <a:lstStyle/>
-          <a:p>
-            <a:pPr algn="ctr"/>
-            <a:r>
-              <a:rPr lang="en-US" sz="1100" b="1" i="1" dirty="0">
-                <a:solidFill>
-                  <a:schemeClr val="bg1"/>
-                </a:solidFill>
-              </a:rPr>
-              <a:t>BTCC</a:t>
-            </a:r>
-          </a:p>
-        </p:txBody>
-      </p:sp>
-      <p:cxnSp>
-        <p:nvCxnSpPr>
-          <p:cNvPr id="67" name="Straight Arrow Connector 66">
-            <a:extLst>
-              <a:ext uri="{FF2B5EF4-FFF2-40B4-BE49-F238E27FC236}">
-                <a16:creationId xmlns:a16="http://schemas.microsoft.com/office/drawing/2014/main" id="{F37FD307-90BC-D44A-BD12-FE731FB3017A}"/>
-              </a:ext>
-            </a:extLst>
-          </p:cNvPr>
-          <p:cNvCxnSpPr>
-            <a:cxnSpLocks/>
-          </p:cNvCxnSpPr>
-          <p:nvPr/>
-        </p:nvCxnSpPr>
-        <p:spPr>
-          <a:xfrm>
-            <a:off x="10505021" y="8948216"/>
-            <a:ext cx="247426" cy="0"/>
-          </a:xfrm>
-          <a:prstGeom prst="straightConnector1">
-            <a:avLst/>
-          </a:prstGeom>
-          <a:ln>
-            <a:solidFill>
-              <a:schemeClr val="tx1"/>
-            </a:solidFill>
-            <a:tailEnd type="triangle"/>
-          </a:ln>
-        </p:spPr>
-        <p:style>
-          <a:lnRef idx="1">
-            <a:schemeClr val="accent1"/>
-          </a:lnRef>
-          <a:fillRef idx="0">
-            <a:schemeClr val="accent1"/>
-          </a:fillRef>
-          <a:effectRef idx="0">
-            <a:schemeClr val="accent1"/>
-          </a:effectRef>
-          <a:fontRef idx="minor">
-            <a:schemeClr val="tx1"/>
-          </a:fontRef>
-        </p:style>
-      </p:cxnSp>
-      <p:sp>
-        <p:nvSpPr>
-          <p:cNvPr id="68" name="Oval 67">
-            <a:extLst>
-              <a:ext uri="{FF2B5EF4-FFF2-40B4-BE49-F238E27FC236}">
-                <a16:creationId xmlns:a16="http://schemas.microsoft.com/office/drawing/2014/main" id="{E62CE407-2784-FC42-9FF1-4A2B390C6459}"/>
-              </a:ext>
-            </a:extLst>
-          </p:cNvPr>
-          <p:cNvSpPr/>
-          <p:nvPr/>
-        </p:nvSpPr>
-        <p:spPr>
-          <a:xfrm>
-            <a:off x="10881539" y="8577077"/>
-            <a:ext cx="731520" cy="742278"/>
-          </a:xfrm>
-          <a:prstGeom prst="ellipse">
-            <a:avLst/>
-          </a:prstGeom>
-          <a:solidFill>
-            <a:schemeClr val="accent1">
-              <a:lumMod val="60000"/>
-              <a:lumOff val="40000"/>
-            </a:schemeClr>
-          </a:solidFill>
-        </p:spPr>
-        <p:style>
-          <a:lnRef idx="2">
-            <a:schemeClr val="accent1">
-              <a:shade val="50000"/>
-            </a:schemeClr>
-          </a:lnRef>
-          <a:fillRef idx="1">
-            <a:schemeClr val="accent1"/>
-          </a:fillRef>
-          <a:effectRef idx="0">
-            <a:schemeClr val="accent1"/>
-          </a:effectRef>
-          <a:fontRef idx="minor">
-            <a:schemeClr val="lt1"/>
-          </a:fontRef>
-        </p:style>
-        <p:txBody>
-          <a:bodyPr rtlCol="0" anchor="ctr"/>
-          <a:lstStyle/>
-          <a:p>
-            <a:pPr algn="ctr"/>
-            <a:r>
-              <a:rPr lang="en-US" sz="1100" b="1" i="1" dirty="0">
-                <a:solidFill>
-                  <a:schemeClr val="bg1"/>
-                </a:solidFill>
-              </a:rPr>
-              <a:t>BTCC</a:t>
-            </a:r>
-          </a:p>
-        </p:txBody>
-      </p:sp>
-      <p:cxnSp>
-        <p:nvCxnSpPr>
-          <p:cNvPr id="69" name="Straight Arrow Connector 68">
-            <a:extLst>
-              <a:ext uri="{FF2B5EF4-FFF2-40B4-BE49-F238E27FC236}">
-                <a16:creationId xmlns:a16="http://schemas.microsoft.com/office/drawing/2014/main" id="{A7C54499-2CC7-9E46-996A-9ED61DF0C2F8}"/>
-              </a:ext>
-            </a:extLst>
-          </p:cNvPr>
-          <p:cNvCxnSpPr>
-            <a:cxnSpLocks/>
-          </p:cNvCxnSpPr>
-          <p:nvPr/>
-        </p:nvCxnSpPr>
-        <p:spPr>
-          <a:xfrm>
-            <a:off x="11742151" y="8953595"/>
-            <a:ext cx="247426" cy="0"/>
-          </a:xfrm>
-          <a:prstGeom prst="straightConnector1">
-            <a:avLst/>
-          </a:prstGeom>
-          <a:ln>
-            <a:solidFill>
-              <a:schemeClr val="tx1"/>
-            </a:solidFill>
-            <a:tailEnd type="triangle"/>
-          </a:ln>
-        </p:spPr>
-        <p:style>
-          <a:lnRef idx="1">
-            <a:schemeClr val="accent1"/>
-          </a:lnRef>
-          <a:fillRef idx="0">
-            <a:schemeClr val="accent1"/>
-          </a:fillRef>
-          <a:effectRef idx="0">
-            <a:schemeClr val="accent1"/>
-          </a:effectRef>
-          <a:fontRef idx="minor">
-            <a:schemeClr val="tx1"/>
-          </a:fontRef>
-        </p:style>
-      </p:cxnSp>
-      <p:sp>
-        <p:nvSpPr>
-          <p:cNvPr id="70" name="Oval 69">
-            <a:extLst>
-              <a:ext uri="{FF2B5EF4-FFF2-40B4-BE49-F238E27FC236}">
-                <a16:creationId xmlns:a16="http://schemas.microsoft.com/office/drawing/2014/main" id="{1C8037D0-2BE0-7F40-9B5F-FF098ADD1383}"/>
-              </a:ext>
-            </a:extLst>
-          </p:cNvPr>
-          <p:cNvSpPr/>
-          <p:nvPr/>
-        </p:nvSpPr>
-        <p:spPr>
-          <a:xfrm>
-            <a:off x="12118669" y="8597695"/>
-            <a:ext cx="731520" cy="742278"/>
-          </a:xfrm>
-          <a:prstGeom prst="ellipse">
-            <a:avLst/>
-          </a:prstGeom>
-          <a:solidFill>
-            <a:schemeClr val="accent1">
-              <a:lumMod val="60000"/>
-              <a:lumOff val="40000"/>
-            </a:schemeClr>
-          </a:solidFill>
-        </p:spPr>
-        <p:style>
-          <a:lnRef idx="2">
-            <a:schemeClr val="accent1">
-              <a:shade val="50000"/>
-            </a:schemeClr>
-          </a:lnRef>
-          <a:fillRef idx="1">
-            <a:schemeClr val="accent1"/>
-          </a:fillRef>
-          <a:effectRef idx="0">
-            <a:schemeClr val="accent1"/>
-          </a:effectRef>
-          <a:fontRef idx="minor">
-            <a:schemeClr val="lt1"/>
-          </a:fontRef>
-        </p:style>
-        <p:txBody>
-          <a:bodyPr rtlCol="0" anchor="ctr"/>
-          <a:lstStyle/>
-          <a:p>
-            <a:pPr algn="ctr"/>
-            <a:r>
-              <a:rPr lang="en-US" sz="1100" b="1" i="1" dirty="0">
-                <a:solidFill>
-                  <a:schemeClr val="bg1"/>
-                </a:solidFill>
-              </a:rPr>
-              <a:t>BTCC</a:t>
-            </a:r>
-          </a:p>
-        </p:txBody>
-      </p:sp>
-      <p:cxnSp>
-        <p:nvCxnSpPr>
-          <p:cNvPr id="71" name="Straight Arrow Connector 70">
-            <a:extLst>
-              <a:ext uri="{FF2B5EF4-FFF2-40B4-BE49-F238E27FC236}">
-                <a16:creationId xmlns:a16="http://schemas.microsoft.com/office/drawing/2014/main" id="{48D4EFBD-8BAB-154A-8F6A-B280036CBF66}"/>
-              </a:ext>
-            </a:extLst>
-          </p:cNvPr>
-          <p:cNvCxnSpPr>
-            <a:cxnSpLocks/>
-          </p:cNvCxnSpPr>
-          <p:nvPr/>
-        </p:nvCxnSpPr>
-        <p:spPr>
-          <a:xfrm>
-            <a:off x="12979281" y="8974213"/>
-            <a:ext cx="247426" cy="0"/>
+          <a:xfrm flipV="1">
+            <a:off x="9310922" y="8675703"/>
+            <a:ext cx="810060" cy="231374"/>
           </a:xfrm>
           <a:prstGeom prst="straightConnector1">
             <a:avLst/>
@@ -7002,318 +6763,9 @@
           <p:nvPr/>
         </p:nvCxnSpPr>
         <p:spPr>
-          <a:xfrm>
-            <a:off x="9237911" y="8126624"/>
-            <a:ext cx="247426" cy="0"/>
-          </a:xfrm>
-          <a:prstGeom prst="straightConnector1">
-            <a:avLst/>
-          </a:prstGeom>
-          <a:ln>
-            <a:solidFill>
-              <a:schemeClr val="tx1"/>
-            </a:solidFill>
-            <a:tailEnd type="triangle"/>
-          </a:ln>
-        </p:spPr>
-        <p:style>
-          <a:lnRef idx="1">
-            <a:schemeClr val="accent1"/>
-          </a:lnRef>
-          <a:fillRef idx="0">
-            <a:schemeClr val="accent1"/>
-          </a:fillRef>
-          <a:effectRef idx="0">
-            <a:schemeClr val="accent1"/>
-          </a:effectRef>
-          <a:fontRef idx="minor">
-            <a:schemeClr val="tx1"/>
-          </a:fontRef>
-        </p:style>
-      </p:cxnSp>
-      <p:sp>
-        <p:nvSpPr>
-          <p:cNvPr id="83" name="Oval 82">
-            <a:extLst>
-              <a:ext uri="{FF2B5EF4-FFF2-40B4-BE49-F238E27FC236}">
-                <a16:creationId xmlns:a16="http://schemas.microsoft.com/office/drawing/2014/main" id="{D6275CC5-8256-3B4D-BDD3-475FD2B27DD0}"/>
-              </a:ext>
-            </a:extLst>
-          </p:cNvPr>
-          <p:cNvSpPr/>
-          <p:nvPr/>
-        </p:nvSpPr>
-        <p:spPr>
-          <a:xfrm>
-            <a:off x="9643786" y="7763308"/>
-            <a:ext cx="731520" cy="742278"/>
-          </a:xfrm>
-          <a:prstGeom prst="ellipse">
-            <a:avLst/>
-          </a:prstGeom>
-          <a:solidFill>
-            <a:schemeClr val="accent6">
-              <a:lumMod val="40000"/>
-              <a:lumOff val="60000"/>
-            </a:schemeClr>
-          </a:solidFill>
-        </p:spPr>
-        <p:style>
-          <a:lnRef idx="2">
-            <a:schemeClr val="accent1">
-              <a:shade val="50000"/>
-            </a:schemeClr>
-          </a:lnRef>
-          <a:fillRef idx="1">
-            <a:schemeClr val="accent1"/>
-          </a:fillRef>
-          <a:effectRef idx="0">
-            <a:schemeClr val="accent1"/>
-          </a:effectRef>
-          <a:fontRef idx="minor">
-            <a:schemeClr val="lt1"/>
-          </a:fontRef>
-        </p:style>
-        <p:txBody>
-          <a:bodyPr rtlCol="0" anchor="ctr"/>
-          <a:lstStyle/>
-          <a:p>
-            <a:pPr algn="ctr"/>
-            <a:r>
-              <a:rPr lang="en-US" sz="1100" b="1" i="1" dirty="0">
-                <a:solidFill>
-                  <a:schemeClr val="bg1"/>
-                </a:solidFill>
-              </a:rPr>
-              <a:t>BCHC</a:t>
-            </a:r>
-          </a:p>
-        </p:txBody>
-      </p:sp>
-      <p:cxnSp>
-        <p:nvCxnSpPr>
-          <p:cNvPr id="84" name="Straight Arrow Connector 83">
-            <a:extLst>
-              <a:ext uri="{FF2B5EF4-FFF2-40B4-BE49-F238E27FC236}">
-                <a16:creationId xmlns:a16="http://schemas.microsoft.com/office/drawing/2014/main" id="{6E5ECA19-215B-1F4D-A229-00E000BB52DA}"/>
-              </a:ext>
-            </a:extLst>
-          </p:cNvPr>
-          <p:cNvCxnSpPr>
-            <a:cxnSpLocks/>
-          </p:cNvCxnSpPr>
-          <p:nvPr/>
-        </p:nvCxnSpPr>
-        <p:spPr>
-          <a:xfrm>
-            <a:off x="10504398" y="8139826"/>
-            <a:ext cx="247426" cy="0"/>
-          </a:xfrm>
-          <a:prstGeom prst="straightConnector1">
-            <a:avLst/>
-          </a:prstGeom>
-          <a:ln>
-            <a:solidFill>
-              <a:schemeClr val="tx1"/>
-            </a:solidFill>
-            <a:tailEnd type="triangle"/>
-          </a:ln>
-        </p:spPr>
-        <p:style>
-          <a:lnRef idx="1">
-            <a:schemeClr val="accent1"/>
-          </a:lnRef>
-          <a:fillRef idx="0">
-            <a:schemeClr val="accent1"/>
-          </a:fillRef>
-          <a:effectRef idx="0">
-            <a:schemeClr val="accent1"/>
-          </a:effectRef>
-          <a:fontRef idx="minor">
-            <a:schemeClr val="tx1"/>
-          </a:fontRef>
-        </p:style>
-      </p:cxnSp>
-      <p:sp>
-        <p:nvSpPr>
-          <p:cNvPr id="86" name="Oval 85">
-            <a:extLst>
-              <a:ext uri="{FF2B5EF4-FFF2-40B4-BE49-F238E27FC236}">
-                <a16:creationId xmlns:a16="http://schemas.microsoft.com/office/drawing/2014/main" id="{0767274E-9EBD-DF47-B834-CEE7F9A082B6}"/>
-              </a:ext>
-            </a:extLst>
-          </p:cNvPr>
-          <p:cNvSpPr/>
-          <p:nvPr/>
-        </p:nvSpPr>
-        <p:spPr>
-          <a:xfrm>
-            <a:off x="10851555" y="7743560"/>
-            <a:ext cx="731520" cy="742278"/>
-          </a:xfrm>
-          <a:prstGeom prst="ellipse">
-            <a:avLst/>
-          </a:prstGeom>
-          <a:solidFill>
-            <a:schemeClr val="accent6">
-              <a:lumMod val="40000"/>
-              <a:lumOff val="60000"/>
-            </a:schemeClr>
-          </a:solidFill>
-        </p:spPr>
-        <p:style>
-          <a:lnRef idx="2">
-            <a:schemeClr val="accent1">
-              <a:shade val="50000"/>
-            </a:schemeClr>
-          </a:lnRef>
-          <a:fillRef idx="1">
-            <a:schemeClr val="accent1"/>
-          </a:fillRef>
-          <a:effectRef idx="0">
-            <a:schemeClr val="accent1"/>
-          </a:effectRef>
-          <a:fontRef idx="minor">
-            <a:schemeClr val="lt1"/>
-          </a:fontRef>
-        </p:style>
-        <p:txBody>
-          <a:bodyPr rtlCol="0" anchor="ctr"/>
-          <a:lstStyle/>
-          <a:p>
-            <a:pPr algn="ctr"/>
-            <a:r>
-              <a:rPr lang="en-US" sz="1100" b="1" i="1" dirty="0">
-                <a:solidFill>
-                  <a:schemeClr val="bg1"/>
-                </a:solidFill>
-              </a:rPr>
-              <a:t>BCHC</a:t>
-            </a:r>
-          </a:p>
-        </p:txBody>
-      </p:sp>
-      <p:cxnSp>
-        <p:nvCxnSpPr>
-          <p:cNvPr id="92" name="Straight Arrow Connector 91">
-            <a:extLst>
-              <a:ext uri="{FF2B5EF4-FFF2-40B4-BE49-F238E27FC236}">
-                <a16:creationId xmlns:a16="http://schemas.microsoft.com/office/drawing/2014/main" id="{EAB45F1F-411D-7840-A43F-E82C5A89480E}"/>
-              </a:ext>
-            </a:extLst>
-          </p:cNvPr>
-          <p:cNvCxnSpPr>
-            <a:cxnSpLocks/>
-          </p:cNvCxnSpPr>
-          <p:nvPr/>
-        </p:nvCxnSpPr>
-        <p:spPr>
-          <a:xfrm>
-            <a:off x="11712167" y="8120078"/>
-            <a:ext cx="247426" cy="0"/>
-          </a:xfrm>
-          <a:prstGeom prst="straightConnector1">
-            <a:avLst/>
-          </a:prstGeom>
-          <a:ln>
-            <a:solidFill>
-              <a:schemeClr val="tx1"/>
-            </a:solidFill>
-            <a:tailEnd type="triangle"/>
-          </a:ln>
-        </p:spPr>
-        <p:style>
-          <a:lnRef idx="1">
-            <a:schemeClr val="accent1"/>
-          </a:lnRef>
-          <a:fillRef idx="0">
-            <a:schemeClr val="accent1"/>
-          </a:fillRef>
-          <a:effectRef idx="0">
-            <a:schemeClr val="accent1"/>
-          </a:effectRef>
-          <a:fontRef idx="minor">
-            <a:schemeClr val="tx1"/>
-          </a:fontRef>
-        </p:style>
-      </p:cxnSp>
-      <p:sp>
-        <p:nvSpPr>
-          <p:cNvPr id="93" name="Oval 92">
-            <a:extLst>
-              <a:ext uri="{FF2B5EF4-FFF2-40B4-BE49-F238E27FC236}">
-                <a16:creationId xmlns:a16="http://schemas.microsoft.com/office/drawing/2014/main" id="{D8E26DC8-2EC4-6B40-813F-B90009154101}"/>
-              </a:ext>
-            </a:extLst>
-          </p:cNvPr>
-          <p:cNvSpPr/>
-          <p:nvPr/>
-        </p:nvSpPr>
-        <p:spPr>
-          <a:xfrm>
-            <a:off x="12118042" y="7755485"/>
-            <a:ext cx="731520" cy="742278"/>
-          </a:xfrm>
-          <a:prstGeom prst="ellipse">
-            <a:avLst/>
-          </a:prstGeom>
-          <a:solidFill>
-            <a:schemeClr val="accent6">
-              <a:lumMod val="40000"/>
-              <a:lumOff val="60000"/>
-            </a:schemeClr>
-          </a:solidFill>
-        </p:spPr>
-        <p:style>
-          <a:lnRef idx="2">
-            <a:schemeClr val="accent1">
-              <a:shade val="50000"/>
-            </a:schemeClr>
-          </a:lnRef>
-          <a:fillRef idx="1">
-            <a:schemeClr val="accent1"/>
-          </a:fillRef>
-          <a:effectRef idx="0">
-            <a:schemeClr val="accent1"/>
-          </a:effectRef>
-          <a:fontRef idx="minor">
-            <a:schemeClr val="lt1"/>
-          </a:fontRef>
-        </p:style>
-        <p:txBody>
-          <a:bodyPr rtlCol="0" anchor="ctr"/>
-          <a:lstStyle/>
-          <a:p>
-            <a:pPr algn="ctr"/>
-            <a:r>
-              <a:rPr lang="en-US" sz="1100" b="1" i="1" dirty="0">
-                <a:solidFill>
-                  <a:schemeClr val="bg1"/>
-                </a:solidFill>
-              </a:rPr>
-              <a:t>BCHC</a:t>
-            </a:r>
-          </a:p>
-        </p:txBody>
-      </p:sp>
-      <p:cxnSp>
-        <p:nvCxnSpPr>
-          <p:cNvPr id="94" name="Straight Arrow Connector 93">
-            <a:extLst>
-              <a:ext uri="{FF2B5EF4-FFF2-40B4-BE49-F238E27FC236}">
-                <a16:creationId xmlns:a16="http://schemas.microsoft.com/office/drawing/2014/main" id="{B488564E-4204-C948-ABCB-07074F51F3BB}"/>
-              </a:ext>
-            </a:extLst>
-          </p:cNvPr>
-          <p:cNvCxnSpPr>
-            <a:cxnSpLocks/>
-          </p:cNvCxnSpPr>
-          <p:nvPr/>
-        </p:nvCxnSpPr>
-        <p:spPr>
-          <a:xfrm>
-            <a:off x="12978654" y="8132003"/>
-            <a:ext cx="247426" cy="0"/>
+          <a:xfrm flipV="1">
+            <a:off x="9170027" y="7883654"/>
+            <a:ext cx="281791" cy="231272"/>
           </a:xfrm>
           <a:prstGeom prst="straightConnector1">
             <a:avLst/>
@@ -7384,8 +6836,8 @@
         </p:nvSpPr>
         <p:spPr>
           <a:xfrm>
-            <a:off x="1378966" y="6550329"/>
-            <a:ext cx="793521" cy="369332"/>
+            <a:off x="1378966" y="6492454"/>
+            <a:ext cx="793521" cy="646331"/>
           </a:xfrm>
           <a:prstGeom prst="rect">
             <a:avLst/>
@@ -7407,6 +6859,12 @@
             <a:r>
               <a:rPr lang="en-US" sz="900" dirty="0"/>
               <a:t>modified</a:t>
+            </a:r>
+          </a:p>
+          <a:p>
+            <a:r>
+              <a:rPr lang="en-US" sz="900" dirty="0"/>
+              <a:t>w/out consensus</a:t>
             </a:r>
           </a:p>
         </p:txBody>
@@ -7484,256 +6942,6 @@
         <p:spPr>
           <a:xfrm>
             <a:off x="14188371" y="6099072"/>
-            <a:ext cx="247426" cy="0"/>
-          </a:xfrm>
-          <a:prstGeom prst="straightConnector1">
-            <a:avLst/>
-          </a:prstGeom>
-          <a:ln>
-            <a:solidFill>
-              <a:schemeClr val="tx1"/>
-            </a:solidFill>
-            <a:tailEnd type="triangle"/>
-          </a:ln>
-        </p:spPr>
-        <p:style>
-          <a:lnRef idx="1">
-            <a:schemeClr val="accent1"/>
-          </a:lnRef>
-          <a:fillRef idx="0">
-            <a:schemeClr val="accent1"/>
-          </a:fillRef>
-          <a:effectRef idx="0">
-            <a:schemeClr val="accent1"/>
-          </a:effectRef>
-          <a:fontRef idx="minor">
-            <a:schemeClr val="tx1"/>
-          </a:fontRef>
-        </p:style>
-      </p:cxnSp>
-      <p:cxnSp>
-        <p:nvCxnSpPr>
-          <p:cNvPr id="100" name="Straight Arrow Connector 99">
-            <a:extLst>
-              <a:ext uri="{FF2B5EF4-FFF2-40B4-BE49-F238E27FC236}">
-                <a16:creationId xmlns:a16="http://schemas.microsoft.com/office/drawing/2014/main" id="{61324920-15CD-3745-A43B-EA8360CF2743}"/>
-              </a:ext>
-            </a:extLst>
-          </p:cNvPr>
-          <p:cNvCxnSpPr>
-            <a:cxnSpLocks/>
-          </p:cNvCxnSpPr>
-          <p:nvPr/>
-        </p:nvCxnSpPr>
-        <p:spPr>
-          <a:xfrm>
-            <a:off x="14188371" y="6925817"/>
-            <a:ext cx="247426" cy="0"/>
-          </a:xfrm>
-          <a:prstGeom prst="straightConnector1">
-            <a:avLst/>
-          </a:prstGeom>
-          <a:ln>
-            <a:solidFill>
-              <a:schemeClr val="tx1"/>
-            </a:solidFill>
-            <a:tailEnd type="triangle"/>
-          </a:ln>
-        </p:spPr>
-        <p:style>
-          <a:lnRef idx="1">
-            <a:schemeClr val="accent1"/>
-          </a:lnRef>
-          <a:fillRef idx="0">
-            <a:schemeClr val="accent1"/>
-          </a:fillRef>
-          <a:effectRef idx="0">
-            <a:schemeClr val="accent1"/>
-          </a:effectRef>
-          <a:fontRef idx="minor">
-            <a:schemeClr val="tx1"/>
-          </a:fontRef>
-        </p:style>
-      </p:cxnSp>
-      <p:sp>
-        <p:nvSpPr>
-          <p:cNvPr id="101" name="Oval 100">
-            <a:extLst>
-              <a:ext uri="{FF2B5EF4-FFF2-40B4-BE49-F238E27FC236}">
-                <a16:creationId xmlns:a16="http://schemas.microsoft.com/office/drawing/2014/main" id="{ED0A6BC8-942A-2544-93F6-D0907ACBB083}"/>
-              </a:ext>
-            </a:extLst>
-          </p:cNvPr>
-          <p:cNvSpPr/>
-          <p:nvPr/>
-        </p:nvSpPr>
-        <p:spPr>
-          <a:xfrm>
-            <a:off x="13372759" y="8610161"/>
-            <a:ext cx="731520" cy="742278"/>
-          </a:xfrm>
-          <a:prstGeom prst="ellipse">
-            <a:avLst/>
-          </a:prstGeom>
-          <a:solidFill>
-            <a:schemeClr val="accent1">
-              <a:lumMod val="60000"/>
-              <a:lumOff val="40000"/>
-            </a:schemeClr>
-          </a:solidFill>
-        </p:spPr>
-        <p:style>
-          <a:lnRef idx="2">
-            <a:schemeClr val="accent1">
-              <a:shade val="50000"/>
-            </a:schemeClr>
-          </a:lnRef>
-          <a:fillRef idx="1">
-            <a:schemeClr val="accent1"/>
-          </a:fillRef>
-          <a:effectRef idx="0">
-            <a:schemeClr val="accent1"/>
-          </a:effectRef>
-          <a:fontRef idx="minor">
-            <a:schemeClr val="lt1"/>
-          </a:fontRef>
-        </p:style>
-        <p:txBody>
-          <a:bodyPr rtlCol="0" anchor="ctr"/>
-          <a:lstStyle/>
-          <a:p>
-            <a:pPr algn="ctr"/>
-            <a:r>
-              <a:rPr lang="en-US" sz="1100" b="1" i="1" dirty="0">
-                <a:solidFill>
-                  <a:schemeClr val="bg1"/>
-                </a:solidFill>
-              </a:rPr>
-              <a:t>BTCC</a:t>
-            </a:r>
-          </a:p>
-        </p:txBody>
-      </p:sp>
-      <p:cxnSp>
-        <p:nvCxnSpPr>
-          <p:cNvPr id="102" name="Straight Arrow Connector 101">
-            <a:extLst>
-              <a:ext uri="{FF2B5EF4-FFF2-40B4-BE49-F238E27FC236}">
-                <a16:creationId xmlns:a16="http://schemas.microsoft.com/office/drawing/2014/main" id="{374B7E98-95C2-3F43-8F57-59F556F8F9BD}"/>
-              </a:ext>
-            </a:extLst>
-          </p:cNvPr>
-          <p:cNvCxnSpPr>
-            <a:cxnSpLocks/>
-          </p:cNvCxnSpPr>
-          <p:nvPr/>
-        </p:nvCxnSpPr>
-        <p:spPr>
-          <a:xfrm>
-            <a:off x="14233371" y="8986679"/>
-            <a:ext cx="247426" cy="0"/>
-          </a:xfrm>
-          <a:prstGeom prst="straightConnector1">
-            <a:avLst/>
-          </a:prstGeom>
-          <a:ln>
-            <a:solidFill>
-              <a:schemeClr val="tx1"/>
-            </a:solidFill>
-            <a:tailEnd type="triangle"/>
-          </a:ln>
-        </p:spPr>
-        <p:style>
-          <a:lnRef idx="1">
-            <a:schemeClr val="accent1"/>
-          </a:lnRef>
-          <a:fillRef idx="0">
-            <a:schemeClr val="accent1"/>
-          </a:fillRef>
-          <a:effectRef idx="0">
-            <a:schemeClr val="accent1"/>
-          </a:effectRef>
-          <a:fontRef idx="minor">
-            <a:schemeClr val="tx1"/>
-          </a:fontRef>
-        </p:style>
-      </p:cxnSp>
-      <p:sp>
-        <p:nvSpPr>
-          <p:cNvPr id="103" name="Oval 102">
-            <a:extLst>
-              <a:ext uri="{FF2B5EF4-FFF2-40B4-BE49-F238E27FC236}">
-                <a16:creationId xmlns:a16="http://schemas.microsoft.com/office/drawing/2014/main" id="{B1C8D5D5-6F05-C146-A874-219323B5F3CB}"/>
-              </a:ext>
-            </a:extLst>
-          </p:cNvPr>
-          <p:cNvSpPr/>
-          <p:nvPr/>
-        </p:nvSpPr>
-        <p:spPr>
-          <a:xfrm>
-            <a:off x="13372132" y="7767951"/>
-            <a:ext cx="731520" cy="742278"/>
-          </a:xfrm>
-          <a:prstGeom prst="ellipse">
-            <a:avLst/>
-          </a:prstGeom>
-          <a:solidFill>
-            <a:schemeClr val="accent6">
-              <a:lumMod val="40000"/>
-              <a:lumOff val="60000"/>
-            </a:schemeClr>
-          </a:solidFill>
-        </p:spPr>
-        <p:style>
-          <a:lnRef idx="2">
-            <a:schemeClr val="accent1">
-              <a:shade val="50000"/>
-            </a:schemeClr>
-          </a:lnRef>
-          <a:fillRef idx="1">
-            <a:schemeClr val="accent1"/>
-          </a:fillRef>
-          <a:effectRef idx="0">
-            <a:schemeClr val="accent1"/>
-          </a:effectRef>
-          <a:fontRef idx="minor">
-            <a:schemeClr val="lt1"/>
-          </a:fontRef>
-        </p:style>
-        <p:txBody>
-          <a:bodyPr rtlCol="0" anchor="ctr"/>
-          <a:lstStyle/>
-          <a:p>
-            <a:pPr algn="ctr"/>
-            <a:r>
-              <a:rPr lang="en-US" sz="1100" b="1" i="1" dirty="0">
-                <a:solidFill>
-                  <a:schemeClr val="bg1"/>
-                </a:solidFill>
-              </a:rPr>
-              <a:t>BCHC</a:t>
-            </a:r>
-          </a:p>
-        </p:txBody>
-      </p:sp>
-      <p:cxnSp>
-        <p:nvCxnSpPr>
-          <p:cNvPr id="104" name="Straight Arrow Connector 103">
-            <a:extLst>
-              <a:ext uri="{FF2B5EF4-FFF2-40B4-BE49-F238E27FC236}">
-                <a16:creationId xmlns:a16="http://schemas.microsoft.com/office/drawing/2014/main" id="{CEB121B9-6D6B-C84A-86EE-28ED87D32510}"/>
-              </a:ext>
-            </a:extLst>
-          </p:cNvPr>
-          <p:cNvCxnSpPr>
-            <a:cxnSpLocks/>
-          </p:cNvCxnSpPr>
-          <p:nvPr/>
-        </p:nvCxnSpPr>
-        <p:spPr>
-          <a:xfrm>
-            <a:off x="14232744" y="8144469"/>
             <a:ext cx="247426" cy="0"/>
           </a:xfrm>
           <a:prstGeom prst="straightConnector1">
@@ -8200,7 +7408,7 @@
         <p:spPr>
           <a:xfrm>
             <a:off x="7954161" y="6973656"/>
-            <a:ext cx="247426" cy="0"/>
+            <a:ext cx="244552" cy="60296"/>
           </a:xfrm>
           <a:prstGeom prst="straightConnector1">
             <a:avLst/>
@@ -8745,64 +7953,6 @@
       </p:sp>
       <p:sp>
         <p:nvSpPr>
-          <p:cNvPr id="126" name="Oval 125">
-            <a:extLst>
-              <a:ext uri="{FF2B5EF4-FFF2-40B4-BE49-F238E27FC236}">
-                <a16:creationId xmlns:a16="http://schemas.microsoft.com/office/drawing/2014/main" id="{3F5E4210-AEBA-CB48-95D1-0D44710E4B91}"/>
-              </a:ext>
-            </a:extLst>
-          </p:cNvPr>
-          <p:cNvSpPr/>
-          <p:nvPr/>
-        </p:nvSpPr>
-        <p:spPr>
-          <a:xfrm>
-            <a:off x="5750752" y="6714609"/>
-            <a:ext cx="731520" cy="742278"/>
-          </a:xfrm>
-          <a:prstGeom prst="ellipse">
-            <a:avLst/>
-          </a:prstGeom>
-          <a:solidFill>
-            <a:schemeClr val="accent5">
-              <a:lumMod val="75000"/>
-            </a:schemeClr>
-          </a:solidFill>
-        </p:spPr>
-        <p:style>
-          <a:lnRef idx="2">
-            <a:schemeClr val="accent1">
-              <a:shade val="50000"/>
-            </a:schemeClr>
-          </a:lnRef>
-          <a:fillRef idx="1">
-            <a:schemeClr val="accent1"/>
-          </a:fillRef>
-          <a:effectRef idx="0">
-            <a:schemeClr val="accent1"/>
-          </a:effectRef>
-          <a:fontRef idx="minor">
-            <a:schemeClr val="lt1"/>
-          </a:fontRef>
-        </p:style>
-        <p:txBody>
-          <a:bodyPr rtlCol="0" anchor="ctr"/>
-          <a:lstStyle/>
-          <a:p>
-            <a:pPr algn="ctr"/>
-            <a:r>
-              <a:rPr lang="en-US" sz="1400" b="1" i="1" dirty="0">
-                <a:solidFill>
-                  <a:schemeClr val="bg1"/>
-                </a:solidFill>
-              </a:rPr>
-              <a:t>LTC</a:t>
-            </a:r>
-          </a:p>
-        </p:txBody>
-      </p:sp>
-      <p:sp>
-        <p:nvSpPr>
           <p:cNvPr id="127" name="Oval 126">
             <a:extLst>
               <a:ext uri="{FF2B5EF4-FFF2-40B4-BE49-F238E27FC236}">
@@ -9166,6 +8316,62 @@
           </a:fontRef>
         </p:style>
       </p:cxnSp>
+      <p:sp>
+        <p:nvSpPr>
+          <p:cNvPr id="146" name="Oval 145">
+            <a:extLst>
+              <a:ext uri="{FF2B5EF4-FFF2-40B4-BE49-F238E27FC236}">
+                <a16:creationId xmlns:a16="http://schemas.microsoft.com/office/drawing/2014/main" id="{E9465BB6-62DE-784A-ADD1-3E77697984E7}"/>
+              </a:ext>
+            </a:extLst>
+          </p:cNvPr>
+          <p:cNvSpPr/>
+          <p:nvPr/>
+        </p:nvSpPr>
+        <p:spPr>
+          <a:xfrm rot="261994">
+            <a:off x="5838528" y="6781176"/>
+            <a:ext cx="731520" cy="742278"/>
+          </a:xfrm>
+          <a:prstGeom prst="ellipse">
+            <a:avLst/>
+          </a:prstGeom>
+          <a:solidFill>
+            <a:srgbClr val="FF0000"/>
+          </a:solidFill>
+        </p:spPr>
+        <p:style>
+          <a:lnRef idx="2">
+            <a:schemeClr val="accent1">
+              <a:shade val="50000"/>
+            </a:schemeClr>
+          </a:lnRef>
+          <a:fillRef idx="1">
+            <a:schemeClr val="accent1"/>
+          </a:fillRef>
+          <a:effectRef idx="0">
+            <a:schemeClr val="accent1"/>
+          </a:effectRef>
+          <a:fontRef idx="minor">
+            <a:schemeClr val="lt1"/>
+          </a:fontRef>
+        </p:style>
+        <p:txBody>
+          <a:bodyPr rtlCol="0" anchor="ctr"/>
+          <a:lstStyle/>
+          <a:p>
+            <a:pPr algn="ctr"/>
+            <a:r>
+              <a:rPr lang="en-US" sz="1200" b="1" i="1" dirty="0">
+                <a:solidFill>
+                  <a:schemeClr val="bg1"/>
+                </a:solidFill>
+              </a:rPr>
+              <a:t>NMC</a:t>
+            </a:r>
+          </a:p>
+        </p:txBody>
+      </p:sp>
       <p:pic>
         <p:nvPicPr>
           <p:cNvPr id="143" name="Picture 142">
@@ -9196,62 +8402,6 @@
           </a:prstGeom>
         </p:spPr>
       </p:pic>
-      <p:sp>
-        <p:nvSpPr>
-          <p:cNvPr id="146" name="Oval 145">
-            <a:extLst>
-              <a:ext uri="{FF2B5EF4-FFF2-40B4-BE49-F238E27FC236}">
-                <a16:creationId xmlns:a16="http://schemas.microsoft.com/office/drawing/2014/main" id="{E9465BB6-62DE-784A-ADD1-3E77697984E7}"/>
-              </a:ext>
-            </a:extLst>
-          </p:cNvPr>
-          <p:cNvSpPr/>
-          <p:nvPr/>
-        </p:nvSpPr>
-        <p:spPr>
-          <a:xfrm rot="261994">
-            <a:off x="5838528" y="6781176"/>
-            <a:ext cx="731520" cy="742278"/>
-          </a:xfrm>
-          <a:prstGeom prst="ellipse">
-            <a:avLst/>
-          </a:prstGeom>
-          <a:solidFill>
-            <a:srgbClr val="FF0000"/>
-          </a:solidFill>
-        </p:spPr>
-        <p:style>
-          <a:lnRef idx="2">
-            <a:schemeClr val="accent1">
-              <a:shade val="50000"/>
-            </a:schemeClr>
-          </a:lnRef>
-          <a:fillRef idx="1">
-            <a:schemeClr val="accent1"/>
-          </a:fillRef>
-          <a:effectRef idx="0">
-            <a:schemeClr val="accent1"/>
-          </a:effectRef>
-          <a:fontRef idx="minor">
-            <a:schemeClr val="lt1"/>
-          </a:fontRef>
-        </p:style>
-        <p:txBody>
-          <a:bodyPr rtlCol="0" anchor="ctr"/>
-          <a:lstStyle/>
-          <a:p>
-            <a:pPr algn="ctr"/>
-            <a:r>
-              <a:rPr lang="en-US" sz="1200" b="1" i="1" dirty="0">
-                <a:solidFill>
-                  <a:schemeClr val="bg1"/>
-                </a:solidFill>
-              </a:rPr>
-              <a:t>NMC</a:t>
-            </a:r>
-          </a:p>
-        </p:txBody>
-      </p:sp>
       <p:sp>
         <p:nvSpPr>
           <p:cNvPr id="147" name="Oval 146">
@@ -9442,7 +8592,7 @@
         </p:nvSpPr>
         <p:spPr>
           <a:xfrm>
-            <a:off x="8364204" y="6847744"/>
+            <a:off x="8364592" y="6952409"/>
             <a:ext cx="731520" cy="742278"/>
           </a:xfrm>
           <a:prstGeom prst="ellipse">
@@ -9498,7 +8648,7 @@
         </p:nvSpPr>
         <p:spPr>
           <a:xfrm>
-            <a:off x="8198325" y="6754406"/>
+            <a:off x="8198713" y="6859071"/>
             <a:ext cx="731520" cy="742278"/>
           </a:xfrm>
           <a:prstGeom prst="ellipse">
@@ -9556,7 +8706,7 @@
         </p:nvSpPr>
         <p:spPr>
           <a:xfrm>
-            <a:off x="8428750" y="6648452"/>
+            <a:off x="8429138" y="6753117"/>
             <a:ext cx="731520" cy="742278"/>
           </a:xfrm>
           <a:prstGeom prst="ellipse">
@@ -9670,7 +8820,7 @@
         </p:nvSpPr>
         <p:spPr>
           <a:xfrm>
-            <a:off x="8333293" y="6770696"/>
+            <a:off x="8333681" y="6875361"/>
             <a:ext cx="731520" cy="742278"/>
           </a:xfrm>
           <a:prstGeom prst="ellipse">
@@ -9729,7 +8879,7 @@
         </p:nvSpPr>
         <p:spPr>
           <a:xfrm rot="261994">
-            <a:off x="8286101" y="6820973"/>
+            <a:off x="8286489" y="6925638"/>
             <a:ext cx="731520" cy="742278"/>
           </a:xfrm>
           <a:prstGeom prst="ellipse">
@@ -9841,7 +8991,7 @@
         </p:nvSpPr>
         <p:spPr>
           <a:xfrm rot="261994">
-            <a:off x="8350647" y="6621681"/>
+            <a:off x="8351035" y="6726346"/>
             <a:ext cx="731520" cy="742278"/>
           </a:xfrm>
           <a:prstGeom prst="ellipse">
@@ -9902,7 +9052,7 @@
         </p:nvSpPr>
         <p:spPr>
           <a:xfrm>
-            <a:off x="9620577" y="6883778"/>
+            <a:off x="9655768" y="7286786"/>
             <a:ext cx="731520" cy="742278"/>
           </a:xfrm>
           <a:prstGeom prst="ellipse">
@@ -9958,7 +9108,7 @@
         </p:nvSpPr>
         <p:spPr>
           <a:xfrm>
-            <a:off x="9454698" y="6790440"/>
+            <a:off x="9489889" y="7193448"/>
             <a:ext cx="731520" cy="742278"/>
           </a:xfrm>
           <a:prstGeom prst="ellipse">
@@ -10016,7 +9166,7 @@
         </p:nvSpPr>
         <p:spPr>
           <a:xfrm>
-            <a:off x="9685123" y="6684486"/>
+            <a:off x="9720314" y="7087494"/>
             <a:ext cx="731520" cy="742278"/>
           </a:xfrm>
           <a:prstGeom prst="ellipse">
@@ -10074,7 +9224,7 @@
         </p:nvSpPr>
         <p:spPr>
           <a:xfrm>
-            <a:off x="9589666" y="6806730"/>
+            <a:off x="9624857" y="7209738"/>
             <a:ext cx="731520" cy="742278"/>
           </a:xfrm>
           <a:prstGeom prst="ellipse">
@@ -10133,7 +9283,7 @@
         </p:nvSpPr>
         <p:spPr>
           <a:xfrm rot="261994">
-            <a:off x="9542474" y="6857007"/>
+            <a:off x="9577665" y="7260015"/>
             <a:ext cx="731520" cy="742278"/>
           </a:xfrm>
           <a:prstGeom prst="ellipse">
@@ -10189,7 +9339,7 @@
         </p:nvSpPr>
         <p:spPr>
           <a:xfrm rot="261994">
-            <a:off x="9745688" y="6830227"/>
+            <a:off x="9780879" y="7233235"/>
             <a:ext cx="731520" cy="742278"/>
           </a:xfrm>
           <a:prstGeom prst="ellipse">
@@ -10245,7 +9395,7 @@
         </p:nvSpPr>
         <p:spPr>
           <a:xfrm rot="261994">
-            <a:off x="9607020" y="6657715"/>
+            <a:off x="9642211" y="7060723"/>
             <a:ext cx="731520" cy="742278"/>
           </a:xfrm>
           <a:prstGeom prst="ellipse">
@@ -10306,7 +9456,7 @@
         </p:nvSpPr>
         <p:spPr>
           <a:xfrm rot="261994">
-            <a:off x="9678047" y="6851202"/>
+            <a:off x="9713238" y="7254210"/>
             <a:ext cx="731520" cy="742278"/>
           </a:xfrm>
           <a:prstGeom prst="ellipse">
@@ -10362,7 +9512,7 @@
         </p:nvSpPr>
         <p:spPr>
           <a:xfrm>
-            <a:off x="10856971" y="6883952"/>
+            <a:off x="10490640" y="8286688"/>
             <a:ext cx="731520" cy="742278"/>
           </a:xfrm>
           <a:prstGeom prst="ellipse">
@@ -10418,7 +9568,7 @@
         </p:nvSpPr>
         <p:spPr>
           <a:xfrm>
-            <a:off x="10691092" y="6790614"/>
+            <a:off x="10324761" y="8193350"/>
             <a:ext cx="731520" cy="742278"/>
           </a:xfrm>
           <a:prstGeom prst="ellipse">
@@ -10476,7 +9626,7 @@
         </p:nvSpPr>
         <p:spPr>
           <a:xfrm>
-            <a:off x="10921517" y="6684660"/>
+            <a:off x="10555186" y="8087396"/>
             <a:ext cx="731520" cy="742278"/>
           </a:xfrm>
           <a:prstGeom prst="ellipse">
@@ -10534,7 +9684,7 @@
         </p:nvSpPr>
         <p:spPr>
           <a:xfrm>
-            <a:off x="10826060" y="6806904"/>
+            <a:off x="10459729" y="8209640"/>
             <a:ext cx="731520" cy="742278"/>
           </a:xfrm>
           <a:prstGeom prst="ellipse">
@@ -10593,7 +9743,7 @@
         </p:nvSpPr>
         <p:spPr>
           <a:xfrm rot="261994">
-            <a:off x="10778868" y="6857181"/>
+            <a:off x="10412537" y="8259917"/>
             <a:ext cx="731520" cy="742278"/>
           </a:xfrm>
           <a:prstGeom prst="ellipse">
@@ -10649,7 +9799,7 @@
         </p:nvSpPr>
         <p:spPr>
           <a:xfrm rot="261994">
-            <a:off x="10982082" y="6830401"/>
+            <a:off x="10615751" y="8233137"/>
             <a:ext cx="731520" cy="742278"/>
           </a:xfrm>
           <a:prstGeom prst="ellipse">
@@ -10705,7 +9855,7 @@
         </p:nvSpPr>
         <p:spPr>
           <a:xfrm rot="261994">
-            <a:off x="10843414" y="6657889"/>
+            <a:off x="10483689" y="8118147"/>
             <a:ext cx="731520" cy="742278"/>
           </a:xfrm>
           <a:prstGeom prst="ellipse">
@@ -10766,7 +9916,7 @@
         </p:nvSpPr>
         <p:spPr>
           <a:xfrm rot="261994">
-            <a:off x="10914441" y="6851376"/>
+            <a:off x="10548110" y="8254112"/>
             <a:ext cx="731520" cy="742278"/>
           </a:xfrm>
           <a:prstGeom prst="ellipse">
@@ -10822,7 +9972,7 @@
         </p:nvSpPr>
         <p:spPr>
           <a:xfrm>
-            <a:off x="12125472" y="6860003"/>
+            <a:off x="11919207" y="8571281"/>
             <a:ext cx="731520" cy="742278"/>
           </a:xfrm>
           <a:prstGeom prst="ellipse">
@@ -10878,7 +10028,7 @@
         </p:nvSpPr>
         <p:spPr>
           <a:xfrm>
-            <a:off x="11959593" y="6766665"/>
+            <a:off x="11753328" y="8477943"/>
             <a:ext cx="731520" cy="742278"/>
           </a:xfrm>
           <a:prstGeom prst="ellipse">
@@ -10936,7 +10086,7 @@
         </p:nvSpPr>
         <p:spPr>
           <a:xfrm>
-            <a:off x="12190018" y="6660711"/>
+            <a:off x="11983753" y="8371989"/>
             <a:ext cx="731520" cy="742278"/>
           </a:xfrm>
           <a:prstGeom prst="ellipse">
@@ -10994,7 +10144,7 @@
         </p:nvSpPr>
         <p:spPr>
           <a:xfrm>
-            <a:off x="12094561" y="6782955"/>
+            <a:off x="11888296" y="8494233"/>
             <a:ext cx="731520" cy="742278"/>
           </a:xfrm>
           <a:prstGeom prst="ellipse">
@@ -11053,7 +10203,7 @@
         </p:nvSpPr>
         <p:spPr>
           <a:xfrm rot="261994">
-            <a:off x="12047369" y="6833232"/>
+            <a:off x="11841104" y="8544510"/>
             <a:ext cx="731520" cy="742278"/>
           </a:xfrm>
           <a:prstGeom prst="ellipse">
@@ -11109,7 +10259,7 @@
         </p:nvSpPr>
         <p:spPr>
           <a:xfrm rot="261994">
-            <a:off x="12250583" y="6806452"/>
+            <a:off x="12044318" y="8517730"/>
             <a:ext cx="731520" cy="742278"/>
           </a:xfrm>
           <a:prstGeom prst="ellipse">
@@ -11165,7 +10315,7 @@
         </p:nvSpPr>
         <p:spPr>
           <a:xfrm rot="261994">
-            <a:off x="12111915" y="6633940"/>
+            <a:off x="11905650" y="8345218"/>
             <a:ext cx="731520" cy="742278"/>
           </a:xfrm>
           <a:prstGeom prst="ellipse">
@@ -11226,467 +10376,7 @@
         </p:nvSpPr>
         <p:spPr>
           <a:xfrm rot="261994">
-            <a:off x="12182942" y="6827427"/>
-            <a:ext cx="731520" cy="742278"/>
-          </a:xfrm>
-          <a:prstGeom prst="ellipse">
-            <a:avLst/>
-          </a:prstGeom>
-          <a:solidFill>
-            <a:schemeClr val="accent5">
-              <a:lumMod val="40000"/>
-              <a:lumOff val="60000"/>
-            </a:schemeClr>
-          </a:solidFill>
-        </p:spPr>
-        <p:style>
-          <a:lnRef idx="2">
-            <a:schemeClr val="accent1">
-              <a:shade val="50000"/>
-            </a:schemeClr>
-          </a:lnRef>
-          <a:fillRef idx="1">
-            <a:schemeClr val="accent1"/>
-          </a:fillRef>
-          <a:effectRef idx="0">
-            <a:schemeClr val="accent1"/>
-          </a:effectRef>
-          <a:fontRef idx="minor">
-            <a:schemeClr val="lt1"/>
-          </a:fontRef>
-        </p:style>
-        <p:txBody>
-          <a:bodyPr rtlCol="0" anchor="ctr"/>
-          <a:lstStyle/>
-          <a:p>
-            <a:pPr algn="ctr"/>
-            <a:endParaRPr lang="en-US" sz="1400" b="1" i="1" dirty="0">
-              <a:solidFill>
-                <a:schemeClr val="bg1"/>
-              </a:solidFill>
-            </a:endParaRPr>
-          </a:p>
-        </p:txBody>
-      </p:sp>
-      <p:sp>
-        <p:nvSpPr>
-          <p:cNvPr id="197" name="Oval 196">
-            <a:extLst>
-              <a:ext uri="{FF2B5EF4-FFF2-40B4-BE49-F238E27FC236}">
-                <a16:creationId xmlns:a16="http://schemas.microsoft.com/office/drawing/2014/main" id="{BE605AD2-1C42-684B-BA09-BAD6CC9E83E8}"/>
-              </a:ext>
-            </a:extLst>
-          </p:cNvPr>
-          <p:cNvSpPr/>
-          <p:nvPr/>
-        </p:nvSpPr>
-        <p:spPr>
-          <a:xfrm>
-            <a:off x="13350902" y="6860238"/>
-            <a:ext cx="731520" cy="742278"/>
-          </a:xfrm>
-          <a:prstGeom prst="ellipse">
-            <a:avLst/>
-          </a:prstGeom>
-          <a:solidFill>
-            <a:srgbClr val="FF0000"/>
-          </a:solidFill>
-        </p:spPr>
-        <p:style>
-          <a:lnRef idx="2">
-            <a:schemeClr val="accent1">
-              <a:shade val="50000"/>
-            </a:schemeClr>
-          </a:lnRef>
-          <a:fillRef idx="1">
-            <a:schemeClr val="accent1"/>
-          </a:fillRef>
-          <a:effectRef idx="0">
-            <a:schemeClr val="accent1"/>
-          </a:effectRef>
-          <a:fontRef idx="minor">
-            <a:schemeClr val="lt1"/>
-          </a:fontRef>
-        </p:style>
-        <p:txBody>
-          <a:bodyPr rtlCol="0" anchor="ctr"/>
-          <a:lstStyle/>
-          <a:p>
-            <a:pPr algn="ctr"/>
-            <a:r>
-              <a:rPr lang="en-US" sz="1200" b="1" i="1" dirty="0">
-                <a:solidFill>
-                  <a:schemeClr val="bg1"/>
-                </a:solidFill>
-              </a:rPr>
-              <a:t>NMC</a:t>
-            </a:r>
-          </a:p>
-        </p:txBody>
-      </p:sp>
-      <p:sp>
-        <p:nvSpPr>
-          <p:cNvPr id="198" name="Oval 197">
-            <a:extLst>
-              <a:ext uri="{FF2B5EF4-FFF2-40B4-BE49-F238E27FC236}">
-                <a16:creationId xmlns:a16="http://schemas.microsoft.com/office/drawing/2014/main" id="{A3A67DCE-124A-8543-A918-C718C84791D8}"/>
-              </a:ext>
-            </a:extLst>
-          </p:cNvPr>
-          <p:cNvSpPr/>
-          <p:nvPr/>
-        </p:nvSpPr>
-        <p:spPr>
-          <a:xfrm>
-            <a:off x="13185023" y="6766900"/>
-            <a:ext cx="731520" cy="742278"/>
-          </a:xfrm>
-          <a:prstGeom prst="ellipse">
-            <a:avLst/>
-          </a:prstGeom>
-          <a:solidFill>
-            <a:schemeClr val="accent5">
-              <a:lumMod val="75000"/>
-            </a:schemeClr>
-          </a:solidFill>
-        </p:spPr>
-        <p:style>
-          <a:lnRef idx="2">
-            <a:schemeClr val="accent1">
-              <a:shade val="50000"/>
-            </a:schemeClr>
-          </a:lnRef>
-          <a:fillRef idx="1">
-            <a:schemeClr val="accent1"/>
-          </a:fillRef>
-          <a:effectRef idx="0">
-            <a:schemeClr val="accent1"/>
-          </a:effectRef>
-          <a:fontRef idx="minor">
-            <a:schemeClr val="lt1"/>
-          </a:fontRef>
-        </p:style>
-        <p:txBody>
-          <a:bodyPr rtlCol="0" anchor="ctr"/>
-          <a:lstStyle/>
-          <a:p>
-            <a:pPr algn="ctr"/>
-            <a:r>
-              <a:rPr lang="en-US" sz="1400" b="1" i="1" dirty="0">
-                <a:solidFill>
-                  <a:schemeClr val="bg1"/>
-                </a:solidFill>
-              </a:rPr>
-              <a:t>LTC</a:t>
-            </a:r>
-          </a:p>
-        </p:txBody>
-      </p:sp>
-      <p:sp>
-        <p:nvSpPr>
-          <p:cNvPr id="199" name="Oval 198">
-            <a:extLst>
-              <a:ext uri="{FF2B5EF4-FFF2-40B4-BE49-F238E27FC236}">
-                <a16:creationId xmlns:a16="http://schemas.microsoft.com/office/drawing/2014/main" id="{D904E30B-9DE0-6D4B-9CEB-6755970AB528}"/>
-              </a:ext>
-            </a:extLst>
-          </p:cNvPr>
-          <p:cNvSpPr/>
-          <p:nvPr/>
-        </p:nvSpPr>
-        <p:spPr>
-          <a:xfrm>
-            <a:off x="13415448" y="6660946"/>
-            <a:ext cx="731520" cy="742278"/>
-          </a:xfrm>
-          <a:prstGeom prst="ellipse">
-            <a:avLst/>
-          </a:prstGeom>
-          <a:solidFill>
-            <a:schemeClr val="accent4">
-              <a:lumMod val="75000"/>
-            </a:schemeClr>
-          </a:solidFill>
-        </p:spPr>
-        <p:style>
-          <a:lnRef idx="2">
-            <a:schemeClr val="accent1">
-              <a:shade val="50000"/>
-            </a:schemeClr>
-          </a:lnRef>
-          <a:fillRef idx="1">
-            <a:schemeClr val="accent1"/>
-          </a:fillRef>
-          <a:effectRef idx="0">
-            <a:schemeClr val="accent1"/>
-          </a:effectRef>
-          <a:fontRef idx="minor">
-            <a:schemeClr val="lt1"/>
-          </a:fontRef>
-        </p:style>
-        <p:txBody>
-          <a:bodyPr rtlCol="0" anchor="ctr"/>
-          <a:lstStyle/>
-          <a:p>
-            <a:pPr algn="ctr"/>
-            <a:r>
-              <a:rPr lang="en-US" sz="1400" b="1" i="1" dirty="0">
-                <a:solidFill>
-                  <a:schemeClr val="bg1"/>
-                </a:solidFill>
-              </a:rPr>
-              <a:t>BTG</a:t>
-            </a:r>
-          </a:p>
-        </p:txBody>
-      </p:sp>
-      <p:sp>
-        <p:nvSpPr>
-          <p:cNvPr id="200" name="Oval 199">
-            <a:extLst>
-              <a:ext uri="{FF2B5EF4-FFF2-40B4-BE49-F238E27FC236}">
-                <a16:creationId xmlns:a16="http://schemas.microsoft.com/office/drawing/2014/main" id="{9182F375-EAD9-7746-98DF-0E889710A6AC}"/>
-              </a:ext>
-            </a:extLst>
-          </p:cNvPr>
-          <p:cNvSpPr/>
-          <p:nvPr/>
-        </p:nvSpPr>
-        <p:spPr>
-          <a:xfrm>
-            <a:off x="13319991" y="6783190"/>
-            <a:ext cx="731520" cy="742278"/>
-          </a:xfrm>
-          <a:prstGeom prst="ellipse">
-            <a:avLst/>
-          </a:prstGeom>
-          <a:solidFill>
-            <a:schemeClr val="accent5">
-              <a:lumMod val="40000"/>
-              <a:lumOff val="60000"/>
-            </a:schemeClr>
-          </a:solidFill>
-        </p:spPr>
-        <p:style>
-          <a:lnRef idx="2">
-            <a:schemeClr val="accent1">
-              <a:shade val="50000"/>
-            </a:schemeClr>
-          </a:lnRef>
-          <a:fillRef idx="1">
-            <a:schemeClr val="accent1"/>
-          </a:fillRef>
-          <a:effectRef idx="0">
-            <a:schemeClr val="accent1"/>
-          </a:effectRef>
-          <a:fontRef idx="minor">
-            <a:schemeClr val="lt1"/>
-          </a:fontRef>
-        </p:style>
-        <p:txBody>
-          <a:bodyPr rtlCol="0" anchor="ctr"/>
-          <a:lstStyle/>
-          <a:p>
-            <a:pPr algn="ctr"/>
-            <a:r>
-              <a:rPr lang="en-US" sz="1400" b="1" i="1" dirty="0">
-                <a:solidFill>
-                  <a:schemeClr val="bg1"/>
-                </a:solidFill>
-              </a:rPr>
-              <a:t>BCD</a:t>
-            </a:r>
-          </a:p>
-        </p:txBody>
-      </p:sp>
-      <p:sp>
-        <p:nvSpPr>
-          <p:cNvPr id="201" name="Oval 200">
-            <a:extLst>
-              <a:ext uri="{FF2B5EF4-FFF2-40B4-BE49-F238E27FC236}">
-                <a16:creationId xmlns:a16="http://schemas.microsoft.com/office/drawing/2014/main" id="{BE429600-FB48-0843-882F-FB021E534471}"/>
-              </a:ext>
-            </a:extLst>
-          </p:cNvPr>
-          <p:cNvSpPr/>
-          <p:nvPr/>
-        </p:nvSpPr>
-        <p:spPr>
-          <a:xfrm rot="261994">
-            <a:off x="13272799" y="6833467"/>
-            <a:ext cx="731520" cy="742278"/>
-          </a:xfrm>
-          <a:prstGeom prst="ellipse">
-            <a:avLst/>
-          </a:prstGeom>
-          <a:solidFill>
-            <a:srgbClr val="FF0000"/>
-          </a:solidFill>
-        </p:spPr>
-        <p:style>
-          <a:lnRef idx="2">
-            <a:schemeClr val="accent1">
-              <a:shade val="50000"/>
-            </a:schemeClr>
-          </a:lnRef>
-          <a:fillRef idx="1">
-            <a:schemeClr val="accent1"/>
-          </a:fillRef>
-          <a:effectRef idx="0">
-            <a:schemeClr val="accent1"/>
-          </a:effectRef>
-          <a:fontRef idx="minor">
-            <a:schemeClr val="lt1"/>
-          </a:fontRef>
-        </p:style>
-        <p:txBody>
-          <a:bodyPr rtlCol="0" anchor="ctr"/>
-          <a:lstStyle/>
-          <a:p>
-            <a:pPr algn="ctr"/>
-            <a:r>
-              <a:rPr lang="en-US" sz="1200" b="1" i="1" dirty="0">
-                <a:solidFill>
-                  <a:schemeClr val="bg1"/>
-                </a:solidFill>
-              </a:rPr>
-              <a:t>NMC</a:t>
-            </a:r>
-          </a:p>
-        </p:txBody>
-      </p:sp>
-      <p:sp>
-        <p:nvSpPr>
-          <p:cNvPr id="202" name="Oval 201">
-            <a:extLst>
-              <a:ext uri="{FF2B5EF4-FFF2-40B4-BE49-F238E27FC236}">
-                <a16:creationId xmlns:a16="http://schemas.microsoft.com/office/drawing/2014/main" id="{BDADB509-CADD-984D-AC00-1B231AE2ADA0}"/>
-              </a:ext>
-            </a:extLst>
-          </p:cNvPr>
-          <p:cNvSpPr/>
-          <p:nvPr/>
-        </p:nvSpPr>
-        <p:spPr>
-          <a:xfrm rot="261994">
-            <a:off x="13476013" y="6806687"/>
-            <a:ext cx="731520" cy="742278"/>
-          </a:xfrm>
-          <a:prstGeom prst="ellipse">
-            <a:avLst/>
-          </a:prstGeom>
-          <a:solidFill>
-            <a:srgbClr val="FFC000"/>
-          </a:solidFill>
-        </p:spPr>
-        <p:style>
-          <a:lnRef idx="2">
-            <a:schemeClr val="accent1">
-              <a:shade val="50000"/>
-            </a:schemeClr>
-          </a:lnRef>
-          <a:fillRef idx="1">
-            <a:schemeClr val="accent1"/>
-          </a:fillRef>
-          <a:effectRef idx="0">
-            <a:schemeClr val="accent1"/>
-          </a:effectRef>
-          <a:fontRef idx="minor">
-            <a:schemeClr val="lt1"/>
-          </a:fontRef>
-        </p:style>
-        <p:txBody>
-          <a:bodyPr rtlCol="0" anchor="ctr"/>
-          <a:lstStyle/>
-          <a:p>
-            <a:pPr algn="ctr"/>
-            <a:r>
-              <a:rPr lang="en-US" sz="1400" b="1" i="1" dirty="0">
-                <a:solidFill>
-                  <a:schemeClr val="bg1"/>
-                </a:solidFill>
-              </a:rPr>
-              <a:t>LTC</a:t>
-            </a:r>
-          </a:p>
-        </p:txBody>
-      </p:sp>
-      <p:sp>
-        <p:nvSpPr>
-          <p:cNvPr id="203" name="Oval 202">
-            <a:extLst>
-              <a:ext uri="{FF2B5EF4-FFF2-40B4-BE49-F238E27FC236}">
-                <a16:creationId xmlns:a16="http://schemas.microsoft.com/office/drawing/2014/main" id="{67250B68-D023-284C-A2A1-96C8A33FBA57}"/>
-              </a:ext>
-            </a:extLst>
-          </p:cNvPr>
-          <p:cNvSpPr/>
-          <p:nvPr/>
-        </p:nvSpPr>
-        <p:spPr>
-          <a:xfrm rot="261994">
-            <a:off x="13337345" y="6634175"/>
-            <a:ext cx="731520" cy="742278"/>
-          </a:xfrm>
-          <a:prstGeom prst="ellipse">
-            <a:avLst/>
-          </a:prstGeom>
-          <a:solidFill>
-            <a:srgbClr val="FFFF00"/>
-          </a:solidFill>
-        </p:spPr>
-        <p:style>
-          <a:lnRef idx="2">
-            <a:schemeClr val="accent1">
-              <a:shade val="50000"/>
-            </a:schemeClr>
-          </a:lnRef>
-          <a:fillRef idx="1">
-            <a:schemeClr val="accent1"/>
-          </a:fillRef>
-          <a:effectRef idx="0">
-            <a:schemeClr val="accent1"/>
-          </a:effectRef>
-          <a:fontRef idx="minor">
-            <a:schemeClr val="lt1"/>
-          </a:fontRef>
-        </p:style>
-        <p:txBody>
-          <a:bodyPr rtlCol="0" anchor="ctr"/>
-          <a:lstStyle/>
-          <a:p>
-            <a:pPr algn="ctr"/>
-            <a:r>
-              <a:rPr lang="en-US" sz="1400" b="1" i="1" dirty="0">
-                <a:ln>
-                  <a:solidFill>
-                    <a:srgbClr val="FFFF00"/>
-                  </a:solidFill>
-                </a:ln>
-                <a:solidFill>
-                  <a:schemeClr val="bg1"/>
-                </a:solidFill>
-              </a:rPr>
-              <a:t>BTG</a:t>
-            </a:r>
-          </a:p>
-        </p:txBody>
-      </p:sp>
-      <p:sp>
-        <p:nvSpPr>
-          <p:cNvPr id="204" name="Oval 203">
-            <a:extLst>
-              <a:ext uri="{FF2B5EF4-FFF2-40B4-BE49-F238E27FC236}">
-                <a16:creationId xmlns:a16="http://schemas.microsoft.com/office/drawing/2014/main" id="{6918522E-E6F6-394B-A3A4-4363C9E4BB33}"/>
-              </a:ext>
-            </a:extLst>
-          </p:cNvPr>
-          <p:cNvSpPr/>
-          <p:nvPr/>
-        </p:nvSpPr>
-        <p:spPr>
-          <a:xfrm rot="261994">
-            <a:off x="13408372" y="6827662"/>
+            <a:off x="11976677" y="8538705"/>
             <a:ext cx="731520" cy="742278"/>
           </a:xfrm>
           <a:prstGeom prst="ellipse">
@@ -11766,7 +10456,7 @@
                   <a:srgbClr val="0000FF"/>
                 </a:highlight>
               </a:rPr>
-              <a:t>Many more altcoins</a:t>
+              <a:t>(many more altcoins)</a:t>
             </a:r>
           </a:p>
         </p:txBody>
@@ -11785,7 +10475,7 @@
         </p:nvSpPr>
         <p:spPr>
           <a:xfrm rot="261994">
-            <a:off x="8437937" y="6766133"/>
+            <a:off x="8438325" y="6870798"/>
             <a:ext cx="731520" cy="742278"/>
           </a:xfrm>
           <a:prstGeom prst="ellipse">
@@ -11841,7 +10531,7 @@
         </p:nvSpPr>
         <p:spPr>
           <a:xfrm rot="261994">
-            <a:off x="8300394" y="6666131"/>
+            <a:off x="8300782" y="6770796"/>
             <a:ext cx="731520" cy="742278"/>
           </a:xfrm>
           <a:prstGeom prst="ellipse">
@@ -11897,7 +10587,7 @@
         </p:nvSpPr>
         <p:spPr>
           <a:xfrm rot="261994">
-            <a:off x="9553789" y="6714455"/>
+            <a:off x="9588980" y="7117463"/>
             <a:ext cx="731520" cy="742278"/>
           </a:xfrm>
           <a:prstGeom prst="ellipse">
@@ -11953,7 +10643,7 @@
         </p:nvSpPr>
         <p:spPr>
           <a:xfrm rot="261994">
-            <a:off x="10806063" y="6766131"/>
+            <a:off x="10439732" y="8168867"/>
             <a:ext cx="731520" cy="742278"/>
           </a:xfrm>
           <a:prstGeom prst="ellipse">
@@ -12009,7 +10699,7 @@
         </p:nvSpPr>
         <p:spPr>
           <a:xfrm rot="261994">
-            <a:off x="12002794" y="6702111"/>
+            <a:off x="11796529" y="8413389"/>
             <a:ext cx="731520" cy="742278"/>
           </a:xfrm>
           <a:prstGeom prst="ellipse">
@@ -12053,10 +10743,10 @@
       </p:sp>
       <p:sp>
         <p:nvSpPr>
-          <p:cNvPr id="210" name="Oval 209">
-            <a:extLst>
-              <a:ext uri="{FF2B5EF4-FFF2-40B4-BE49-F238E27FC236}">
-                <a16:creationId xmlns:a16="http://schemas.microsoft.com/office/drawing/2014/main" id="{7A24B3A1-5CA1-E242-AB16-87A6EEEA4D89}"/>
+          <p:cNvPr id="83" name="Oval 82">
+            <a:extLst>
+              <a:ext uri="{FF2B5EF4-FFF2-40B4-BE49-F238E27FC236}">
+                <a16:creationId xmlns:a16="http://schemas.microsoft.com/office/drawing/2014/main" id="{D6275CC5-8256-3B4D-BDD3-475FD2B27DD0}"/>
               </a:ext>
             </a:extLst>
           </p:cNvPr>
@@ -12064,15 +10754,18 @@
           <p:nvPr/>
         </p:nvSpPr>
         <p:spPr>
-          <a:xfrm rot="261994">
-            <a:off x="13209859" y="6675342"/>
+          <a:xfrm>
+            <a:off x="9632702" y="7173281"/>
             <a:ext cx="731520" cy="742278"/>
           </a:xfrm>
           <a:prstGeom prst="ellipse">
             <a:avLst/>
           </a:prstGeom>
           <a:solidFill>
-            <a:srgbClr val="FFC000"/>
+            <a:schemeClr val="accent6">
+              <a:lumMod val="40000"/>
+              <a:lumOff val="60000"/>
+            </a:schemeClr>
           </a:solidFill>
         </p:spPr>
         <p:style>
@@ -12096,14 +10789,330 @@
           <a:lstStyle/>
           <a:p>
             <a:pPr algn="ctr"/>
-            <a:endParaRPr lang="en-US" sz="1400" b="1" i="1" dirty="0">
+            <a:endParaRPr lang="en-US" sz="1100" b="1" i="1" dirty="0">
               <a:solidFill>
                 <a:schemeClr val="bg1"/>
               </a:solidFill>
-              <a:highlight>
-                <a:srgbClr val="00FF00"/>
-              </a:highlight>
             </a:endParaRPr>
+          </a:p>
+        </p:txBody>
+      </p:sp>
+      <p:sp>
+        <p:nvSpPr>
+          <p:cNvPr id="86" name="Oval 85">
+            <a:extLst>
+              <a:ext uri="{FF2B5EF4-FFF2-40B4-BE49-F238E27FC236}">
+                <a16:creationId xmlns:a16="http://schemas.microsoft.com/office/drawing/2014/main" id="{0767274E-9EBD-DF47-B834-CEE7F9A082B6}"/>
+              </a:ext>
+            </a:extLst>
+          </p:cNvPr>
+          <p:cNvSpPr/>
+          <p:nvPr/>
+        </p:nvSpPr>
+        <p:spPr>
+          <a:xfrm>
+            <a:off x="10438949" y="8153261"/>
+            <a:ext cx="731520" cy="742278"/>
+          </a:xfrm>
+          <a:prstGeom prst="ellipse">
+            <a:avLst/>
+          </a:prstGeom>
+          <a:solidFill>
+            <a:schemeClr val="accent6">
+              <a:lumMod val="40000"/>
+              <a:lumOff val="60000"/>
+            </a:schemeClr>
+          </a:solidFill>
+        </p:spPr>
+        <p:style>
+          <a:lnRef idx="2">
+            <a:schemeClr val="accent1">
+              <a:shade val="50000"/>
+            </a:schemeClr>
+          </a:lnRef>
+          <a:fillRef idx="1">
+            <a:schemeClr val="accent1"/>
+          </a:fillRef>
+          <a:effectRef idx="0">
+            <a:schemeClr val="accent1"/>
+          </a:effectRef>
+          <a:fontRef idx="minor">
+            <a:schemeClr val="lt1"/>
+          </a:fontRef>
+        </p:style>
+        <p:txBody>
+          <a:bodyPr rtlCol="0" anchor="ctr"/>
+          <a:lstStyle/>
+          <a:p>
+            <a:pPr algn="ctr"/>
+            <a:r>
+              <a:rPr lang="en-US" sz="1100" b="1" i="1" dirty="0">
+                <a:solidFill>
+                  <a:schemeClr val="bg1"/>
+                </a:solidFill>
+              </a:rPr>
+              <a:t>BCHC</a:t>
+            </a:r>
+          </a:p>
+        </p:txBody>
+      </p:sp>
+      <p:sp>
+        <p:nvSpPr>
+          <p:cNvPr id="93" name="Oval 92">
+            <a:extLst>
+              <a:ext uri="{FF2B5EF4-FFF2-40B4-BE49-F238E27FC236}">
+                <a16:creationId xmlns:a16="http://schemas.microsoft.com/office/drawing/2014/main" id="{D8E26DC8-2EC4-6B40-813F-B90009154101}"/>
+              </a:ext>
+            </a:extLst>
+          </p:cNvPr>
+          <p:cNvSpPr/>
+          <p:nvPr/>
+        </p:nvSpPr>
+        <p:spPr>
+          <a:xfrm>
+            <a:off x="11865502" y="8473728"/>
+            <a:ext cx="731520" cy="742278"/>
+          </a:xfrm>
+          <a:prstGeom prst="ellipse">
+            <a:avLst/>
+          </a:prstGeom>
+          <a:solidFill>
+            <a:schemeClr val="accent6">
+              <a:lumMod val="40000"/>
+              <a:lumOff val="60000"/>
+            </a:schemeClr>
+          </a:solidFill>
+        </p:spPr>
+        <p:style>
+          <a:lnRef idx="2">
+            <a:schemeClr val="accent1">
+              <a:shade val="50000"/>
+            </a:schemeClr>
+          </a:lnRef>
+          <a:fillRef idx="1">
+            <a:schemeClr val="accent1"/>
+          </a:fillRef>
+          <a:effectRef idx="0">
+            <a:schemeClr val="accent1"/>
+          </a:effectRef>
+          <a:fontRef idx="minor">
+            <a:schemeClr val="lt1"/>
+          </a:fontRef>
+        </p:style>
+        <p:txBody>
+          <a:bodyPr rtlCol="0" anchor="ctr"/>
+          <a:lstStyle/>
+          <a:p>
+            <a:pPr algn="ctr"/>
+            <a:r>
+              <a:rPr lang="en-US" sz="1100" b="1" i="1" dirty="0">
+                <a:solidFill>
+                  <a:schemeClr val="bg1"/>
+                </a:solidFill>
+              </a:rPr>
+              <a:t>BCHC</a:t>
+            </a:r>
+          </a:p>
+        </p:txBody>
+      </p:sp>
+      <p:sp>
+        <p:nvSpPr>
+          <p:cNvPr id="68" name="Oval 67">
+            <a:extLst>
+              <a:ext uri="{FF2B5EF4-FFF2-40B4-BE49-F238E27FC236}">
+                <a16:creationId xmlns:a16="http://schemas.microsoft.com/office/drawing/2014/main" id="{E62CE407-2784-FC42-9FF1-4A2B390C6459}"/>
+              </a:ext>
+            </a:extLst>
+          </p:cNvPr>
+          <p:cNvSpPr/>
+          <p:nvPr/>
+        </p:nvSpPr>
+        <p:spPr>
+          <a:xfrm>
+            <a:off x="10483847" y="8196270"/>
+            <a:ext cx="731520" cy="742278"/>
+          </a:xfrm>
+          <a:prstGeom prst="ellipse">
+            <a:avLst/>
+          </a:prstGeom>
+          <a:solidFill>
+            <a:schemeClr val="accent1">
+              <a:lumMod val="60000"/>
+              <a:lumOff val="40000"/>
+            </a:schemeClr>
+          </a:solidFill>
+        </p:spPr>
+        <p:style>
+          <a:lnRef idx="2">
+            <a:schemeClr val="accent1">
+              <a:shade val="50000"/>
+            </a:schemeClr>
+          </a:lnRef>
+          <a:fillRef idx="1">
+            <a:schemeClr val="accent1"/>
+          </a:fillRef>
+          <a:effectRef idx="0">
+            <a:schemeClr val="accent1"/>
+          </a:effectRef>
+          <a:fontRef idx="minor">
+            <a:schemeClr val="lt1"/>
+          </a:fontRef>
+        </p:style>
+        <p:txBody>
+          <a:bodyPr rtlCol="0" anchor="ctr"/>
+          <a:lstStyle/>
+          <a:p>
+            <a:pPr algn="ctr"/>
+            <a:endParaRPr lang="en-US" sz="1100" b="1" i="1" dirty="0">
+              <a:solidFill>
+                <a:schemeClr val="bg1"/>
+              </a:solidFill>
+            </a:endParaRPr>
+          </a:p>
+        </p:txBody>
+      </p:sp>
+      <p:sp>
+        <p:nvSpPr>
+          <p:cNvPr id="70" name="Oval 69">
+            <a:extLst>
+              <a:ext uri="{FF2B5EF4-FFF2-40B4-BE49-F238E27FC236}">
+                <a16:creationId xmlns:a16="http://schemas.microsoft.com/office/drawing/2014/main" id="{1C8037D0-2BE0-7F40-9B5F-FF098ADD1383}"/>
+              </a:ext>
+            </a:extLst>
+          </p:cNvPr>
+          <p:cNvSpPr/>
+          <p:nvPr/>
+        </p:nvSpPr>
+        <p:spPr>
+          <a:xfrm>
+            <a:off x="11881043" y="8525430"/>
+            <a:ext cx="731520" cy="742278"/>
+          </a:xfrm>
+          <a:prstGeom prst="ellipse">
+            <a:avLst/>
+          </a:prstGeom>
+          <a:solidFill>
+            <a:schemeClr val="accent1">
+              <a:lumMod val="60000"/>
+              <a:lumOff val="40000"/>
+            </a:schemeClr>
+          </a:solidFill>
+        </p:spPr>
+        <p:style>
+          <a:lnRef idx="2">
+            <a:schemeClr val="accent1">
+              <a:shade val="50000"/>
+            </a:schemeClr>
+          </a:lnRef>
+          <a:fillRef idx="1">
+            <a:schemeClr val="accent1"/>
+          </a:fillRef>
+          <a:effectRef idx="0">
+            <a:schemeClr val="accent1"/>
+          </a:effectRef>
+          <a:fontRef idx="minor">
+            <a:schemeClr val="lt1"/>
+          </a:fontRef>
+        </p:style>
+        <p:txBody>
+          <a:bodyPr rtlCol="0" anchor="ctr"/>
+          <a:lstStyle/>
+          <a:p>
+            <a:pPr algn="ctr"/>
+            <a:endParaRPr lang="en-US" sz="1100" b="1" i="1" dirty="0">
+              <a:solidFill>
+                <a:schemeClr val="bg1"/>
+              </a:solidFill>
+            </a:endParaRPr>
+          </a:p>
+        </p:txBody>
+      </p:sp>
+      <p:cxnSp>
+        <p:nvCxnSpPr>
+          <p:cNvPr id="212" name="Straight Arrow Connector 211">
+            <a:extLst>
+              <a:ext uri="{FF2B5EF4-FFF2-40B4-BE49-F238E27FC236}">
+                <a16:creationId xmlns:a16="http://schemas.microsoft.com/office/drawing/2014/main" id="{171A9421-15FF-8346-B1B6-BD644EC13F44}"/>
+              </a:ext>
+            </a:extLst>
+          </p:cNvPr>
+          <p:cNvCxnSpPr>
+            <a:cxnSpLocks/>
+          </p:cNvCxnSpPr>
+          <p:nvPr/>
+        </p:nvCxnSpPr>
+        <p:spPr>
+          <a:xfrm>
+            <a:off x="12860324" y="9058671"/>
+            <a:ext cx="247426" cy="70885"/>
+          </a:xfrm>
+          <a:prstGeom prst="straightConnector1">
+            <a:avLst/>
+          </a:prstGeom>
+          <a:ln>
+            <a:solidFill>
+              <a:schemeClr val="tx1"/>
+            </a:solidFill>
+            <a:tailEnd type="triangle"/>
+          </a:ln>
+        </p:spPr>
+        <p:style>
+          <a:lnRef idx="1">
+            <a:schemeClr val="accent1"/>
+          </a:lnRef>
+          <a:fillRef idx="0">
+            <a:schemeClr val="accent1"/>
+          </a:fillRef>
+          <a:effectRef idx="0">
+            <a:schemeClr val="accent1"/>
+          </a:effectRef>
+          <a:fontRef idx="minor">
+            <a:schemeClr val="tx1"/>
+          </a:fontRef>
+        </p:style>
+      </p:cxnSp>
+      <p:sp>
+        <p:nvSpPr>
+          <p:cNvPr id="214" name="Rectangle 213">
+            <a:extLst>
+              <a:ext uri="{FF2B5EF4-FFF2-40B4-BE49-F238E27FC236}">
+                <a16:creationId xmlns:a16="http://schemas.microsoft.com/office/drawing/2014/main" id="{ADF90E7E-26E2-654A-BB54-1DF771CF4B58}"/>
+              </a:ext>
+            </a:extLst>
+          </p:cNvPr>
+          <p:cNvSpPr/>
+          <p:nvPr/>
+        </p:nvSpPr>
+        <p:spPr>
+          <a:xfrm>
+            <a:off x="13592864" y="8832353"/>
+            <a:ext cx="401450" cy="646331"/>
+          </a:xfrm>
+          <a:prstGeom prst="rect">
+            <a:avLst/>
+          </a:prstGeom>
+          <a:noFill/>
+        </p:spPr>
+        <p:txBody>
+          <a:bodyPr wrap="square" lIns="91440" tIns="45720" rIns="91440" bIns="45720">
+            <a:spAutoFit/>
+          </a:bodyPr>
+          <a:lstStyle/>
+          <a:p>
+            <a:pPr algn="ctr"/>
+            <a:r>
+              <a:rPr lang="en-US" sz="3600" dirty="0">
+                <a:ln w="0"/>
+                <a:effectLst>
+                  <a:outerShdw blurRad="38100" dist="19050" dir="2700000" algn="tl" rotWithShape="0">
+                    <a:schemeClr val="dk1">
+                      <a:alpha val="40000"/>
+                    </a:schemeClr>
+                  </a:outerShdw>
+                </a:effectLst>
+              </a:rPr>
+              <a:t>?</a:t>
+            </a:r>
           </a:p>
         </p:txBody>
       </p:sp>

--- a/bitcoin.pptx
+++ b/bitcoin.pptx
@@ -197,7 +197,7 @@
           <a:p>
             <a:fld id="{A80C38ED-2BFA-0445-94E7-70BDEB43ADE2}" type="datetimeFigureOut">
               <a:rPr lang="en-US" smtClean="0"/>
-              <a:t>11/13/18</a:t>
+              <a:t>11/16/18</a:t>
             </a:fld>
             <a:endParaRPr lang="en-US"/>
           </a:p>
@@ -679,7 +679,7 @@
           <a:p>
             <a:fld id="{CAFD4390-0EFB-AA47-841E-295E33D2312E}" type="datetimeFigureOut">
               <a:rPr lang="en-US" smtClean="0"/>
-              <a:t>11/13/18</a:t>
+              <a:t>11/16/18</a:t>
             </a:fld>
             <a:endParaRPr lang="en-US"/>
           </a:p>
@@ -849,7 +849,7 @@
           <a:p>
             <a:fld id="{CAFD4390-0EFB-AA47-841E-295E33D2312E}" type="datetimeFigureOut">
               <a:rPr lang="en-US" smtClean="0"/>
-              <a:t>11/13/18</a:t>
+              <a:t>11/16/18</a:t>
             </a:fld>
             <a:endParaRPr lang="en-US"/>
           </a:p>
@@ -1029,7 +1029,7 @@
           <a:p>
             <a:fld id="{CAFD4390-0EFB-AA47-841E-295E33D2312E}" type="datetimeFigureOut">
               <a:rPr lang="en-US" smtClean="0"/>
-              <a:t>11/13/18</a:t>
+              <a:t>11/16/18</a:t>
             </a:fld>
             <a:endParaRPr lang="en-US"/>
           </a:p>
@@ -1199,7 +1199,7 @@
           <a:p>
             <a:fld id="{CAFD4390-0EFB-AA47-841E-295E33D2312E}" type="datetimeFigureOut">
               <a:rPr lang="en-US" smtClean="0"/>
-              <a:t>11/13/18</a:t>
+              <a:t>11/16/18</a:t>
             </a:fld>
             <a:endParaRPr lang="en-US"/>
           </a:p>
@@ -1443,7 +1443,7 @@
           <a:p>
             <a:fld id="{CAFD4390-0EFB-AA47-841E-295E33D2312E}" type="datetimeFigureOut">
               <a:rPr lang="en-US" smtClean="0"/>
-              <a:t>11/13/18</a:t>
+              <a:t>11/16/18</a:t>
             </a:fld>
             <a:endParaRPr lang="en-US"/>
           </a:p>
@@ -1675,7 +1675,7 @@
           <a:p>
             <a:fld id="{CAFD4390-0EFB-AA47-841E-295E33D2312E}" type="datetimeFigureOut">
               <a:rPr lang="en-US" smtClean="0"/>
-              <a:t>11/13/18</a:t>
+              <a:t>11/16/18</a:t>
             </a:fld>
             <a:endParaRPr lang="en-US"/>
           </a:p>
@@ -2042,7 +2042,7 @@
           <a:p>
             <a:fld id="{CAFD4390-0EFB-AA47-841E-295E33D2312E}" type="datetimeFigureOut">
               <a:rPr lang="en-US" smtClean="0"/>
-              <a:t>11/13/18</a:t>
+              <a:t>11/16/18</a:t>
             </a:fld>
             <a:endParaRPr lang="en-US"/>
           </a:p>
@@ -2160,7 +2160,7 @@
           <a:p>
             <a:fld id="{CAFD4390-0EFB-AA47-841E-295E33D2312E}" type="datetimeFigureOut">
               <a:rPr lang="en-US" smtClean="0"/>
-              <a:t>11/13/18</a:t>
+              <a:t>11/16/18</a:t>
             </a:fld>
             <a:endParaRPr lang="en-US"/>
           </a:p>
@@ -2255,7 +2255,7 @@
           <a:p>
             <a:fld id="{CAFD4390-0EFB-AA47-841E-295E33D2312E}" type="datetimeFigureOut">
               <a:rPr lang="en-US" smtClean="0"/>
-              <a:t>11/13/18</a:t>
+              <a:t>11/16/18</a:t>
             </a:fld>
             <a:endParaRPr lang="en-US"/>
           </a:p>
@@ -2532,7 +2532,7 @@
           <a:p>
             <a:fld id="{CAFD4390-0EFB-AA47-841E-295E33D2312E}" type="datetimeFigureOut">
               <a:rPr lang="en-US" smtClean="0"/>
-              <a:t>11/13/18</a:t>
+              <a:t>11/16/18</a:t>
             </a:fld>
             <a:endParaRPr lang="en-US"/>
           </a:p>
@@ -2789,7 +2789,7 @@
           <a:p>
             <a:fld id="{CAFD4390-0EFB-AA47-841E-295E33D2312E}" type="datetimeFigureOut">
               <a:rPr lang="en-US" smtClean="0"/>
-              <a:t>11/13/18</a:t>
+              <a:t>11/16/18</a:t>
             </a:fld>
             <a:endParaRPr lang="en-US"/>
           </a:p>
@@ -3002,7 +3002,7 @@
           <a:p>
             <a:fld id="{CAFD4390-0EFB-AA47-841E-295E33D2312E}" type="datetimeFigureOut">
               <a:rPr lang="en-US" smtClean="0"/>
-              <a:t>11/13/18</a:t>
+              <a:t>11/16/18</a:t>
             </a:fld>
             <a:endParaRPr lang="en-US"/>
           </a:p>
@@ -5787,84 +5787,12 @@
           </a:fontRef>
         </p:style>
       </p:cxnSp>
-      <p:sp>
-        <p:nvSpPr>
-          <p:cNvPr id="48" name="Oval 47">
-            <a:extLst>
-              <a:ext uri="{FF2B5EF4-FFF2-40B4-BE49-F238E27FC236}">
-                <a16:creationId xmlns:a16="http://schemas.microsoft.com/office/drawing/2014/main" id="{D6C4653B-8EAD-B04A-9428-FD5E6128AF83}"/>
-              </a:ext>
-            </a:extLst>
-          </p:cNvPr>
-          <p:cNvSpPr/>
-          <p:nvPr/>
-        </p:nvSpPr>
-        <p:spPr>
-          <a:xfrm>
-            <a:off x="12187971" y="12087652"/>
-            <a:ext cx="731520" cy="742278"/>
-          </a:xfrm>
-          <a:prstGeom prst="ellipse">
-            <a:avLst/>
-          </a:prstGeom>
-          <a:solidFill>
-            <a:schemeClr val="accent4">
-              <a:lumMod val="40000"/>
-              <a:lumOff val="60000"/>
-            </a:schemeClr>
-          </a:solidFill>
-        </p:spPr>
-        <p:style>
-          <a:lnRef idx="2">
-            <a:schemeClr val="accent1">
-              <a:shade val="50000"/>
-            </a:schemeClr>
-          </a:lnRef>
-          <a:fillRef idx="1">
-            <a:schemeClr val="accent1"/>
-          </a:fillRef>
-          <a:effectRef idx="0">
-            <a:schemeClr val="accent1"/>
-          </a:effectRef>
-          <a:fontRef idx="minor">
-            <a:schemeClr val="lt1"/>
-          </a:fontRef>
-        </p:style>
-        <p:txBody>
-          <a:bodyPr rtlCol="0" anchor="ctr"/>
-          <a:lstStyle/>
-          <a:p>
-            <a:pPr algn="ctr"/>
-            <a:r>
-              <a:rPr lang="en-US" sz="1400" b="1" i="1" dirty="0">
-                <a:solidFill>
-                  <a:schemeClr val="bg1"/>
-                </a:solidFill>
-              </a:rPr>
-              <a:t>BCH </a:t>
-            </a:r>
-            <a:r>
-              <a:rPr lang="en-US" sz="1200" b="1" i="1" dirty="0">
-                <a:solidFill>
-                  <a:schemeClr val="bg1"/>
-                </a:solidFill>
-              </a:rPr>
-              <a:t>stash</a:t>
-            </a:r>
-            <a:endParaRPr lang="en-US" sz="1400" b="1" i="1" dirty="0">
-              <a:solidFill>
-                <a:schemeClr val="bg1"/>
-              </a:solidFill>
-            </a:endParaRPr>
-          </a:p>
-        </p:txBody>
-      </p:sp>
       <p:cxnSp>
         <p:nvCxnSpPr>
-          <p:cNvPr id="49" name="Straight Arrow Connector 48">
-            <a:extLst>
-              <a:ext uri="{FF2B5EF4-FFF2-40B4-BE49-F238E27FC236}">
-                <a16:creationId xmlns:a16="http://schemas.microsoft.com/office/drawing/2014/main" id="{CDD4F445-F677-DD4B-9A09-950C72638AE8}"/>
+          <p:cNvPr id="51" name="Straight Arrow Connector 50">
+            <a:extLst>
+              <a:ext uri="{FF2B5EF4-FFF2-40B4-BE49-F238E27FC236}">
+                <a16:creationId xmlns:a16="http://schemas.microsoft.com/office/drawing/2014/main" id="{BCC2B4C7-1D77-5743-97C7-D34A9E4FBE27}"/>
               </a:ext>
             </a:extLst>
           </p:cNvPr>
@@ -5875,7 +5803,7 @@
         </p:nvCxnSpPr>
         <p:spPr>
           <a:xfrm>
-            <a:off x="13107750" y="12464170"/>
+            <a:off x="5479901" y="6979913"/>
             <a:ext cx="247426" cy="0"/>
           </a:xfrm>
           <a:prstGeom prst="straightConnector1">
@@ -5905,10 +5833,10 @@
       </p:cxnSp>
       <p:cxnSp>
         <p:nvCxnSpPr>
-          <p:cNvPr id="51" name="Straight Arrow Connector 50">
-            <a:extLst>
-              <a:ext uri="{FF2B5EF4-FFF2-40B4-BE49-F238E27FC236}">
-                <a16:creationId xmlns:a16="http://schemas.microsoft.com/office/drawing/2014/main" id="{BCC2B4C7-1D77-5743-97C7-D34A9E4FBE27}"/>
+          <p:cNvPr id="53" name="Straight Arrow Connector 52">
+            <a:extLst>
+              <a:ext uri="{FF2B5EF4-FFF2-40B4-BE49-F238E27FC236}">
+                <a16:creationId xmlns:a16="http://schemas.microsoft.com/office/drawing/2014/main" id="{63F7832F-4B79-1C4B-9FF5-A9EA900EE1ED}"/>
               </a:ext>
             </a:extLst>
           </p:cNvPr>
@@ -5919,8 +5847,8 @@
         </p:nvCxnSpPr>
         <p:spPr>
           <a:xfrm>
-            <a:off x="5479901" y="6979913"/>
-            <a:ext cx="247426" cy="0"/>
+            <a:off x="9246437" y="7280278"/>
+            <a:ext cx="172425" cy="87037"/>
           </a:xfrm>
           <a:prstGeom prst="straightConnector1">
             <a:avLst/>
@@ -5949,10 +5877,10 @@
       </p:cxnSp>
       <p:cxnSp>
         <p:nvCxnSpPr>
-          <p:cNvPr id="53" name="Straight Arrow Connector 52">
-            <a:extLst>
-              <a:ext uri="{FF2B5EF4-FFF2-40B4-BE49-F238E27FC236}">
-                <a16:creationId xmlns:a16="http://schemas.microsoft.com/office/drawing/2014/main" id="{63F7832F-4B79-1C4B-9FF5-A9EA900EE1ED}"/>
+          <p:cNvPr id="55" name="Straight Arrow Connector 54">
+            <a:extLst>
+              <a:ext uri="{FF2B5EF4-FFF2-40B4-BE49-F238E27FC236}">
+                <a16:creationId xmlns:a16="http://schemas.microsoft.com/office/drawing/2014/main" id="{384E2BE8-BA4C-8D49-8689-DEA5FA57DB56}"/>
               </a:ext>
             </a:extLst>
           </p:cNvPr>
@@ -5963,8 +5891,8 @@
         </p:nvCxnSpPr>
         <p:spPr>
           <a:xfrm>
-            <a:off x="9246437" y="7280278"/>
-            <a:ext cx="172425" cy="87037"/>
+            <a:off x="10334208" y="8024566"/>
+            <a:ext cx="117400" cy="125659"/>
           </a:xfrm>
           <a:prstGeom prst="straightConnector1">
             <a:avLst/>
@@ -5993,10 +5921,10 @@
       </p:cxnSp>
       <p:cxnSp>
         <p:nvCxnSpPr>
-          <p:cNvPr id="55" name="Straight Arrow Connector 54">
-            <a:extLst>
-              <a:ext uri="{FF2B5EF4-FFF2-40B4-BE49-F238E27FC236}">
-                <a16:creationId xmlns:a16="http://schemas.microsoft.com/office/drawing/2014/main" id="{384E2BE8-BA4C-8D49-8689-DEA5FA57DB56}"/>
+          <p:cNvPr id="57" name="Straight Arrow Connector 56">
+            <a:extLst>
+              <a:ext uri="{FF2B5EF4-FFF2-40B4-BE49-F238E27FC236}">
+                <a16:creationId xmlns:a16="http://schemas.microsoft.com/office/drawing/2014/main" id="{C3A157BC-6BD1-CD4D-9F11-4CD95AC1D793}"/>
               </a:ext>
             </a:extLst>
           </p:cNvPr>
@@ -6007,8 +5935,8 @@
         </p:nvCxnSpPr>
         <p:spPr>
           <a:xfrm>
-            <a:off x="10334208" y="8024566"/>
-            <a:ext cx="117400" cy="125659"/>
+            <a:off x="11426442" y="8592918"/>
+            <a:ext cx="270709" cy="82785"/>
           </a:xfrm>
           <a:prstGeom prst="straightConnector1">
             <a:avLst/>
@@ -6035,12 +5963,71 @@
           </a:fontRef>
         </p:style>
       </p:cxnSp>
+      <p:sp>
+        <p:nvSpPr>
+          <p:cNvPr id="64" name="Oval 63">
+            <a:extLst>
+              <a:ext uri="{FF2B5EF4-FFF2-40B4-BE49-F238E27FC236}">
+                <a16:creationId xmlns:a16="http://schemas.microsoft.com/office/drawing/2014/main" id="{1AA85180-F0A9-BD48-A147-D25958CCF486}"/>
+              </a:ext>
+            </a:extLst>
+          </p:cNvPr>
+          <p:cNvSpPr/>
+          <p:nvPr/>
+        </p:nvSpPr>
+        <p:spPr>
+          <a:xfrm>
+            <a:off x="8407278" y="8571698"/>
+            <a:ext cx="731520" cy="742278"/>
+          </a:xfrm>
+          <a:prstGeom prst="ellipse">
+            <a:avLst/>
+          </a:prstGeom>
+          <a:solidFill>
+            <a:schemeClr val="accent1">
+              <a:lumMod val="60000"/>
+              <a:lumOff val="40000"/>
+            </a:schemeClr>
+          </a:solidFill>
+        </p:spPr>
+        <p:style>
+          <a:lnRef idx="2">
+            <a:schemeClr val="accent1">
+              <a:shade val="50000"/>
+            </a:schemeClr>
+          </a:lnRef>
+          <a:fillRef idx="1">
+            <a:schemeClr val="accent1"/>
+          </a:fillRef>
+          <a:effectRef idx="0">
+            <a:schemeClr val="accent1"/>
+          </a:effectRef>
+          <a:fontRef idx="minor">
+            <a:schemeClr val="lt1"/>
+          </a:fontRef>
+        </p:style>
+        <p:txBody>
+          <a:bodyPr rtlCol="0" anchor="ctr"/>
+          <a:lstStyle/>
+          <a:p>
+            <a:pPr algn="ctr"/>
+            <a:r>
+              <a:rPr lang="en-US" sz="1100" b="1" i="1" dirty="0">
+                <a:solidFill>
+                  <a:schemeClr val="bg1"/>
+                </a:solidFill>
+              </a:rPr>
+              <a:t>BTCC</a:t>
+            </a:r>
+          </a:p>
+        </p:txBody>
+      </p:sp>
       <p:cxnSp>
         <p:nvCxnSpPr>
-          <p:cNvPr id="57" name="Straight Arrow Connector 56">
-            <a:extLst>
-              <a:ext uri="{FF2B5EF4-FFF2-40B4-BE49-F238E27FC236}">
-                <a16:creationId xmlns:a16="http://schemas.microsoft.com/office/drawing/2014/main" id="{C3A157BC-6BD1-CD4D-9F11-4CD95AC1D793}"/>
+          <p:cNvPr id="65" name="Straight Arrow Connector 64">
+            <a:extLst>
+              <a:ext uri="{FF2B5EF4-FFF2-40B4-BE49-F238E27FC236}">
+                <a16:creationId xmlns:a16="http://schemas.microsoft.com/office/drawing/2014/main" id="{339791AB-AAAD-EE46-9FF6-6854F646CCD2}"/>
               </a:ext>
             </a:extLst>
           </p:cNvPr>
@@ -6050,9 +6037,9 @@
           <p:nvPr/>
         </p:nvCxnSpPr>
         <p:spPr>
-          <a:xfrm>
-            <a:off x="11426442" y="8592918"/>
-            <a:ext cx="270709" cy="82785"/>
+          <a:xfrm flipV="1">
+            <a:off x="9310922" y="8675703"/>
+            <a:ext cx="810060" cy="231374"/>
           </a:xfrm>
           <a:prstGeom prst="straightConnector1">
             <a:avLst/>
@@ -6079,71 +6066,12 @@
           </a:fontRef>
         </p:style>
       </p:cxnSp>
-      <p:sp>
-        <p:nvSpPr>
-          <p:cNvPr id="64" name="Oval 63">
-            <a:extLst>
-              <a:ext uri="{FF2B5EF4-FFF2-40B4-BE49-F238E27FC236}">
-                <a16:creationId xmlns:a16="http://schemas.microsoft.com/office/drawing/2014/main" id="{1AA85180-F0A9-BD48-A147-D25958CCF486}"/>
-              </a:ext>
-            </a:extLst>
-          </p:cNvPr>
-          <p:cNvSpPr/>
-          <p:nvPr/>
-        </p:nvSpPr>
-        <p:spPr>
-          <a:xfrm>
-            <a:off x="8407278" y="8571698"/>
-            <a:ext cx="731520" cy="742278"/>
-          </a:xfrm>
-          <a:prstGeom prst="ellipse">
-            <a:avLst/>
-          </a:prstGeom>
-          <a:solidFill>
-            <a:schemeClr val="accent1">
-              <a:lumMod val="60000"/>
-              <a:lumOff val="40000"/>
-            </a:schemeClr>
-          </a:solidFill>
-        </p:spPr>
-        <p:style>
-          <a:lnRef idx="2">
-            <a:schemeClr val="accent1">
-              <a:shade val="50000"/>
-            </a:schemeClr>
-          </a:lnRef>
-          <a:fillRef idx="1">
-            <a:schemeClr val="accent1"/>
-          </a:fillRef>
-          <a:effectRef idx="0">
-            <a:schemeClr val="accent1"/>
-          </a:effectRef>
-          <a:fontRef idx="minor">
-            <a:schemeClr val="lt1"/>
-          </a:fontRef>
-        </p:style>
-        <p:txBody>
-          <a:bodyPr rtlCol="0" anchor="ctr"/>
-          <a:lstStyle/>
-          <a:p>
-            <a:pPr algn="ctr"/>
-            <a:r>
-              <a:rPr lang="en-US" sz="1100" b="1" i="1" dirty="0">
-                <a:solidFill>
-                  <a:schemeClr val="bg1"/>
-                </a:solidFill>
-              </a:rPr>
-              <a:t>BTCC</a:t>
-            </a:r>
-          </a:p>
-        </p:txBody>
-      </p:sp>
       <p:cxnSp>
         <p:nvCxnSpPr>
-          <p:cNvPr id="65" name="Straight Arrow Connector 64">
-            <a:extLst>
-              <a:ext uri="{FF2B5EF4-FFF2-40B4-BE49-F238E27FC236}">
-                <a16:creationId xmlns:a16="http://schemas.microsoft.com/office/drawing/2014/main" id="{339791AB-AAAD-EE46-9FF6-6854F646CCD2}"/>
+          <p:cNvPr id="73" name="Straight Connector 72">
+            <a:extLst>
+              <a:ext uri="{FF2B5EF4-FFF2-40B4-BE49-F238E27FC236}">
+                <a16:creationId xmlns:a16="http://schemas.microsoft.com/office/drawing/2014/main" id="{0744BEFD-4531-234A-8DB1-6E077642D18A}"/>
               </a:ext>
             </a:extLst>
           </p:cNvPr>
@@ -6153,9 +6081,120 @@
           <p:nvPr/>
         </p:nvCxnSpPr>
         <p:spPr>
-          <a:xfrm flipV="1">
-            <a:off x="9310922" y="8675703"/>
-            <a:ext cx="810060" cy="231374"/>
+          <a:xfrm>
+            <a:off x="609831" y="6498664"/>
+            <a:ext cx="14239311" cy="0"/>
+          </a:xfrm>
+          <a:prstGeom prst="line">
+            <a:avLst/>
+          </a:prstGeom>
+          <a:ln>
+            <a:prstDash val="dash"/>
+          </a:ln>
+        </p:spPr>
+        <p:style>
+          <a:lnRef idx="1">
+            <a:schemeClr val="accent1"/>
+          </a:lnRef>
+          <a:fillRef idx="0">
+            <a:schemeClr val="accent1"/>
+          </a:fillRef>
+          <a:effectRef idx="0">
+            <a:schemeClr val="accent1"/>
+          </a:effectRef>
+          <a:fontRef idx="minor">
+            <a:schemeClr val="tx1"/>
+          </a:fontRef>
+        </p:style>
+      </p:cxnSp>
+      <p:sp>
+        <p:nvSpPr>
+          <p:cNvPr id="74" name="TextBox 73">
+            <a:extLst>
+              <a:ext uri="{FF2B5EF4-FFF2-40B4-BE49-F238E27FC236}">
+                <a16:creationId xmlns:a16="http://schemas.microsoft.com/office/drawing/2014/main" id="{50B754B2-42ED-8843-94B3-68A4B2B07BC4}"/>
+              </a:ext>
+            </a:extLst>
+          </p:cNvPr>
+          <p:cNvSpPr txBox="1"/>
+          <p:nvPr/>
+        </p:nvSpPr>
+        <p:spPr>
+          <a:xfrm>
+            <a:off x="609831" y="6323559"/>
+            <a:ext cx="510076" cy="230832"/>
+          </a:xfrm>
+          <a:prstGeom prst="rect">
+            <a:avLst/>
+          </a:prstGeom>
+          <a:noFill/>
+        </p:spPr>
+        <p:txBody>
+          <a:bodyPr wrap="square" rtlCol="0">
+            <a:spAutoFit/>
+          </a:bodyPr>
+          <a:lstStyle/>
+          <a:p>
+            <a:r>
+              <a:rPr lang="en-US" sz="900" dirty="0"/>
+              <a:t>Bitcoin</a:t>
+            </a:r>
+          </a:p>
+        </p:txBody>
+      </p:sp>
+      <p:sp>
+        <p:nvSpPr>
+          <p:cNvPr id="75" name="TextBox 74">
+            <a:extLst>
+              <a:ext uri="{FF2B5EF4-FFF2-40B4-BE49-F238E27FC236}">
+                <a16:creationId xmlns:a16="http://schemas.microsoft.com/office/drawing/2014/main" id="{22F1048A-58A7-7043-85A9-576378BCD816}"/>
+              </a:ext>
+            </a:extLst>
+          </p:cNvPr>
+          <p:cNvSpPr txBox="1"/>
+          <p:nvPr/>
+        </p:nvSpPr>
+        <p:spPr>
+          <a:xfrm>
+            <a:off x="584985" y="6467638"/>
+            <a:ext cx="559769" cy="230832"/>
+          </a:xfrm>
+          <a:prstGeom prst="rect">
+            <a:avLst/>
+          </a:prstGeom>
+          <a:noFill/>
+        </p:spPr>
+        <p:txBody>
+          <a:bodyPr wrap="square" rtlCol="0">
+            <a:spAutoFit/>
+          </a:bodyPr>
+          <a:lstStyle/>
+          <a:p>
+            <a:r>
+              <a:rPr lang="en-US" sz="900" dirty="0"/>
+              <a:t>Altcoins</a:t>
+            </a:r>
+          </a:p>
+        </p:txBody>
+      </p:sp>
+      <p:cxnSp>
+        <p:nvCxnSpPr>
+          <p:cNvPr id="85" name="Straight Arrow Connector 84">
+            <a:extLst>
+              <a:ext uri="{FF2B5EF4-FFF2-40B4-BE49-F238E27FC236}">
+                <a16:creationId xmlns:a16="http://schemas.microsoft.com/office/drawing/2014/main" id="{1D807856-DF2D-BF44-B43B-AFFA1EC91A21}"/>
+              </a:ext>
+            </a:extLst>
+          </p:cNvPr>
+          <p:cNvCxnSpPr>
+            <a:cxnSpLocks/>
+          </p:cNvCxnSpPr>
+          <p:nvPr/>
+        </p:nvCxnSpPr>
+        <p:spPr>
+          <a:xfrm flipH="1">
+            <a:off x="1989446" y="6740478"/>
+            <a:ext cx="1234" cy="179569"/>
           </a:xfrm>
           <a:prstGeom prst="straightConnector1">
             <a:avLst/>
@@ -6184,313 +6223,23 @@
       </p:cxnSp>
       <p:cxnSp>
         <p:nvCxnSpPr>
-          <p:cNvPr id="73" name="Straight Connector 72">
-            <a:extLst>
-              <a:ext uri="{FF2B5EF4-FFF2-40B4-BE49-F238E27FC236}">
-                <a16:creationId xmlns:a16="http://schemas.microsoft.com/office/drawing/2014/main" id="{0744BEFD-4531-234A-8DB1-6E077642D18A}"/>
+          <p:cNvPr id="87" name="Straight Arrow Connector 86">
+            <a:extLst>
+              <a:ext uri="{FF2B5EF4-FFF2-40B4-BE49-F238E27FC236}">
+                <a16:creationId xmlns:a16="http://schemas.microsoft.com/office/drawing/2014/main" id="{FE74FEA0-F13B-CD4C-B098-A6F24F37ABE0}"/>
               </a:ext>
             </a:extLst>
           </p:cNvPr>
           <p:cNvCxnSpPr>
             <a:cxnSpLocks/>
+            <a:stCxn id="105" idx="2"/>
           </p:cNvCxnSpPr>
           <p:nvPr/>
         </p:nvCxnSpPr>
         <p:spPr>
-          <a:xfrm>
-            <a:off x="609831" y="6498664"/>
-            <a:ext cx="14239311" cy="0"/>
-          </a:xfrm>
-          <a:prstGeom prst="line">
-            <a:avLst/>
-          </a:prstGeom>
-          <a:ln>
-            <a:prstDash val="dash"/>
-          </a:ln>
-        </p:spPr>
-        <p:style>
-          <a:lnRef idx="1">
-            <a:schemeClr val="accent1"/>
-          </a:lnRef>
-          <a:fillRef idx="0">
-            <a:schemeClr val="accent1"/>
-          </a:fillRef>
-          <a:effectRef idx="0">
-            <a:schemeClr val="accent1"/>
-          </a:effectRef>
-          <a:fontRef idx="minor">
-            <a:schemeClr val="tx1"/>
-          </a:fontRef>
-        </p:style>
-      </p:cxnSp>
-      <p:sp>
-        <p:nvSpPr>
-          <p:cNvPr id="74" name="TextBox 73">
-            <a:extLst>
-              <a:ext uri="{FF2B5EF4-FFF2-40B4-BE49-F238E27FC236}">
-                <a16:creationId xmlns:a16="http://schemas.microsoft.com/office/drawing/2014/main" id="{50B754B2-42ED-8843-94B3-68A4B2B07BC4}"/>
-              </a:ext>
-            </a:extLst>
-          </p:cNvPr>
-          <p:cNvSpPr txBox="1"/>
-          <p:nvPr/>
-        </p:nvSpPr>
-        <p:spPr>
-          <a:xfrm>
-            <a:off x="609831" y="6323559"/>
-            <a:ext cx="510076" cy="230832"/>
-          </a:xfrm>
-          <a:prstGeom prst="rect">
-            <a:avLst/>
-          </a:prstGeom>
-          <a:noFill/>
-        </p:spPr>
-        <p:txBody>
-          <a:bodyPr wrap="square" rtlCol="0">
-            <a:spAutoFit/>
-          </a:bodyPr>
-          <a:lstStyle/>
-          <a:p>
-            <a:r>
-              <a:rPr lang="en-US" sz="900" dirty="0"/>
-              <a:t>Bitcoin</a:t>
-            </a:r>
-          </a:p>
-        </p:txBody>
-      </p:sp>
-      <p:sp>
-        <p:nvSpPr>
-          <p:cNvPr id="75" name="TextBox 74">
-            <a:extLst>
-              <a:ext uri="{FF2B5EF4-FFF2-40B4-BE49-F238E27FC236}">
-                <a16:creationId xmlns:a16="http://schemas.microsoft.com/office/drawing/2014/main" id="{22F1048A-58A7-7043-85A9-576378BCD816}"/>
-              </a:ext>
-            </a:extLst>
-          </p:cNvPr>
-          <p:cNvSpPr txBox="1"/>
-          <p:nvPr/>
-        </p:nvSpPr>
-        <p:spPr>
-          <a:xfrm>
-            <a:off x="584985" y="6467638"/>
-            <a:ext cx="559769" cy="230832"/>
-          </a:xfrm>
-          <a:prstGeom prst="rect">
-            <a:avLst/>
-          </a:prstGeom>
-          <a:noFill/>
-        </p:spPr>
-        <p:txBody>
-          <a:bodyPr wrap="square" rtlCol="0">
-            <a:spAutoFit/>
-          </a:bodyPr>
-          <a:lstStyle/>
-          <a:p>
-            <a:r>
-              <a:rPr lang="en-US" sz="900" dirty="0"/>
-              <a:t>Altcoins</a:t>
-            </a:r>
-          </a:p>
-        </p:txBody>
-      </p:sp>
-      <p:sp>
-        <p:nvSpPr>
-          <p:cNvPr id="77" name="Rectangle 76">
-            <a:extLst>
-              <a:ext uri="{FF2B5EF4-FFF2-40B4-BE49-F238E27FC236}">
-                <a16:creationId xmlns:a16="http://schemas.microsoft.com/office/drawing/2014/main" id="{F5E6E47F-3842-5844-82E1-633C3BDE9BCC}"/>
-              </a:ext>
-            </a:extLst>
-          </p:cNvPr>
-          <p:cNvSpPr/>
-          <p:nvPr/>
-        </p:nvSpPr>
-        <p:spPr>
-          <a:xfrm>
-            <a:off x="13600645" y="10503339"/>
-            <a:ext cx="401450" cy="646331"/>
-          </a:xfrm>
-          <a:prstGeom prst="rect">
-            <a:avLst/>
-          </a:prstGeom>
-          <a:noFill/>
-        </p:spPr>
-        <p:txBody>
-          <a:bodyPr wrap="square" lIns="91440" tIns="45720" rIns="91440" bIns="45720">
-            <a:spAutoFit/>
-          </a:bodyPr>
-          <a:lstStyle/>
-          <a:p>
-            <a:pPr algn="ctr"/>
-            <a:r>
-              <a:rPr lang="en-US" sz="3600" dirty="0">
-                <a:ln w="0"/>
-                <a:effectLst>
-                  <a:outerShdw blurRad="38100" dist="19050" dir="2700000" algn="tl" rotWithShape="0">
-                    <a:schemeClr val="dk1">
-                      <a:alpha val="40000"/>
-                    </a:schemeClr>
-                  </a:outerShdw>
-                </a:effectLst>
-              </a:rPr>
-              <a:t>?</a:t>
-            </a:r>
-          </a:p>
-        </p:txBody>
-      </p:sp>
-      <p:sp>
-        <p:nvSpPr>
-          <p:cNvPr id="78" name="Rectangle 77">
-            <a:extLst>
-              <a:ext uri="{FF2B5EF4-FFF2-40B4-BE49-F238E27FC236}">
-                <a16:creationId xmlns:a16="http://schemas.microsoft.com/office/drawing/2014/main" id="{F42E2DAA-ADE9-5D4E-87E4-757EA2CA7A1C}"/>
-              </a:ext>
-            </a:extLst>
-          </p:cNvPr>
-          <p:cNvSpPr/>
-          <p:nvPr/>
-        </p:nvSpPr>
-        <p:spPr>
-          <a:xfrm>
-            <a:off x="13611454" y="11366841"/>
-            <a:ext cx="401450" cy="646331"/>
-          </a:xfrm>
-          <a:prstGeom prst="rect">
-            <a:avLst/>
-          </a:prstGeom>
-          <a:noFill/>
-        </p:spPr>
-        <p:txBody>
-          <a:bodyPr wrap="square" lIns="91440" tIns="45720" rIns="91440" bIns="45720">
-            <a:spAutoFit/>
-          </a:bodyPr>
-          <a:lstStyle/>
-          <a:p>
-            <a:pPr algn="ctr"/>
-            <a:r>
-              <a:rPr lang="en-US" sz="3600" dirty="0">
-                <a:ln w="0"/>
-                <a:effectLst>
-                  <a:outerShdw blurRad="38100" dist="19050" dir="2700000" algn="tl" rotWithShape="0">
-                    <a:schemeClr val="dk1">
-                      <a:alpha val="40000"/>
-                    </a:schemeClr>
-                  </a:outerShdw>
-                </a:effectLst>
-              </a:rPr>
-              <a:t>?</a:t>
-            </a:r>
-          </a:p>
-        </p:txBody>
-      </p:sp>
-      <p:sp>
-        <p:nvSpPr>
-          <p:cNvPr id="79" name="Rectangle 78">
-            <a:extLst>
-              <a:ext uri="{FF2B5EF4-FFF2-40B4-BE49-F238E27FC236}">
-                <a16:creationId xmlns:a16="http://schemas.microsoft.com/office/drawing/2014/main" id="{986603DA-21E6-F547-8356-BC3CEACE3DBD}"/>
-              </a:ext>
-            </a:extLst>
-          </p:cNvPr>
-          <p:cNvSpPr/>
-          <p:nvPr/>
-        </p:nvSpPr>
-        <p:spPr>
-          <a:xfrm>
-            <a:off x="13640029" y="12133521"/>
-            <a:ext cx="401450" cy="646331"/>
-          </a:xfrm>
-          <a:prstGeom prst="rect">
-            <a:avLst/>
-          </a:prstGeom>
-          <a:noFill/>
-        </p:spPr>
-        <p:txBody>
-          <a:bodyPr wrap="square" lIns="91440" tIns="45720" rIns="91440" bIns="45720">
-            <a:spAutoFit/>
-          </a:bodyPr>
-          <a:lstStyle/>
-          <a:p>
-            <a:pPr algn="ctr"/>
-            <a:r>
-              <a:rPr lang="en-US" sz="3600" dirty="0">
-                <a:ln w="0"/>
-                <a:effectLst>
-                  <a:outerShdw blurRad="38100" dist="19050" dir="2700000" algn="tl" rotWithShape="0">
-                    <a:schemeClr val="dk1">
-                      <a:alpha val="40000"/>
-                    </a:schemeClr>
-                  </a:outerShdw>
-                </a:effectLst>
-              </a:rPr>
-              <a:t>?</a:t>
-            </a:r>
-          </a:p>
-        </p:txBody>
-      </p:sp>
-      <p:sp>
-        <p:nvSpPr>
-          <p:cNvPr id="80" name="Rectangle 79">
-            <a:extLst>
-              <a:ext uri="{FF2B5EF4-FFF2-40B4-BE49-F238E27FC236}">
-                <a16:creationId xmlns:a16="http://schemas.microsoft.com/office/drawing/2014/main" id="{CAE85775-B3F2-714A-ACC2-0C0790D42424}"/>
-              </a:ext>
-            </a:extLst>
-          </p:cNvPr>
-          <p:cNvSpPr/>
-          <p:nvPr/>
-        </p:nvSpPr>
-        <p:spPr>
-          <a:xfrm>
-            <a:off x="13596826" y="9587146"/>
-            <a:ext cx="401450" cy="646331"/>
-          </a:xfrm>
-          <a:prstGeom prst="rect">
-            <a:avLst/>
-          </a:prstGeom>
-          <a:noFill/>
-        </p:spPr>
-        <p:txBody>
-          <a:bodyPr wrap="square" lIns="91440" tIns="45720" rIns="91440" bIns="45720">
-            <a:spAutoFit/>
-          </a:bodyPr>
-          <a:lstStyle/>
-          <a:p>
-            <a:pPr algn="ctr"/>
-            <a:r>
-              <a:rPr lang="en-US" sz="3600" dirty="0">
-                <a:ln w="0"/>
-                <a:effectLst>
-                  <a:outerShdw blurRad="38100" dist="19050" dir="2700000" algn="tl" rotWithShape="0">
-                    <a:schemeClr val="dk1">
-                      <a:alpha val="40000"/>
-                    </a:schemeClr>
-                  </a:outerShdw>
-                </a:effectLst>
-              </a:rPr>
-              <a:t>?</a:t>
-            </a:r>
-          </a:p>
-        </p:txBody>
-      </p:sp>
-      <p:cxnSp>
-        <p:nvCxnSpPr>
-          <p:cNvPr id="85" name="Straight Arrow Connector 84">
-            <a:extLst>
-              <a:ext uri="{FF2B5EF4-FFF2-40B4-BE49-F238E27FC236}">
-                <a16:creationId xmlns:a16="http://schemas.microsoft.com/office/drawing/2014/main" id="{1D807856-DF2D-BF44-B43B-AFFA1EC91A21}"/>
-              </a:ext>
-            </a:extLst>
-          </p:cNvPr>
-          <p:cNvCxnSpPr>
-            <a:cxnSpLocks/>
-          </p:cNvCxnSpPr>
-          <p:nvPr/>
-        </p:nvCxnSpPr>
-        <p:spPr>
           <a:xfrm flipH="1">
-            <a:off x="1989446" y="6740478"/>
-            <a:ext cx="1234" cy="179569"/>
+            <a:off x="6914037" y="8444686"/>
+            <a:ext cx="8262" cy="1369741"/>
           </a:xfrm>
           <a:prstGeom prst="straightConnector1">
             <a:avLst/>
@@ -6519,23 +6268,22 @@
       </p:cxnSp>
       <p:cxnSp>
         <p:nvCxnSpPr>
-          <p:cNvPr id="87" name="Straight Arrow Connector 86">
-            <a:extLst>
-              <a:ext uri="{FF2B5EF4-FFF2-40B4-BE49-F238E27FC236}">
-                <a16:creationId xmlns:a16="http://schemas.microsoft.com/office/drawing/2014/main" id="{FE74FEA0-F13B-CD4C-B098-A6F24F37ABE0}"/>
+          <p:cNvPr id="89" name="Straight Arrow Connector 88">
+            <a:extLst>
+              <a:ext uri="{FF2B5EF4-FFF2-40B4-BE49-F238E27FC236}">
+                <a16:creationId xmlns:a16="http://schemas.microsoft.com/office/drawing/2014/main" id="{8E038E91-1F0A-1641-9D97-7C767AC5E2D7}"/>
               </a:ext>
             </a:extLst>
           </p:cNvPr>
           <p:cNvCxnSpPr>
             <a:cxnSpLocks/>
-            <a:stCxn id="105" idx="2"/>
           </p:cNvCxnSpPr>
           <p:nvPr/>
         </p:nvCxnSpPr>
         <p:spPr>
           <a:xfrm flipH="1">
-            <a:off x="6914037" y="8444686"/>
-            <a:ext cx="8262" cy="1369741"/>
+            <a:off x="11894204" y="10842558"/>
+            <a:ext cx="3194" cy="850652"/>
           </a:xfrm>
           <a:prstGeom prst="straightConnector1">
             <a:avLst/>
@@ -6562,133 +6310,6 @@
           </a:fontRef>
         </p:style>
       </p:cxnSp>
-      <p:cxnSp>
-        <p:nvCxnSpPr>
-          <p:cNvPr id="89" name="Straight Arrow Connector 88">
-            <a:extLst>
-              <a:ext uri="{FF2B5EF4-FFF2-40B4-BE49-F238E27FC236}">
-                <a16:creationId xmlns:a16="http://schemas.microsoft.com/office/drawing/2014/main" id="{8E038E91-1F0A-1641-9D97-7C767AC5E2D7}"/>
-              </a:ext>
-            </a:extLst>
-          </p:cNvPr>
-          <p:cNvCxnSpPr>
-            <a:cxnSpLocks/>
-          </p:cNvCxnSpPr>
-          <p:nvPr/>
-        </p:nvCxnSpPr>
-        <p:spPr>
-          <a:xfrm flipH="1">
-            <a:off x="11894204" y="10842558"/>
-            <a:ext cx="3194" cy="850652"/>
-          </a:xfrm>
-          <a:prstGeom prst="straightConnector1">
-            <a:avLst/>
-          </a:prstGeom>
-          <a:ln>
-            <a:solidFill>
-              <a:schemeClr val="tx1"/>
-            </a:solidFill>
-            <a:tailEnd type="triangle"/>
-          </a:ln>
-        </p:spPr>
-        <p:style>
-          <a:lnRef idx="1">
-            <a:schemeClr val="accent1"/>
-          </a:lnRef>
-          <a:fillRef idx="0">
-            <a:schemeClr val="accent1"/>
-          </a:fillRef>
-          <a:effectRef idx="0">
-            <a:schemeClr val="accent1"/>
-          </a:effectRef>
-          <a:fontRef idx="minor">
-            <a:schemeClr val="tx1"/>
-          </a:fontRef>
-        </p:style>
-      </p:cxnSp>
-      <p:cxnSp>
-        <p:nvCxnSpPr>
-          <p:cNvPr id="90" name="Straight Arrow Connector 89">
-            <a:extLst>
-              <a:ext uri="{FF2B5EF4-FFF2-40B4-BE49-F238E27FC236}">
-                <a16:creationId xmlns:a16="http://schemas.microsoft.com/office/drawing/2014/main" id="{5FF3997E-3776-DD4F-86EE-CECE14011DCE}"/>
-              </a:ext>
-            </a:extLst>
-          </p:cNvPr>
-          <p:cNvCxnSpPr>
-            <a:cxnSpLocks/>
-          </p:cNvCxnSpPr>
-          <p:nvPr/>
-        </p:nvCxnSpPr>
-        <p:spPr>
-          <a:xfrm>
-            <a:off x="11901937" y="11770501"/>
-            <a:ext cx="0" cy="760434"/>
-          </a:xfrm>
-          <a:prstGeom prst="straightConnector1">
-            <a:avLst/>
-          </a:prstGeom>
-          <a:ln>
-            <a:solidFill>
-              <a:schemeClr val="tx1"/>
-            </a:solidFill>
-            <a:tailEnd type="triangle"/>
-          </a:ln>
-        </p:spPr>
-        <p:style>
-          <a:lnRef idx="1">
-            <a:schemeClr val="accent1"/>
-          </a:lnRef>
-          <a:fillRef idx="0">
-            <a:schemeClr val="accent1"/>
-          </a:fillRef>
-          <a:effectRef idx="0">
-            <a:schemeClr val="accent1"/>
-          </a:effectRef>
-          <a:fontRef idx="minor">
-            <a:schemeClr val="tx1"/>
-          </a:fontRef>
-        </p:style>
-      </p:cxnSp>
-      <p:sp>
-        <p:nvSpPr>
-          <p:cNvPr id="91" name="TextBox 90">
-            <a:extLst>
-              <a:ext uri="{FF2B5EF4-FFF2-40B4-BE49-F238E27FC236}">
-                <a16:creationId xmlns:a16="http://schemas.microsoft.com/office/drawing/2014/main" id="{9C2DC2D4-56AA-3B4E-B4C3-8FBA9A7D3D1C}"/>
-              </a:ext>
-            </a:extLst>
-          </p:cNvPr>
-          <p:cNvSpPr txBox="1"/>
-          <p:nvPr/>
-        </p:nvSpPr>
-        <p:spPr>
-          <a:xfrm>
-            <a:off x="13473506" y="12634212"/>
-            <a:ext cx="734496" cy="184666"/>
-          </a:xfrm>
-          <a:prstGeom prst="rect">
-            <a:avLst/>
-          </a:prstGeom>
-          <a:noFill/>
-        </p:spPr>
-        <p:txBody>
-          <a:bodyPr wrap="none" rtlCol="0">
-            <a:spAutoFit/>
-          </a:bodyPr>
-          <a:lstStyle/>
-          <a:p>
-            <a:r>
-              <a:rPr lang="en-US" sz="600" dirty="0">
-                <a:solidFill>
-                  <a:srgbClr val="EDEAEF"/>
-                </a:solidFill>
-              </a:rPr>
-              <a:t>@dennisportomd</a:t>
-            </a:r>
-          </a:p>
-        </p:txBody>
-      </p:sp>
       <p:sp>
         <p:nvSpPr>
           <p:cNvPr id="76" name="Oval 75">
@@ -11073,10 +10694,10 @@
       </p:cxnSp>
       <p:sp>
         <p:nvSpPr>
-          <p:cNvPr id="214" name="Rectangle 213">
-            <a:extLst>
-              <a:ext uri="{FF2B5EF4-FFF2-40B4-BE49-F238E27FC236}">
-                <a16:creationId xmlns:a16="http://schemas.microsoft.com/office/drawing/2014/main" id="{ADF90E7E-26E2-654A-BB54-1DF771CF4B58}"/>
+          <p:cNvPr id="2" name="Multiply 1">
+            <a:extLst>
+              <a:ext uri="{FF2B5EF4-FFF2-40B4-BE49-F238E27FC236}">
+                <a16:creationId xmlns:a16="http://schemas.microsoft.com/office/drawing/2014/main" id="{562CDA98-38A8-3C4E-B2A1-6606ACC408EC}"/>
               </a:ext>
             </a:extLst>
           </p:cNvPr>
@@ -11085,37 +10706,833 @@
         </p:nvSpPr>
         <p:spPr>
           <a:xfrm>
-            <a:off x="13592864" y="8832353"/>
-            <a:ext cx="401450" cy="646331"/>
-          </a:xfrm>
-          <a:prstGeom prst="rect">
-            <a:avLst/>
-          </a:prstGeom>
-          <a:noFill/>
-        </p:spPr>
-        <p:txBody>
-          <a:bodyPr wrap="square" lIns="91440" tIns="45720" rIns="91440" bIns="45720">
-            <a:spAutoFit/>
-          </a:bodyPr>
+            <a:off x="13589413" y="9653267"/>
+            <a:ext cx="548342" cy="445184"/>
+          </a:xfrm>
+          <a:prstGeom prst="mathMultiply">
+            <a:avLst/>
+          </a:prstGeom>
+          <a:solidFill>
+            <a:srgbClr val="FF0000"/>
+          </a:solidFill>
+        </p:spPr>
+        <p:style>
+          <a:lnRef idx="2">
+            <a:schemeClr val="accent1">
+              <a:shade val="50000"/>
+            </a:schemeClr>
+          </a:lnRef>
+          <a:fillRef idx="1">
+            <a:schemeClr val="accent1"/>
+          </a:fillRef>
+          <a:effectRef idx="0">
+            <a:schemeClr val="accent1"/>
+          </a:effectRef>
+          <a:fontRef idx="minor">
+            <a:schemeClr val="lt1"/>
+          </a:fontRef>
+        </p:style>
+        <p:txBody>
+          <a:bodyPr rtlCol="0" anchor="ctr"/>
           <a:lstStyle/>
           <a:p>
             <a:pPr algn="ctr"/>
-            <a:r>
-              <a:rPr lang="en-US" sz="3600" dirty="0">
-                <a:ln w="0"/>
-                <a:effectLst>
-                  <a:outerShdw blurRad="38100" dist="19050" dir="2700000" algn="tl" rotWithShape="0">
-                    <a:schemeClr val="dk1">
-                      <a:alpha val="40000"/>
-                    </a:schemeClr>
-                  </a:outerShdw>
-                </a:effectLst>
+            <a:endParaRPr lang="en-US"/>
+          </a:p>
+        </p:txBody>
+      </p:sp>
+      <p:sp>
+        <p:nvSpPr>
+          <p:cNvPr id="154" name="Oval 153">
+            <a:extLst>
+              <a:ext uri="{FF2B5EF4-FFF2-40B4-BE49-F238E27FC236}">
+                <a16:creationId xmlns:a16="http://schemas.microsoft.com/office/drawing/2014/main" id="{38945BE8-44A3-D642-BD06-94FE38EDF54A}"/>
+              </a:ext>
+            </a:extLst>
+          </p:cNvPr>
+          <p:cNvSpPr/>
+          <p:nvPr/>
+        </p:nvSpPr>
+        <p:spPr>
+          <a:xfrm>
+            <a:off x="13456851" y="10352088"/>
+            <a:ext cx="731520" cy="742278"/>
+          </a:xfrm>
+          <a:prstGeom prst="ellipse">
+            <a:avLst/>
+          </a:prstGeom>
+          <a:solidFill>
+            <a:schemeClr val="bg1">
+              <a:lumMod val="85000"/>
+            </a:schemeClr>
+          </a:solidFill>
+        </p:spPr>
+        <p:style>
+          <a:lnRef idx="2">
+            <a:schemeClr val="accent1">
+              <a:shade val="50000"/>
+            </a:schemeClr>
+          </a:lnRef>
+          <a:fillRef idx="1">
+            <a:schemeClr val="accent1"/>
+          </a:fillRef>
+          <a:effectRef idx="0">
+            <a:schemeClr val="accent1"/>
+          </a:effectRef>
+          <a:fontRef idx="minor">
+            <a:schemeClr val="lt1"/>
+          </a:fontRef>
+        </p:style>
+        <p:txBody>
+          <a:bodyPr rtlCol="0" anchor="ctr"/>
+          <a:lstStyle/>
+          <a:p>
+            <a:pPr algn="ctr"/>
+            <a:r>
+              <a:rPr lang="en-US" sz="1400" b="1" i="1" dirty="0">
+                <a:solidFill>
+                  <a:schemeClr val="bg1"/>
+                </a:solidFill>
               </a:rPr>
-              <a:t>?</a:t>
-            </a:r>
-          </a:p>
-        </p:txBody>
-      </p:sp>
+              <a:t>BCHSV</a:t>
+            </a:r>
+          </a:p>
+        </p:txBody>
+      </p:sp>
+      <p:sp>
+        <p:nvSpPr>
+          <p:cNvPr id="159" name="Oval 158">
+            <a:extLst>
+              <a:ext uri="{FF2B5EF4-FFF2-40B4-BE49-F238E27FC236}">
+                <a16:creationId xmlns:a16="http://schemas.microsoft.com/office/drawing/2014/main" id="{7C02F95F-C1C3-7A47-BD0D-E05A248864CE}"/>
+              </a:ext>
+            </a:extLst>
+          </p:cNvPr>
+          <p:cNvSpPr/>
+          <p:nvPr/>
+        </p:nvSpPr>
+        <p:spPr>
+          <a:xfrm>
+            <a:off x="13532673" y="11267884"/>
+            <a:ext cx="731520" cy="742278"/>
+          </a:xfrm>
+          <a:prstGeom prst="ellipse">
+            <a:avLst/>
+          </a:prstGeom>
+          <a:solidFill>
+            <a:schemeClr val="tx2">
+              <a:lumMod val="40000"/>
+              <a:lumOff val="60000"/>
+            </a:schemeClr>
+          </a:solidFill>
+        </p:spPr>
+        <p:style>
+          <a:lnRef idx="2">
+            <a:schemeClr val="accent1">
+              <a:shade val="50000"/>
+            </a:schemeClr>
+          </a:lnRef>
+          <a:fillRef idx="1">
+            <a:schemeClr val="accent1"/>
+          </a:fillRef>
+          <a:effectRef idx="0">
+            <a:schemeClr val="accent1"/>
+          </a:effectRef>
+          <a:fontRef idx="minor">
+            <a:schemeClr val="lt1"/>
+          </a:fontRef>
+        </p:style>
+        <p:txBody>
+          <a:bodyPr rtlCol="0" anchor="ctr"/>
+          <a:lstStyle/>
+          <a:p>
+            <a:pPr algn="ctr"/>
+            <a:r>
+              <a:rPr lang="en-US" sz="1400" b="1" i="1" dirty="0">
+                <a:solidFill>
+                  <a:schemeClr val="bg1"/>
+                </a:solidFill>
+              </a:rPr>
+              <a:t>BCH ABC</a:t>
+            </a:r>
+          </a:p>
+        </p:txBody>
+      </p:sp>
+      <p:sp>
+        <p:nvSpPr>
+          <p:cNvPr id="160" name="Oval 159">
+            <a:extLst>
+              <a:ext uri="{FF2B5EF4-FFF2-40B4-BE49-F238E27FC236}">
+                <a16:creationId xmlns:a16="http://schemas.microsoft.com/office/drawing/2014/main" id="{B9EED5AC-EBA0-354B-9254-8E0A7CC9D796}"/>
+              </a:ext>
+            </a:extLst>
+          </p:cNvPr>
+          <p:cNvSpPr/>
+          <p:nvPr/>
+        </p:nvSpPr>
+        <p:spPr>
+          <a:xfrm>
+            <a:off x="13478183" y="8841120"/>
+            <a:ext cx="731520" cy="742278"/>
+          </a:xfrm>
+          <a:prstGeom prst="ellipse">
+            <a:avLst/>
+          </a:prstGeom>
+          <a:solidFill>
+            <a:srgbClr val="FF0000"/>
+          </a:solidFill>
+        </p:spPr>
+        <p:style>
+          <a:lnRef idx="2">
+            <a:schemeClr val="accent1">
+              <a:shade val="50000"/>
+            </a:schemeClr>
+          </a:lnRef>
+          <a:fillRef idx="1">
+            <a:schemeClr val="accent1"/>
+          </a:fillRef>
+          <a:effectRef idx="0">
+            <a:schemeClr val="accent1"/>
+          </a:effectRef>
+          <a:fontRef idx="minor">
+            <a:schemeClr val="lt1"/>
+          </a:fontRef>
+        </p:style>
+        <p:txBody>
+          <a:bodyPr rtlCol="0" anchor="ctr"/>
+          <a:lstStyle/>
+          <a:p>
+            <a:pPr algn="ctr"/>
+            <a:r>
+              <a:rPr lang="en-US" sz="1200" b="1" i="1" dirty="0">
+                <a:solidFill>
+                  <a:schemeClr val="bg1"/>
+                </a:solidFill>
+              </a:rPr>
+              <a:t>NMC</a:t>
+            </a:r>
+          </a:p>
+        </p:txBody>
+      </p:sp>
+      <p:sp>
+        <p:nvSpPr>
+          <p:cNvPr id="197" name="Oval 196">
+            <a:extLst>
+              <a:ext uri="{FF2B5EF4-FFF2-40B4-BE49-F238E27FC236}">
+                <a16:creationId xmlns:a16="http://schemas.microsoft.com/office/drawing/2014/main" id="{F38C910C-272F-6749-82D2-F3D0F35C33FA}"/>
+              </a:ext>
+            </a:extLst>
+          </p:cNvPr>
+          <p:cNvSpPr/>
+          <p:nvPr/>
+        </p:nvSpPr>
+        <p:spPr>
+          <a:xfrm>
+            <a:off x="13312304" y="8747782"/>
+            <a:ext cx="731520" cy="742278"/>
+          </a:xfrm>
+          <a:prstGeom prst="ellipse">
+            <a:avLst/>
+          </a:prstGeom>
+          <a:solidFill>
+            <a:schemeClr val="accent5">
+              <a:lumMod val="75000"/>
+            </a:schemeClr>
+          </a:solidFill>
+        </p:spPr>
+        <p:style>
+          <a:lnRef idx="2">
+            <a:schemeClr val="accent1">
+              <a:shade val="50000"/>
+            </a:schemeClr>
+          </a:lnRef>
+          <a:fillRef idx="1">
+            <a:schemeClr val="accent1"/>
+          </a:fillRef>
+          <a:effectRef idx="0">
+            <a:schemeClr val="accent1"/>
+          </a:effectRef>
+          <a:fontRef idx="minor">
+            <a:schemeClr val="lt1"/>
+          </a:fontRef>
+        </p:style>
+        <p:txBody>
+          <a:bodyPr rtlCol="0" anchor="ctr"/>
+          <a:lstStyle/>
+          <a:p>
+            <a:pPr algn="ctr"/>
+            <a:r>
+              <a:rPr lang="en-US" sz="1400" b="1" i="1" dirty="0">
+                <a:solidFill>
+                  <a:schemeClr val="bg1"/>
+                </a:solidFill>
+              </a:rPr>
+              <a:t>LTC</a:t>
+            </a:r>
+          </a:p>
+        </p:txBody>
+      </p:sp>
+      <p:sp>
+        <p:nvSpPr>
+          <p:cNvPr id="198" name="Oval 197">
+            <a:extLst>
+              <a:ext uri="{FF2B5EF4-FFF2-40B4-BE49-F238E27FC236}">
+                <a16:creationId xmlns:a16="http://schemas.microsoft.com/office/drawing/2014/main" id="{48FCC220-C11C-AF44-A95B-82EA0DA034E8}"/>
+              </a:ext>
+            </a:extLst>
+          </p:cNvPr>
+          <p:cNvSpPr/>
+          <p:nvPr/>
+        </p:nvSpPr>
+        <p:spPr>
+          <a:xfrm>
+            <a:off x="13542729" y="8641828"/>
+            <a:ext cx="731520" cy="742278"/>
+          </a:xfrm>
+          <a:prstGeom prst="ellipse">
+            <a:avLst/>
+          </a:prstGeom>
+          <a:solidFill>
+            <a:schemeClr val="accent4">
+              <a:lumMod val="75000"/>
+            </a:schemeClr>
+          </a:solidFill>
+        </p:spPr>
+        <p:style>
+          <a:lnRef idx="2">
+            <a:schemeClr val="accent1">
+              <a:shade val="50000"/>
+            </a:schemeClr>
+          </a:lnRef>
+          <a:fillRef idx="1">
+            <a:schemeClr val="accent1"/>
+          </a:fillRef>
+          <a:effectRef idx="0">
+            <a:schemeClr val="accent1"/>
+          </a:effectRef>
+          <a:fontRef idx="minor">
+            <a:schemeClr val="lt1"/>
+          </a:fontRef>
+        </p:style>
+        <p:txBody>
+          <a:bodyPr rtlCol="0" anchor="ctr"/>
+          <a:lstStyle/>
+          <a:p>
+            <a:pPr algn="ctr"/>
+            <a:r>
+              <a:rPr lang="en-US" sz="1400" b="1" i="1" dirty="0">
+                <a:solidFill>
+                  <a:schemeClr val="bg1"/>
+                </a:solidFill>
+              </a:rPr>
+              <a:t>BTG</a:t>
+            </a:r>
+          </a:p>
+        </p:txBody>
+      </p:sp>
+      <p:sp>
+        <p:nvSpPr>
+          <p:cNvPr id="199" name="Oval 198">
+            <a:extLst>
+              <a:ext uri="{FF2B5EF4-FFF2-40B4-BE49-F238E27FC236}">
+                <a16:creationId xmlns:a16="http://schemas.microsoft.com/office/drawing/2014/main" id="{D46882BD-082C-F546-85C8-3A64970A9E99}"/>
+              </a:ext>
+            </a:extLst>
+          </p:cNvPr>
+          <p:cNvSpPr/>
+          <p:nvPr/>
+        </p:nvSpPr>
+        <p:spPr>
+          <a:xfrm>
+            <a:off x="13447272" y="8764072"/>
+            <a:ext cx="731520" cy="742278"/>
+          </a:xfrm>
+          <a:prstGeom prst="ellipse">
+            <a:avLst/>
+          </a:prstGeom>
+          <a:solidFill>
+            <a:schemeClr val="accent5">
+              <a:lumMod val="40000"/>
+              <a:lumOff val="60000"/>
+            </a:schemeClr>
+          </a:solidFill>
+        </p:spPr>
+        <p:style>
+          <a:lnRef idx="2">
+            <a:schemeClr val="accent1">
+              <a:shade val="50000"/>
+            </a:schemeClr>
+          </a:lnRef>
+          <a:fillRef idx="1">
+            <a:schemeClr val="accent1"/>
+          </a:fillRef>
+          <a:effectRef idx="0">
+            <a:schemeClr val="accent1"/>
+          </a:effectRef>
+          <a:fontRef idx="minor">
+            <a:schemeClr val="lt1"/>
+          </a:fontRef>
+        </p:style>
+        <p:txBody>
+          <a:bodyPr rtlCol="0" anchor="ctr"/>
+          <a:lstStyle/>
+          <a:p>
+            <a:pPr algn="ctr"/>
+            <a:r>
+              <a:rPr lang="en-US" sz="1400" b="1" i="1" dirty="0">
+                <a:solidFill>
+                  <a:schemeClr val="bg1"/>
+                </a:solidFill>
+              </a:rPr>
+              <a:t>BCD</a:t>
+            </a:r>
+          </a:p>
+        </p:txBody>
+      </p:sp>
+      <p:sp>
+        <p:nvSpPr>
+          <p:cNvPr id="200" name="Oval 199">
+            <a:extLst>
+              <a:ext uri="{FF2B5EF4-FFF2-40B4-BE49-F238E27FC236}">
+                <a16:creationId xmlns:a16="http://schemas.microsoft.com/office/drawing/2014/main" id="{79225E80-CCA2-FC4F-BBB7-482BD7FB4401}"/>
+              </a:ext>
+            </a:extLst>
+          </p:cNvPr>
+          <p:cNvSpPr/>
+          <p:nvPr/>
+        </p:nvSpPr>
+        <p:spPr>
+          <a:xfrm rot="261994">
+            <a:off x="13400080" y="8814349"/>
+            <a:ext cx="731520" cy="742278"/>
+          </a:xfrm>
+          <a:prstGeom prst="ellipse">
+            <a:avLst/>
+          </a:prstGeom>
+          <a:solidFill>
+            <a:srgbClr val="FF0000"/>
+          </a:solidFill>
+        </p:spPr>
+        <p:style>
+          <a:lnRef idx="2">
+            <a:schemeClr val="accent1">
+              <a:shade val="50000"/>
+            </a:schemeClr>
+          </a:lnRef>
+          <a:fillRef idx="1">
+            <a:schemeClr val="accent1"/>
+          </a:fillRef>
+          <a:effectRef idx="0">
+            <a:schemeClr val="accent1"/>
+          </a:effectRef>
+          <a:fontRef idx="minor">
+            <a:schemeClr val="lt1"/>
+          </a:fontRef>
+        </p:style>
+        <p:txBody>
+          <a:bodyPr rtlCol="0" anchor="ctr"/>
+          <a:lstStyle/>
+          <a:p>
+            <a:pPr algn="ctr"/>
+            <a:r>
+              <a:rPr lang="en-US" sz="1200" b="1" i="1" dirty="0">
+                <a:solidFill>
+                  <a:schemeClr val="bg1"/>
+                </a:solidFill>
+              </a:rPr>
+              <a:t>NMC</a:t>
+            </a:r>
+          </a:p>
+        </p:txBody>
+      </p:sp>
+      <p:sp>
+        <p:nvSpPr>
+          <p:cNvPr id="201" name="Oval 200">
+            <a:extLst>
+              <a:ext uri="{FF2B5EF4-FFF2-40B4-BE49-F238E27FC236}">
+                <a16:creationId xmlns:a16="http://schemas.microsoft.com/office/drawing/2014/main" id="{38AFCAF4-5859-DE4C-82D1-F595D6255802}"/>
+              </a:ext>
+            </a:extLst>
+          </p:cNvPr>
+          <p:cNvSpPr/>
+          <p:nvPr/>
+        </p:nvSpPr>
+        <p:spPr>
+          <a:xfrm rot="261994">
+            <a:off x="13603294" y="8787569"/>
+            <a:ext cx="731520" cy="742278"/>
+          </a:xfrm>
+          <a:prstGeom prst="ellipse">
+            <a:avLst/>
+          </a:prstGeom>
+          <a:solidFill>
+            <a:srgbClr val="FFC000"/>
+          </a:solidFill>
+        </p:spPr>
+        <p:style>
+          <a:lnRef idx="2">
+            <a:schemeClr val="accent1">
+              <a:shade val="50000"/>
+            </a:schemeClr>
+          </a:lnRef>
+          <a:fillRef idx="1">
+            <a:schemeClr val="accent1"/>
+          </a:fillRef>
+          <a:effectRef idx="0">
+            <a:schemeClr val="accent1"/>
+          </a:effectRef>
+          <a:fontRef idx="minor">
+            <a:schemeClr val="lt1"/>
+          </a:fontRef>
+        </p:style>
+        <p:txBody>
+          <a:bodyPr rtlCol="0" anchor="ctr"/>
+          <a:lstStyle/>
+          <a:p>
+            <a:pPr algn="ctr"/>
+            <a:r>
+              <a:rPr lang="en-US" sz="1400" b="1" i="1" dirty="0">
+                <a:solidFill>
+                  <a:schemeClr val="bg1"/>
+                </a:solidFill>
+              </a:rPr>
+              <a:t>LTC</a:t>
+            </a:r>
+          </a:p>
+        </p:txBody>
+      </p:sp>
+      <p:sp>
+        <p:nvSpPr>
+          <p:cNvPr id="202" name="Oval 201">
+            <a:extLst>
+              <a:ext uri="{FF2B5EF4-FFF2-40B4-BE49-F238E27FC236}">
+                <a16:creationId xmlns:a16="http://schemas.microsoft.com/office/drawing/2014/main" id="{21E0CDD3-F205-0F47-A879-A20AEAED5228}"/>
+              </a:ext>
+            </a:extLst>
+          </p:cNvPr>
+          <p:cNvSpPr/>
+          <p:nvPr/>
+        </p:nvSpPr>
+        <p:spPr>
+          <a:xfrm rot="261994">
+            <a:off x="13464626" y="8615057"/>
+            <a:ext cx="731520" cy="742278"/>
+          </a:xfrm>
+          <a:prstGeom prst="ellipse">
+            <a:avLst/>
+          </a:prstGeom>
+          <a:solidFill>
+            <a:srgbClr val="FFFF00"/>
+          </a:solidFill>
+        </p:spPr>
+        <p:style>
+          <a:lnRef idx="2">
+            <a:schemeClr val="accent1">
+              <a:shade val="50000"/>
+            </a:schemeClr>
+          </a:lnRef>
+          <a:fillRef idx="1">
+            <a:schemeClr val="accent1"/>
+          </a:fillRef>
+          <a:effectRef idx="0">
+            <a:schemeClr val="accent1"/>
+          </a:effectRef>
+          <a:fontRef idx="minor">
+            <a:schemeClr val="lt1"/>
+          </a:fontRef>
+        </p:style>
+        <p:txBody>
+          <a:bodyPr rtlCol="0" anchor="ctr"/>
+          <a:lstStyle/>
+          <a:p>
+            <a:pPr algn="ctr"/>
+            <a:r>
+              <a:rPr lang="en-US" sz="1400" b="1" i="1" dirty="0">
+                <a:ln>
+                  <a:solidFill>
+                    <a:srgbClr val="FFFF00"/>
+                  </a:solidFill>
+                </a:ln>
+                <a:solidFill>
+                  <a:schemeClr val="bg1"/>
+                </a:solidFill>
+              </a:rPr>
+              <a:t>BTG</a:t>
+            </a:r>
+          </a:p>
+        </p:txBody>
+      </p:sp>
+      <p:sp>
+        <p:nvSpPr>
+          <p:cNvPr id="203" name="Oval 202">
+            <a:extLst>
+              <a:ext uri="{FF2B5EF4-FFF2-40B4-BE49-F238E27FC236}">
+                <a16:creationId xmlns:a16="http://schemas.microsoft.com/office/drawing/2014/main" id="{F36DF2EF-4676-6C49-BB76-1E7CC155A7A3}"/>
+              </a:ext>
+            </a:extLst>
+          </p:cNvPr>
+          <p:cNvSpPr/>
+          <p:nvPr/>
+        </p:nvSpPr>
+        <p:spPr>
+          <a:xfrm rot="261994">
+            <a:off x="13535653" y="8808544"/>
+            <a:ext cx="731520" cy="742278"/>
+          </a:xfrm>
+          <a:prstGeom prst="ellipse">
+            <a:avLst/>
+          </a:prstGeom>
+          <a:solidFill>
+            <a:schemeClr val="accent5">
+              <a:lumMod val="40000"/>
+              <a:lumOff val="60000"/>
+            </a:schemeClr>
+          </a:solidFill>
+        </p:spPr>
+        <p:style>
+          <a:lnRef idx="2">
+            <a:schemeClr val="accent1">
+              <a:shade val="50000"/>
+            </a:schemeClr>
+          </a:lnRef>
+          <a:fillRef idx="1">
+            <a:schemeClr val="accent1"/>
+          </a:fillRef>
+          <a:effectRef idx="0">
+            <a:schemeClr val="accent1"/>
+          </a:effectRef>
+          <a:fontRef idx="minor">
+            <a:schemeClr val="lt1"/>
+          </a:fontRef>
+        </p:style>
+        <p:txBody>
+          <a:bodyPr rtlCol="0" anchor="ctr"/>
+          <a:lstStyle/>
+          <a:p>
+            <a:pPr algn="ctr"/>
+            <a:endParaRPr lang="en-US" sz="1400" b="1" i="1" dirty="0">
+              <a:solidFill>
+                <a:schemeClr val="bg1"/>
+              </a:solidFill>
+            </a:endParaRPr>
+          </a:p>
+        </p:txBody>
+      </p:sp>
+      <p:sp>
+        <p:nvSpPr>
+          <p:cNvPr id="204" name="Oval 203">
+            <a:extLst>
+              <a:ext uri="{FF2B5EF4-FFF2-40B4-BE49-F238E27FC236}">
+                <a16:creationId xmlns:a16="http://schemas.microsoft.com/office/drawing/2014/main" id="{D9D5DB8D-D17E-0044-88CA-D415C56B90FD}"/>
+              </a:ext>
+            </a:extLst>
+          </p:cNvPr>
+          <p:cNvSpPr/>
+          <p:nvPr/>
+        </p:nvSpPr>
+        <p:spPr>
+          <a:xfrm rot="261994">
+            <a:off x="13355505" y="8683228"/>
+            <a:ext cx="731520" cy="742278"/>
+          </a:xfrm>
+          <a:prstGeom prst="ellipse">
+            <a:avLst/>
+          </a:prstGeom>
+          <a:solidFill>
+            <a:srgbClr val="FFC000"/>
+          </a:solidFill>
+        </p:spPr>
+        <p:style>
+          <a:lnRef idx="2">
+            <a:schemeClr val="accent1">
+              <a:shade val="50000"/>
+            </a:schemeClr>
+          </a:lnRef>
+          <a:fillRef idx="1">
+            <a:schemeClr val="accent1"/>
+          </a:fillRef>
+          <a:effectRef idx="0">
+            <a:schemeClr val="accent1"/>
+          </a:effectRef>
+          <a:fontRef idx="minor">
+            <a:schemeClr val="lt1"/>
+          </a:fontRef>
+        </p:style>
+        <p:txBody>
+          <a:bodyPr rtlCol="0" anchor="ctr"/>
+          <a:lstStyle/>
+          <a:p>
+            <a:pPr algn="ctr"/>
+            <a:endParaRPr lang="en-US" sz="1400" b="1" i="1" dirty="0">
+              <a:solidFill>
+                <a:schemeClr val="bg1"/>
+              </a:solidFill>
+              <a:highlight>
+                <a:srgbClr val="00FF00"/>
+              </a:highlight>
+            </a:endParaRPr>
+          </a:p>
+        </p:txBody>
+      </p:sp>
+      <p:sp>
+        <p:nvSpPr>
+          <p:cNvPr id="210" name="Oval 209">
+            <a:extLst>
+              <a:ext uri="{FF2B5EF4-FFF2-40B4-BE49-F238E27FC236}">
+                <a16:creationId xmlns:a16="http://schemas.microsoft.com/office/drawing/2014/main" id="{93C5B9DE-EAE5-D440-86DC-1F13A3AF5A8A}"/>
+              </a:ext>
+            </a:extLst>
+          </p:cNvPr>
+          <p:cNvSpPr/>
+          <p:nvPr/>
+        </p:nvSpPr>
+        <p:spPr>
+          <a:xfrm>
+            <a:off x="13424478" y="8743567"/>
+            <a:ext cx="731520" cy="742278"/>
+          </a:xfrm>
+          <a:prstGeom prst="ellipse">
+            <a:avLst/>
+          </a:prstGeom>
+          <a:solidFill>
+            <a:schemeClr val="accent6">
+              <a:lumMod val="40000"/>
+              <a:lumOff val="60000"/>
+            </a:schemeClr>
+          </a:solidFill>
+        </p:spPr>
+        <p:style>
+          <a:lnRef idx="2">
+            <a:schemeClr val="accent1">
+              <a:shade val="50000"/>
+            </a:schemeClr>
+          </a:lnRef>
+          <a:fillRef idx="1">
+            <a:schemeClr val="accent1"/>
+          </a:fillRef>
+          <a:effectRef idx="0">
+            <a:schemeClr val="accent1"/>
+          </a:effectRef>
+          <a:fontRef idx="minor">
+            <a:schemeClr val="lt1"/>
+          </a:fontRef>
+        </p:style>
+        <p:txBody>
+          <a:bodyPr rtlCol="0" anchor="ctr"/>
+          <a:lstStyle/>
+          <a:p>
+            <a:pPr algn="ctr"/>
+            <a:r>
+              <a:rPr lang="en-US" sz="1100" b="1" i="1" dirty="0">
+                <a:solidFill>
+                  <a:schemeClr val="bg1"/>
+                </a:solidFill>
+              </a:rPr>
+              <a:t>BCHC</a:t>
+            </a:r>
+          </a:p>
+        </p:txBody>
+      </p:sp>
+      <p:sp>
+        <p:nvSpPr>
+          <p:cNvPr id="211" name="Oval 210">
+            <a:extLst>
+              <a:ext uri="{FF2B5EF4-FFF2-40B4-BE49-F238E27FC236}">
+                <a16:creationId xmlns:a16="http://schemas.microsoft.com/office/drawing/2014/main" id="{FAF4BB82-7FF7-6A49-B598-B2E6950F43B5}"/>
+              </a:ext>
+            </a:extLst>
+          </p:cNvPr>
+          <p:cNvSpPr/>
+          <p:nvPr/>
+        </p:nvSpPr>
+        <p:spPr>
+          <a:xfrm>
+            <a:off x="13440019" y="8795269"/>
+            <a:ext cx="731520" cy="742278"/>
+          </a:xfrm>
+          <a:prstGeom prst="ellipse">
+            <a:avLst/>
+          </a:prstGeom>
+          <a:solidFill>
+            <a:schemeClr val="accent1">
+              <a:lumMod val="60000"/>
+              <a:lumOff val="40000"/>
+            </a:schemeClr>
+          </a:solidFill>
+        </p:spPr>
+        <p:style>
+          <a:lnRef idx="2">
+            <a:schemeClr val="accent1">
+              <a:shade val="50000"/>
+            </a:schemeClr>
+          </a:lnRef>
+          <a:fillRef idx="1">
+            <a:schemeClr val="accent1"/>
+          </a:fillRef>
+          <a:effectRef idx="0">
+            <a:schemeClr val="accent1"/>
+          </a:effectRef>
+          <a:fontRef idx="minor">
+            <a:schemeClr val="lt1"/>
+          </a:fontRef>
+        </p:style>
+        <p:txBody>
+          <a:bodyPr rtlCol="0" anchor="ctr"/>
+          <a:lstStyle/>
+          <a:p>
+            <a:pPr algn="ctr"/>
+            <a:endParaRPr lang="en-US" sz="1100" b="1" i="1" dirty="0">
+              <a:solidFill>
+                <a:schemeClr val="bg1"/>
+              </a:solidFill>
+            </a:endParaRPr>
+          </a:p>
+        </p:txBody>
+      </p:sp>
+      <p:cxnSp>
+        <p:nvCxnSpPr>
+          <p:cNvPr id="215" name="Straight Arrow Connector 214">
+            <a:extLst>
+              <a:ext uri="{FF2B5EF4-FFF2-40B4-BE49-F238E27FC236}">
+                <a16:creationId xmlns:a16="http://schemas.microsoft.com/office/drawing/2014/main" id="{32057EF8-54F8-434A-A977-B291DAFFEFBB}"/>
+              </a:ext>
+            </a:extLst>
+          </p:cNvPr>
+          <p:cNvCxnSpPr>
+            <a:cxnSpLocks/>
+          </p:cNvCxnSpPr>
+          <p:nvPr/>
+        </p:nvCxnSpPr>
+        <p:spPr>
+          <a:xfrm>
+            <a:off x="14419300" y="9328510"/>
+            <a:ext cx="247426" cy="70885"/>
+          </a:xfrm>
+          <a:prstGeom prst="straightConnector1">
+            <a:avLst/>
+          </a:prstGeom>
+          <a:ln>
+            <a:solidFill>
+              <a:schemeClr val="tx1"/>
+            </a:solidFill>
+            <a:tailEnd type="triangle"/>
+          </a:ln>
+        </p:spPr>
+        <p:style>
+          <a:lnRef idx="1">
+            <a:schemeClr val="accent1"/>
+          </a:lnRef>
+          <a:fillRef idx="0">
+            <a:schemeClr val="accent1"/>
+          </a:fillRef>
+          <a:effectRef idx="0">
+            <a:schemeClr val="accent1"/>
+          </a:effectRef>
+          <a:fontRef idx="minor">
+            <a:schemeClr val="tx1"/>
+          </a:fontRef>
+        </p:style>
+      </p:cxnSp>
     </p:spTree>
     <p:extLst>
       <p:ext uri="{BB962C8B-B14F-4D97-AF65-F5344CB8AC3E}">

--- a/bitcoin.pptx
+++ b/bitcoin.pptx
@@ -197,7 +197,7 @@
           <a:p>
             <a:fld id="{A80C38ED-2BFA-0445-94E7-70BDEB43ADE2}" type="datetimeFigureOut">
               <a:rPr lang="en-US" smtClean="0"/>
-              <a:t>11/16/18</a:t>
+              <a:t>11/18/18</a:t>
             </a:fld>
             <a:endParaRPr lang="en-US"/>
           </a:p>
@@ -679,7 +679,7 @@
           <a:p>
             <a:fld id="{CAFD4390-0EFB-AA47-841E-295E33D2312E}" type="datetimeFigureOut">
               <a:rPr lang="en-US" smtClean="0"/>
-              <a:t>11/16/18</a:t>
+              <a:t>11/18/18</a:t>
             </a:fld>
             <a:endParaRPr lang="en-US"/>
           </a:p>
@@ -849,7 +849,7 @@
           <a:p>
             <a:fld id="{CAFD4390-0EFB-AA47-841E-295E33D2312E}" type="datetimeFigureOut">
               <a:rPr lang="en-US" smtClean="0"/>
-              <a:t>11/16/18</a:t>
+              <a:t>11/18/18</a:t>
             </a:fld>
             <a:endParaRPr lang="en-US"/>
           </a:p>
@@ -1029,7 +1029,7 @@
           <a:p>
             <a:fld id="{CAFD4390-0EFB-AA47-841E-295E33D2312E}" type="datetimeFigureOut">
               <a:rPr lang="en-US" smtClean="0"/>
-              <a:t>11/16/18</a:t>
+              <a:t>11/18/18</a:t>
             </a:fld>
             <a:endParaRPr lang="en-US"/>
           </a:p>
@@ -1199,7 +1199,7 @@
           <a:p>
             <a:fld id="{CAFD4390-0EFB-AA47-841E-295E33D2312E}" type="datetimeFigureOut">
               <a:rPr lang="en-US" smtClean="0"/>
-              <a:t>11/16/18</a:t>
+              <a:t>11/18/18</a:t>
             </a:fld>
             <a:endParaRPr lang="en-US"/>
           </a:p>
@@ -1443,7 +1443,7 @@
           <a:p>
             <a:fld id="{CAFD4390-0EFB-AA47-841E-295E33D2312E}" type="datetimeFigureOut">
               <a:rPr lang="en-US" smtClean="0"/>
-              <a:t>11/16/18</a:t>
+              <a:t>11/18/18</a:t>
             </a:fld>
             <a:endParaRPr lang="en-US"/>
           </a:p>
@@ -1675,7 +1675,7 @@
           <a:p>
             <a:fld id="{CAFD4390-0EFB-AA47-841E-295E33D2312E}" type="datetimeFigureOut">
               <a:rPr lang="en-US" smtClean="0"/>
-              <a:t>11/16/18</a:t>
+              <a:t>11/18/18</a:t>
             </a:fld>
             <a:endParaRPr lang="en-US"/>
           </a:p>
@@ -2042,7 +2042,7 @@
           <a:p>
             <a:fld id="{CAFD4390-0EFB-AA47-841E-295E33D2312E}" type="datetimeFigureOut">
               <a:rPr lang="en-US" smtClean="0"/>
-              <a:t>11/16/18</a:t>
+              <a:t>11/18/18</a:t>
             </a:fld>
             <a:endParaRPr lang="en-US"/>
           </a:p>
@@ -2160,7 +2160,7 @@
           <a:p>
             <a:fld id="{CAFD4390-0EFB-AA47-841E-295E33D2312E}" type="datetimeFigureOut">
               <a:rPr lang="en-US" smtClean="0"/>
-              <a:t>11/16/18</a:t>
+              <a:t>11/18/18</a:t>
             </a:fld>
             <a:endParaRPr lang="en-US"/>
           </a:p>
@@ -2255,7 +2255,7 @@
           <a:p>
             <a:fld id="{CAFD4390-0EFB-AA47-841E-295E33D2312E}" type="datetimeFigureOut">
               <a:rPr lang="en-US" smtClean="0"/>
-              <a:t>11/16/18</a:t>
+              <a:t>11/18/18</a:t>
             </a:fld>
             <a:endParaRPr lang="en-US"/>
           </a:p>
@@ -2532,7 +2532,7 @@
           <a:p>
             <a:fld id="{CAFD4390-0EFB-AA47-841E-295E33D2312E}" type="datetimeFigureOut">
               <a:rPr lang="en-US" smtClean="0"/>
-              <a:t>11/16/18</a:t>
+              <a:t>11/18/18</a:t>
             </a:fld>
             <a:endParaRPr lang="en-US"/>
           </a:p>
@@ -2789,7 +2789,7 @@
           <a:p>
             <a:fld id="{CAFD4390-0EFB-AA47-841E-295E33D2312E}" type="datetimeFigureOut">
               <a:rPr lang="en-US" smtClean="0"/>
-              <a:t>11/16/18</a:t>
+              <a:t>11/18/18</a:t>
             </a:fld>
             <a:endParaRPr lang="en-US"/>
           </a:p>
@@ -3002,7 +3002,7 @@
           <a:p>
             <a:fld id="{CAFD4390-0EFB-AA47-841E-295E33D2312E}" type="datetimeFigureOut">
               <a:rPr lang="en-US" smtClean="0"/>
-              <a:t>11/16/18</a:t>
+              <a:t>11/18/18</a:t>
             </a:fld>
             <a:endParaRPr lang="en-US"/>
           </a:p>
@@ -5452,8 +5452,8 @@
         </p:nvCxnSpPr>
         <p:spPr>
           <a:xfrm>
-            <a:off x="11800691" y="9807034"/>
-            <a:ext cx="247426" cy="0"/>
+            <a:off x="11694169" y="9883604"/>
+            <a:ext cx="250408" cy="249227"/>
           </a:xfrm>
           <a:prstGeom prst="straightConnector1">
             <a:avLst/>
@@ -5494,7 +5494,7 @@
         </p:nvSpPr>
         <p:spPr>
           <a:xfrm>
-            <a:off x="12177209" y="9435895"/>
+            <a:off x="12001100" y="9969419"/>
             <a:ext cx="731520" cy="742278"/>
           </a:xfrm>
           <a:prstGeom prst="ellipse">
@@ -5554,7 +5554,7 @@
         </p:nvCxnSpPr>
         <p:spPr>
           <a:xfrm>
-            <a:off x="13096988" y="9812413"/>
+            <a:off x="12934281" y="10351852"/>
             <a:ext cx="247426" cy="0"/>
           </a:xfrm>
           <a:prstGeom prst="straightConnector1">
@@ -5596,7 +5596,7 @@
         </p:nvSpPr>
         <p:spPr>
           <a:xfrm>
-            <a:off x="12177209" y="10352088"/>
+            <a:off x="12002106" y="7973500"/>
             <a:ext cx="731520" cy="742278"/>
           </a:xfrm>
           <a:prstGeom prst="ellipse">
@@ -5656,7 +5656,7 @@
         </p:nvCxnSpPr>
         <p:spPr>
           <a:xfrm>
-            <a:off x="13096988" y="10728606"/>
+            <a:off x="12921885" y="8350018"/>
             <a:ext cx="247426" cy="0"/>
           </a:xfrm>
           <a:prstGeom prst="straightConnector1">
@@ -5698,7 +5698,7 @@
         </p:nvSpPr>
         <p:spPr>
           <a:xfrm>
-            <a:off x="12177209" y="11268281"/>
+            <a:off x="12002106" y="8889693"/>
             <a:ext cx="731520" cy="742278"/>
           </a:xfrm>
           <a:prstGeom prst="ellipse">
@@ -5759,7 +5759,7 @@
         </p:nvCxnSpPr>
         <p:spPr>
           <a:xfrm>
-            <a:off x="13096988" y="11644799"/>
+            <a:off x="12921885" y="9266211"/>
             <a:ext cx="247426" cy="0"/>
           </a:xfrm>
           <a:prstGeom prst="straightConnector1">
@@ -5831,12 +5831,71 @@
           </a:fontRef>
         </p:style>
       </p:cxnSp>
+      <p:sp>
+        <p:nvSpPr>
+          <p:cNvPr id="64" name="Oval 63">
+            <a:extLst>
+              <a:ext uri="{FF2B5EF4-FFF2-40B4-BE49-F238E27FC236}">
+                <a16:creationId xmlns:a16="http://schemas.microsoft.com/office/drawing/2014/main" id="{1AA85180-F0A9-BD48-A147-D25958CCF486}"/>
+              </a:ext>
+            </a:extLst>
+          </p:cNvPr>
+          <p:cNvSpPr/>
+          <p:nvPr/>
+        </p:nvSpPr>
+        <p:spPr>
+          <a:xfrm>
+            <a:off x="8407278" y="8571698"/>
+            <a:ext cx="731520" cy="742278"/>
+          </a:xfrm>
+          <a:prstGeom prst="ellipse">
+            <a:avLst/>
+          </a:prstGeom>
+          <a:solidFill>
+            <a:schemeClr val="accent1">
+              <a:lumMod val="60000"/>
+              <a:lumOff val="40000"/>
+            </a:schemeClr>
+          </a:solidFill>
+        </p:spPr>
+        <p:style>
+          <a:lnRef idx="2">
+            <a:schemeClr val="accent1">
+              <a:shade val="50000"/>
+            </a:schemeClr>
+          </a:lnRef>
+          <a:fillRef idx="1">
+            <a:schemeClr val="accent1"/>
+          </a:fillRef>
+          <a:effectRef idx="0">
+            <a:schemeClr val="accent1"/>
+          </a:effectRef>
+          <a:fontRef idx="minor">
+            <a:schemeClr val="lt1"/>
+          </a:fontRef>
+        </p:style>
+        <p:txBody>
+          <a:bodyPr rtlCol="0" anchor="ctr"/>
+          <a:lstStyle/>
+          <a:p>
+            <a:pPr algn="ctr"/>
+            <a:r>
+              <a:rPr lang="en-US" sz="1100" b="1" i="1" dirty="0">
+                <a:solidFill>
+                  <a:schemeClr val="bg1"/>
+                </a:solidFill>
+              </a:rPr>
+              <a:t>BTCC</a:t>
+            </a:r>
+          </a:p>
+        </p:txBody>
+      </p:sp>
       <p:cxnSp>
         <p:nvCxnSpPr>
-          <p:cNvPr id="53" name="Straight Arrow Connector 52">
-            <a:extLst>
-              <a:ext uri="{FF2B5EF4-FFF2-40B4-BE49-F238E27FC236}">
-                <a16:creationId xmlns:a16="http://schemas.microsoft.com/office/drawing/2014/main" id="{63F7832F-4B79-1C4B-9FF5-A9EA900EE1ED}"/>
+          <p:cNvPr id="65" name="Straight Arrow Connector 64">
+            <a:extLst>
+              <a:ext uri="{FF2B5EF4-FFF2-40B4-BE49-F238E27FC236}">
+                <a16:creationId xmlns:a16="http://schemas.microsoft.com/office/drawing/2014/main" id="{339791AB-AAAD-EE46-9FF6-6854F646CCD2}"/>
               </a:ext>
             </a:extLst>
           </p:cNvPr>
@@ -5846,9 +5905,9 @@
           <p:nvPr/>
         </p:nvCxnSpPr>
         <p:spPr>
-          <a:xfrm>
-            <a:off x="9246437" y="7280278"/>
-            <a:ext cx="172425" cy="87037"/>
+          <a:xfrm flipV="1">
+            <a:off x="9310922" y="7630795"/>
+            <a:ext cx="1569990" cy="1276282"/>
           </a:xfrm>
           <a:prstGeom prst="straightConnector1">
             <a:avLst/>
@@ -5877,10 +5936,10 @@
       </p:cxnSp>
       <p:cxnSp>
         <p:nvCxnSpPr>
-          <p:cNvPr id="55" name="Straight Arrow Connector 54">
-            <a:extLst>
-              <a:ext uri="{FF2B5EF4-FFF2-40B4-BE49-F238E27FC236}">
-                <a16:creationId xmlns:a16="http://schemas.microsoft.com/office/drawing/2014/main" id="{384E2BE8-BA4C-8D49-8689-DEA5FA57DB56}"/>
+          <p:cNvPr id="73" name="Straight Connector 72">
+            <a:extLst>
+              <a:ext uri="{FF2B5EF4-FFF2-40B4-BE49-F238E27FC236}">
+                <a16:creationId xmlns:a16="http://schemas.microsoft.com/office/drawing/2014/main" id="{0744BEFD-4531-234A-8DB1-6E077642D18A}"/>
               </a:ext>
             </a:extLst>
           </p:cNvPr>
@@ -5890,9 +5949,120 @@
           <p:nvPr/>
         </p:nvCxnSpPr>
         <p:spPr>
-          <a:xfrm>
-            <a:off x="10334208" y="8024566"/>
-            <a:ext cx="117400" cy="125659"/>
+          <a:xfrm flipV="1">
+            <a:off x="609831" y="6492454"/>
+            <a:ext cx="16561750" cy="6210"/>
+          </a:xfrm>
+          <a:prstGeom prst="line">
+            <a:avLst/>
+          </a:prstGeom>
+          <a:ln>
+            <a:prstDash val="dash"/>
+          </a:ln>
+        </p:spPr>
+        <p:style>
+          <a:lnRef idx="1">
+            <a:schemeClr val="accent1"/>
+          </a:lnRef>
+          <a:fillRef idx="0">
+            <a:schemeClr val="accent1"/>
+          </a:fillRef>
+          <a:effectRef idx="0">
+            <a:schemeClr val="accent1"/>
+          </a:effectRef>
+          <a:fontRef idx="minor">
+            <a:schemeClr val="tx1"/>
+          </a:fontRef>
+        </p:style>
+      </p:cxnSp>
+      <p:sp>
+        <p:nvSpPr>
+          <p:cNvPr id="74" name="TextBox 73">
+            <a:extLst>
+              <a:ext uri="{FF2B5EF4-FFF2-40B4-BE49-F238E27FC236}">
+                <a16:creationId xmlns:a16="http://schemas.microsoft.com/office/drawing/2014/main" id="{50B754B2-42ED-8843-94B3-68A4B2B07BC4}"/>
+              </a:ext>
+            </a:extLst>
+          </p:cNvPr>
+          <p:cNvSpPr txBox="1"/>
+          <p:nvPr/>
+        </p:nvSpPr>
+        <p:spPr>
+          <a:xfrm>
+            <a:off x="609831" y="6323559"/>
+            <a:ext cx="510076" cy="230832"/>
+          </a:xfrm>
+          <a:prstGeom prst="rect">
+            <a:avLst/>
+          </a:prstGeom>
+          <a:noFill/>
+        </p:spPr>
+        <p:txBody>
+          <a:bodyPr wrap="square" rtlCol="0">
+            <a:spAutoFit/>
+          </a:bodyPr>
+          <a:lstStyle/>
+          <a:p>
+            <a:r>
+              <a:rPr lang="en-US" sz="900" dirty="0"/>
+              <a:t>Bitcoin</a:t>
+            </a:r>
+          </a:p>
+        </p:txBody>
+      </p:sp>
+      <p:sp>
+        <p:nvSpPr>
+          <p:cNvPr id="75" name="TextBox 74">
+            <a:extLst>
+              <a:ext uri="{FF2B5EF4-FFF2-40B4-BE49-F238E27FC236}">
+                <a16:creationId xmlns:a16="http://schemas.microsoft.com/office/drawing/2014/main" id="{22F1048A-58A7-7043-85A9-576378BCD816}"/>
+              </a:ext>
+            </a:extLst>
+          </p:cNvPr>
+          <p:cNvSpPr txBox="1"/>
+          <p:nvPr/>
+        </p:nvSpPr>
+        <p:spPr>
+          <a:xfrm>
+            <a:off x="584985" y="6467638"/>
+            <a:ext cx="559769" cy="230832"/>
+          </a:xfrm>
+          <a:prstGeom prst="rect">
+            <a:avLst/>
+          </a:prstGeom>
+          <a:noFill/>
+        </p:spPr>
+        <p:txBody>
+          <a:bodyPr wrap="square" rtlCol="0">
+            <a:spAutoFit/>
+          </a:bodyPr>
+          <a:lstStyle/>
+          <a:p>
+            <a:r>
+              <a:rPr lang="en-US" sz="900" dirty="0"/>
+              <a:t>Altcoins</a:t>
+            </a:r>
+          </a:p>
+        </p:txBody>
+      </p:sp>
+      <p:cxnSp>
+        <p:nvCxnSpPr>
+          <p:cNvPr id="85" name="Straight Arrow Connector 84">
+            <a:extLst>
+              <a:ext uri="{FF2B5EF4-FFF2-40B4-BE49-F238E27FC236}">
+                <a16:creationId xmlns:a16="http://schemas.microsoft.com/office/drawing/2014/main" id="{1D807856-DF2D-BF44-B43B-AFFA1EC91A21}"/>
+              </a:ext>
+            </a:extLst>
+          </p:cNvPr>
+          <p:cNvCxnSpPr>
+            <a:cxnSpLocks/>
+          </p:cNvCxnSpPr>
+          <p:nvPr/>
+        </p:nvCxnSpPr>
+        <p:spPr>
+          <a:xfrm flipH="1">
+            <a:off x="1989446" y="6740478"/>
+            <a:ext cx="1234" cy="179569"/>
           </a:xfrm>
           <a:prstGeom prst="straightConnector1">
             <a:avLst/>
@@ -5921,22 +6091,23 @@
       </p:cxnSp>
       <p:cxnSp>
         <p:nvCxnSpPr>
-          <p:cNvPr id="57" name="Straight Arrow Connector 56">
-            <a:extLst>
-              <a:ext uri="{FF2B5EF4-FFF2-40B4-BE49-F238E27FC236}">
-                <a16:creationId xmlns:a16="http://schemas.microsoft.com/office/drawing/2014/main" id="{C3A157BC-6BD1-CD4D-9F11-4CD95AC1D793}"/>
+          <p:cNvPr id="87" name="Straight Arrow Connector 86">
+            <a:extLst>
+              <a:ext uri="{FF2B5EF4-FFF2-40B4-BE49-F238E27FC236}">
+                <a16:creationId xmlns:a16="http://schemas.microsoft.com/office/drawing/2014/main" id="{FE74FEA0-F13B-CD4C-B098-A6F24F37ABE0}"/>
               </a:ext>
             </a:extLst>
           </p:cNvPr>
           <p:cNvCxnSpPr>
             <a:cxnSpLocks/>
+            <a:stCxn id="105" idx="2"/>
           </p:cNvCxnSpPr>
           <p:nvPr/>
         </p:nvCxnSpPr>
         <p:spPr>
-          <a:xfrm>
-            <a:off x="11426442" y="8592918"/>
-            <a:ext cx="270709" cy="82785"/>
+          <a:xfrm flipH="1">
+            <a:off x="6914037" y="8444686"/>
+            <a:ext cx="8262" cy="1369741"/>
           </a:xfrm>
           <a:prstGeom prst="straightConnector1">
             <a:avLst/>
@@ -5963,71 +6134,12 @@
           </a:fontRef>
         </p:style>
       </p:cxnSp>
-      <p:sp>
-        <p:nvSpPr>
-          <p:cNvPr id="64" name="Oval 63">
-            <a:extLst>
-              <a:ext uri="{FF2B5EF4-FFF2-40B4-BE49-F238E27FC236}">
-                <a16:creationId xmlns:a16="http://schemas.microsoft.com/office/drawing/2014/main" id="{1AA85180-F0A9-BD48-A147-D25958CCF486}"/>
-              </a:ext>
-            </a:extLst>
-          </p:cNvPr>
-          <p:cNvSpPr/>
-          <p:nvPr/>
-        </p:nvSpPr>
-        <p:spPr>
-          <a:xfrm>
-            <a:off x="8407278" y="8571698"/>
-            <a:ext cx="731520" cy="742278"/>
-          </a:xfrm>
-          <a:prstGeom prst="ellipse">
-            <a:avLst/>
-          </a:prstGeom>
-          <a:solidFill>
-            <a:schemeClr val="accent1">
-              <a:lumMod val="60000"/>
-              <a:lumOff val="40000"/>
-            </a:schemeClr>
-          </a:solidFill>
-        </p:spPr>
-        <p:style>
-          <a:lnRef idx="2">
-            <a:schemeClr val="accent1">
-              <a:shade val="50000"/>
-            </a:schemeClr>
-          </a:lnRef>
-          <a:fillRef idx="1">
-            <a:schemeClr val="accent1"/>
-          </a:fillRef>
-          <a:effectRef idx="0">
-            <a:schemeClr val="accent1"/>
-          </a:effectRef>
-          <a:fontRef idx="minor">
-            <a:schemeClr val="lt1"/>
-          </a:fontRef>
-        </p:style>
-        <p:txBody>
-          <a:bodyPr rtlCol="0" anchor="ctr"/>
-          <a:lstStyle/>
-          <a:p>
-            <a:pPr algn="ctr"/>
-            <a:r>
-              <a:rPr lang="en-US" sz="1100" b="1" i="1" dirty="0">
-                <a:solidFill>
-                  <a:schemeClr val="bg1"/>
-                </a:solidFill>
-              </a:rPr>
-              <a:t>BTCC</a:t>
-            </a:r>
-          </a:p>
-        </p:txBody>
-      </p:sp>
       <p:cxnSp>
         <p:nvCxnSpPr>
-          <p:cNvPr id="65" name="Straight Arrow Connector 64">
-            <a:extLst>
-              <a:ext uri="{FF2B5EF4-FFF2-40B4-BE49-F238E27FC236}">
-                <a16:creationId xmlns:a16="http://schemas.microsoft.com/office/drawing/2014/main" id="{339791AB-AAAD-EE46-9FF6-6854F646CCD2}"/>
+          <p:cNvPr id="89" name="Straight Arrow Connector 88">
+            <a:extLst>
+              <a:ext uri="{FF2B5EF4-FFF2-40B4-BE49-F238E27FC236}">
+                <a16:creationId xmlns:a16="http://schemas.microsoft.com/office/drawing/2014/main" id="{8E038E91-1F0A-1641-9D97-7C767AC5E2D7}"/>
               </a:ext>
             </a:extLst>
           </p:cNvPr>
@@ -6038,8 +6150,8 @@
         </p:nvCxnSpPr>
         <p:spPr>
           <a:xfrm flipV="1">
-            <a:off x="9310922" y="8675703"/>
-            <a:ext cx="810060" cy="231374"/>
+            <a:off x="11776620" y="9186401"/>
+            <a:ext cx="21266" cy="701003"/>
           </a:xfrm>
           <a:prstGeom prst="straightConnector1">
             <a:avLst/>
@@ -6066,250 +6178,6 @@
           </a:fontRef>
         </p:style>
       </p:cxnSp>
-      <p:cxnSp>
-        <p:nvCxnSpPr>
-          <p:cNvPr id="73" name="Straight Connector 72">
-            <a:extLst>
-              <a:ext uri="{FF2B5EF4-FFF2-40B4-BE49-F238E27FC236}">
-                <a16:creationId xmlns:a16="http://schemas.microsoft.com/office/drawing/2014/main" id="{0744BEFD-4531-234A-8DB1-6E077642D18A}"/>
-              </a:ext>
-            </a:extLst>
-          </p:cNvPr>
-          <p:cNvCxnSpPr>
-            <a:cxnSpLocks/>
-          </p:cNvCxnSpPr>
-          <p:nvPr/>
-        </p:nvCxnSpPr>
-        <p:spPr>
-          <a:xfrm>
-            <a:off x="609831" y="6498664"/>
-            <a:ext cx="14239311" cy="0"/>
-          </a:xfrm>
-          <a:prstGeom prst="line">
-            <a:avLst/>
-          </a:prstGeom>
-          <a:ln>
-            <a:prstDash val="dash"/>
-          </a:ln>
-        </p:spPr>
-        <p:style>
-          <a:lnRef idx="1">
-            <a:schemeClr val="accent1"/>
-          </a:lnRef>
-          <a:fillRef idx="0">
-            <a:schemeClr val="accent1"/>
-          </a:fillRef>
-          <a:effectRef idx="0">
-            <a:schemeClr val="accent1"/>
-          </a:effectRef>
-          <a:fontRef idx="minor">
-            <a:schemeClr val="tx1"/>
-          </a:fontRef>
-        </p:style>
-      </p:cxnSp>
-      <p:sp>
-        <p:nvSpPr>
-          <p:cNvPr id="74" name="TextBox 73">
-            <a:extLst>
-              <a:ext uri="{FF2B5EF4-FFF2-40B4-BE49-F238E27FC236}">
-                <a16:creationId xmlns:a16="http://schemas.microsoft.com/office/drawing/2014/main" id="{50B754B2-42ED-8843-94B3-68A4B2B07BC4}"/>
-              </a:ext>
-            </a:extLst>
-          </p:cNvPr>
-          <p:cNvSpPr txBox="1"/>
-          <p:nvPr/>
-        </p:nvSpPr>
-        <p:spPr>
-          <a:xfrm>
-            <a:off x="609831" y="6323559"/>
-            <a:ext cx="510076" cy="230832"/>
-          </a:xfrm>
-          <a:prstGeom prst="rect">
-            <a:avLst/>
-          </a:prstGeom>
-          <a:noFill/>
-        </p:spPr>
-        <p:txBody>
-          <a:bodyPr wrap="square" rtlCol="0">
-            <a:spAutoFit/>
-          </a:bodyPr>
-          <a:lstStyle/>
-          <a:p>
-            <a:r>
-              <a:rPr lang="en-US" sz="900" dirty="0"/>
-              <a:t>Bitcoin</a:t>
-            </a:r>
-          </a:p>
-        </p:txBody>
-      </p:sp>
-      <p:sp>
-        <p:nvSpPr>
-          <p:cNvPr id="75" name="TextBox 74">
-            <a:extLst>
-              <a:ext uri="{FF2B5EF4-FFF2-40B4-BE49-F238E27FC236}">
-                <a16:creationId xmlns:a16="http://schemas.microsoft.com/office/drawing/2014/main" id="{22F1048A-58A7-7043-85A9-576378BCD816}"/>
-              </a:ext>
-            </a:extLst>
-          </p:cNvPr>
-          <p:cNvSpPr txBox="1"/>
-          <p:nvPr/>
-        </p:nvSpPr>
-        <p:spPr>
-          <a:xfrm>
-            <a:off x="584985" y="6467638"/>
-            <a:ext cx="559769" cy="230832"/>
-          </a:xfrm>
-          <a:prstGeom prst="rect">
-            <a:avLst/>
-          </a:prstGeom>
-          <a:noFill/>
-        </p:spPr>
-        <p:txBody>
-          <a:bodyPr wrap="square" rtlCol="0">
-            <a:spAutoFit/>
-          </a:bodyPr>
-          <a:lstStyle/>
-          <a:p>
-            <a:r>
-              <a:rPr lang="en-US" sz="900" dirty="0"/>
-              <a:t>Altcoins</a:t>
-            </a:r>
-          </a:p>
-        </p:txBody>
-      </p:sp>
-      <p:cxnSp>
-        <p:nvCxnSpPr>
-          <p:cNvPr id="85" name="Straight Arrow Connector 84">
-            <a:extLst>
-              <a:ext uri="{FF2B5EF4-FFF2-40B4-BE49-F238E27FC236}">
-                <a16:creationId xmlns:a16="http://schemas.microsoft.com/office/drawing/2014/main" id="{1D807856-DF2D-BF44-B43B-AFFA1EC91A21}"/>
-              </a:ext>
-            </a:extLst>
-          </p:cNvPr>
-          <p:cNvCxnSpPr>
-            <a:cxnSpLocks/>
-          </p:cNvCxnSpPr>
-          <p:nvPr/>
-        </p:nvCxnSpPr>
-        <p:spPr>
-          <a:xfrm flipH="1">
-            <a:off x="1989446" y="6740478"/>
-            <a:ext cx="1234" cy="179569"/>
-          </a:xfrm>
-          <a:prstGeom prst="straightConnector1">
-            <a:avLst/>
-          </a:prstGeom>
-          <a:ln>
-            <a:solidFill>
-              <a:schemeClr val="tx1"/>
-            </a:solidFill>
-            <a:tailEnd type="triangle"/>
-          </a:ln>
-        </p:spPr>
-        <p:style>
-          <a:lnRef idx="1">
-            <a:schemeClr val="accent1"/>
-          </a:lnRef>
-          <a:fillRef idx="0">
-            <a:schemeClr val="accent1"/>
-          </a:fillRef>
-          <a:effectRef idx="0">
-            <a:schemeClr val="accent1"/>
-          </a:effectRef>
-          <a:fontRef idx="minor">
-            <a:schemeClr val="tx1"/>
-          </a:fontRef>
-        </p:style>
-      </p:cxnSp>
-      <p:cxnSp>
-        <p:nvCxnSpPr>
-          <p:cNvPr id="87" name="Straight Arrow Connector 86">
-            <a:extLst>
-              <a:ext uri="{FF2B5EF4-FFF2-40B4-BE49-F238E27FC236}">
-                <a16:creationId xmlns:a16="http://schemas.microsoft.com/office/drawing/2014/main" id="{FE74FEA0-F13B-CD4C-B098-A6F24F37ABE0}"/>
-              </a:ext>
-            </a:extLst>
-          </p:cNvPr>
-          <p:cNvCxnSpPr>
-            <a:cxnSpLocks/>
-            <a:stCxn id="105" idx="2"/>
-          </p:cNvCxnSpPr>
-          <p:nvPr/>
-        </p:nvCxnSpPr>
-        <p:spPr>
-          <a:xfrm flipH="1">
-            <a:off x="6914037" y="8444686"/>
-            <a:ext cx="8262" cy="1369741"/>
-          </a:xfrm>
-          <a:prstGeom prst="straightConnector1">
-            <a:avLst/>
-          </a:prstGeom>
-          <a:ln>
-            <a:solidFill>
-              <a:schemeClr val="tx1"/>
-            </a:solidFill>
-            <a:tailEnd type="triangle"/>
-          </a:ln>
-        </p:spPr>
-        <p:style>
-          <a:lnRef idx="1">
-            <a:schemeClr val="accent1"/>
-          </a:lnRef>
-          <a:fillRef idx="0">
-            <a:schemeClr val="accent1"/>
-          </a:fillRef>
-          <a:effectRef idx="0">
-            <a:schemeClr val="accent1"/>
-          </a:effectRef>
-          <a:fontRef idx="minor">
-            <a:schemeClr val="tx1"/>
-          </a:fontRef>
-        </p:style>
-      </p:cxnSp>
-      <p:cxnSp>
-        <p:nvCxnSpPr>
-          <p:cNvPr id="89" name="Straight Arrow Connector 88">
-            <a:extLst>
-              <a:ext uri="{FF2B5EF4-FFF2-40B4-BE49-F238E27FC236}">
-                <a16:creationId xmlns:a16="http://schemas.microsoft.com/office/drawing/2014/main" id="{8E038E91-1F0A-1641-9D97-7C767AC5E2D7}"/>
-              </a:ext>
-            </a:extLst>
-          </p:cNvPr>
-          <p:cNvCxnSpPr>
-            <a:cxnSpLocks/>
-          </p:cNvCxnSpPr>
-          <p:nvPr/>
-        </p:nvCxnSpPr>
-        <p:spPr>
-          <a:xfrm flipH="1">
-            <a:off x="11894204" y="10842558"/>
-            <a:ext cx="3194" cy="850652"/>
-          </a:xfrm>
-          <a:prstGeom prst="straightConnector1">
-            <a:avLst/>
-          </a:prstGeom>
-          <a:ln>
-            <a:solidFill>
-              <a:schemeClr val="tx1"/>
-            </a:solidFill>
-            <a:tailEnd type="triangle"/>
-          </a:ln>
-        </p:spPr>
-        <p:style>
-          <a:lnRef idx="1">
-            <a:schemeClr val="accent1"/>
-          </a:lnRef>
-          <a:fillRef idx="0">
-            <a:schemeClr val="accent1"/>
-          </a:fillRef>
-          <a:effectRef idx="0">
-            <a:schemeClr val="accent1"/>
-          </a:effectRef>
-          <a:fontRef idx="minor">
-            <a:schemeClr val="tx1"/>
-          </a:fontRef>
-        </p:style>
-      </p:cxnSp>
       <p:sp>
         <p:nvSpPr>
           <p:cNvPr id="76" name="Oval 75">
@@ -6385,7 +6253,7 @@
         </p:nvCxnSpPr>
         <p:spPr>
           <a:xfrm flipV="1">
-            <a:off x="9170027" y="7883654"/>
+            <a:off x="9263313" y="7617682"/>
             <a:ext cx="281791" cy="231272"/>
           </a:xfrm>
           <a:prstGeom prst="straightConnector1">
@@ -6716,7 +6584,7 @@
         </p:blipFill>
         <p:spPr>
           <a:xfrm>
-            <a:off x="11802830" y="9886184"/>
+            <a:off x="11803582" y="9644363"/>
             <a:ext cx="212267" cy="212267"/>
           </a:xfrm>
           <a:prstGeom prst="rect">
@@ -6724,50 +6592,6 @@
           </a:prstGeom>
         </p:spPr>
       </p:pic>
-      <p:cxnSp>
-        <p:nvCxnSpPr>
-          <p:cNvPr id="109" name="Straight Arrow Connector 108">
-            <a:extLst>
-              <a:ext uri="{FF2B5EF4-FFF2-40B4-BE49-F238E27FC236}">
-                <a16:creationId xmlns:a16="http://schemas.microsoft.com/office/drawing/2014/main" id="{6B6A9D31-B157-4249-89FD-092E797E5E65}"/>
-              </a:ext>
-            </a:extLst>
-          </p:cNvPr>
-          <p:cNvCxnSpPr>
-            <a:cxnSpLocks/>
-          </p:cNvCxnSpPr>
-          <p:nvPr/>
-        </p:nvCxnSpPr>
-        <p:spPr>
-          <a:xfrm flipH="1">
-            <a:off x="11901937" y="10109689"/>
-            <a:ext cx="6410" cy="546229"/>
-          </a:xfrm>
-          <a:prstGeom prst="straightConnector1">
-            <a:avLst/>
-          </a:prstGeom>
-          <a:ln>
-            <a:solidFill>
-              <a:schemeClr val="tx1"/>
-            </a:solidFill>
-            <a:tailEnd type="triangle"/>
-          </a:ln>
-        </p:spPr>
-        <p:style>
-          <a:lnRef idx="1">
-            <a:schemeClr val="accent1"/>
-          </a:lnRef>
-          <a:fillRef idx="0">
-            <a:schemeClr val="accent1"/>
-          </a:fillRef>
-          <a:effectRef idx="0">
-            <a:schemeClr val="accent1"/>
-          </a:effectRef>
-          <a:fontRef idx="minor">
-            <a:schemeClr val="tx1"/>
-          </a:fontRef>
-        </p:style>
-      </p:cxnSp>
       <p:sp>
         <p:nvSpPr>
           <p:cNvPr id="110" name="Oval 109">
@@ -8673,7 +8497,7 @@
         </p:nvSpPr>
         <p:spPr>
           <a:xfrm>
-            <a:off x="9655768" y="7286786"/>
+            <a:off x="9729028" y="6915297"/>
             <a:ext cx="731520" cy="742278"/>
           </a:xfrm>
           <a:prstGeom prst="ellipse">
@@ -8729,7 +8553,7 @@
         </p:nvSpPr>
         <p:spPr>
           <a:xfrm>
-            <a:off x="9489889" y="7193448"/>
+            <a:off x="9563149" y="6821959"/>
             <a:ext cx="731520" cy="742278"/>
           </a:xfrm>
           <a:prstGeom prst="ellipse">
@@ -8787,7 +8611,7 @@
         </p:nvSpPr>
         <p:spPr>
           <a:xfrm>
-            <a:off x="9720314" y="7087494"/>
+            <a:off x="9793574" y="6716005"/>
             <a:ext cx="731520" cy="742278"/>
           </a:xfrm>
           <a:prstGeom prst="ellipse">
@@ -8845,7 +8669,7 @@
         </p:nvSpPr>
         <p:spPr>
           <a:xfrm>
-            <a:off x="9624857" y="7209738"/>
+            <a:off x="9698117" y="6838249"/>
             <a:ext cx="731520" cy="742278"/>
           </a:xfrm>
           <a:prstGeom prst="ellipse">
@@ -8904,7 +8728,7 @@
         </p:nvSpPr>
         <p:spPr>
           <a:xfrm rot="261994">
-            <a:off x="9577665" y="7260015"/>
+            <a:off x="9650925" y="6888526"/>
             <a:ext cx="731520" cy="742278"/>
           </a:xfrm>
           <a:prstGeom prst="ellipse">
@@ -8960,7 +8784,7 @@
         </p:nvSpPr>
         <p:spPr>
           <a:xfrm rot="261994">
-            <a:off x="9780879" y="7233235"/>
+            <a:off x="9854139" y="6861746"/>
             <a:ext cx="731520" cy="742278"/>
           </a:xfrm>
           <a:prstGeom prst="ellipse">
@@ -9016,7 +8840,7 @@
         </p:nvSpPr>
         <p:spPr>
           <a:xfrm rot="261994">
-            <a:off x="9642211" y="7060723"/>
+            <a:off x="9715471" y="6689234"/>
             <a:ext cx="731520" cy="742278"/>
           </a:xfrm>
           <a:prstGeom prst="ellipse">
@@ -9077,7 +8901,7 @@
         </p:nvSpPr>
         <p:spPr>
           <a:xfrm rot="261994">
-            <a:off x="9713238" y="7254210"/>
+            <a:off x="9786498" y="6882721"/>
             <a:ext cx="731520" cy="742278"/>
           </a:xfrm>
           <a:prstGeom prst="ellipse">
@@ -9133,7 +8957,7 @@
         </p:nvSpPr>
         <p:spPr>
           <a:xfrm>
-            <a:off x="10490640" y="8286688"/>
+            <a:off x="11117273" y="6871937"/>
             <a:ext cx="731520" cy="742278"/>
           </a:xfrm>
           <a:prstGeom prst="ellipse">
@@ -9189,7 +9013,7 @@
         </p:nvSpPr>
         <p:spPr>
           <a:xfrm>
-            <a:off x="10324761" y="8193350"/>
+            <a:off x="10951394" y="6778599"/>
             <a:ext cx="731520" cy="742278"/>
           </a:xfrm>
           <a:prstGeom prst="ellipse">
@@ -9247,7 +9071,7 @@
         </p:nvSpPr>
         <p:spPr>
           <a:xfrm>
-            <a:off x="10555186" y="8087396"/>
+            <a:off x="11181819" y="6672645"/>
             <a:ext cx="731520" cy="742278"/>
           </a:xfrm>
           <a:prstGeom prst="ellipse">
@@ -9305,7 +9129,7 @@
         </p:nvSpPr>
         <p:spPr>
           <a:xfrm>
-            <a:off x="10459729" y="8209640"/>
+            <a:off x="11086362" y="6794889"/>
             <a:ext cx="731520" cy="742278"/>
           </a:xfrm>
           <a:prstGeom prst="ellipse">
@@ -9364,7 +9188,7 @@
         </p:nvSpPr>
         <p:spPr>
           <a:xfrm rot="261994">
-            <a:off x="10412537" y="8259917"/>
+            <a:off x="11039170" y="6845166"/>
             <a:ext cx="731520" cy="742278"/>
           </a:xfrm>
           <a:prstGeom prst="ellipse">
@@ -9420,7 +9244,7 @@
         </p:nvSpPr>
         <p:spPr>
           <a:xfrm rot="261994">
-            <a:off x="10615751" y="8233137"/>
+            <a:off x="11242384" y="6818386"/>
             <a:ext cx="731520" cy="742278"/>
           </a:xfrm>
           <a:prstGeom prst="ellipse">
@@ -9476,7 +9300,7 @@
         </p:nvSpPr>
         <p:spPr>
           <a:xfrm rot="261994">
-            <a:off x="10483689" y="8118147"/>
+            <a:off x="11110322" y="6703396"/>
             <a:ext cx="731520" cy="742278"/>
           </a:xfrm>
           <a:prstGeom prst="ellipse">
@@ -9537,7 +9361,7 @@
         </p:nvSpPr>
         <p:spPr>
           <a:xfrm rot="261994">
-            <a:off x="10548110" y="8254112"/>
+            <a:off x="11174743" y="6839361"/>
             <a:ext cx="731520" cy="742278"/>
           </a:xfrm>
           <a:prstGeom prst="ellipse">
@@ -9593,7 +9417,7 @@
         </p:nvSpPr>
         <p:spPr>
           <a:xfrm>
-            <a:off x="11919207" y="8571281"/>
+            <a:off x="12598816" y="6889878"/>
             <a:ext cx="731520" cy="742278"/>
           </a:xfrm>
           <a:prstGeom prst="ellipse">
@@ -9649,7 +9473,7 @@
         </p:nvSpPr>
         <p:spPr>
           <a:xfrm>
-            <a:off x="11753328" y="8477943"/>
+            <a:off x="12432937" y="6796540"/>
             <a:ext cx="731520" cy="742278"/>
           </a:xfrm>
           <a:prstGeom prst="ellipse">
@@ -9707,7 +9531,7 @@
         </p:nvSpPr>
         <p:spPr>
           <a:xfrm>
-            <a:off x="11983753" y="8371989"/>
+            <a:off x="12663362" y="6690586"/>
             <a:ext cx="731520" cy="742278"/>
           </a:xfrm>
           <a:prstGeom prst="ellipse">
@@ -9765,7 +9589,7 @@
         </p:nvSpPr>
         <p:spPr>
           <a:xfrm>
-            <a:off x="11888296" y="8494233"/>
+            <a:off x="12567905" y="6812830"/>
             <a:ext cx="731520" cy="742278"/>
           </a:xfrm>
           <a:prstGeom prst="ellipse">
@@ -9824,7 +9648,7 @@
         </p:nvSpPr>
         <p:spPr>
           <a:xfrm rot="261994">
-            <a:off x="11841104" y="8544510"/>
+            <a:off x="12520713" y="6863107"/>
             <a:ext cx="731520" cy="742278"/>
           </a:xfrm>
           <a:prstGeom prst="ellipse">
@@ -9880,7 +9704,7 @@
         </p:nvSpPr>
         <p:spPr>
           <a:xfrm rot="261994">
-            <a:off x="12044318" y="8517730"/>
+            <a:off x="12723927" y="6836327"/>
             <a:ext cx="731520" cy="742278"/>
           </a:xfrm>
           <a:prstGeom prst="ellipse">
@@ -9936,7 +9760,7 @@
         </p:nvSpPr>
         <p:spPr>
           <a:xfrm rot="261994">
-            <a:off x="11905650" y="8345218"/>
+            <a:off x="12585259" y="6663815"/>
             <a:ext cx="731520" cy="742278"/>
           </a:xfrm>
           <a:prstGeom prst="ellipse">
@@ -9997,7 +9821,7 @@
         </p:nvSpPr>
         <p:spPr>
           <a:xfrm rot="261994">
-            <a:off x="11976677" y="8538705"/>
+            <a:off x="12656286" y="6857302"/>
             <a:ext cx="731520" cy="742278"/>
           </a:xfrm>
           <a:prstGeom prst="ellipse">
@@ -10208,7 +10032,7 @@
         </p:nvSpPr>
         <p:spPr>
           <a:xfrm rot="261994">
-            <a:off x="9588980" y="7117463"/>
+            <a:off x="9662240" y="6745974"/>
             <a:ext cx="731520" cy="742278"/>
           </a:xfrm>
           <a:prstGeom prst="ellipse">
@@ -10264,7 +10088,7 @@
         </p:nvSpPr>
         <p:spPr>
           <a:xfrm rot="261994">
-            <a:off x="10439732" y="8168867"/>
+            <a:off x="11066365" y="6754116"/>
             <a:ext cx="731520" cy="742278"/>
           </a:xfrm>
           <a:prstGeom prst="ellipse">
@@ -10320,7 +10144,7 @@
         </p:nvSpPr>
         <p:spPr>
           <a:xfrm rot="261994">
-            <a:off x="11796529" y="8413389"/>
+            <a:off x="12476138" y="6731986"/>
             <a:ext cx="731520" cy="742278"/>
           </a:xfrm>
           <a:prstGeom prst="ellipse">
@@ -10376,7 +10200,7 @@
         </p:nvSpPr>
         <p:spPr>
           <a:xfrm>
-            <a:off x="9632702" y="7173281"/>
+            <a:off x="9705962" y="6801792"/>
             <a:ext cx="731520" cy="742278"/>
           </a:xfrm>
           <a:prstGeom prst="ellipse">
@@ -10432,7 +10256,7 @@
         </p:nvSpPr>
         <p:spPr>
           <a:xfrm>
-            <a:off x="10438949" y="8153261"/>
+            <a:off x="11065582" y="6738510"/>
             <a:ext cx="731520" cy="742278"/>
           </a:xfrm>
           <a:prstGeom prst="ellipse">
@@ -10491,7 +10315,7 @@
         </p:nvSpPr>
         <p:spPr>
           <a:xfrm>
-            <a:off x="11865502" y="8473728"/>
+            <a:off x="12545111" y="6792325"/>
             <a:ext cx="731520" cy="742278"/>
           </a:xfrm>
           <a:prstGeom prst="ellipse">
@@ -10550,7 +10374,7 @@
         </p:nvSpPr>
         <p:spPr>
           <a:xfrm>
-            <a:off x="10483847" y="8196270"/>
+            <a:off x="11110480" y="6781519"/>
             <a:ext cx="731520" cy="742278"/>
           </a:xfrm>
           <a:prstGeom prst="ellipse">
@@ -10606,7 +10430,7 @@
         </p:nvSpPr>
         <p:spPr>
           <a:xfrm>
-            <a:off x="11881043" y="8525430"/>
+            <a:off x="12560652" y="6844027"/>
             <a:ext cx="731520" cy="742278"/>
           </a:xfrm>
           <a:prstGeom prst="ellipse">
@@ -10648,12 +10472,178 @@
           </a:p>
         </p:txBody>
       </p:sp>
+      <p:sp>
+        <p:nvSpPr>
+          <p:cNvPr id="2" name="Multiply 1">
+            <a:extLst>
+              <a:ext uri="{FF2B5EF4-FFF2-40B4-BE49-F238E27FC236}">
+                <a16:creationId xmlns:a16="http://schemas.microsoft.com/office/drawing/2014/main" id="{562CDA98-38A8-3C4E-B2A1-6606ACC408EC}"/>
+              </a:ext>
+            </a:extLst>
+          </p:cNvPr>
+          <p:cNvSpPr/>
+          <p:nvPr/>
+        </p:nvSpPr>
+        <p:spPr>
+          <a:xfrm>
+            <a:off x="13355164" y="10171441"/>
+            <a:ext cx="548342" cy="445184"/>
+          </a:xfrm>
+          <a:prstGeom prst="mathMultiply">
+            <a:avLst/>
+          </a:prstGeom>
+          <a:solidFill>
+            <a:srgbClr val="FF0000"/>
+          </a:solidFill>
+        </p:spPr>
+        <p:style>
+          <a:lnRef idx="2">
+            <a:schemeClr val="accent1">
+              <a:shade val="50000"/>
+            </a:schemeClr>
+          </a:lnRef>
+          <a:fillRef idx="1">
+            <a:schemeClr val="accent1"/>
+          </a:fillRef>
+          <a:effectRef idx="0">
+            <a:schemeClr val="accent1"/>
+          </a:effectRef>
+          <a:fontRef idx="minor">
+            <a:schemeClr val="lt1"/>
+          </a:fontRef>
+        </p:style>
+        <p:txBody>
+          <a:bodyPr rtlCol="0" anchor="ctr"/>
+          <a:lstStyle/>
+          <a:p>
+            <a:pPr algn="ctr"/>
+            <a:endParaRPr lang="en-US"/>
+          </a:p>
+        </p:txBody>
+      </p:sp>
+      <p:sp>
+        <p:nvSpPr>
+          <p:cNvPr id="154" name="Oval 153">
+            <a:extLst>
+              <a:ext uri="{FF2B5EF4-FFF2-40B4-BE49-F238E27FC236}">
+                <a16:creationId xmlns:a16="http://schemas.microsoft.com/office/drawing/2014/main" id="{38945BE8-44A3-D642-BD06-94FE38EDF54A}"/>
+              </a:ext>
+            </a:extLst>
+          </p:cNvPr>
+          <p:cNvSpPr/>
+          <p:nvPr/>
+        </p:nvSpPr>
+        <p:spPr>
+          <a:xfrm>
+            <a:off x="13327759" y="7973500"/>
+            <a:ext cx="731520" cy="742278"/>
+          </a:xfrm>
+          <a:prstGeom prst="ellipse">
+            <a:avLst/>
+          </a:prstGeom>
+          <a:solidFill>
+            <a:schemeClr val="bg1">
+              <a:lumMod val="85000"/>
+            </a:schemeClr>
+          </a:solidFill>
+        </p:spPr>
+        <p:style>
+          <a:lnRef idx="2">
+            <a:schemeClr val="accent1">
+              <a:shade val="50000"/>
+            </a:schemeClr>
+          </a:lnRef>
+          <a:fillRef idx="1">
+            <a:schemeClr val="accent1"/>
+          </a:fillRef>
+          <a:effectRef idx="0">
+            <a:schemeClr val="accent1"/>
+          </a:effectRef>
+          <a:fontRef idx="minor">
+            <a:schemeClr val="lt1"/>
+          </a:fontRef>
+        </p:style>
+        <p:txBody>
+          <a:bodyPr rtlCol="0" anchor="ctr"/>
+          <a:lstStyle/>
+          <a:p>
+            <a:pPr algn="ctr"/>
+            <a:r>
+              <a:rPr lang="en-US" sz="1400" b="1" i="1" dirty="0">
+                <a:solidFill>
+                  <a:schemeClr val="bg1"/>
+                </a:solidFill>
+              </a:rPr>
+              <a:t>BCHSV</a:t>
+            </a:r>
+          </a:p>
+        </p:txBody>
+      </p:sp>
+      <p:sp>
+        <p:nvSpPr>
+          <p:cNvPr id="159" name="Oval 158">
+            <a:extLst>
+              <a:ext uri="{FF2B5EF4-FFF2-40B4-BE49-F238E27FC236}">
+                <a16:creationId xmlns:a16="http://schemas.microsoft.com/office/drawing/2014/main" id="{7C02F95F-C1C3-7A47-BD0D-E05A248864CE}"/>
+              </a:ext>
+            </a:extLst>
+          </p:cNvPr>
+          <p:cNvSpPr/>
+          <p:nvPr/>
+        </p:nvSpPr>
+        <p:spPr>
+          <a:xfrm>
+            <a:off x="13327759" y="8889693"/>
+            <a:ext cx="731520" cy="742278"/>
+          </a:xfrm>
+          <a:prstGeom prst="ellipse">
+            <a:avLst/>
+          </a:prstGeom>
+          <a:solidFill>
+            <a:schemeClr val="tx2">
+              <a:lumMod val="40000"/>
+              <a:lumOff val="60000"/>
+            </a:schemeClr>
+          </a:solidFill>
+        </p:spPr>
+        <p:style>
+          <a:lnRef idx="2">
+            <a:schemeClr val="accent1">
+              <a:shade val="50000"/>
+            </a:schemeClr>
+          </a:lnRef>
+          <a:fillRef idx="1">
+            <a:schemeClr val="accent1"/>
+          </a:fillRef>
+          <a:effectRef idx="0">
+            <a:schemeClr val="accent1"/>
+          </a:effectRef>
+          <a:fontRef idx="minor">
+            <a:schemeClr val="lt1"/>
+          </a:fontRef>
+        </p:style>
+        <p:txBody>
+          <a:bodyPr rtlCol="0" anchor="ctr"/>
+          <a:lstStyle/>
+          <a:p>
+            <a:pPr algn="ctr"/>
+            <a:r>
+              <a:rPr lang="en-US" sz="1400" b="1" i="1" dirty="0">
+                <a:solidFill>
+                  <a:schemeClr val="bg1"/>
+                </a:solidFill>
+              </a:rPr>
+              <a:t>BCH ABC</a:t>
+            </a:r>
+          </a:p>
+        </p:txBody>
+      </p:sp>
       <p:cxnSp>
         <p:nvCxnSpPr>
-          <p:cNvPr id="212" name="Straight Arrow Connector 211">
-            <a:extLst>
-              <a:ext uri="{FF2B5EF4-FFF2-40B4-BE49-F238E27FC236}">
-                <a16:creationId xmlns:a16="http://schemas.microsoft.com/office/drawing/2014/main" id="{171A9421-15FF-8346-B1B6-BD644EC13F44}"/>
+          <p:cNvPr id="214" name="Straight Arrow Connector 213">
+            <a:extLst>
+              <a:ext uri="{FF2B5EF4-FFF2-40B4-BE49-F238E27FC236}">
+                <a16:creationId xmlns:a16="http://schemas.microsoft.com/office/drawing/2014/main" id="{23840707-EABE-F84E-A775-48FCEEEFD18E}"/>
               </a:ext>
             </a:extLst>
           </p:cNvPr>
@@ -10664,8 +10654,8 @@
         </p:nvCxnSpPr>
         <p:spPr>
           <a:xfrm>
-            <a:off x="12860324" y="9058671"/>
-            <a:ext cx="247426" cy="70885"/>
+            <a:off x="9248031" y="7217076"/>
+            <a:ext cx="247426" cy="0"/>
           </a:xfrm>
           <a:prstGeom prst="straightConnector1">
             <a:avLst/>
@@ -10692,12 +10682,144 @@
           </a:fontRef>
         </p:style>
       </p:cxnSp>
-      <p:sp>
-        <p:nvSpPr>
-          <p:cNvPr id="2" name="Multiply 1">
-            <a:extLst>
-              <a:ext uri="{FF2B5EF4-FFF2-40B4-BE49-F238E27FC236}">
-                <a16:creationId xmlns:a16="http://schemas.microsoft.com/office/drawing/2014/main" id="{562CDA98-38A8-3C4E-B2A1-6606ACC408EC}"/>
+      <p:cxnSp>
+        <p:nvCxnSpPr>
+          <p:cNvPr id="217" name="Straight Arrow Connector 216">
+            <a:extLst>
+              <a:ext uri="{FF2B5EF4-FFF2-40B4-BE49-F238E27FC236}">
+                <a16:creationId xmlns:a16="http://schemas.microsoft.com/office/drawing/2014/main" id="{32F9E6E9-0AF4-0445-81A3-9C977FCF7926}"/>
+              </a:ext>
+            </a:extLst>
+          </p:cNvPr>
+          <p:cNvCxnSpPr>
+            <a:cxnSpLocks/>
+          </p:cNvCxnSpPr>
+          <p:nvPr/>
+        </p:nvCxnSpPr>
+        <p:spPr>
+          <a:xfrm>
+            <a:off x="10650803" y="7146986"/>
+            <a:ext cx="247426" cy="0"/>
+          </a:xfrm>
+          <a:prstGeom prst="straightConnector1">
+            <a:avLst/>
+          </a:prstGeom>
+          <a:ln>
+            <a:solidFill>
+              <a:schemeClr val="tx1"/>
+            </a:solidFill>
+            <a:tailEnd type="triangle"/>
+          </a:ln>
+        </p:spPr>
+        <p:style>
+          <a:lnRef idx="1">
+            <a:schemeClr val="accent1"/>
+          </a:lnRef>
+          <a:fillRef idx="0">
+            <a:schemeClr val="accent1"/>
+          </a:fillRef>
+          <a:effectRef idx="0">
+            <a:schemeClr val="accent1"/>
+          </a:effectRef>
+          <a:fontRef idx="minor">
+            <a:schemeClr val="tx1"/>
+          </a:fontRef>
+        </p:style>
+      </p:cxnSp>
+      <p:cxnSp>
+        <p:nvCxnSpPr>
+          <p:cNvPr id="218" name="Straight Arrow Connector 217">
+            <a:extLst>
+              <a:ext uri="{FF2B5EF4-FFF2-40B4-BE49-F238E27FC236}">
+                <a16:creationId xmlns:a16="http://schemas.microsoft.com/office/drawing/2014/main" id="{76439BDE-FB4C-BE41-BE50-3790255F5A42}"/>
+              </a:ext>
+            </a:extLst>
+          </p:cNvPr>
+          <p:cNvCxnSpPr>
+            <a:cxnSpLocks/>
+          </p:cNvCxnSpPr>
+          <p:nvPr/>
+        </p:nvCxnSpPr>
+        <p:spPr>
+          <a:xfrm>
+            <a:off x="12047282" y="7136354"/>
+            <a:ext cx="247426" cy="0"/>
+          </a:xfrm>
+          <a:prstGeom prst="straightConnector1">
+            <a:avLst/>
+          </a:prstGeom>
+          <a:ln>
+            <a:solidFill>
+              <a:schemeClr val="tx1"/>
+            </a:solidFill>
+            <a:tailEnd type="triangle"/>
+          </a:ln>
+        </p:spPr>
+        <p:style>
+          <a:lnRef idx="1">
+            <a:schemeClr val="accent1"/>
+          </a:lnRef>
+          <a:fillRef idx="0">
+            <a:schemeClr val="accent1"/>
+          </a:fillRef>
+          <a:effectRef idx="0">
+            <a:schemeClr val="accent1"/>
+          </a:effectRef>
+          <a:fontRef idx="minor">
+            <a:schemeClr val="tx1"/>
+          </a:fontRef>
+        </p:style>
+      </p:cxnSp>
+      <p:cxnSp>
+        <p:nvCxnSpPr>
+          <p:cNvPr id="219" name="Straight Arrow Connector 218">
+            <a:extLst>
+              <a:ext uri="{FF2B5EF4-FFF2-40B4-BE49-F238E27FC236}">
+                <a16:creationId xmlns:a16="http://schemas.microsoft.com/office/drawing/2014/main" id="{BE41B9CA-99FE-D24E-A957-EB131423A320}"/>
+              </a:ext>
+            </a:extLst>
+          </p:cNvPr>
+          <p:cNvCxnSpPr>
+            <a:cxnSpLocks/>
+          </p:cNvCxnSpPr>
+          <p:nvPr/>
+        </p:nvCxnSpPr>
+        <p:spPr>
+          <a:xfrm flipV="1">
+            <a:off x="11802100" y="8360537"/>
+            <a:ext cx="21266" cy="701003"/>
+          </a:xfrm>
+          <a:prstGeom prst="straightConnector1">
+            <a:avLst/>
+          </a:prstGeom>
+          <a:ln>
+            <a:solidFill>
+              <a:schemeClr val="tx1"/>
+            </a:solidFill>
+            <a:tailEnd type="triangle"/>
+          </a:ln>
+        </p:spPr>
+        <p:style>
+          <a:lnRef idx="1">
+            <a:schemeClr val="accent1"/>
+          </a:lnRef>
+          <a:fillRef idx="0">
+            <a:schemeClr val="accent1"/>
+          </a:fillRef>
+          <a:effectRef idx="0">
+            <a:schemeClr val="accent1"/>
+          </a:effectRef>
+          <a:fontRef idx="minor">
+            <a:schemeClr val="tx1"/>
+          </a:fontRef>
+        </p:style>
+      </p:cxnSp>
+      <p:sp>
+        <p:nvSpPr>
+          <p:cNvPr id="220" name="Oval 219">
+            <a:extLst>
+              <a:ext uri="{FF2B5EF4-FFF2-40B4-BE49-F238E27FC236}">
+                <a16:creationId xmlns:a16="http://schemas.microsoft.com/office/drawing/2014/main" id="{3F1F4161-C2F2-1544-A48A-1DE111D46769}"/>
               </a:ext>
             </a:extLst>
           </p:cNvPr>
@@ -10706,173 +10828,7 @@
         </p:nvSpPr>
         <p:spPr>
           <a:xfrm>
-            <a:off x="13589413" y="9653267"/>
-            <a:ext cx="548342" cy="445184"/>
-          </a:xfrm>
-          <a:prstGeom prst="mathMultiply">
-            <a:avLst/>
-          </a:prstGeom>
-          <a:solidFill>
-            <a:srgbClr val="FF0000"/>
-          </a:solidFill>
-        </p:spPr>
-        <p:style>
-          <a:lnRef idx="2">
-            <a:schemeClr val="accent1">
-              <a:shade val="50000"/>
-            </a:schemeClr>
-          </a:lnRef>
-          <a:fillRef idx="1">
-            <a:schemeClr val="accent1"/>
-          </a:fillRef>
-          <a:effectRef idx="0">
-            <a:schemeClr val="accent1"/>
-          </a:effectRef>
-          <a:fontRef idx="minor">
-            <a:schemeClr val="lt1"/>
-          </a:fontRef>
-        </p:style>
-        <p:txBody>
-          <a:bodyPr rtlCol="0" anchor="ctr"/>
-          <a:lstStyle/>
-          <a:p>
-            <a:pPr algn="ctr"/>
-            <a:endParaRPr lang="en-US"/>
-          </a:p>
-        </p:txBody>
-      </p:sp>
-      <p:sp>
-        <p:nvSpPr>
-          <p:cNvPr id="154" name="Oval 153">
-            <a:extLst>
-              <a:ext uri="{FF2B5EF4-FFF2-40B4-BE49-F238E27FC236}">
-                <a16:creationId xmlns:a16="http://schemas.microsoft.com/office/drawing/2014/main" id="{38945BE8-44A3-D642-BD06-94FE38EDF54A}"/>
-              </a:ext>
-            </a:extLst>
-          </p:cNvPr>
-          <p:cNvSpPr/>
-          <p:nvPr/>
-        </p:nvSpPr>
-        <p:spPr>
-          <a:xfrm>
-            <a:off x="13456851" y="10352088"/>
-            <a:ext cx="731520" cy="742278"/>
-          </a:xfrm>
-          <a:prstGeom prst="ellipse">
-            <a:avLst/>
-          </a:prstGeom>
-          <a:solidFill>
-            <a:schemeClr val="bg1">
-              <a:lumMod val="85000"/>
-            </a:schemeClr>
-          </a:solidFill>
-        </p:spPr>
-        <p:style>
-          <a:lnRef idx="2">
-            <a:schemeClr val="accent1">
-              <a:shade val="50000"/>
-            </a:schemeClr>
-          </a:lnRef>
-          <a:fillRef idx="1">
-            <a:schemeClr val="accent1"/>
-          </a:fillRef>
-          <a:effectRef idx="0">
-            <a:schemeClr val="accent1"/>
-          </a:effectRef>
-          <a:fontRef idx="minor">
-            <a:schemeClr val="lt1"/>
-          </a:fontRef>
-        </p:style>
-        <p:txBody>
-          <a:bodyPr rtlCol="0" anchor="ctr"/>
-          <a:lstStyle/>
-          <a:p>
-            <a:pPr algn="ctr"/>
-            <a:r>
-              <a:rPr lang="en-US" sz="1400" b="1" i="1" dirty="0">
-                <a:solidFill>
-                  <a:schemeClr val="bg1"/>
-                </a:solidFill>
-              </a:rPr>
-              <a:t>BCHSV</a:t>
-            </a:r>
-          </a:p>
-        </p:txBody>
-      </p:sp>
-      <p:sp>
-        <p:nvSpPr>
-          <p:cNvPr id="159" name="Oval 158">
-            <a:extLst>
-              <a:ext uri="{FF2B5EF4-FFF2-40B4-BE49-F238E27FC236}">
-                <a16:creationId xmlns:a16="http://schemas.microsoft.com/office/drawing/2014/main" id="{7C02F95F-C1C3-7A47-BD0D-E05A248864CE}"/>
-              </a:ext>
-            </a:extLst>
-          </p:cNvPr>
-          <p:cNvSpPr/>
-          <p:nvPr/>
-        </p:nvSpPr>
-        <p:spPr>
-          <a:xfrm>
-            <a:off x="13532673" y="11267884"/>
-            <a:ext cx="731520" cy="742278"/>
-          </a:xfrm>
-          <a:prstGeom prst="ellipse">
-            <a:avLst/>
-          </a:prstGeom>
-          <a:solidFill>
-            <a:schemeClr val="tx2">
-              <a:lumMod val="40000"/>
-              <a:lumOff val="60000"/>
-            </a:schemeClr>
-          </a:solidFill>
-        </p:spPr>
-        <p:style>
-          <a:lnRef idx="2">
-            <a:schemeClr val="accent1">
-              <a:shade val="50000"/>
-            </a:schemeClr>
-          </a:lnRef>
-          <a:fillRef idx="1">
-            <a:schemeClr val="accent1"/>
-          </a:fillRef>
-          <a:effectRef idx="0">
-            <a:schemeClr val="accent1"/>
-          </a:effectRef>
-          <a:fontRef idx="minor">
-            <a:schemeClr val="lt1"/>
-          </a:fontRef>
-        </p:style>
-        <p:txBody>
-          <a:bodyPr rtlCol="0" anchor="ctr"/>
-          <a:lstStyle/>
-          <a:p>
-            <a:pPr algn="ctr"/>
-            <a:r>
-              <a:rPr lang="en-US" sz="1400" b="1" i="1" dirty="0">
-                <a:solidFill>
-                  <a:schemeClr val="bg1"/>
-                </a:solidFill>
-              </a:rPr>
-              <a:t>BCH ABC</a:t>
-            </a:r>
-          </a:p>
-        </p:txBody>
-      </p:sp>
-      <p:sp>
-        <p:nvSpPr>
-          <p:cNvPr id="160" name="Oval 159">
-            <a:extLst>
-              <a:ext uri="{FF2B5EF4-FFF2-40B4-BE49-F238E27FC236}">
-                <a16:creationId xmlns:a16="http://schemas.microsoft.com/office/drawing/2014/main" id="{B9EED5AC-EBA0-354B-9254-8E0A7CC9D796}"/>
-              </a:ext>
-            </a:extLst>
-          </p:cNvPr>
-          <p:cNvSpPr/>
-          <p:nvPr/>
-        </p:nvSpPr>
-        <p:spPr>
-          <a:xfrm>
-            <a:off x="13478183" y="8841120"/>
+            <a:off x="14097443" y="6914291"/>
             <a:ext cx="731520" cy="742278"/>
           </a:xfrm>
           <a:prstGeom prst="ellipse">
@@ -10916,10 +10872,10 @@
       </p:sp>
       <p:sp>
         <p:nvSpPr>
-          <p:cNvPr id="197" name="Oval 196">
-            <a:extLst>
-              <a:ext uri="{FF2B5EF4-FFF2-40B4-BE49-F238E27FC236}">
-                <a16:creationId xmlns:a16="http://schemas.microsoft.com/office/drawing/2014/main" id="{F38C910C-272F-6749-82D2-F3D0F35C33FA}"/>
+          <p:cNvPr id="221" name="Oval 220">
+            <a:extLst>
+              <a:ext uri="{FF2B5EF4-FFF2-40B4-BE49-F238E27FC236}">
+                <a16:creationId xmlns:a16="http://schemas.microsoft.com/office/drawing/2014/main" id="{2E2E9E93-F4E8-064C-9152-34C9BAB4BF01}"/>
               </a:ext>
             </a:extLst>
           </p:cNvPr>
@@ -10928,7 +10884,7 @@
         </p:nvSpPr>
         <p:spPr>
           <a:xfrm>
-            <a:off x="13312304" y="8747782"/>
+            <a:off x="13931564" y="6820953"/>
             <a:ext cx="731520" cy="742278"/>
           </a:xfrm>
           <a:prstGeom prst="ellipse">
@@ -10974,10 +10930,10 @@
       </p:sp>
       <p:sp>
         <p:nvSpPr>
-          <p:cNvPr id="198" name="Oval 197">
-            <a:extLst>
-              <a:ext uri="{FF2B5EF4-FFF2-40B4-BE49-F238E27FC236}">
-                <a16:creationId xmlns:a16="http://schemas.microsoft.com/office/drawing/2014/main" id="{48FCC220-C11C-AF44-A95B-82EA0DA034E8}"/>
+          <p:cNvPr id="222" name="Oval 221">
+            <a:extLst>
+              <a:ext uri="{FF2B5EF4-FFF2-40B4-BE49-F238E27FC236}">
+                <a16:creationId xmlns:a16="http://schemas.microsoft.com/office/drawing/2014/main" id="{990B61B1-B836-0942-BE8A-58AFDC1EF515}"/>
               </a:ext>
             </a:extLst>
           </p:cNvPr>
@@ -10986,7 +10942,7 @@
         </p:nvSpPr>
         <p:spPr>
           <a:xfrm>
-            <a:off x="13542729" y="8641828"/>
+            <a:off x="14161989" y="6714999"/>
             <a:ext cx="731520" cy="742278"/>
           </a:xfrm>
           <a:prstGeom prst="ellipse">
@@ -11032,10 +10988,10 @@
       </p:sp>
       <p:sp>
         <p:nvSpPr>
-          <p:cNvPr id="199" name="Oval 198">
-            <a:extLst>
-              <a:ext uri="{FF2B5EF4-FFF2-40B4-BE49-F238E27FC236}">
-                <a16:creationId xmlns:a16="http://schemas.microsoft.com/office/drawing/2014/main" id="{D46882BD-082C-F546-85C8-3A64970A9E99}"/>
+          <p:cNvPr id="223" name="Oval 222">
+            <a:extLst>
+              <a:ext uri="{FF2B5EF4-FFF2-40B4-BE49-F238E27FC236}">
+                <a16:creationId xmlns:a16="http://schemas.microsoft.com/office/drawing/2014/main" id="{E803E0AC-1C60-A34F-9974-7E02844E8C2D}"/>
               </a:ext>
             </a:extLst>
           </p:cNvPr>
@@ -11044,7 +11000,7 @@
         </p:nvSpPr>
         <p:spPr>
           <a:xfrm>
-            <a:off x="13447272" y="8764072"/>
+            <a:off x="14066532" y="6837243"/>
             <a:ext cx="731520" cy="742278"/>
           </a:xfrm>
           <a:prstGeom prst="ellipse">
@@ -11091,10 +11047,10 @@
       </p:sp>
       <p:sp>
         <p:nvSpPr>
-          <p:cNvPr id="200" name="Oval 199">
-            <a:extLst>
-              <a:ext uri="{FF2B5EF4-FFF2-40B4-BE49-F238E27FC236}">
-                <a16:creationId xmlns:a16="http://schemas.microsoft.com/office/drawing/2014/main" id="{79225E80-CCA2-FC4F-BBB7-482BD7FB4401}"/>
+          <p:cNvPr id="224" name="Oval 223">
+            <a:extLst>
+              <a:ext uri="{FF2B5EF4-FFF2-40B4-BE49-F238E27FC236}">
+                <a16:creationId xmlns:a16="http://schemas.microsoft.com/office/drawing/2014/main" id="{998EDBD1-69CC-6D49-9F54-0CBE2CF74393}"/>
               </a:ext>
             </a:extLst>
           </p:cNvPr>
@@ -11103,7 +11059,7 @@
         </p:nvSpPr>
         <p:spPr>
           <a:xfrm rot="261994">
-            <a:off x="13400080" y="8814349"/>
+            <a:off x="14019340" y="6887520"/>
             <a:ext cx="731520" cy="742278"/>
           </a:xfrm>
           <a:prstGeom prst="ellipse">
@@ -11147,10 +11103,10 @@
       </p:sp>
       <p:sp>
         <p:nvSpPr>
-          <p:cNvPr id="201" name="Oval 200">
-            <a:extLst>
-              <a:ext uri="{FF2B5EF4-FFF2-40B4-BE49-F238E27FC236}">
-                <a16:creationId xmlns:a16="http://schemas.microsoft.com/office/drawing/2014/main" id="{38AFCAF4-5859-DE4C-82D1-F595D6255802}"/>
+          <p:cNvPr id="225" name="Oval 224">
+            <a:extLst>
+              <a:ext uri="{FF2B5EF4-FFF2-40B4-BE49-F238E27FC236}">
+                <a16:creationId xmlns:a16="http://schemas.microsoft.com/office/drawing/2014/main" id="{1BB93BC8-0C0F-8640-A118-A3D169D366D2}"/>
               </a:ext>
             </a:extLst>
           </p:cNvPr>
@@ -11159,7 +11115,7 @@
         </p:nvSpPr>
         <p:spPr>
           <a:xfrm rot="261994">
-            <a:off x="13603294" y="8787569"/>
+            <a:off x="14222554" y="6860740"/>
             <a:ext cx="731520" cy="742278"/>
           </a:xfrm>
           <a:prstGeom prst="ellipse">
@@ -11203,10 +11159,10 @@
       </p:sp>
       <p:sp>
         <p:nvSpPr>
-          <p:cNvPr id="202" name="Oval 201">
-            <a:extLst>
-              <a:ext uri="{FF2B5EF4-FFF2-40B4-BE49-F238E27FC236}">
-                <a16:creationId xmlns:a16="http://schemas.microsoft.com/office/drawing/2014/main" id="{21E0CDD3-F205-0F47-A879-A20AEAED5228}"/>
+          <p:cNvPr id="226" name="Oval 225">
+            <a:extLst>
+              <a:ext uri="{FF2B5EF4-FFF2-40B4-BE49-F238E27FC236}">
+                <a16:creationId xmlns:a16="http://schemas.microsoft.com/office/drawing/2014/main" id="{20BFDEB7-E4A2-BB4B-9F46-A46E6C58F02D}"/>
               </a:ext>
             </a:extLst>
           </p:cNvPr>
@@ -11215,7 +11171,7 @@
         </p:nvSpPr>
         <p:spPr>
           <a:xfrm rot="261994">
-            <a:off x="13464626" y="8615057"/>
+            <a:off x="14083886" y="6688228"/>
             <a:ext cx="731520" cy="742278"/>
           </a:xfrm>
           <a:prstGeom prst="ellipse">
@@ -11264,10 +11220,10 @@
       </p:sp>
       <p:sp>
         <p:nvSpPr>
-          <p:cNvPr id="203" name="Oval 202">
-            <a:extLst>
-              <a:ext uri="{FF2B5EF4-FFF2-40B4-BE49-F238E27FC236}">
-                <a16:creationId xmlns:a16="http://schemas.microsoft.com/office/drawing/2014/main" id="{F36DF2EF-4676-6C49-BB76-1E7CC155A7A3}"/>
+          <p:cNvPr id="227" name="Oval 226">
+            <a:extLst>
+              <a:ext uri="{FF2B5EF4-FFF2-40B4-BE49-F238E27FC236}">
+                <a16:creationId xmlns:a16="http://schemas.microsoft.com/office/drawing/2014/main" id="{E68CAAFC-CF9F-664B-A4FE-4E85498001A6}"/>
               </a:ext>
             </a:extLst>
           </p:cNvPr>
@@ -11276,7 +11232,7 @@
         </p:nvSpPr>
         <p:spPr>
           <a:xfrm rot="261994">
-            <a:off x="13535653" y="8808544"/>
+            <a:off x="14154913" y="6881715"/>
             <a:ext cx="731520" cy="742278"/>
           </a:xfrm>
           <a:prstGeom prst="ellipse">
@@ -11320,10 +11276,10 @@
       </p:sp>
       <p:sp>
         <p:nvSpPr>
-          <p:cNvPr id="204" name="Oval 203">
-            <a:extLst>
-              <a:ext uri="{FF2B5EF4-FFF2-40B4-BE49-F238E27FC236}">
-                <a16:creationId xmlns:a16="http://schemas.microsoft.com/office/drawing/2014/main" id="{D9D5DB8D-D17E-0044-88CA-D415C56B90FD}"/>
+          <p:cNvPr id="228" name="Oval 227">
+            <a:extLst>
+              <a:ext uri="{FF2B5EF4-FFF2-40B4-BE49-F238E27FC236}">
+                <a16:creationId xmlns:a16="http://schemas.microsoft.com/office/drawing/2014/main" id="{07520C45-CE61-E744-860C-6F1E2F089B87}"/>
               </a:ext>
             </a:extLst>
           </p:cNvPr>
@@ -11332,7 +11288,7 @@
         </p:nvSpPr>
         <p:spPr>
           <a:xfrm rot="261994">
-            <a:off x="13355505" y="8683228"/>
+            <a:off x="13974765" y="6756399"/>
             <a:ext cx="731520" cy="742278"/>
           </a:xfrm>
           <a:prstGeom prst="ellipse">
@@ -11376,10 +11332,10 @@
       </p:sp>
       <p:sp>
         <p:nvSpPr>
-          <p:cNvPr id="210" name="Oval 209">
-            <a:extLst>
-              <a:ext uri="{FF2B5EF4-FFF2-40B4-BE49-F238E27FC236}">
-                <a16:creationId xmlns:a16="http://schemas.microsoft.com/office/drawing/2014/main" id="{93C5B9DE-EAE5-D440-86DC-1F13A3AF5A8A}"/>
+          <p:cNvPr id="229" name="Oval 228">
+            <a:extLst>
+              <a:ext uri="{FF2B5EF4-FFF2-40B4-BE49-F238E27FC236}">
+                <a16:creationId xmlns:a16="http://schemas.microsoft.com/office/drawing/2014/main" id="{31530F15-5FEF-B349-A942-AD2FABAF7A47}"/>
               </a:ext>
             </a:extLst>
           </p:cNvPr>
@@ -11388,7 +11344,7 @@
         </p:nvSpPr>
         <p:spPr>
           <a:xfrm>
-            <a:off x="13424478" y="8743567"/>
+            <a:off x="14043738" y="6816738"/>
             <a:ext cx="731520" cy="742278"/>
           </a:xfrm>
           <a:prstGeom prst="ellipse">
@@ -11435,10 +11391,10 @@
       </p:sp>
       <p:sp>
         <p:nvSpPr>
-          <p:cNvPr id="211" name="Oval 210">
-            <a:extLst>
-              <a:ext uri="{FF2B5EF4-FFF2-40B4-BE49-F238E27FC236}">
-                <a16:creationId xmlns:a16="http://schemas.microsoft.com/office/drawing/2014/main" id="{FAF4BB82-7FF7-6A49-B598-B2E6950F43B5}"/>
+          <p:cNvPr id="230" name="Oval 229">
+            <a:extLst>
+              <a:ext uri="{FF2B5EF4-FFF2-40B4-BE49-F238E27FC236}">
+                <a16:creationId xmlns:a16="http://schemas.microsoft.com/office/drawing/2014/main" id="{D8666E23-8225-3340-A333-2A23CBC84083}"/>
               </a:ext>
             </a:extLst>
           </p:cNvPr>
@@ -11447,7 +11403,7 @@
         </p:nvSpPr>
         <p:spPr>
           <a:xfrm>
-            <a:off x="13440019" y="8795269"/>
+            <a:off x="14059279" y="6868440"/>
             <a:ext cx="731520" cy="742278"/>
           </a:xfrm>
           <a:prstGeom prst="ellipse">
@@ -11491,10 +11447,10 @@
       </p:sp>
       <p:cxnSp>
         <p:nvCxnSpPr>
-          <p:cNvPr id="215" name="Straight Arrow Connector 214">
-            <a:extLst>
-              <a:ext uri="{FF2B5EF4-FFF2-40B4-BE49-F238E27FC236}">
-                <a16:creationId xmlns:a16="http://schemas.microsoft.com/office/drawing/2014/main" id="{32057EF8-54F8-434A-A977-B291DAFFEFBB}"/>
+          <p:cNvPr id="231" name="Straight Arrow Connector 230">
+            <a:extLst>
+              <a:ext uri="{FF2B5EF4-FFF2-40B4-BE49-F238E27FC236}">
+                <a16:creationId xmlns:a16="http://schemas.microsoft.com/office/drawing/2014/main" id="{5562BA75-E609-FF42-B3ED-7654196EADD6}"/>
               </a:ext>
             </a:extLst>
           </p:cNvPr>
@@ -11505,8 +11461,8 @@
         </p:nvCxnSpPr>
         <p:spPr>
           <a:xfrm>
-            <a:off x="14419300" y="9328510"/>
-            <a:ext cx="247426" cy="70885"/>
+            <a:off x="13545909" y="7160767"/>
+            <a:ext cx="247426" cy="0"/>
           </a:xfrm>
           <a:prstGeom prst="straightConnector1">
             <a:avLst/>
@@ -11533,6 +11489,1470 @@
           </a:fontRef>
         </p:style>
       </p:cxnSp>
+      <p:sp>
+        <p:nvSpPr>
+          <p:cNvPr id="232" name="Oval 231">
+            <a:extLst>
+              <a:ext uri="{FF2B5EF4-FFF2-40B4-BE49-F238E27FC236}">
+                <a16:creationId xmlns:a16="http://schemas.microsoft.com/office/drawing/2014/main" id="{7CB10576-7B7C-2643-8775-62A05BDA4E71}"/>
+              </a:ext>
+            </a:extLst>
+          </p:cNvPr>
+          <p:cNvSpPr/>
+          <p:nvPr/>
+        </p:nvSpPr>
+        <p:spPr>
+          <a:xfrm>
+            <a:off x="15598909" y="6884100"/>
+            <a:ext cx="731520" cy="742278"/>
+          </a:xfrm>
+          <a:prstGeom prst="ellipse">
+            <a:avLst/>
+          </a:prstGeom>
+          <a:solidFill>
+            <a:srgbClr val="FF0000"/>
+          </a:solidFill>
+        </p:spPr>
+        <p:style>
+          <a:lnRef idx="2">
+            <a:schemeClr val="accent1">
+              <a:shade val="50000"/>
+            </a:schemeClr>
+          </a:lnRef>
+          <a:fillRef idx="1">
+            <a:schemeClr val="accent1"/>
+          </a:fillRef>
+          <a:effectRef idx="0">
+            <a:schemeClr val="accent1"/>
+          </a:effectRef>
+          <a:fontRef idx="minor">
+            <a:schemeClr val="lt1"/>
+          </a:fontRef>
+        </p:style>
+        <p:txBody>
+          <a:bodyPr rtlCol="0" anchor="ctr"/>
+          <a:lstStyle/>
+          <a:p>
+            <a:pPr algn="ctr"/>
+            <a:r>
+              <a:rPr lang="en-US" sz="1200" b="1" i="1" dirty="0">
+                <a:solidFill>
+                  <a:schemeClr val="bg1"/>
+                </a:solidFill>
+              </a:rPr>
+              <a:t>NMC</a:t>
+            </a:r>
+          </a:p>
+        </p:txBody>
+      </p:sp>
+      <p:sp>
+        <p:nvSpPr>
+          <p:cNvPr id="233" name="Oval 232">
+            <a:extLst>
+              <a:ext uri="{FF2B5EF4-FFF2-40B4-BE49-F238E27FC236}">
+                <a16:creationId xmlns:a16="http://schemas.microsoft.com/office/drawing/2014/main" id="{08AD8E9F-E10E-0D40-9996-4CAD3E0C6A7A}"/>
+              </a:ext>
+            </a:extLst>
+          </p:cNvPr>
+          <p:cNvSpPr/>
+          <p:nvPr/>
+        </p:nvSpPr>
+        <p:spPr>
+          <a:xfrm>
+            <a:off x="15433030" y="6790762"/>
+            <a:ext cx="731520" cy="742278"/>
+          </a:xfrm>
+          <a:prstGeom prst="ellipse">
+            <a:avLst/>
+          </a:prstGeom>
+          <a:solidFill>
+            <a:schemeClr val="accent5">
+              <a:lumMod val="75000"/>
+            </a:schemeClr>
+          </a:solidFill>
+        </p:spPr>
+        <p:style>
+          <a:lnRef idx="2">
+            <a:schemeClr val="accent1">
+              <a:shade val="50000"/>
+            </a:schemeClr>
+          </a:lnRef>
+          <a:fillRef idx="1">
+            <a:schemeClr val="accent1"/>
+          </a:fillRef>
+          <a:effectRef idx="0">
+            <a:schemeClr val="accent1"/>
+          </a:effectRef>
+          <a:fontRef idx="minor">
+            <a:schemeClr val="lt1"/>
+          </a:fontRef>
+        </p:style>
+        <p:txBody>
+          <a:bodyPr rtlCol="0" anchor="ctr"/>
+          <a:lstStyle/>
+          <a:p>
+            <a:pPr algn="ctr"/>
+            <a:r>
+              <a:rPr lang="en-US" sz="1400" b="1" i="1" dirty="0">
+                <a:solidFill>
+                  <a:schemeClr val="bg1"/>
+                </a:solidFill>
+              </a:rPr>
+              <a:t>LTC</a:t>
+            </a:r>
+          </a:p>
+        </p:txBody>
+      </p:sp>
+      <p:sp>
+        <p:nvSpPr>
+          <p:cNvPr id="234" name="Oval 233">
+            <a:extLst>
+              <a:ext uri="{FF2B5EF4-FFF2-40B4-BE49-F238E27FC236}">
+                <a16:creationId xmlns:a16="http://schemas.microsoft.com/office/drawing/2014/main" id="{29632536-0AB8-6F40-86E9-E42E97574746}"/>
+              </a:ext>
+            </a:extLst>
+          </p:cNvPr>
+          <p:cNvSpPr/>
+          <p:nvPr/>
+        </p:nvSpPr>
+        <p:spPr>
+          <a:xfrm>
+            <a:off x="15663455" y="6684808"/>
+            <a:ext cx="731520" cy="742278"/>
+          </a:xfrm>
+          <a:prstGeom prst="ellipse">
+            <a:avLst/>
+          </a:prstGeom>
+          <a:solidFill>
+            <a:schemeClr val="accent4">
+              <a:lumMod val="75000"/>
+            </a:schemeClr>
+          </a:solidFill>
+        </p:spPr>
+        <p:style>
+          <a:lnRef idx="2">
+            <a:schemeClr val="accent1">
+              <a:shade val="50000"/>
+            </a:schemeClr>
+          </a:lnRef>
+          <a:fillRef idx="1">
+            <a:schemeClr val="accent1"/>
+          </a:fillRef>
+          <a:effectRef idx="0">
+            <a:schemeClr val="accent1"/>
+          </a:effectRef>
+          <a:fontRef idx="minor">
+            <a:schemeClr val="lt1"/>
+          </a:fontRef>
+        </p:style>
+        <p:txBody>
+          <a:bodyPr rtlCol="0" anchor="ctr"/>
+          <a:lstStyle/>
+          <a:p>
+            <a:pPr algn="ctr"/>
+            <a:r>
+              <a:rPr lang="en-US" sz="1400" b="1" i="1" dirty="0">
+                <a:solidFill>
+                  <a:schemeClr val="bg1"/>
+                </a:solidFill>
+              </a:rPr>
+              <a:t>BTG</a:t>
+            </a:r>
+          </a:p>
+        </p:txBody>
+      </p:sp>
+      <p:sp>
+        <p:nvSpPr>
+          <p:cNvPr id="235" name="Oval 234">
+            <a:extLst>
+              <a:ext uri="{FF2B5EF4-FFF2-40B4-BE49-F238E27FC236}">
+                <a16:creationId xmlns:a16="http://schemas.microsoft.com/office/drawing/2014/main" id="{01DAA90B-0C6B-F642-8027-62E89F0E800C}"/>
+              </a:ext>
+            </a:extLst>
+          </p:cNvPr>
+          <p:cNvSpPr/>
+          <p:nvPr/>
+        </p:nvSpPr>
+        <p:spPr>
+          <a:xfrm>
+            <a:off x="15567998" y="6807052"/>
+            <a:ext cx="731520" cy="742278"/>
+          </a:xfrm>
+          <a:prstGeom prst="ellipse">
+            <a:avLst/>
+          </a:prstGeom>
+          <a:solidFill>
+            <a:schemeClr val="accent5">
+              <a:lumMod val="40000"/>
+              <a:lumOff val="60000"/>
+            </a:schemeClr>
+          </a:solidFill>
+        </p:spPr>
+        <p:style>
+          <a:lnRef idx="2">
+            <a:schemeClr val="accent1">
+              <a:shade val="50000"/>
+            </a:schemeClr>
+          </a:lnRef>
+          <a:fillRef idx="1">
+            <a:schemeClr val="accent1"/>
+          </a:fillRef>
+          <a:effectRef idx="0">
+            <a:schemeClr val="accent1"/>
+          </a:effectRef>
+          <a:fontRef idx="minor">
+            <a:schemeClr val="lt1"/>
+          </a:fontRef>
+        </p:style>
+        <p:txBody>
+          <a:bodyPr rtlCol="0" anchor="ctr"/>
+          <a:lstStyle/>
+          <a:p>
+            <a:pPr algn="ctr"/>
+            <a:r>
+              <a:rPr lang="en-US" sz="1400" b="1" i="1" dirty="0">
+                <a:solidFill>
+                  <a:schemeClr val="bg1"/>
+                </a:solidFill>
+              </a:rPr>
+              <a:t>BCD</a:t>
+            </a:r>
+          </a:p>
+        </p:txBody>
+      </p:sp>
+      <p:sp>
+        <p:nvSpPr>
+          <p:cNvPr id="236" name="Oval 235">
+            <a:extLst>
+              <a:ext uri="{FF2B5EF4-FFF2-40B4-BE49-F238E27FC236}">
+                <a16:creationId xmlns:a16="http://schemas.microsoft.com/office/drawing/2014/main" id="{54CE107D-7E18-7A44-A55A-1FE711C9CE6B}"/>
+              </a:ext>
+            </a:extLst>
+          </p:cNvPr>
+          <p:cNvSpPr/>
+          <p:nvPr/>
+        </p:nvSpPr>
+        <p:spPr>
+          <a:xfrm rot="261994">
+            <a:off x="15520806" y="6857329"/>
+            <a:ext cx="731520" cy="742278"/>
+          </a:xfrm>
+          <a:prstGeom prst="ellipse">
+            <a:avLst/>
+          </a:prstGeom>
+          <a:solidFill>
+            <a:srgbClr val="FF0000"/>
+          </a:solidFill>
+        </p:spPr>
+        <p:style>
+          <a:lnRef idx="2">
+            <a:schemeClr val="accent1">
+              <a:shade val="50000"/>
+            </a:schemeClr>
+          </a:lnRef>
+          <a:fillRef idx="1">
+            <a:schemeClr val="accent1"/>
+          </a:fillRef>
+          <a:effectRef idx="0">
+            <a:schemeClr val="accent1"/>
+          </a:effectRef>
+          <a:fontRef idx="minor">
+            <a:schemeClr val="lt1"/>
+          </a:fontRef>
+        </p:style>
+        <p:txBody>
+          <a:bodyPr rtlCol="0" anchor="ctr"/>
+          <a:lstStyle/>
+          <a:p>
+            <a:pPr algn="ctr"/>
+            <a:r>
+              <a:rPr lang="en-US" sz="1200" b="1" i="1" dirty="0">
+                <a:solidFill>
+                  <a:schemeClr val="bg1"/>
+                </a:solidFill>
+              </a:rPr>
+              <a:t>NMC</a:t>
+            </a:r>
+          </a:p>
+        </p:txBody>
+      </p:sp>
+      <p:sp>
+        <p:nvSpPr>
+          <p:cNvPr id="237" name="Oval 236">
+            <a:extLst>
+              <a:ext uri="{FF2B5EF4-FFF2-40B4-BE49-F238E27FC236}">
+                <a16:creationId xmlns:a16="http://schemas.microsoft.com/office/drawing/2014/main" id="{2D53047F-A9E9-A649-8EB6-36E423F6BA22}"/>
+              </a:ext>
+            </a:extLst>
+          </p:cNvPr>
+          <p:cNvSpPr/>
+          <p:nvPr/>
+        </p:nvSpPr>
+        <p:spPr>
+          <a:xfrm rot="261994">
+            <a:off x="15724020" y="6830549"/>
+            <a:ext cx="731520" cy="742278"/>
+          </a:xfrm>
+          <a:prstGeom prst="ellipse">
+            <a:avLst/>
+          </a:prstGeom>
+          <a:solidFill>
+            <a:srgbClr val="FFC000"/>
+          </a:solidFill>
+        </p:spPr>
+        <p:style>
+          <a:lnRef idx="2">
+            <a:schemeClr val="accent1">
+              <a:shade val="50000"/>
+            </a:schemeClr>
+          </a:lnRef>
+          <a:fillRef idx="1">
+            <a:schemeClr val="accent1"/>
+          </a:fillRef>
+          <a:effectRef idx="0">
+            <a:schemeClr val="accent1"/>
+          </a:effectRef>
+          <a:fontRef idx="minor">
+            <a:schemeClr val="lt1"/>
+          </a:fontRef>
+        </p:style>
+        <p:txBody>
+          <a:bodyPr rtlCol="0" anchor="ctr"/>
+          <a:lstStyle/>
+          <a:p>
+            <a:pPr algn="ctr"/>
+            <a:r>
+              <a:rPr lang="en-US" sz="1400" b="1" i="1" dirty="0">
+                <a:solidFill>
+                  <a:schemeClr val="bg1"/>
+                </a:solidFill>
+              </a:rPr>
+              <a:t>LTC</a:t>
+            </a:r>
+          </a:p>
+        </p:txBody>
+      </p:sp>
+      <p:sp>
+        <p:nvSpPr>
+          <p:cNvPr id="238" name="Oval 237">
+            <a:extLst>
+              <a:ext uri="{FF2B5EF4-FFF2-40B4-BE49-F238E27FC236}">
+                <a16:creationId xmlns:a16="http://schemas.microsoft.com/office/drawing/2014/main" id="{CDCFABD0-753F-FF4C-8726-B5D3D6ABAA9F}"/>
+              </a:ext>
+            </a:extLst>
+          </p:cNvPr>
+          <p:cNvSpPr/>
+          <p:nvPr/>
+        </p:nvSpPr>
+        <p:spPr>
+          <a:xfrm rot="261994">
+            <a:off x="15585352" y="6658037"/>
+            <a:ext cx="731520" cy="742278"/>
+          </a:xfrm>
+          <a:prstGeom prst="ellipse">
+            <a:avLst/>
+          </a:prstGeom>
+          <a:solidFill>
+            <a:srgbClr val="FFFF00"/>
+          </a:solidFill>
+        </p:spPr>
+        <p:style>
+          <a:lnRef idx="2">
+            <a:schemeClr val="accent1">
+              <a:shade val="50000"/>
+            </a:schemeClr>
+          </a:lnRef>
+          <a:fillRef idx="1">
+            <a:schemeClr val="accent1"/>
+          </a:fillRef>
+          <a:effectRef idx="0">
+            <a:schemeClr val="accent1"/>
+          </a:effectRef>
+          <a:fontRef idx="minor">
+            <a:schemeClr val="lt1"/>
+          </a:fontRef>
+        </p:style>
+        <p:txBody>
+          <a:bodyPr rtlCol="0" anchor="ctr"/>
+          <a:lstStyle/>
+          <a:p>
+            <a:pPr algn="ctr"/>
+            <a:r>
+              <a:rPr lang="en-US" sz="1400" b="1" i="1" dirty="0">
+                <a:ln>
+                  <a:solidFill>
+                    <a:srgbClr val="FFFF00"/>
+                  </a:solidFill>
+                </a:ln>
+                <a:solidFill>
+                  <a:schemeClr val="bg1"/>
+                </a:solidFill>
+              </a:rPr>
+              <a:t>BTG</a:t>
+            </a:r>
+          </a:p>
+        </p:txBody>
+      </p:sp>
+      <p:sp>
+        <p:nvSpPr>
+          <p:cNvPr id="239" name="Oval 238">
+            <a:extLst>
+              <a:ext uri="{FF2B5EF4-FFF2-40B4-BE49-F238E27FC236}">
+                <a16:creationId xmlns:a16="http://schemas.microsoft.com/office/drawing/2014/main" id="{FF095ABE-93DA-9443-A744-EEE144B17DFD}"/>
+              </a:ext>
+            </a:extLst>
+          </p:cNvPr>
+          <p:cNvSpPr/>
+          <p:nvPr/>
+        </p:nvSpPr>
+        <p:spPr>
+          <a:xfrm rot="261994">
+            <a:off x="15656379" y="6851524"/>
+            <a:ext cx="731520" cy="742278"/>
+          </a:xfrm>
+          <a:prstGeom prst="ellipse">
+            <a:avLst/>
+          </a:prstGeom>
+          <a:solidFill>
+            <a:schemeClr val="accent5">
+              <a:lumMod val="40000"/>
+              <a:lumOff val="60000"/>
+            </a:schemeClr>
+          </a:solidFill>
+        </p:spPr>
+        <p:style>
+          <a:lnRef idx="2">
+            <a:schemeClr val="accent1">
+              <a:shade val="50000"/>
+            </a:schemeClr>
+          </a:lnRef>
+          <a:fillRef idx="1">
+            <a:schemeClr val="accent1"/>
+          </a:fillRef>
+          <a:effectRef idx="0">
+            <a:schemeClr val="accent1"/>
+          </a:effectRef>
+          <a:fontRef idx="minor">
+            <a:schemeClr val="lt1"/>
+          </a:fontRef>
+        </p:style>
+        <p:txBody>
+          <a:bodyPr rtlCol="0" anchor="ctr"/>
+          <a:lstStyle/>
+          <a:p>
+            <a:pPr algn="ctr"/>
+            <a:endParaRPr lang="en-US" sz="1400" b="1" i="1" dirty="0">
+              <a:solidFill>
+                <a:schemeClr val="bg1"/>
+              </a:solidFill>
+            </a:endParaRPr>
+          </a:p>
+        </p:txBody>
+      </p:sp>
+      <p:sp>
+        <p:nvSpPr>
+          <p:cNvPr id="240" name="Oval 239">
+            <a:extLst>
+              <a:ext uri="{FF2B5EF4-FFF2-40B4-BE49-F238E27FC236}">
+                <a16:creationId xmlns:a16="http://schemas.microsoft.com/office/drawing/2014/main" id="{4A905206-B60D-F04B-91F8-2244D46EB0A4}"/>
+              </a:ext>
+            </a:extLst>
+          </p:cNvPr>
+          <p:cNvSpPr/>
+          <p:nvPr/>
+        </p:nvSpPr>
+        <p:spPr>
+          <a:xfrm rot="261994">
+            <a:off x="15476231" y="6726208"/>
+            <a:ext cx="731520" cy="742278"/>
+          </a:xfrm>
+          <a:prstGeom prst="ellipse">
+            <a:avLst/>
+          </a:prstGeom>
+          <a:solidFill>
+            <a:srgbClr val="FFC000"/>
+          </a:solidFill>
+        </p:spPr>
+        <p:style>
+          <a:lnRef idx="2">
+            <a:schemeClr val="accent1">
+              <a:shade val="50000"/>
+            </a:schemeClr>
+          </a:lnRef>
+          <a:fillRef idx="1">
+            <a:schemeClr val="accent1"/>
+          </a:fillRef>
+          <a:effectRef idx="0">
+            <a:schemeClr val="accent1"/>
+          </a:effectRef>
+          <a:fontRef idx="minor">
+            <a:schemeClr val="lt1"/>
+          </a:fontRef>
+        </p:style>
+        <p:txBody>
+          <a:bodyPr rtlCol="0" anchor="ctr"/>
+          <a:lstStyle/>
+          <a:p>
+            <a:pPr algn="ctr"/>
+            <a:endParaRPr lang="en-US" sz="1400" b="1" i="1" dirty="0">
+              <a:solidFill>
+                <a:schemeClr val="bg1"/>
+              </a:solidFill>
+              <a:highlight>
+                <a:srgbClr val="00FF00"/>
+              </a:highlight>
+            </a:endParaRPr>
+          </a:p>
+        </p:txBody>
+      </p:sp>
+      <p:sp>
+        <p:nvSpPr>
+          <p:cNvPr id="241" name="Oval 240">
+            <a:extLst>
+              <a:ext uri="{FF2B5EF4-FFF2-40B4-BE49-F238E27FC236}">
+                <a16:creationId xmlns:a16="http://schemas.microsoft.com/office/drawing/2014/main" id="{EC6A30BA-DA68-A944-95D9-162802CED914}"/>
+              </a:ext>
+            </a:extLst>
+          </p:cNvPr>
+          <p:cNvSpPr/>
+          <p:nvPr/>
+        </p:nvSpPr>
+        <p:spPr>
+          <a:xfrm>
+            <a:off x="15545204" y="6786547"/>
+            <a:ext cx="731520" cy="742278"/>
+          </a:xfrm>
+          <a:prstGeom prst="ellipse">
+            <a:avLst/>
+          </a:prstGeom>
+          <a:solidFill>
+            <a:schemeClr val="accent6">
+              <a:lumMod val="40000"/>
+              <a:lumOff val="60000"/>
+            </a:schemeClr>
+          </a:solidFill>
+        </p:spPr>
+        <p:style>
+          <a:lnRef idx="2">
+            <a:schemeClr val="accent1">
+              <a:shade val="50000"/>
+            </a:schemeClr>
+          </a:lnRef>
+          <a:fillRef idx="1">
+            <a:schemeClr val="accent1"/>
+          </a:fillRef>
+          <a:effectRef idx="0">
+            <a:schemeClr val="accent1"/>
+          </a:effectRef>
+          <a:fontRef idx="minor">
+            <a:schemeClr val="lt1"/>
+          </a:fontRef>
+        </p:style>
+        <p:txBody>
+          <a:bodyPr rtlCol="0" anchor="ctr"/>
+          <a:lstStyle/>
+          <a:p>
+            <a:pPr algn="ctr"/>
+            <a:r>
+              <a:rPr lang="en-US" sz="1100" b="1" i="1" dirty="0">
+                <a:solidFill>
+                  <a:schemeClr val="bg1"/>
+                </a:solidFill>
+              </a:rPr>
+              <a:t>BCHC</a:t>
+            </a:r>
+          </a:p>
+        </p:txBody>
+      </p:sp>
+      <p:sp>
+        <p:nvSpPr>
+          <p:cNvPr id="242" name="Oval 241">
+            <a:extLst>
+              <a:ext uri="{FF2B5EF4-FFF2-40B4-BE49-F238E27FC236}">
+                <a16:creationId xmlns:a16="http://schemas.microsoft.com/office/drawing/2014/main" id="{7A15C4A0-EE02-5846-B41C-7E304440F47C}"/>
+              </a:ext>
+            </a:extLst>
+          </p:cNvPr>
+          <p:cNvSpPr/>
+          <p:nvPr/>
+        </p:nvSpPr>
+        <p:spPr>
+          <a:xfrm>
+            <a:off x="15560745" y="6838249"/>
+            <a:ext cx="731520" cy="742278"/>
+          </a:xfrm>
+          <a:prstGeom prst="ellipse">
+            <a:avLst/>
+          </a:prstGeom>
+          <a:solidFill>
+            <a:schemeClr val="accent1">
+              <a:lumMod val="60000"/>
+              <a:lumOff val="40000"/>
+            </a:schemeClr>
+          </a:solidFill>
+        </p:spPr>
+        <p:style>
+          <a:lnRef idx="2">
+            <a:schemeClr val="accent1">
+              <a:shade val="50000"/>
+            </a:schemeClr>
+          </a:lnRef>
+          <a:fillRef idx="1">
+            <a:schemeClr val="accent1"/>
+          </a:fillRef>
+          <a:effectRef idx="0">
+            <a:schemeClr val="accent1"/>
+          </a:effectRef>
+          <a:fontRef idx="minor">
+            <a:schemeClr val="lt1"/>
+          </a:fontRef>
+        </p:style>
+        <p:txBody>
+          <a:bodyPr rtlCol="0" anchor="ctr"/>
+          <a:lstStyle/>
+          <a:p>
+            <a:pPr algn="ctr"/>
+            <a:endParaRPr lang="en-US" sz="1100" b="1" i="1" dirty="0">
+              <a:solidFill>
+                <a:schemeClr val="bg1"/>
+              </a:solidFill>
+            </a:endParaRPr>
+          </a:p>
+        </p:txBody>
+      </p:sp>
+      <p:cxnSp>
+        <p:nvCxnSpPr>
+          <p:cNvPr id="243" name="Straight Arrow Connector 242">
+            <a:extLst>
+              <a:ext uri="{FF2B5EF4-FFF2-40B4-BE49-F238E27FC236}">
+                <a16:creationId xmlns:a16="http://schemas.microsoft.com/office/drawing/2014/main" id="{FB529097-C85C-364B-9A8F-0D5B15A02733}"/>
+              </a:ext>
+            </a:extLst>
+          </p:cNvPr>
+          <p:cNvCxnSpPr>
+            <a:cxnSpLocks/>
+          </p:cNvCxnSpPr>
+          <p:nvPr/>
+        </p:nvCxnSpPr>
+        <p:spPr>
+          <a:xfrm>
+            <a:off x="15047375" y="7130576"/>
+            <a:ext cx="247426" cy="0"/>
+          </a:xfrm>
+          <a:prstGeom prst="straightConnector1">
+            <a:avLst/>
+          </a:prstGeom>
+          <a:ln>
+            <a:solidFill>
+              <a:schemeClr val="tx1"/>
+            </a:solidFill>
+            <a:tailEnd type="triangle"/>
+          </a:ln>
+        </p:spPr>
+        <p:style>
+          <a:lnRef idx="1">
+            <a:schemeClr val="accent1"/>
+          </a:lnRef>
+          <a:fillRef idx="0">
+            <a:schemeClr val="accent1"/>
+          </a:fillRef>
+          <a:effectRef idx="0">
+            <a:schemeClr val="accent1"/>
+          </a:effectRef>
+          <a:fontRef idx="minor">
+            <a:schemeClr val="tx1"/>
+          </a:fontRef>
+        </p:style>
+      </p:cxnSp>
+      <p:cxnSp>
+        <p:nvCxnSpPr>
+          <p:cNvPr id="244" name="Straight Arrow Connector 243">
+            <a:extLst>
+              <a:ext uri="{FF2B5EF4-FFF2-40B4-BE49-F238E27FC236}">
+                <a16:creationId xmlns:a16="http://schemas.microsoft.com/office/drawing/2014/main" id="{0AFB14FB-87AD-9D48-9F18-6B59F33A83A6}"/>
+              </a:ext>
+            </a:extLst>
+          </p:cNvPr>
+          <p:cNvCxnSpPr>
+            <a:cxnSpLocks/>
+          </p:cNvCxnSpPr>
+          <p:nvPr/>
+        </p:nvCxnSpPr>
+        <p:spPr>
+          <a:xfrm>
+            <a:off x="14258357" y="8329386"/>
+            <a:ext cx="247426" cy="0"/>
+          </a:xfrm>
+          <a:prstGeom prst="straightConnector1">
+            <a:avLst/>
+          </a:prstGeom>
+          <a:ln>
+            <a:solidFill>
+              <a:schemeClr val="tx1"/>
+            </a:solidFill>
+            <a:tailEnd type="triangle"/>
+          </a:ln>
+        </p:spPr>
+        <p:style>
+          <a:lnRef idx="1">
+            <a:schemeClr val="accent1"/>
+          </a:lnRef>
+          <a:fillRef idx="0">
+            <a:schemeClr val="accent1"/>
+          </a:fillRef>
+          <a:effectRef idx="0">
+            <a:schemeClr val="accent1"/>
+          </a:effectRef>
+          <a:fontRef idx="minor">
+            <a:schemeClr val="tx1"/>
+          </a:fontRef>
+        </p:style>
+      </p:cxnSp>
+      <p:cxnSp>
+        <p:nvCxnSpPr>
+          <p:cNvPr id="245" name="Straight Arrow Connector 244">
+            <a:extLst>
+              <a:ext uri="{FF2B5EF4-FFF2-40B4-BE49-F238E27FC236}">
+                <a16:creationId xmlns:a16="http://schemas.microsoft.com/office/drawing/2014/main" id="{24EB605B-6A50-2542-89B5-B645F8F18459}"/>
+              </a:ext>
+            </a:extLst>
+          </p:cNvPr>
+          <p:cNvCxnSpPr>
+            <a:cxnSpLocks/>
+          </p:cNvCxnSpPr>
+          <p:nvPr/>
+        </p:nvCxnSpPr>
+        <p:spPr>
+          <a:xfrm>
+            <a:off x="14258357" y="9245579"/>
+            <a:ext cx="247426" cy="0"/>
+          </a:xfrm>
+          <a:prstGeom prst="straightConnector1">
+            <a:avLst/>
+          </a:prstGeom>
+          <a:ln>
+            <a:solidFill>
+              <a:schemeClr val="tx1"/>
+            </a:solidFill>
+            <a:tailEnd type="triangle"/>
+          </a:ln>
+        </p:spPr>
+        <p:style>
+          <a:lnRef idx="1">
+            <a:schemeClr val="accent1"/>
+          </a:lnRef>
+          <a:fillRef idx="0">
+            <a:schemeClr val="accent1"/>
+          </a:fillRef>
+          <a:effectRef idx="0">
+            <a:schemeClr val="accent1"/>
+          </a:effectRef>
+          <a:fontRef idx="minor">
+            <a:schemeClr val="tx1"/>
+          </a:fontRef>
+        </p:style>
+      </p:cxnSp>
+      <p:sp>
+        <p:nvSpPr>
+          <p:cNvPr id="246" name="Oval 245">
+            <a:extLst>
+              <a:ext uri="{FF2B5EF4-FFF2-40B4-BE49-F238E27FC236}">
+                <a16:creationId xmlns:a16="http://schemas.microsoft.com/office/drawing/2014/main" id="{5C9817E9-2A58-E947-9B4C-4102C02729F5}"/>
+              </a:ext>
+            </a:extLst>
+          </p:cNvPr>
+          <p:cNvSpPr/>
+          <p:nvPr/>
+        </p:nvSpPr>
+        <p:spPr>
+          <a:xfrm>
+            <a:off x="14664231" y="7952868"/>
+            <a:ext cx="731520" cy="742278"/>
+          </a:xfrm>
+          <a:prstGeom prst="ellipse">
+            <a:avLst/>
+          </a:prstGeom>
+          <a:solidFill>
+            <a:schemeClr val="bg1">
+              <a:lumMod val="85000"/>
+            </a:schemeClr>
+          </a:solidFill>
+        </p:spPr>
+        <p:style>
+          <a:lnRef idx="2">
+            <a:schemeClr val="accent1">
+              <a:shade val="50000"/>
+            </a:schemeClr>
+          </a:lnRef>
+          <a:fillRef idx="1">
+            <a:schemeClr val="accent1"/>
+          </a:fillRef>
+          <a:effectRef idx="0">
+            <a:schemeClr val="accent1"/>
+          </a:effectRef>
+          <a:fontRef idx="minor">
+            <a:schemeClr val="lt1"/>
+          </a:fontRef>
+        </p:style>
+        <p:txBody>
+          <a:bodyPr rtlCol="0" anchor="ctr"/>
+          <a:lstStyle/>
+          <a:p>
+            <a:pPr algn="ctr"/>
+            <a:r>
+              <a:rPr lang="en-US" sz="1400" b="1" i="1" dirty="0">
+                <a:solidFill>
+                  <a:schemeClr val="bg1"/>
+                </a:solidFill>
+              </a:rPr>
+              <a:t>BCHSV</a:t>
+            </a:r>
+          </a:p>
+        </p:txBody>
+      </p:sp>
+      <p:sp>
+        <p:nvSpPr>
+          <p:cNvPr id="247" name="Oval 246">
+            <a:extLst>
+              <a:ext uri="{FF2B5EF4-FFF2-40B4-BE49-F238E27FC236}">
+                <a16:creationId xmlns:a16="http://schemas.microsoft.com/office/drawing/2014/main" id="{87951741-3D64-9E44-B707-145431DD8FA7}"/>
+              </a:ext>
+            </a:extLst>
+          </p:cNvPr>
+          <p:cNvSpPr/>
+          <p:nvPr/>
+        </p:nvSpPr>
+        <p:spPr>
+          <a:xfrm>
+            <a:off x="14664231" y="8869061"/>
+            <a:ext cx="731520" cy="742278"/>
+          </a:xfrm>
+          <a:prstGeom prst="ellipse">
+            <a:avLst/>
+          </a:prstGeom>
+          <a:solidFill>
+            <a:schemeClr val="tx2">
+              <a:lumMod val="40000"/>
+              <a:lumOff val="60000"/>
+            </a:schemeClr>
+          </a:solidFill>
+        </p:spPr>
+        <p:style>
+          <a:lnRef idx="2">
+            <a:schemeClr val="accent1">
+              <a:shade val="50000"/>
+            </a:schemeClr>
+          </a:lnRef>
+          <a:fillRef idx="1">
+            <a:schemeClr val="accent1"/>
+          </a:fillRef>
+          <a:effectRef idx="0">
+            <a:schemeClr val="accent1"/>
+          </a:effectRef>
+          <a:fontRef idx="minor">
+            <a:schemeClr val="lt1"/>
+          </a:fontRef>
+        </p:style>
+        <p:txBody>
+          <a:bodyPr rtlCol="0" anchor="ctr"/>
+          <a:lstStyle/>
+          <a:p>
+            <a:pPr algn="ctr"/>
+            <a:r>
+              <a:rPr lang="en-US" sz="1400" b="1" i="1" dirty="0">
+                <a:solidFill>
+                  <a:schemeClr val="bg1"/>
+                </a:solidFill>
+              </a:rPr>
+              <a:t>BCH ABC</a:t>
+            </a:r>
+          </a:p>
+        </p:txBody>
+      </p:sp>
+      <p:cxnSp>
+        <p:nvCxnSpPr>
+          <p:cNvPr id="248" name="Straight Arrow Connector 247">
+            <a:extLst>
+              <a:ext uri="{FF2B5EF4-FFF2-40B4-BE49-F238E27FC236}">
+                <a16:creationId xmlns:a16="http://schemas.microsoft.com/office/drawing/2014/main" id="{6EE53C9C-8368-2345-A2FF-0A52E2BDEFDC}"/>
+              </a:ext>
+            </a:extLst>
+          </p:cNvPr>
+          <p:cNvCxnSpPr>
+            <a:cxnSpLocks/>
+          </p:cNvCxnSpPr>
+          <p:nvPr/>
+        </p:nvCxnSpPr>
+        <p:spPr>
+          <a:xfrm flipV="1">
+            <a:off x="15491637" y="7764697"/>
+            <a:ext cx="297712" cy="477592"/>
+          </a:xfrm>
+          <a:prstGeom prst="straightConnector1">
+            <a:avLst/>
+          </a:prstGeom>
+          <a:ln>
+            <a:solidFill>
+              <a:schemeClr val="tx1"/>
+            </a:solidFill>
+            <a:tailEnd type="triangle"/>
+          </a:ln>
+        </p:spPr>
+        <p:style>
+          <a:lnRef idx="1">
+            <a:schemeClr val="accent1"/>
+          </a:lnRef>
+          <a:fillRef idx="0">
+            <a:schemeClr val="accent1"/>
+          </a:fillRef>
+          <a:effectRef idx="0">
+            <a:schemeClr val="accent1"/>
+          </a:effectRef>
+          <a:fontRef idx="minor">
+            <a:schemeClr val="tx1"/>
+          </a:fontRef>
+        </p:style>
+      </p:cxnSp>
+      <p:cxnSp>
+        <p:nvCxnSpPr>
+          <p:cNvPr id="249" name="Straight Arrow Connector 248">
+            <a:extLst>
+              <a:ext uri="{FF2B5EF4-FFF2-40B4-BE49-F238E27FC236}">
+                <a16:creationId xmlns:a16="http://schemas.microsoft.com/office/drawing/2014/main" id="{42B73116-086C-5542-9A2F-B6BD8D12E334}"/>
+              </a:ext>
+            </a:extLst>
+          </p:cNvPr>
+          <p:cNvCxnSpPr>
+            <a:cxnSpLocks/>
+          </p:cNvCxnSpPr>
+          <p:nvPr/>
+        </p:nvCxnSpPr>
+        <p:spPr>
+          <a:xfrm flipV="1">
+            <a:off x="15527175" y="7848954"/>
+            <a:ext cx="357867" cy="1337447"/>
+          </a:xfrm>
+          <a:prstGeom prst="straightConnector1">
+            <a:avLst/>
+          </a:prstGeom>
+          <a:ln>
+            <a:solidFill>
+              <a:schemeClr val="tx1"/>
+            </a:solidFill>
+            <a:tailEnd type="triangle"/>
+          </a:ln>
+        </p:spPr>
+        <p:style>
+          <a:lnRef idx="1">
+            <a:schemeClr val="accent1"/>
+          </a:lnRef>
+          <a:fillRef idx="0">
+            <a:schemeClr val="accent1"/>
+          </a:fillRef>
+          <a:effectRef idx="0">
+            <a:schemeClr val="accent1"/>
+          </a:effectRef>
+          <a:fontRef idx="minor">
+            <a:schemeClr val="tx1"/>
+          </a:fontRef>
+        </p:style>
+      </p:cxnSp>
+      <p:sp>
+        <p:nvSpPr>
+          <p:cNvPr id="251" name="Oval 250">
+            <a:extLst>
+              <a:ext uri="{FF2B5EF4-FFF2-40B4-BE49-F238E27FC236}">
+                <a16:creationId xmlns:a16="http://schemas.microsoft.com/office/drawing/2014/main" id="{D12DA392-E50B-1749-9661-4EE9CC7BB5C6}"/>
+              </a:ext>
+            </a:extLst>
+          </p:cNvPr>
+          <p:cNvSpPr/>
+          <p:nvPr/>
+        </p:nvSpPr>
+        <p:spPr>
+          <a:xfrm>
+            <a:off x="15810745" y="6968229"/>
+            <a:ext cx="731520" cy="742278"/>
+          </a:xfrm>
+          <a:prstGeom prst="ellipse">
+            <a:avLst/>
+          </a:prstGeom>
+          <a:solidFill>
+            <a:schemeClr val="tx2">
+              <a:lumMod val="40000"/>
+              <a:lumOff val="60000"/>
+            </a:schemeClr>
+          </a:solidFill>
+        </p:spPr>
+        <p:style>
+          <a:lnRef idx="2">
+            <a:schemeClr val="accent1">
+              <a:shade val="50000"/>
+            </a:schemeClr>
+          </a:lnRef>
+          <a:fillRef idx="1">
+            <a:schemeClr val="accent1"/>
+          </a:fillRef>
+          <a:effectRef idx="0">
+            <a:schemeClr val="accent1"/>
+          </a:effectRef>
+          <a:fontRef idx="minor">
+            <a:schemeClr val="lt1"/>
+          </a:fontRef>
+        </p:style>
+        <p:txBody>
+          <a:bodyPr rtlCol="0" anchor="ctr"/>
+          <a:lstStyle/>
+          <a:p>
+            <a:pPr algn="ctr"/>
+            <a:endParaRPr lang="en-US" sz="1400" b="1" i="1" dirty="0">
+              <a:solidFill>
+                <a:schemeClr val="bg1"/>
+              </a:solidFill>
+            </a:endParaRPr>
+          </a:p>
+        </p:txBody>
+      </p:sp>
+      <p:sp>
+        <p:nvSpPr>
+          <p:cNvPr id="250" name="Oval 249">
+            <a:extLst>
+              <a:ext uri="{FF2B5EF4-FFF2-40B4-BE49-F238E27FC236}">
+                <a16:creationId xmlns:a16="http://schemas.microsoft.com/office/drawing/2014/main" id="{CA1E1AFE-7439-8647-9752-D80C803B36D8}"/>
+              </a:ext>
+            </a:extLst>
+          </p:cNvPr>
+          <p:cNvSpPr/>
+          <p:nvPr/>
+        </p:nvSpPr>
+        <p:spPr>
+          <a:xfrm>
+            <a:off x="15509838" y="6952409"/>
+            <a:ext cx="731520" cy="742278"/>
+          </a:xfrm>
+          <a:prstGeom prst="ellipse">
+            <a:avLst/>
+          </a:prstGeom>
+          <a:solidFill>
+            <a:schemeClr val="bg1">
+              <a:lumMod val="85000"/>
+            </a:schemeClr>
+          </a:solidFill>
+        </p:spPr>
+        <p:style>
+          <a:lnRef idx="2">
+            <a:schemeClr val="accent1">
+              <a:shade val="50000"/>
+            </a:schemeClr>
+          </a:lnRef>
+          <a:fillRef idx="1">
+            <a:schemeClr val="accent1"/>
+          </a:fillRef>
+          <a:effectRef idx="0">
+            <a:schemeClr val="accent1"/>
+          </a:effectRef>
+          <a:fontRef idx="minor">
+            <a:schemeClr val="lt1"/>
+          </a:fontRef>
+        </p:style>
+        <p:txBody>
+          <a:bodyPr rtlCol="0" anchor="ctr"/>
+          <a:lstStyle/>
+          <a:p>
+            <a:pPr algn="ctr"/>
+            <a:endParaRPr lang="en-US" sz="1400" b="1" i="1" dirty="0">
+              <a:solidFill>
+                <a:schemeClr val="bg1"/>
+              </a:solidFill>
+            </a:endParaRPr>
+          </a:p>
+        </p:txBody>
+      </p:sp>
+      <p:sp>
+        <p:nvSpPr>
+          <p:cNvPr id="252" name="TextBox 251">
+            <a:extLst>
+              <a:ext uri="{FF2B5EF4-FFF2-40B4-BE49-F238E27FC236}">
+                <a16:creationId xmlns:a16="http://schemas.microsoft.com/office/drawing/2014/main" id="{A82E9762-DC60-A645-9FB9-ABB5ACDC0F4E}"/>
+              </a:ext>
+            </a:extLst>
+          </p:cNvPr>
+          <p:cNvSpPr txBox="1"/>
+          <p:nvPr/>
+        </p:nvSpPr>
+        <p:spPr>
+          <a:xfrm>
+            <a:off x="16464154" y="6293896"/>
+            <a:ext cx="510076" cy="230832"/>
+          </a:xfrm>
+          <a:prstGeom prst="rect">
+            <a:avLst/>
+          </a:prstGeom>
+          <a:noFill/>
+        </p:spPr>
+        <p:txBody>
+          <a:bodyPr wrap="square" rtlCol="0">
+            <a:spAutoFit/>
+          </a:bodyPr>
+          <a:lstStyle/>
+          <a:p>
+            <a:r>
+              <a:rPr lang="en-US" sz="900" dirty="0"/>
+              <a:t>Bitcoin</a:t>
+            </a:r>
+          </a:p>
+        </p:txBody>
+      </p:sp>
+      <p:sp>
+        <p:nvSpPr>
+          <p:cNvPr id="253" name="TextBox 252">
+            <a:extLst>
+              <a:ext uri="{FF2B5EF4-FFF2-40B4-BE49-F238E27FC236}">
+                <a16:creationId xmlns:a16="http://schemas.microsoft.com/office/drawing/2014/main" id="{CE15CE98-678E-6E46-B502-AF2A197B3660}"/>
+              </a:ext>
+            </a:extLst>
+          </p:cNvPr>
+          <p:cNvSpPr txBox="1"/>
+          <p:nvPr/>
+        </p:nvSpPr>
+        <p:spPr>
+          <a:xfrm>
+            <a:off x="16439308" y="6437975"/>
+            <a:ext cx="559769" cy="230832"/>
+          </a:xfrm>
+          <a:prstGeom prst="rect">
+            <a:avLst/>
+          </a:prstGeom>
+          <a:noFill/>
+        </p:spPr>
+        <p:txBody>
+          <a:bodyPr wrap="square" rtlCol="0">
+            <a:spAutoFit/>
+          </a:bodyPr>
+          <a:lstStyle/>
+          <a:p>
+            <a:r>
+              <a:rPr lang="en-US" sz="900" dirty="0"/>
+              <a:t>Altcoins</a:t>
+            </a:r>
+          </a:p>
+        </p:txBody>
+      </p:sp>
+      <p:sp>
+        <p:nvSpPr>
+          <p:cNvPr id="254" name="Oval 253">
+            <a:extLst>
+              <a:ext uri="{FF2B5EF4-FFF2-40B4-BE49-F238E27FC236}">
+                <a16:creationId xmlns:a16="http://schemas.microsoft.com/office/drawing/2014/main" id="{7890E530-63E0-F14E-B765-9030F75C9547}"/>
+              </a:ext>
+            </a:extLst>
+          </p:cNvPr>
+          <p:cNvSpPr/>
+          <p:nvPr/>
+        </p:nvSpPr>
+        <p:spPr>
+          <a:xfrm>
+            <a:off x="14540081" y="5691045"/>
+            <a:ext cx="731520" cy="742278"/>
+          </a:xfrm>
+          <a:prstGeom prst="ellipse">
+            <a:avLst/>
+          </a:prstGeom>
+          <a:solidFill>
+            <a:srgbClr val="FFC000"/>
+          </a:solidFill>
+        </p:spPr>
+        <p:style>
+          <a:lnRef idx="2">
+            <a:schemeClr val="accent1">
+              <a:shade val="50000"/>
+            </a:schemeClr>
+          </a:lnRef>
+          <a:fillRef idx="1">
+            <a:schemeClr val="accent1"/>
+          </a:fillRef>
+          <a:effectRef idx="0">
+            <a:schemeClr val="accent1"/>
+          </a:effectRef>
+          <a:fontRef idx="minor">
+            <a:schemeClr val="lt1"/>
+          </a:fontRef>
+        </p:style>
+        <p:txBody>
+          <a:bodyPr rtlCol="0" anchor="ctr"/>
+          <a:lstStyle/>
+          <a:p>
+            <a:pPr algn="ctr"/>
+            <a:r>
+              <a:rPr lang="en-US" sz="900" b="1" i="1" dirty="0">
+                <a:solidFill>
+                  <a:schemeClr val="bg1"/>
+                </a:solidFill>
+              </a:rPr>
+              <a:t>Bitcoin</a:t>
+            </a:r>
+          </a:p>
+        </p:txBody>
+      </p:sp>
+      <p:cxnSp>
+        <p:nvCxnSpPr>
+          <p:cNvPr id="255" name="Straight Arrow Connector 254">
+            <a:extLst>
+              <a:ext uri="{FF2B5EF4-FFF2-40B4-BE49-F238E27FC236}">
+                <a16:creationId xmlns:a16="http://schemas.microsoft.com/office/drawing/2014/main" id="{3AC68BC2-456D-7644-9B8C-7E8EA114A988}"/>
+              </a:ext>
+            </a:extLst>
+          </p:cNvPr>
+          <p:cNvCxnSpPr>
+            <a:cxnSpLocks/>
+          </p:cNvCxnSpPr>
+          <p:nvPr/>
+        </p:nvCxnSpPr>
+        <p:spPr>
+          <a:xfrm>
+            <a:off x="15400693" y="6067563"/>
+            <a:ext cx="247426" cy="0"/>
+          </a:xfrm>
+          <a:prstGeom prst="straightConnector1">
+            <a:avLst/>
+          </a:prstGeom>
+          <a:ln>
+            <a:solidFill>
+              <a:schemeClr val="tx1"/>
+            </a:solidFill>
+            <a:tailEnd type="triangle"/>
+          </a:ln>
+        </p:spPr>
+        <p:style>
+          <a:lnRef idx="1">
+            <a:schemeClr val="accent1"/>
+          </a:lnRef>
+          <a:fillRef idx="0">
+            <a:schemeClr val="accent1"/>
+          </a:fillRef>
+          <a:effectRef idx="0">
+            <a:schemeClr val="accent1"/>
+          </a:effectRef>
+          <a:fontRef idx="minor">
+            <a:schemeClr val="tx1"/>
+          </a:fontRef>
+        </p:style>
+      </p:cxnSp>
+      <p:sp>
+        <p:nvSpPr>
+          <p:cNvPr id="256" name="Oval 255">
+            <a:extLst>
+              <a:ext uri="{FF2B5EF4-FFF2-40B4-BE49-F238E27FC236}">
+                <a16:creationId xmlns:a16="http://schemas.microsoft.com/office/drawing/2014/main" id="{CA4D0F41-A628-3740-BC0C-AEC5111F95C6}"/>
+              </a:ext>
+            </a:extLst>
+          </p:cNvPr>
+          <p:cNvSpPr/>
+          <p:nvPr/>
+        </p:nvSpPr>
+        <p:spPr>
+          <a:xfrm>
+            <a:off x="15794171" y="5703511"/>
+            <a:ext cx="731520" cy="742278"/>
+          </a:xfrm>
+          <a:prstGeom prst="ellipse">
+            <a:avLst/>
+          </a:prstGeom>
+          <a:solidFill>
+            <a:srgbClr val="FFC000"/>
+          </a:solidFill>
+        </p:spPr>
+        <p:style>
+          <a:lnRef idx="2">
+            <a:schemeClr val="accent1">
+              <a:shade val="50000"/>
+            </a:schemeClr>
+          </a:lnRef>
+          <a:fillRef idx="1">
+            <a:schemeClr val="accent1"/>
+          </a:fillRef>
+          <a:effectRef idx="0">
+            <a:schemeClr val="accent1"/>
+          </a:effectRef>
+          <a:fontRef idx="minor">
+            <a:schemeClr val="lt1"/>
+          </a:fontRef>
+        </p:style>
+        <p:txBody>
+          <a:bodyPr rtlCol="0" anchor="ctr"/>
+          <a:lstStyle/>
+          <a:p>
+            <a:pPr algn="ctr"/>
+            <a:r>
+              <a:rPr lang="en-US" sz="900" b="1" i="1" dirty="0">
+                <a:solidFill>
+                  <a:schemeClr val="bg1"/>
+                </a:solidFill>
+              </a:rPr>
+              <a:t>Bitcoin</a:t>
+            </a:r>
+          </a:p>
+        </p:txBody>
+      </p:sp>
+      <p:cxnSp>
+        <p:nvCxnSpPr>
+          <p:cNvPr id="257" name="Straight Arrow Connector 256">
+            <a:extLst>
+              <a:ext uri="{FF2B5EF4-FFF2-40B4-BE49-F238E27FC236}">
+                <a16:creationId xmlns:a16="http://schemas.microsoft.com/office/drawing/2014/main" id="{C4657C78-E903-6247-B975-8A21A5C6C964}"/>
+              </a:ext>
+            </a:extLst>
+          </p:cNvPr>
+          <p:cNvCxnSpPr>
+            <a:cxnSpLocks/>
+          </p:cNvCxnSpPr>
+          <p:nvPr/>
+        </p:nvCxnSpPr>
+        <p:spPr>
+          <a:xfrm>
+            <a:off x="16654783" y="6080029"/>
+            <a:ext cx="247426" cy="0"/>
+          </a:xfrm>
+          <a:prstGeom prst="straightConnector1">
+            <a:avLst/>
+          </a:prstGeom>
+          <a:ln>
+            <a:solidFill>
+              <a:schemeClr val="tx1"/>
+            </a:solidFill>
+            <a:tailEnd type="triangle"/>
+          </a:ln>
+        </p:spPr>
+        <p:style>
+          <a:lnRef idx="1">
+            <a:schemeClr val="accent1"/>
+          </a:lnRef>
+          <a:fillRef idx="0">
+            <a:schemeClr val="accent1"/>
+          </a:fillRef>
+          <a:effectRef idx="0">
+            <a:schemeClr val="accent1"/>
+          </a:effectRef>
+          <a:fontRef idx="minor">
+            <a:schemeClr val="tx1"/>
+          </a:fontRef>
+        </p:style>
+      </p:cxnSp>
+      <p:cxnSp>
+        <p:nvCxnSpPr>
+          <p:cNvPr id="258" name="Straight Arrow Connector 257">
+            <a:extLst>
+              <a:ext uri="{FF2B5EF4-FFF2-40B4-BE49-F238E27FC236}">
+                <a16:creationId xmlns:a16="http://schemas.microsoft.com/office/drawing/2014/main" id="{632C39C4-15E1-404C-AFC8-4CC3F45FD1CA}"/>
+              </a:ext>
+            </a:extLst>
+          </p:cNvPr>
+          <p:cNvCxnSpPr>
+            <a:cxnSpLocks/>
+          </p:cNvCxnSpPr>
+          <p:nvPr/>
+        </p:nvCxnSpPr>
+        <p:spPr>
+          <a:xfrm>
+            <a:off x="16669854" y="7229425"/>
+            <a:ext cx="247426" cy="0"/>
+          </a:xfrm>
+          <a:prstGeom prst="straightConnector1">
+            <a:avLst/>
+          </a:prstGeom>
+          <a:ln>
+            <a:solidFill>
+              <a:schemeClr val="tx1"/>
+            </a:solidFill>
+            <a:tailEnd type="triangle"/>
+          </a:ln>
+        </p:spPr>
+        <p:style>
+          <a:lnRef idx="1">
+            <a:schemeClr val="accent1"/>
+          </a:lnRef>
+          <a:fillRef idx="0">
+            <a:schemeClr val="accent1"/>
+          </a:fillRef>
+          <a:effectRef idx="0">
+            <a:schemeClr val="accent1"/>
+          </a:effectRef>
+          <a:fontRef idx="minor">
+            <a:schemeClr val="tx1"/>
+          </a:fontRef>
+        </p:style>
+      </p:cxnSp>
+      <p:sp>
+        <p:nvSpPr>
+          <p:cNvPr id="3" name="Rectangle 2">
+            <a:extLst>
+              <a:ext uri="{FF2B5EF4-FFF2-40B4-BE49-F238E27FC236}">
+                <a16:creationId xmlns:a16="http://schemas.microsoft.com/office/drawing/2014/main" id="{B660EF3E-150C-3D45-B2B0-A19FBA3A3572}"/>
+              </a:ext>
+            </a:extLst>
+          </p:cNvPr>
+          <p:cNvSpPr/>
+          <p:nvPr/>
+        </p:nvSpPr>
+        <p:spPr>
+          <a:xfrm>
+            <a:off x="2029528" y="8738908"/>
+            <a:ext cx="3417347" cy="923330"/>
+          </a:xfrm>
+          <a:prstGeom prst="rect">
+            <a:avLst/>
+          </a:prstGeom>
+          <a:noFill/>
+        </p:spPr>
+        <p:txBody>
+          <a:bodyPr wrap="none" lIns="91440" tIns="45720" rIns="91440" bIns="45720">
+            <a:spAutoFit/>
+          </a:bodyPr>
+          <a:lstStyle/>
+          <a:p>
+            <a:pPr algn="ctr"/>
+            <a:r>
+              <a:rPr lang="en-US" sz="5400" b="1" dirty="0" err="1">
+                <a:ln w="13462">
+                  <a:solidFill>
+                    <a:schemeClr val="bg1"/>
+                  </a:solidFill>
+                  <a:prstDash val="solid"/>
+                </a:ln>
+                <a:solidFill>
+                  <a:schemeClr val="bg1">
+                    <a:lumMod val="85000"/>
+                  </a:schemeClr>
+                </a:solidFill>
+                <a:effectLst>
+                  <a:outerShdw dist="38100" dir="2700000" algn="bl" rotWithShape="0">
+                    <a:schemeClr val="accent5"/>
+                  </a:outerShdw>
+                </a:effectLst>
+              </a:rPr>
+              <a:t>fork.report</a:t>
+            </a:r>
+            <a:endParaRPr lang="en-US" sz="5400" b="1" dirty="0">
+              <a:ln w="13462">
+                <a:solidFill>
+                  <a:schemeClr val="bg1"/>
+                </a:solidFill>
+                <a:prstDash val="solid"/>
+              </a:ln>
+              <a:solidFill>
+                <a:schemeClr val="bg1">
+                  <a:lumMod val="85000"/>
+                </a:schemeClr>
+              </a:solidFill>
+              <a:effectLst>
+                <a:outerShdw dist="38100" dir="2700000" algn="bl" rotWithShape="0">
+                  <a:schemeClr val="accent5"/>
+                </a:outerShdw>
+              </a:effectLst>
+            </a:endParaRPr>
+          </a:p>
+        </p:txBody>
+      </p:sp>
     </p:spTree>
     <p:extLst>
       <p:ext uri="{BB962C8B-B14F-4D97-AF65-F5344CB8AC3E}">
